--- a/Slides/Graph Neural Networks Theory and Application.pptx
+++ b/Slides/Graph Neural Networks Theory and Application.pptx
@@ -5,7 +5,7 @@
     <p:sldMasterId id="2147483660" r:id="rId4"/>
   </p:sldMasterIdLst>
   <p:notesMasterIdLst>
-    <p:notesMasterId r:id="rId24"/>
+    <p:notesMasterId r:id="rId29"/>
   </p:notesMasterIdLst>
   <p:sldIdLst>
     <p:sldId id="266" r:id="rId5"/>
@@ -27,6 +27,11 @@
     <p:sldId id="324" r:id="rId21"/>
     <p:sldId id="326" r:id="rId22"/>
     <p:sldId id="327" r:id="rId23"/>
+    <p:sldId id="328" r:id="rId24"/>
+    <p:sldId id="329" r:id="rId25"/>
+    <p:sldId id="330" r:id="rId26"/>
+    <p:sldId id="331" r:id="rId27"/>
+    <p:sldId id="332" r:id="rId28"/>
   </p:sldIdLst>
   <p:sldSz cx="12192000" cy="6858000"/>
   <p:notesSz cx="6858000" cy="9144000"/>
@@ -965,7 +970,7 @@
           <a:p>
             <a:fld id="{07DEB93C-A994-457B-86BD-B16219E31EA6}" type="datetimeFigureOut">
               <a:rPr lang="en-US" smtClean="0"/>
-              <a:t>12/5/2022</a:t>
+              <a:t>12/7/2022</a:t>
             </a:fld>
             <a:endParaRPr lang="en-US"/>
           </a:p>
@@ -1569,7 +1574,7 @@
           <a:p>
             <a:fld id="{9184DA70-C731-4C70-880D-CCD4705E623C}" type="datetime1">
               <a:rPr lang="en-US" smtClean="0"/>
-              <a:t>12/5/2022</a:t>
+              <a:t>12/7/2022</a:t>
             </a:fld>
             <a:endParaRPr lang="en-US" dirty="0"/>
           </a:p>
@@ -1757,7 +1762,7 @@
           <a:p>
             <a:fld id="{4BE1D723-8F53-4F53-90B0-1982A396982E}" type="datetime1">
               <a:rPr lang="en-US" smtClean="0"/>
-              <a:t>12/5/2022</a:t>
+              <a:t>12/7/2022</a:t>
             </a:fld>
             <a:endParaRPr lang="en-US" dirty="0"/>
           </a:p>
@@ -2130,7 +2135,7 @@
           <a:p>
             <a:fld id="{97669AF7-7BEB-44E4-9852-375E34362B5B}" type="datetime1">
               <a:rPr lang="en-US" smtClean="0"/>
-              <a:t>12/5/2022</a:t>
+              <a:t>12/7/2022</a:t>
             </a:fld>
             <a:endParaRPr lang="en-US" dirty="0"/>
           </a:p>
@@ -2385,7 +2390,7 @@
           <a:p>
             <a:fld id="{BAAAC38D-0552-4C82-B593-E6124DFADBE2}" type="datetime1">
               <a:rPr lang="en-US" smtClean="0"/>
-              <a:t>12/5/2022</a:t>
+              <a:t>12/7/2022</a:t>
             </a:fld>
             <a:endParaRPr lang="en-US" dirty="0"/>
           </a:p>
@@ -2782,7 +2787,7 @@
           <a:p>
             <a:fld id="{D9DF0F1C-5577-4ACB-BB62-DF8F3C494C7E}" type="datetime1">
               <a:rPr lang="en-US" smtClean="0"/>
-              <a:t>12/5/2022</a:t>
+              <a:t>12/7/2022</a:t>
             </a:fld>
             <a:endParaRPr lang="en-US" dirty="0"/>
           </a:p>
@@ -2918,7 +2923,7 @@
           <a:p>
             <a:fld id="{1775B394-D9F9-4F0C-B15D-605F45CB9E9F}" type="datetime1">
               <a:rPr lang="en-US" smtClean="0"/>
-              <a:t>12/5/2022</a:t>
+              <a:t>12/7/2022</a:t>
             </a:fld>
             <a:endParaRPr lang="en-US" dirty="0"/>
           </a:p>
@@ -3075,7 +3080,7 @@
           <a:p>
             <a:fld id="{39667345-2558-425A-8533-9BFDBCE15005}" type="datetime1">
               <a:rPr lang="en-US" smtClean="0"/>
-              <a:t>12/5/2022</a:t>
+              <a:t>12/7/2022</a:t>
             </a:fld>
             <a:endParaRPr lang="en-US" dirty="0"/>
           </a:p>
@@ -3404,7 +3409,7 @@
           <a:p>
             <a:fld id="{92BEA474-078D-4E9B-9B14-09A87B19DC46}" type="datetime1">
               <a:rPr lang="en-US" smtClean="0"/>
-              <a:t>12/5/2022</a:t>
+              <a:t>12/7/2022</a:t>
             </a:fld>
             <a:endParaRPr lang="en-US" dirty="0"/>
           </a:p>
@@ -3754,7 +3759,7 @@
           <a:p>
             <a:fld id="{4907D986-8816-4272-A432-0437A28A9828}" type="datetime1">
               <a:rPr lang="en-US" smtClean="0"/>
-              <a:t>12/5/2022</a:t>
+              <a:t>12/7/2022</a:t>
             </a:fld>
             <a:endParaRPr lang="en-US" dirty="0"/>
           </a:p>
@@ -4015,7 +4020,7 @@
           <a:p>
             <a:fld id="{62D6E202-B606-4609-B914-27C9371A1F6D}" type="datetime1">
               <a:rPr lang="en-US" smtClean="0"/>
-              <a:t>12/5/2022</a:t>
+              <a:t>12/7/2022</a:t>
             </a:fld>
             <a:endParaRPr lang="en-US" dirty="0"/>
           </a:p>
@@ -8124,8 +8129,8 @@
           </a:p>
         </p:txBody>
       </p:sp>
-      <mc:AlternateContent xmlns:mc="http://schemas.openxmlformats.org/markup-compatibility/2006">
-        <mc:Choice xmlns:a14="http://schemas.microsoft.com/office/drawing/2010/main" Requires="a14">
+      <mc:AlternateContent xmlns:mc="http://schemas.openxmlformats.org/markup-compatibility/2006" xmlns:a14="http://schemas.microsoft.com/office/drawing/2010/main">
+        <mc:Choice Requires="a14">
           <p:sp>
             <p:nvSpPr>
               <p:cNvPr id="7" name="TextBox 6">
@@ -8197,7 +8202,7 @@
             </p:txBody>
           </p:sp>
         </mc:Choice>
-        <mc:Fallback>
+        <mc:Fallback xmlns="">
           <p:sp>
             <p:nvSpPr>
               <p:cNvPr id="7" name="TextBox 6">
@@ -8242,8 +8247,8 @@
           </p:sp>
         </mc:Fallback>
       </mc:AlternateContent>
-      <mc:AlternateContent xmlns:mc="http://schemas.openxmlformats.org/markup-compatibility/2006">
-        <mc:Choice xmlns:a14="http://schemas.microsoft.com/office/drawing/2010/main" Requires="a14">
+      <mc:AlternateContent xmlns:mc="http://schemas.openxmlformats.org/markup-compatibility/2006" xmlns:a14="http://schemas.microsoft.com/office/drawing/2010/main">
+        <mc:Choice Requires="a14">
           <p:sp>
             <p:nvSpPr>
               <p:cNvPr id="8" name="TextBox 7">
@@ -8315,7 +8320,7 @@
             </p:txBody>
           </p:sp>
         </mc:Choice>
-        <mc:Fallback>
+        <mc:Fallback xmlns="">
           <p:sp>
             <p:nvSpPr>
               <p:cNvPr id="8" name="TextBox 7">
@@ -8360,8 +8365,8 @@
           </p:sp>
         </mc:Fallback>
       </mc:AlternateContent>
-      <mc:AlternateContent xmlns:mc="http://schemas.openxmlformats.org/markup-compatibility/2006">
-        <mc:Choice xmlns:a14="http://schemas.microsoft.com/office/drawing/2010/main" Requires="a14">
+      <mc:AlternateContent xmlns:mc="http://schemas.openxmlformats.org/markup-compatibility/2006" xmlns:a14="http://schemas.microsoft.com/office/drawing/2010/main">
+        <mc:Choice Requires="a14">
           <p:sp>
             <p:nvSpPr>
               <p:cNvPr id="9" name="TextBox 8">
@@ -8433,7 +8438,7 @@
             </p:txBody>
           </p:sp>
         </mc:Choice>
-        <mc:Fallback>
+        <mc:Fallback xmlns="">
           <p:sp>
             <p:nvSpPr>
               <p:cNvPr id="9" name="TextBox 8">
@@ -8478,8 +8483,8 @@
           </p:sp>
         </mc:Fallback>
       </mc:AlternateContent>
-      <mc:AlternateContent xmlns:mc="http://schemas.openxmlformats.org/markup-compatibility/2006">
-        <mc:Choice xmlns:a14="http://schemas.microsoft.com/office/drawing/2010/main" Requires="a14">
+      <mc:AlternateContent xmlns:mc="http://schemas.openxmlformats.org/markup-compatibility/2006" xmlns:a14="http://schemas.microsoft.com/office/drawing/2010/main">
+        <mc:Choice Requires="a14">
           <p:sp>
             <p:nvSpPr>
               <p:cNvPr id="10" name="TextBox 9">
@@ -8551,7 +8556,7 @@
             </p:txBody>
           </p:sp>
         </mc:Choice>
-        <mc:Fallback>
+        <mc:Fallback xmlns="">
           <p:sp>
             <p:nvSpPr>
               <p:cNvPr id="10" name="TextBox 9">
@@ -9875,8 +9880,8 @@
           </a:p>
         </p:txBody>
       </p:sp>
-      <mc:AlternateContent xmlns:mc="http://schemas.openxmlformats.org/markup-compatibility/2006">
-        <mc:Choice xmlns:a14="http://schemas.microsoft.com/office/drawing/2010/main" Requires="a14">
+      <mc:AlternateContent xmlns:mc="http://schemas.openxmlformats.org/markup-compatibility/2006" xmlns:a14="http://schemas.microsoft.com/office/drawing/2010/main">
+        <mc:Choice Requires="a14">
           <p:sp>
             <p:nvSpPr>
               <p:cNvPr id="18" name="TextBox 17">
@@ -9948,7 +9953,7 @@
             </p:txBody>
           </p:sp>
         </mc:Choice>
-        <mc:Fallback>
+        <mc:Fallback xmlns="">
           <p:sp>
             <p:nvSpPr>
               <p:cNvPr id="18" name="TextBox 17">
@@ -9993,8 +9998,8 @@
           </p:sp>
         </mc:Fallback>
       </mc:AlternateContent>
-      <mc:AlternateContent xmlns:mc="http://schemas.openxmlformats.org/markup-compatibility/2006">
-        <mc:Choice xmlns:a14="http://schemas.microsoft.com/office/drawing/2010/main" Requires="a14">
+      <mc:AlternateContent xmlns:mc="http://schemas.openxmlformats.org/markup-compatibility/2006" xmlns:a14="http://schemas.microsoft.com/office/drawing/2010/main">
+        <mc:Choice Requires="a14">
           <p:sp>
             <p:nvSpPr>
               <p:cNvPr id="19" name="TextBox 18">
@@ -10066,7 +10071,7 @@
             </p:txBody>
           </p:sp>
         </mc:Choice>
-        <mc:Fallback>
+        <mc:Fallback xmlns="">
           <p:sp>
             <p:nvSpPr>
               <p:cNvPr id="19" name="TextBox 18">
@@ -10111,8 +10116,8 @@
           </p:sp>
         </mc:Fallback>
       </mc:AlternateContent>
-      <mc:AlternateContent xmlns:mc="http://schemas.openxmlformats.org/markup-compatibility/2006">
-        <mc:Choice xmlns:a14="http://schemas.microsoft.com/office/drawing/2010/main" Requires="a14">
+      <mc:AlternateContent xmlns:mc="http://schemas.openxmlformats.org/markup-compatibility/2006" xmlns:a14="http://schemas.microsoft.com/office/drawing/2010/main">
+        <mc:Choice Requires="a14">
           <p:sp>
             <p:nvSpPr>
               <p:cNvPr id="20" name="TextBox 19">
@@ -10184,7 +10189,7 @@
             </p:txBody>
           </p:sp>
         </mc:Choice>
-        <mc:Fallback>
+        <mc:Fallback xmlns="">
           <p:sp>
             <p:nvSpPr>
               <p:cNvPr id="20" name="TextBox 19">
@@ -10229,8 +10234,8 @@
           </p:sp>
         </mc:Fallback>
       </mc:AlternateContent>
-      <mc:AlternateContent xmlns:mc="http://schemas.openxmlformats.org/markup-compatibility/2006">
-        <mc:Choice xmlns:a14="http://schemas.microsoft.com/office/drawing/2010/main" Requires="a14">
+      <mc:AlternateContent xmlns:mc="http://schemas.openxmlformats.org/markup-compatibility/2006" xmlns:a14="http://schemas.microsoft.com/office/drawing/2010/main">
+        <mc:Choice Requires="a14">
           <p:sp>
             <p:nvSpPr>
               <p:cNvPr id="22" name="TextBox 21">
@@ -10322,7 +10327,7 @@
             </p:txBody>
           </p:sp>
         </mc:Choice>
-        <mc:Fallback>
+        <mc:Fallback xmlns="">
           <p:sp>
             <p:nvSpPr>
               <p:cNvPr id="22" name="TextBox 21">
@@ -10457,8 +10462,8 @@
           </a:p>
         </p:txBody>
       </p:sp>
-      <mc:AlternateContent xmlns:mc="http://schemas.openxmlformats.org/markup-compatibility/2006">
-        <mc:Choice xmlns:a14="http://schemas.microsoft.com/office/drawing/2010/main" Requires="a14">
+      <mc:AlternateContent xmlns:mc="http://schemas.openxmlformats.org/markup-compatibility/2006" xmlns:a14="http://schemas.microsoft.com/office/drawing/2010/main">
+        <mc:Choice Requires="a14">
           <p:sp>
             <p:nvSpPr>
               <p:cNvPr id="25" name="TextBox 24">
@@ -10530,7 +10535,7 @@
             </p:txBody>
           </p:sp>
         </mc:Choice>
-        <mc:Fallback>
+        <mc:Fallback xmlns="">
           <p:sp>
             <p:nvSpPr>
               <p:cNvPr id="25" name="TextBox 24">
@@ -10575,8 +10580,8 @@
           </p:sp>
         </mc:Fallback>
       </mc:AlternateContent>
-      <mc:AlternateContent xmlns:mc="http://schemas.openxmlformats.org/markup-compatibility/2006">
-        <mc:Choice xmlns:a14="http://schemas.microsoft.com/office/drawing/2010/main" Requires="a14">
+      <mc:AlternateContent xmlns:mc="http://schemas.openxmlformats.org/markup-compatibility/2006" xmlns:a14="http://schemas.microsoft.com/office/drawing/2010/main">
+        <mc:Choice Requires="a14">
           <p:sp>
             <p:nvSpPr>
               <p:cNvPr id="26" name="TextBox 25">
@@ -10648,7 +10653,7 @@
             </p:txBody>
           </p:sp>
         </mc:Choice>
-        <mc:Fallback>
+        <mc:Fallback xmlns="">
           <p:sp>
             <p:nvSpPr>
               <p:cNvPr id="26" name="TextBox 25">
@@ -10693,8 +10698,8 @@
           </p:sp>
         </mc:Fallback>
       </mc:AlternateContent>
-      <mc:AlternateContent xmlns:mc="http://schemas.openxmlformats.org/markup-compatibility/2006">
-        <mc:Choice xmlns:a14="http://schemas.microsoft.com/office/drawing/2010/main" Requires="a14">
+      <mc:AlternateContent xmlns:mc="http://schemas.openxmlformats.org/markup-compatibility/2006" xmlns:a14="http://schemas.microsoft.com/office/drawing/2010/main">
+        <mc:Choice Requires="a14">
           <p:sp>
             <p:nvSpPr>
               <p:cNvPr id="27" name="TextBox 26">
@@ -10766,7 +10771,7 @@
             </p:txBody>
           </p:sp>
         </mc:Choice>
-        <mc:Fallback>
+        <mc:Fallback xmlns="">
           <p:sp>
             <p:nvSpPr>
               <p:cNvPr id="27" name="TextBox 26">
@@ -11015,8 +11020,8 @@
           </a:p>
         </p:txBody>
       </p:sp>
-      <mc:AlternateContent xmlns:mc="http://schemas.openxmlformats.org/markup-compatibility/2006">
-        <mc:Choice xmlns:a14="http://schemas.microsoft.com/office/drawing/2010/main" Requires="a14">
+      <mc:AlternateContent xmlns:mc="http://schemas.openxmlformats.org/markup-compatibility/2006" xmlns:a14="http://schemas.microsoft.com/office/drawing/2010/main">
+        <mc:Choice Requires="a14">
           <p:sp>
             <p:nvSpPr>
               <p:cNvPr id="33" name="TextBox 32">
@@ -11094,7 +11099,7 @@
             </p:txBody>
           </p:sp>
         </mc:Choice>
-        <mc:Fallback>
+        <mc:Fallback xmlns="">
           <p:sp>
             <p:nvSpPr>
               <p:cNvPr id="33" name="TextBox 32">
@@ -11139,8 +11144,8 @@
           </p:sp>
         </mc:Fallback>
       </mc:AlternateContent>
-      <mc:AlternateContent xmlns:mc="http://schemas.openxmlformats.org/markup-compatibility/2006">
-        <mc:Choice xmlns:a14="http://schemas.microsoft.com/office/drawing/2010/main" Requires="a14">
+      <mc:AlternateContent xmlns:mc="http://schemas.openxmlformats.org/markup-compatibility/2006" xmlns:a14="http://schemas.microsoft.com/office/drawing/2010/main">
+        <mc:Choice Requires="a14">
           <p:sp>
             <p:nvSpPr>
               <p:cNvPr id="34" name="TextBox 33">
@@ -11218,7 +11223,7 @@
             </p:txBody>
           </p:sp>
         </mc:Choice>
-        <mc:Fallback>
+        <mc:Fallback xmlns="">
           <p:sp>
             <p:nvSpPr>
               <p:cNvPr id="34" name="TextBox 33">
@@ -11263,8 +11268,8 @@
           </p:sp>
         </mc:Fallback>
       </mc:AlternateContent>
-      <mc:AlternateContent xmlns:mc="http://schemas.openxmlformats.org/markup-compatibility/2006">
-        <mc:Choice xmlns:a14="http://schemas.microsoft.com/office/drawing/2010/main" Requires="a14">
+      <mc:AlternateContent xmlns:mc="http://schemas.openxmlformats.org/markup-compatibility/2006" xmlns:a14="http://schemas.microsoft.com/office/drawing/2010/main">
+        <mc:Choice Requires="a14">
           <p:sp>
             <p:nvSpPr>
               <p:cNvPr id="35" name="TextBox 34">
@@ -11342,7 +11347,7 @@
             </p:txBody>
           </p:sp>
         </mc:Choice>
-        <mc:Fallback>
+        <mc:Fallback xmlns="">
           <p:sp>
             <p:nvSpPr>
               <p:cNvPr id="35" name="TextBox 34">
@@ -11387,8 +11392,8 @@
           </p:sp>
         </mc:Fallback>
       </mc:AlternateContent>
-      <mc:AlternateContent xmlns:mc="http://schemas.openxmlformats.org/markup-compatibility/2006">
-        <mc:Choice xmlns:a14="http://schemas.microsoft.com/office/drawing/2010/main" Requires="a14">
+      <mc:AlternateContent xmlns:mc="http://schemas.openxmlformats.org/markup-compatibility/2006" xmlns:a14="http://schemas.microsoft.com/office/drawing/2010/main">
+        <mc:Choice Requires="a14">
           <p:sp>
             <p:nvSpPr>
               <p:cNvPr id="36" name="TextBox 35">
@@ -11417,198 +11422,267 @@
               </a:bodyPr>
               <a:lstStyle/>
               <a:p>
-                <a:pPr/>
                 <a14:m>
                   <m:oMath xmlns:m="http://schemas.openxmlformats.org/officeDocument/2006/math">
                     <m:r>
                       <m:rPr>
                         <m:sty m:val="p"/>
                       </m:rPr>
-                      <a:rPr lang="en-US" sz="2000" b="0" i="0" smtClean="0"/>
+                      <a:rPr lang="en-US" sz="2000" b="0" i="0" smtClean="0">
+                        <a:latin typeface="Cambria Math" panose="02040503050406030204" pitchFamily="18" charset="0"/>
+                      </a:rPr>
                       <m:t>Here</m:t>
                     </m:r>
                     <m:r>
-                      <a:rPr lang="en-US" sz="2000" b="1" i="1" smtClean="0"/>
+                      <a:rPr lang="en-US" sz="2000" b="1" i="1" smtClean="0">
+                        <a:latin typeface="Cambria Math" panose="02040503050406030204" pitchFamily="18" charset="0"/>
+                      </a:rPr>
                       <m:t> </m:t>
                     </m:r>
                     <m:r>
-                      <a:rPr lang="en-US" sz="2000" b="1" i="1" smtClean="0"/>
+                      <a:rPr lang="en-US" sz="2000" b="1" i="1" smtClean="0">
+                        <a:latin typeface="Cambria Math" panose="02040503050406030204" pitchFamily="18" charset="0"/>
+                      </a:rPr>
                       <m:t>𝑭</m:t>
                     </m:r>
                     <m:r>
-                      <a:rPr lang="en-US" sz="2000" b="1" i="1" smtClean="0"/>
+                      <a:rPr lang="en-US" sz="2000" b="1" i="1" smtClean="0">
+                        <a:latin typeface="Cambria Math" panose="02040503050406030204" pitchFamily="18" charset="0"/>
+                      </a:rPr>
                       <m:t> </m:t>
                     </m:r>
                     <m:r>
                       <m:rPr>
                         <m:sty m:val="p"/>
                       </m:rPr>
-                      <a:rPr lang="en-US" sz="2000" b="0" i="0" smtClean="0"/>
+                      <a:rPr lang="en-US" sz="2000" b="0" i="0" smtClean="0">
+                        <a:latin typeface="Cambria Math" panose="02040503050406030204" pitchFamily="18" charset="0"/>
+                      </a:rPr>
                       <m:t>can</m:t>
                     </m:r>
                     <m:r>
-                      <a:rPr lang="en-US" sz="2000" b="0" i="0" smtClean="0"/>
+                      <a:rPr lang="en-US" sz="2000" b="0" i="0" smtClean="0">
+                        <a:latin typeface="Cambria Math" panose="02040503050406030204" pitchFamily="18" charset="0"/>
+                      </a:rPr>
                       <m:t> </m:t>
                     </m:r>
                     <m:r>
                       <m:rPr>
                         <m:sty m:val="p"/>
                       </m:rPr>
-                      <a:rPr lang="en-US" sz="2000" b="0" i="0" smtClean="0"/>
+                      <a:rPr lang="en-US" sz="2000" b="0" i="0" smtClean="0">
+                        <a:latin typeface="Cambria Math" panose="02040503050406030204" pitchFamily="18" charset="0"/>
+                      </a:rPr>
                       <m:t>be</m:t>
                     </m:r>
                     <m:r>
-                      <a:rPr lang="en-US" sz="2000" b="0" i="0" smtClean="0"/>
+                      <a:rPr lang="en-US" sz="2000" b="0" i="0" smtClean="0">
+                        <a:latin typeface="Cambria Math" panose="02040503050406030204" pitchFamily="18" charset="0"/>
+                      </a:rPr>
                       <m:t> </m:t>
                     </m:r>
                     <m:r>
                       <m:rPr>
                         <m:sty m:val="p"/>
                       </m:rPr>
-                      <a:rPr lang="en-US" sz="2000" b="0" i="0" smtClean="0"/>
+                      <a:rPr lang="en-US" sz="2000" b="0" i="0" smtClean="0">
+                        <a:latin typeface="Cambria Math" panose="02040503050406030204" pitchFamily="18" charset="0"/>
+                      </a:rPr>
                       <m:t>MLP</m:t>
                     </m:r>
                     <m:r>
-                      <a:rPr lang="en-US" sz="2000" b="0" i="0" smtClean="0"/>
+                      <a:rPr lang="en-US" sz="2000" b="0" i="0" smtClean="0">
+                        <a:latin typeface="Cambria Math" panose="02040503050406030204" pitchFamily="18" charset="0"/>
+                      </a:rPr>
                       <m:t> </m:t>
                     </m:r>
                     <m:r>
                       <m:rPr>
                         <m:sty m:val="p"/>
                       </m:rPr>
-                      <a:rPr lang="en-US" sz="2000" b="0" i="0" smtClean="0"/>
+                      <a:rPr lang="en-US" sz="2000" b="0" i="0" smtClean="0">
+                        <a:latin typeface="Cambria Math" panose="02040503050406030204" pitchFamily="18" charset="0"/>
+                      </a:rPr>
                       <m:t>or</m:t>
                     </m:r>
                     <m:r>
-                      <a:rPr lang="en-US" sz="2000" b="0" i="0" smtClean="0"/>
+                      <a:rPr lang="en-US" sz="2000" b="0" i="0" smtClean="0">
+                        <a:latin typeface="Cambria Math" panose="02040503050406030204" pitchFamily="18" charset="0"/>
+                      </a:rPr>
                       <m:t> </m:t>
                     </m:r>
                     <m:r>
                       <m:rPr>
                         <m:sty m:val="p"/>
                       </m:rPr>
-                      <a:rPr lang="en-US" sz="2000" b="0" i="0" smtClean="0"/>
+                      <a:rPr lang="en-US" sz="2000" b="0" i="0" smtClean="0">
+                        <a:latin typeface="Cambria Math" panose="02040503050406030204" pitchFamily="18" charset="0"/>
+                      </a:rPr>
                       <m:t>RNN</m:t>
                     </m:r>
                     <m:r>
-                      <a:rPr lang="en-US" sz="2000" b="0" i="0" smtClean="0"/>
+                      <a:rPr lang="en-US" sz="2000" b="0" i="0" smtClean="0">
+                        <a:latin typeface="Cambria Math" panose="02040503050406030204" pitchFamily="18" charset="0"/>
+                      </a:rPr>
                       <m:t> </m:t>
                     </m:r>
                     <m:r>
                       <m:rPr>
                         <m:sty m:val="p"/>
                       </m:rPr>
-                      <a:rPr lang="en-US" sz="2000" b="0" i="0" smtClean="0"/>
+                      <a:rPr lang="en-US" sz="2000" b="0" i="0" smtClean="0">
+                        <a:latin typeface="Cambria Math" panose="02040503050406030204" pitchFamily="18" charset="0"/>
+                      </a:rPr>
                       <m:t>or</m:t>
                     </m:r>
                     <m:r>
-                      <a:rPr lang="en-US" sz="2000" b="0" i="0" smtClean="0"/>
+                      <a:rPr lang="en-US" sz="2000" b="0" i="0" smtClean="0">
+                        <a:latin typeface="Cambria Math" panose="02040503050406030204" pitchFamily="18" charset="0"/>
+                      </a:rPr>
                       <m:t> </m:t>
                     </m:r>
                     <m:r>
                       <m:rPr>
                         <m:sty m:val="p"/>
                       </m:rPr>
-                      <a:rPr lang="en-US" sz="2000" b="0" i="0" smtClean="0"/>
+                      <a:rPr lang="en-US" sz="2000" b="0" i="0" smtClean="0">
+                        <a:latin typeface="Cambria Math" panose="02040503050406030204" pitchFamily="18" charset="0"/>
+                      </a:rPr>
                       <m:t>simple</m:t>
                     </m:r>
                     <m:r>
-                      <a:rPr lang="en-US" sz="2000" b="0" i="0" smtClean="0"/>
+                      <a:rPr lang="en-US" sz="2000" b="0" i="0" smtClean="0">
+                        <a:latin typeface="Cambria Math" panose="02040503050406030204" pitchFamily="18" charset="0"/>
+                      </a:rPr>
                       <m:t> </m:t>
                     </m:r>
                     <m:r>
                       <m:rPr>
                         <m:sty m:val="p"/>
                       </m:rPr>
-                      <a:rPr lang="en-US" sz="2000" b="0" i="0" smtClean="0"/>
+                      <a:rPr lang="en-US" sz="2000" b="0" i="0" smtClean="0">
+                        <a:latin typeface="Cambria Math" panose="02040503050406030204" pitchFamily="18" charset="0"/>
+                      </a:rPr>
                       <m:t>affine</m:t>
                     </m:r>
                     <m:r>
-                      <a:rPr lang="en-US" sz="2000" b="0" i="0" smtClean="0"/>
+                      <a:rPr lang="en-US" sz="2000" b="0" i="0" smtClean="0">
+                        <a:latin typeface="Cambria Math" panose="02040503050406030204" pitchFamily="18" charset="0"/>
+                      </a:rPr>
                       <m:t> </m:t>
                     </m:r>
                     <m:r>
                       <m:rPr>
                         <m:sty m:val="p"/>
                       </m:rPr>
-                      <a:rPr lang="en-US" sz="2000" b="0" i="0" smtClean="0"/>
+                      <a:rPr lang="en-US" sz="2000" b="0" i="0" smtClean="0">
+                        <a:latin typeface="Cambria Math" panose="02040503050406030204" pitchFamily="18" charset="0"/>
+                      </a:rPr>
                       <m:t>function</m:t>
                     </m:r>
                     <m:r>
-                      <a:rPr lang="en-US" sz="2000" b="0" i="0" smtClean="0"/>
+                      <a:rPr lang="en-US" sz="2000" b="0" i="0" smtClean="0">
+                        <a:latin typeface="Cambria Math" panose="02040503050406030204" pitchFamily="18" charset="0"/>
+                      </a:rPr>
                       <m:t> </m:t>
                     </m:r>
                     <m:r>
                       <m:rPr>
                         <m:sty m:val="p"/>
                       </m:rPr>
-                      <a:rPr lang="en-US" sz="2000" b="0" i="0" smtClean="0"/>
+                      <a:rPr lang="en-US" sz="2000" b="0" i="0" smtClean="0">
+                        <a:latin typeface="Cambria Math" panose="02040503050406030204" pitchFamily="18" charset="0"/>
+                      </a:rPr>
                       <m:t>meaning</m:t>
                     </m:r>
                     <m:r>
-                      <a:rPr lang="en-US" sz="2000" b="0" i="0" smtClean="0"/>
+                      <a:rPr lang="en-US" sz="2000" b="0" i="0" smtClean="0">
+                        <a:latin typeface="Cambria Math" panose="02040503050406030204" pitchFamily="18" charset="0"/>
+                      </a:rPr>
                       <m:t> </m:t>
                     </m:r>
                     <m:r>
                       <m:rPr>
                         <m:sty m:val="p"/>
                       </m:rPr>
-                      <a:rPr lang="en-US" sz="2000" b="0" i="0" smtClean="0"/>
+                      <a:rPr lang="en-US" sz="2000" b="0" i="0" smtClean="0">
+                        <a:latin typeface="Cambria Math" panose="02040503050406030204" pitchFamily="18" charset="0"/>
+                      </a:rPr>
                       <m:t>simple</m:t>
                     </m:r>
                     <m:r>
-                      <a:rPr lang="en-US" sz="2000" b="0" i="0" smtClean="0"/>
+                      <a:rPr lang="en-US" sz="2000" b="0" i="0" smtClean="0">
+                        <a:latin typeface="Cambria Math" panose="02040503050406030204" pitchFamily="18" charset="0"/>
+                      </a:rPr>
                       <m:t> </m:t>
                     </m:r>
                     <m:r>
                       <m:rPr>
                         <m:sty m:val="p"/>
                       </m:rPr>
-                      <a:rPr lang="en-US" sz="2000" b="0" i="0" smtClean="0"/>
+                      <a:rPr lang="en-US" sz="2000" b="0" i="0" smtClean="0">
+                        <a:latin typeface="Cambria Math" panose="02040503050406030204" pitchFamily="18" charset="0"/>
+                      </a:rPr>
                       <m:t>linear</m:t>
                     </m:r>
                     <m:r>
-                      <a:rPr lang="en-US" sz="2000" b="0" i="0" smtClean="0"/>
+                      <a:rPr lang="en-US" sz="2000" b="0" i="0" smtClean="0">
+                        <a:latin typeface="Cambria Math" panose="02040503050406030204" pitchFamily="18" charset="0"/>
+                      </a:rPr>
                       <m:t> </m:t>
                     </m:r>
                     <m:r>
                       <m:rPr>
                         <m:sty m:val="p"/>
                       </m:rPr>
-                      <a:rPr lang="en-US" sz="2000" b="0" i="0" smtClean="0"/>
+                      <a:rPr lang="en-US" sz="2000" b="0" i="0" smtClean="0">
+                        <a:latin typeface="Cambria Math" panose="02040503050406030204" pitchFamily="18" charset="0"/>
+                      </a:rPr>
                       <m:t>tranformation</m:t>
                     </m:r>
                     <m:r>
-                      <a:rPr lang="en-US" sz="2000" b="0" i="0" smtClean="0"/>
+                      <a:rPr lang="en-US" sz="2000" b="0" i="0" smtClean="0">
+                        <a:latin typeface="Cambria Math" panose="02040503050406030204" pitchFamily="18" charset="0"/>
+                      </a:rPr>
                       <m:t> </m:t>
                     </m:r>
                     <m:r>
                       <m:rPr>
                         <m:sty m:val="p"/>
                       </m:rPr>
-                      <a:rPr lang="en-US" sz="2000" b="0" i="0" smtClean="0"/>
+                      <a:rPr lang="en-US" sz="2000" b="0" i="0" smtClean="0">
+                        <a:latin typeface="Cambria Math" panose="02040503050406030204" pitchFamily="18" charset="0"/>
+                      </a:rPr>
                       <m:t>will</m:t>
                     </m:r>
                     <m:r>
-                      <a:rPr lang="en-US" sz="2000" b="0" i="0" smtClean="0"/>
+                      <a:rPr lang="en-US" sz="2000" b="0" i="0" smtClean="0">
+                        <a:latin typeface="Cambria Math" panose="02040503050406030204" pitchFamily="18" charset="0"/>
+                      </a:rPr>
                       <m:t> </m:t>
                     </m:r>
                     <m:r>
                       <m:rPr>
                         <m:sty m:val="p"/>
                       </m:rPr>
-                      <a:rPr lang="en-US" sz="2000" b="0" i="0" smtClean="0"/>
+                      <a:rPr lang="en-US" sz="2000" b="0" i="0" smtClean="0">
+                        <a:latin typeface="Cambria Math" panose="02040503050406030204" pitchFamily="18" charset="0"/>
+                      </a:rPr>
                       <m:t>also</m:t>
                     </m:r>
                     <m:r>
-                      <a:rPr lang="en-US" sz="2000" b="0" i="0" smtClean="0"/>
+                      <a:rPr lang="en-US" sz="2000" b="0" i="0" smtClean="0">
+                        <a:latin typeface="Cambria Math" panose="02040503050406030204" pitchFamily="18" charset="0"/>
+                      </a:rPr>
                       <m:t> </m:t>
                     </m:r>
                     <m:r>
                       <m:rPr>
                         <m:sty m:val="p"/>
                       </m:rPr>
-                      <a:rPr lang="en-US" sz="2000" b="0" i="0" smtClean="0"/>
+                      <a:rPr lang="en-US" sz="2000" b="0" i="0" smtClean="0">
+                        <a:latin typeface="Cambria Math" panose="02040503050406030204" pitchFamily="18" charset="0"/>
+                      </a:rPr>
                       <m:t>work</m:t>
                     </m:r>
                   </m:oMath>
@@ -11619,7 +11693,6 @@
                 </a:r>
               </a:p>
               <a:p>
-                <a:pPr/>
                 <a:r>
                   <a:rPr lang="en-US" sz="2000" b="1" dirty="0"/>
                   <a:t>Hence,</a:t>
@@ -11628,7 +11701,7 @@
             </p:txBody>
           </p:sp>
         </mc:Choice>
-        <mc:Fallback>
+        <mc:Fallback xmlns="">
           <p:sp>
             <p:nvSpPr>
               <p:cNvPr id="36" name="TextBox 35">
@@ -11690,7 +11763,7 @@
             <p:spPr>
               <a:xfrm>
                 <a:off x="1386655" y="4996295"/>
-                <a:ext cx="7744902" cy="1087862"/>
+                <a:ext cx="7885164" cy="969881"/>
               </a:xfrm>
               <a:prstGeom prst="rect">
                 <a:avLst/>
@@ -11743,443 +11816,441 @@
                   </a:spcAft>
                 </a:pPr>
                 <a14:m>
-                  <m:oMathPara xmlns:m="http://schemas.openxmlformats.org/officeDocument/2006/math">
-                    <m:oMathParaPr>
-                      <m:jc m:val="centerGroup"/>
-                    </m:oMathParaPr>
-                    <m:oMath xmlns:m="http://schemas.openxmlformats.org/officeDocument/2006/math">
-                      <m:r>
-                        <a:rPr lang="en-US" sz="2000" b="0" i="1" smtClean="0">
-                          <a:solidFill>
-                            <a:schemeClr val="accent5">
-                              <a:lumMod val="75000"/>
-                            </a:schemeClr>
-                          </a:solidFill>
-                          <a:effectLst/>
-                          <a:latin typeface="Cambria Math" panose="02040503050406030204" pitchFamily="18" charset="0"/>
-                          <a:ea typeface="Calibri" panose="020F0502020204030204" pitchFamily="34" charset="0"/>
-                          <a:cs typeface="Times New Roman" panose="02020603050405020304" pitchFamily="18" charset="0"/>
-                        </a:rPr>
-                        <m:t>𝐹</m:t>
-                      </m:r>
-                      <m:d>
-                        <m:dPr>
-                          <m:ctrlPr>
-                            <a:rPr lang="en-US" sz="2000" i="1">
-                              <a:solidFill>
-                                <a:schemeClr val="accent5">
-                                  <a:lumMod val="75000"/>
-                                </a:schemeClr>
-                              </a:solidFill>
-                              <a:effectLst/>
-                              <a:latin typeface="Cambria Math" panose="02040503050406030204" pitchFamily="18" charset="0"/>
-                              <a:ea typeface="Calibri" panose="020F0502020204030204" pitchFamily="34" charset="0"/>
-                              <a:cs typeface="Times New Roman" panose="02020603050405020304" pitchFamily="18" charset="0"/>
-                            </a:rPr>
-                          </m:ctrlPr>
-                        </m:dPr>
-                        <m:e>
-                          <m:sSub>
-                            <m:sSubPr>
-                              <m:ctrlPr>
-                                <a:rPr lang="en-US" sz="2000" i="1">
-                                  <a:solidFill>
-                                    <a:schemeClr val="accent5">
-                                      <a:lumMod val="75000"/>
-                                    </a:schemeClr>
-                                  </a:solidFill>
-                                  <a:effectLst/>
-                                  <a:latin typeface="Cambria Math" panose="02040503050406030204" pitchFamily="18" charset="0"/>
-                                  <a:ea typeface="Calibri" panose="020F0502020204030204" pitchFamily="34" charset="0"/>
-                                  <a:cs typeface="Times New Roman" panose="02020603050405020304" pitchFamily="18" charset="0"/>
-                                </a:rPr>
-                              </m:ctrlPr>
-                            </m:sSubPr>
-                            <m:e>
-                              <m:r>
-                                <a:rPr lang="en-US" sz="2000" b="0" i="1" smtClean="0">
-                                  <a:solidFill>
-                                    <a:schemeClr val="accent5">
-                                      <a:lumMod val="75000"/>
-                                    </a:schemeClr>
-                                  </a:solidFill>
-                                  <a:effectLst/>
-                                  <a:latin typeface="Cambria Math" panose="02040503050406030204" pitchFamily="18" charset="0"/>
-                                  <a:ea typeface="Calibri" panose="020F0502020204030204" pitchFamily="34" charset="0"/>
-                                  <a:cs typeface="Times New Roman" panose="02020603050405020304" pitchFamily="18" charset="0"/>
-                                </a:rPr>
-                                <m:t>𝑥</m:t>
-                              </m:r>
-                            </m:e>
-                            <m:sub>
-                              <m:r>
-                                <a:rPr lang="en-US" sz="2000" b="0" i="1" smtClean="0">
-                                  <a:solidFill>
-                                    <a:schemeClr val="accent5">
-                                      <a:lumMod val="75000"/>
-                                    </a:schemeClr>
-                                  </a:solidFill>
-                                  <a:effectLst/>
-                                  <a:latin typeface="Cambria Math" panose="02040503050406030204" pitchFamily="18" charset="0"/>
-                                  <a:ea typeface="Calibri" panose="020F0502020204030204" pitchFamily="34" charset="0"/>
-                                  <a:cs typeface="Times New Roman" panose="02020603050405020304" pitchFamily="18" charset="0"/>
-                                </a:rPr>
-                                <m:t>𝑖</m:t>
-                              </m:r>
-                            </m:sub>
-                          </m:sSub>
-                        </m:e>
-                      </m:d>
-                      <m:r>
-                        <a:rPr lang="en-US" sz="2000" b="0" i="1" smtClean="0">
-                          <a:solidFill>
-                            <a:schemeClr val="accent5">
-                              <a:lumMod val="75000"/>
-                            </a:schemeClr>
-                          </a:solidFill>
-                          <a:effectLst/>
-                          <a:latin typeface="Cambria Math" panose="02040503050406030204" pitchFamily="18" charset="0"/>
-                          <a:ea typeface="Calibri" panose="020F0502020204030204" pitchFamily="34" charset="0"/>
-                          <a:cs typeface="Times New Roman" panose="02020603050405020304" pitchFamily="18" charset="0"/>
-                        </a:rPr>
-                        <m:t> = </m:t>
-                      </m:r>
-                      <m:r>
-                        <a:rPr lang="en-US" sz="2000" b="0" i="1" smtClean="0">
-                          <a:solidFill>
-                            <a:schemeClr val="accent5">
-                              <a:lumMod val="75000"/>
-                            </a:schemeClr>
-                          </a:solidFill>
-                          <a:effectLst/>
-                          <a:latin typeface="Cambria Math" panose="02040503050406030204" pitchFamily="18" charset="0"/>
-                          <a:ea typeface="Calibri" panose="020F0502020204030204" pitchFamily="34" charset="0"/>
-                          <a:cs typeface="Times New Roman" panose="02020603050405020304" pitchFamily="18" charset="0"/>
-                        </a:rPr>
-                        <m:t>𝑊</m:t>
-                      </m:r>
-                      <m:sSub>
-                        <m:sSubPr>
-                          <m:ctrlPr>
-                            <a:rPr lang="en-US" sz="2000" i="1">
-                              <a:solidFill>
-                                <a:schemeClr val="accent5">
-                                  <a:lumMod val="75000"/>
-                                </a:schemeClr>
-                              </a:solidFill>
-                              <a:effectLst/>
-                              <a:latin typeface="Cambria Math" panose="02040503050406030204" pitchFamily="18" charset="0"/>
-                              <a:ea typeface="Calibri" panose="020F0502020204030204" pitchFamily="34" charset="0"/>
-                              <a:cs typeface="Times New Roman" panose="02020603050405020304" pitchFamily="18" charset="0"/>
-                            </a:rPr>
-                          </m:ctrlPr>
-                        </m:sSubPr>
-                        <m:e>
-                          <m:r>
-                            <a:rPr lang="en-US" sz="2000" b="0" i="1" smtClean="0">
-                              <a:solidFill>
-                                <a:schemeClr val="accent5">
-                                  <a:lumMod val="75000"/>
-                                </a:schemeClr>
-                              </a:solidFill>
-                              <a:effectLst/>
-                              <a:latin typeface="Cambria Math" panose="02040503050406030204" pitchFamily="18" charset="0"/>
-                              <a:ea typeface="Calibri" panose="020F0502020204030204" pitchFamily="34" charset="0"/>
-                              <a:cs typeface="Times New Roman" panose="02020603050405020304" pitchFamily="18" charset="0"/>
-                            </a:rPr>
-                            <m:t>𝑥</m:t>
-                          </m:r>
-                        </m:e>
-                        <m:sub>
-                          <m:r>
-                            <a:rPr lang="en-US" sz="2000" b="0" i="1" smtClean="0">
-                              <a:solidFill>
-                                <a:schemeClr val="accent5">
-                                  <a:lumMod val="75000"/>
-                                </a:schemeClr>
-                              </a:solidFill>
-                              <a:effectLst/>
-                              <a:latin typeface="Cambria Math" panose="02040503050406030204" pitchFamily="18" charset="0"/>
-                              <a:ea typeface="Calibri" panose="020F0502020204030204" pitchFamily="34" charset="0"/>
-                              <a:cs typeface="Times New Roman" panose="02020603050405020304" pitchFamily="18" charset="0"/>
-                            </a:rPr>
-                            <m:t>𝑖</m:t>
-                          </m:r>
-                        </m:sub>
-                      </m:sSub>
-                      <m:r>
-                        <a:rPr lang="en-US" sz="2000" b="0" i="1" smtClean="0">
-                          <a:solidFill>
-                            <a:schemeClr val="accent5">
-                              <a:lumMod val="75000"/>
-                            </a:schemeClr>
-                          </a:solidFill>
-                          <a:effectLst/>
-                          <a:latin typeface="Cambria Math" panose="02040503050406030204" pitchFamily="18" charset="0"/>
-                          <a:ea typeface="Calibri" panose="020F0502020204030204" pitchFamily="34" charset="0"/>
-                          <a:cs typeface="Times New Roman" panose="02020603050405020304" pitchFamily="18" charset="0"/>
-                        </a:rPr>
-                        <m:t> + </m:t>
-                      </m:r>
-                      <m:r>
-                        <a:rPr lang="en-US" sz="2000" b="0" i="1" smtClean="0">
-                          <a:solidFill>
-                            <a:schemeClr val="accent5">
-                              <a:lumMod val="75000"/>
-                            </a:schemeClr>
-                          </a:solidFill>
-                          <a:effectLst/>
-                          <a:latin typeface="Cambria Math" panose="02040503050406030204" pitchFamily="18" charset="0"/>
-                          <a:ea typeface="Calibri" panose="020F0502020204030204" pitchFamily="34" charset="0"/>
-                          <a:cs typeface="Times New Roman" panose="02020603050405020304" pitchFamily="18" charset="0"/>
-                        </a:rPr>
-                        <m:t>𝑏</m:t>
-                      </m:r>
-                      <m:r>
-                        <a:rPr lang="en-US" sz="2000" b="0" i="1" smtClean="0">
-                          <a:solidFill>
-                            <a:schemeClr val="accent5">
-                              <a:lumMod val="75000"/>
-                            </a:schemeClr>
-                          </a:solidFill>
-                          <a:effectLst/>
-                          <a:latin typeface="Cambria Math" panose="02040503050406030204" pitchFamily="18" charset="0"/>
-                          <a:ea typeface="Calibri" panose="020F0502020204030204" pitchFamily="34" charset="0"/>
-                          <a:cs typeface="Times New Roman" panose="02020603050405020304" pitchFamily="18" charset="0"/>
-                        </a:rPr>
-                        <m:t> (</m:t>
-                      </m:r>
-                      <m:r>
-                        <a:rPr lang="en-US" sz="2000" b="0" i="1" smtClean="0">
-                          <a:solidFill>
-                            <a:schemeClr val="accent5">
-                              <a:lumMod val="75000"/>
-                            </a:schemeClr>
-                          </a:solidFill>
-                          <a:effectLst/>
-                          <a:latin typeface="Cambria Math" panose="02040503050406030204" pitchFamily="18" charset="0"/>
-                          <a:ea typeface="Calibri" panose="020F0502020204030204" pitchFamily="34" charset="0"/>
-                          <a:cs typeface="Times New Roman" panose="02020603050405020304" pitchFamily="18" charset="0"/>
-                        </a:rPr>
-                        <m:t>h𝑒𝑟𝑒</m:t>
-                      </m:r>
-                      <m:r>
-                        <a:rPr lang="en-US" sz="2000" b="0" i="1" smtClean="0">
-                          <a:solidFill>
-                            <a:schemeClr val="accent5">
-                              <a:lumMod val="75000"/>
-                            </a:schemeClr>
-                          </a:solidFill>
-                          <a:effectLst/>
-                          <a:latin typeface="Cambria Math" panose="02040503050406030204" pitchFamily="18" charset="0"/>
-                          <a:ea typeface="Calibri" panose="020F0502020204030204" pitchFamily="34" charset="0"/>
-                          <a:cs typeface="Times New Roman" panose="02020603050405020304" pitchFamily="18" charset="0"/>
-                        </a:rPr>
-                        <m:t> </m:t>
-                      </m:r>
-                      <m:r>
-                        <a:rPr lang="en-US" sz="2000" b="0" i="1" smtClean="0">
-                          <a:solidFill>
-                            <a:schemeClr val="accent5">
-                              <a:lumMod val="75000"/>
-                            </a:schemeClr>
-                          </a:solidFill>
-                          <a:effectLst/>
-                          <a:latin typeface="Cambria Math" panose="02040503050406030204" pitchFamily="18" charset="0"/>
-                          <a:ea typeface="Calibri" panose="020F0502020204030204" pitchFamily="34" charset="0"/>
-                          <a:cs typeface="Times New Roman" panose="02020603050405020304" pitchFamily="18" charset="0"/>
-                        </a:rPr>
-                        <m:t>𝑤𝑒</m:t>
-                      </m:r>
-                      <m:r>
-                        <a:rPr lang="en-US" sz="2000" b="0" i="1" smtClean="0">
-                          <a:solidFill>
-                            <a:schemeClr val="accent5">
-                              <a:lumMod val="75000"/>
-                            </a:schemeClr>
-                          </a:solidFill>
-                          <a:effectLst/>
-                          <a:latin typeface="Cambria Math" panose="02040503050406030204" pitchFamily="18" charset="0"/>
-                          <a:ea typeface="Calibri" panose="020F0502020204030204" pitchFamily="34" charset="0"/>
-                          <a:cs typeface="Times New Roman" panose="02020603050405020304" pitchFamily="18" charset="0"/>
-                        </a:rPr>
-                        <m:t> </m:t>
-                      </m:r>
-                      <m:r>
-                        <a:rPr lang="en-US" sz="2000" b="0" i="1" smtClean="0">
-                          <a:solidFill>
-                            <a:schemeClr val="accent5">
-                              <a:lumMod val="75000"/>
-                            </a:schemeClr>
-                          </a:solidFill>
-                          <a:effectLst/>
-                          <a:latin typeface="Cambria Math" panose="02040503050406030204" pitchFamily="18" charset="0"/>
-                          <a:ea typeface="Calibri" panose="020F0502020204030204" pitchFamily="34" charset="0"/>
-                          <a:cs typeface="Times New Roman" panose="02020603050405020304" pitchFamily="18" charset="0"/>
-                        </a:rPr>
-                        <m:t>𝑝𝑒𝑟𝑓𝑜𝑟𝑚</m:t>
-                      </m:r>
-                      <m:r>
-                        <a:rPr lang="en-US" sz="2000" b="0" i="1" smtClean="0">
-                          <a:solidFill>
-                            <a:schemeClr val="accent5">
-                              <a:lumMod val="75000"/>
-                            </a:schemeClr>
-                          </a:solidFill>
-                          <a:effectLst/>
-                          <a:latin typeface="Cambria Math" panose="02040503050406030204" pitchFamily="18" charset="0"/>
-                          <a:ea typeface="Calibri" panose="020F0502020204030204" pitchFamily="34" charset="0"/>
-                          <a:cs typeface="Times New Roman" panose="02020603050405020304" pitchFamily="18" charset="0"/>
-                        </a:rPr>
-                        <m:t> </m:t>
-                      </m:r>
-                      <m:r>
-                        <a:rPr lang="en-US" sz="2000" b="0" i="1" smtClean="0">
-                          <a:solidFill>
-                            <a:schemeClr val="accent5">
-                              <a:lumMod val="75000"/>
-                            </a:schemeClr>
-                          </a:solidFill>
-                          <a:effectLst/>
-                          <a:latin typeface="Cambria Math" panose="02040503050406030204" pitchFamily="18" charset="0"/>
-                          <a:ea typeface="Calibri" panose="020F0502020204030204" pitchFamily="34" charset="0"/>
-                          <a:cs typeface="Times New Roman" panose="02020603050405020304" pitchFamily="18" charset="0"/>
-                        </a:rPr>
-                        <m:t>𝑙𝑖𝑛𝑒𝑎𝑟</m:t>
-                      </m:r>
-                      <m:r>
-                        <a:rPr lang="en-US" sz="2000" b="0" i="1" smtClean="0">
-                          <a:solidFill>
-                            <a:schemeClr val="accent5">
-                              <a:lumMod val="75000"/>
-                            </a:schemeClr>
-                          </a:solidFill>
-                          <a:effectLst/>
-                          <a:latin typeface="Cambria Math" panose="02040503050406030204" pitchFamily="18" charset="0"/>
-                          <a:ea typeface="Calibri" panose="020F0502020204030204" pitchFamily="34" charset="0"/>
-                          <a:cs typeface="Times New Roman" panose="02020603050405020304" pitchFamily="18" charset="0"/>
-                        </a:rPr>
-                        <m:t> </m:t>
-                      </m:r>
-                      <m:r>
-                        <a:rPr lang="en-US" sz="2000" b="0" i="1" smtClean="0">
-                          <a:solidFill>
-                            <a:schemeClr val="accent5">
-                              <a:lumMod val="75000"/>
-                            </a:schemeClr>
-                          </a:solidFill>
-                          <a:effectLst/>
-                          <a:latin typeface="Cambria Math" panose="02040503050406030204" pitchFamily="18" charset="0"/>
-                          <a:ea typeface="Calibri" panose="020F0502020204030204" pitchFamily="34" charset="0"/>
-                          <a:cs typeface="Times New Roman" panose="02020603050405020304" pitchFamily="18" charset="0"/>
-                        </a:rPr>
-                        <m:t>𝑡𝑟𝑎𝑛𝑠𝑓𝑜𝑟𝑚𝑎𝑡𝑖𝑜𝑛</m:t>
-                      </m:r>
-                      <m:r>
-                        <a:rPr lang="en-US" sz="2000" b="0" i="1" smtClean="0">
-                          <a:solidFill>
-                            <a:schemeClr val="accent5">
-                              <a:lumMod val="75000"/>
-                            </a:schemeClr>
-                          </a:solidFill>
-                          <a:effectLst/>
-                          <a:latin typeface="Cambria Math" panose="02040503050406030204" pitchFamily="18" charset="0"/>
-                          <a:ea typeface="Calibri" panose="020F0502020204030204" pitchFamily="34" charset="0"/>
-                          <a:cs typeface="Times New Roman" panose="02020603050405020304" pitchFamily="18" charset="0"/>
-                        </a:rPr>
-                        <m:t> </m:t>
-                      </m:r>
-                      <m:r>
-                        <a:rPr lang="en-US" sz="2000" b="0" i="1" smtClean="0">
-                          <a:solidFill>
-                            <a:schemeClr val="accent5">
-                              <a:lumMod val="75000"/>
-                            </a:schemeClr>
-                          </a:solidFill>
-                          <a:effectLst/>
-                          <a:latin typeface="Cambria Math" panose="02040503050406030204" pitchFamily="18" charset="0"/>
-                          <a:ea typeface="Calibri" panose="020F0502020204030204" pitchFamily="34" charset="0"/>
-                          <a:cs typeface="Times New Roman" panose="02020603050405020304" pitchFamily="18" charset="0"/>
-                        </a:rPr>
-                        <m:t>𝑜𝑛</m:t>
-                      </m:r>
-                      <m:r>
-                        <a:rPr lang="en-US" sz="2000" b="0" i="1" smtClean="0">
-                          <a:solidFill>
-                            <a:schemeClr val="accent5">
-                              <a:lumMod val="75000"/>
-                            </a:schemeClr>
-                          </a:solidFill>
-                          <a:effectLst/>
-                          <a:latin typeface="Cambria Math" panose="02040503050406030204" pitchFamily="18" charset="0"/>
-                          <a:ea typeface="Calibri" panose="020F0502020204030204" pitchFamily="34" charset="0"/>
-                          <a:cs typeface="Times New Roman" panose="02020603050405020304" pitchFamily="18" charset="0"/>
-                        </a:rPr>
-                        <m:t> </m:t>
-                      </m:r>
-                      <m:sSub>
-                        <m:sSubPr>
-                          <m:ctrlPr>
-                            <a:rPr lang="en-US" sz="2000" i="1">
-                              <a:solidFill>
-                                <a:schemeClr val="accent5">
-                                  <a:lumMod val="75000"/>
-                                </a:schemeClr>
-                              </a:solidFill>
-                              <a:effectLst/>
-                              <a:latin typeface="Cambria Math" panose="02040503050406030204" pitchFamily="18" charset="0"/>
-                              <a:ea typeface="Calibri" panose="020F0502020204030204" pitchFamily="34" charset="0"/>
-                              <a:cs typeface="Times New Roman" panose="02020603050405020304" pitchFamily="18" charset="0"/>
-                            </a:rPr>
-                          </m:ctrlPr>
-                        </m:sSubPr>
-                        <m:e>
-                          <m:r>
-                            <a:rPr lang="en-US" sz="2000" b="0" i="1" smtClean="0">
-                              <a:solidFill>
-                                <a:schemeClr val="accent5">
-                                  <a:lumMod val="75000"/>
-                                </a:schemeClr>
-                              </a:solidFill>
-                              <a:effectLst/>
-                              <a:latin typeface="Cambria Math" panose="02040503050406030204" pitchFamily="18" charset="0"/>
-                              <a:ea typeface="Calibri" panose="020F0502020204030204" pitchFamily="34" charset="0"/>
-                              <a:cs typeface="Times New Roman" panose="02020603050405020304" pitchFamily="18" charset="0"/>
-                            </a:rPr>
-                            <m:t>𝑥</m:t>
-                          </m:r>
-                        </m:e>
-                        <m:sub>
-                          <m:r>
-                            <a:rPr lang="en-US" sz="2000" b="0" i="1" smtClean="0">
-                              <a:solidFill>
-                                <a:schemeClr val="accent5">
-                                  <a:lumMod val="75000"/>
-                                </a:schemeClr>
-                              </a:solidFill>
-                              <a:effectLst/>
-                              <a:latin typeface="Cambria Math" panose="02040503050406030204" pitchFamily="18" charset="0"/>
-                              <a:ea typeface="Calibri" panose="020F0502020204030204" pitchFamily="34" charset="0"/>
-                              <a:cs typeface="Times New Roman" panose="02020603050405020304" pitchFamily="18" charset="0"/>
-                            </a:rPr>
-                            <m:t>𝑖</m:t>
-                          </m:r>
-                        </m:sub>
-                      </m:sSub>
-                    </m:oMath>
-                  </m:oMathPara>
+                  <m:oMath xmlns:m="http://schemas.openxmlformats.org/officeDocument/2006/math">
+                    <m:r>
+                      <a:rPr lang="en-US" sz="2000" b="0" i="1" smtClean="0">
+                        <a:solidFill>
+                          <a:schemeClr val="accent5">
+                            <a:lumMod val="75000"/>
+                          </a:schemeClr>
+                        </a:solidFill>
+                        <a:effectLst/>
+                        <a:latin typeface="Cambria Math" panose="02040503050406030204" pitchFamily="18" charset="0"/>
+                        <a:ea typeface="Calibri" panose="020F0502020204030204" pitchFamily="34" charset="0"/>
+                        <a:cs typeface="Times New Roman" panose="02020603050405020304" pitchFamily="18" charset="0"/>
+                      </a:rPr>
+                      <m:t>𝐹</m:t>
+                    </m:r>
+                    <m:d>
+                      <m:dPr>
+                        <m:ctrlPr>
+                          <a:rPr lang="en-US" sz="2000" i="1">
+                            <a:solidFill>
+                              <a:schemeClr val="accent5">
+                                <a:lumMod val="75000"/>
+                              </a:schemeClr>
+                            </a:solidFill>
+                            <a:effectLst/>
+                            <a:latin typeface="Cambria Math" panose="02040503050406030204" pitchFamily="18" charset="0"/>
+                            <a:ea typeface="Calibri" panose="020F0502020204030204" pitchFamily="34" charset="0"/>
+                            <a:cs typeface="Times New Roman" panose="02020603050405020304" pitchFamily="18" charset="0"/>
+                          </a:rPr>
+                        </m:ctrlPr>
+                      </m:dPr>
+                      <m:e>
+                        <m:sSub>
+                          <m:sSubPr>
+                            <m:ctrlPr>
+                              <a:rPr lang="en-US" sz="2000" i="1">
+                                <a:solidFill>
+                                  <a:schemeClr val="accent5">
+                                    <a:lumMod val="75000"/>
+                                  </a:schemeClr>
+                                </a:solidFill>
+                                <a:effectLst/>
+                                <a:latin typeface="Cambria Math" panose="02040503050406030204" pitchFamily="18" charset="0"/>
+                                <a:ea typeface="Calibri" panose="020F0502020204030204" pitchFamily="34" charset="0"/>
+                                <a:cs typeface="Times New Roman" panose="02020603050405020304" pitchFamily="18" charset="0"/>
+                              </a:rPr>
+                            </m:ctrlPr>
+                          </m:sSubPr>
+                          <m:e>
+                            <m:r>
+                              <a:rPr lang="en-US" sz="2000" b="0" i="1" smtClean="0">
+                                <a:solidFill>
+                                  <a:schemeClr val="accent5">
+                                    <a:lumMod val="75000"/>
+                                  </a:schemeClr>
+                                </a:solidFill>
+                                <a:effectLst/>
+                                <a:latin typeface="Cambria Math" panose="02040503050406030204" pitchFamily="18" charset="0"/>
+                                <a:ea typeface="Calibri" panose="020F0502020204030204" pitchFamily="34" charset="0"/>
+                                <a:cs typeface="Times New Roman" panose="02020603050405020304" pitchFamily="18" charset="0"/>
+                              </a:rPr>
+                              <m:t>𝑥</m:t>
+                            </m:r>
+                          </m:e>
+                          <m:sub>
+                            <m:r>
+                              <a:rPr lang="en-US" sz="2000" b="0" i="1" smtClean="0">
+                                <a:solidFill>
+                                  <a:schemeClr val="accent5">
+                                    <a:lumMod val="75000"/>
+                                  </a:schemeClr>
+                                </a:solidFill>
+                                <a:effectLst/>
+                                <a:latin typeface="Cambria Math" panose="02040503050406030204" pitchFamily="18" charset="0"/>
+                                <a:ea typeface="Calibri" panose="020F0502020204030204" pitchFamily="34" charset="0"/>
+                                <a:cs typeface="Times New Roman" panose="02020603050405020304" pitchFamily="18" charset="0"/>
+                              </a:rPr>
+                              <m:t>𝑖</m:t>
+                            </m:r>
+                          </m:sub>
+                        </m:sSub>
+                      </m:e>
+                    </m:d>
+                    <m:r>
+                      <a:rPr lang="en-US" sz="2000" b="0" i="1" smtClean="0">
+                        <a:solidFill>
+                          <a:schemeClr val="accent5">
+                            <a:lumMod val="75000"/>
+                          </a:schemeClr>
+                        </a:solidFill>
+                        <a:effectLst/>
+                        <a:latin typeface="Cambria Math" panose="02040503050406030204" pitchFamily="18" charset="0"/>
+                        <a:ea typeface="Calibri" panose="020F0502020204030204" pitchFamily="34" charset="0"/>
+                        <a:cs typeface="Times New Roman" panose="02020603050405020304" pitchFamily="18" charset="0"/>
+                      </a:rPr>
+                      <m:t> = </m:t>
+                    </m:r>
+                    <m:r>
+                      <a:rPr lang="en-US" sz="2000" b="0" i="1" smtClean="0">
+                        <a:solidFill>
+                          <a:schemeClr val="accent5">
+                            <a:lumMod val="75000"/>
+                          </a:schemeClr>
+                        </a:solidFill>
+                        <a:effectLst/>
+                        <a:latin typeface="Cambria Math" panose="02040503050406030204" pitchFamily="18" charset="0"/>
+                        <a:ea typeface="Calibri" panose="020F0502020204030204" pitchFamily="34" charset="0"/>
+                        <a:cs typeface="Times New Roman" panose="02020603050405020304" pitchFamily="18" charset="0"/>
+                      </a:rPr>
+                      <m:t>𝑊</m:t>
+                    </m:r>
+                    <m:sSub>
+                      <m:sSubPr>
+                        <m:ctrlPr>
+                          <a:rPr lang="en-US" sz="2000" i="1">
+                            <a:solidFill>
+                              <a:schemeClr val="accent5">
+                                <a:lumMod val="75000"/>
+                              </a:schemeClr>
+                            </a:solidFill>
+                            <a:effectLst/>
+                            <a:latin typeface="Cambria Math" panose="02040503050406030204" pitchFamily="18" charset="0"/>
+                            <a:ea typeface="Calibri" panose="020F0502020204030204" pitchFamily="34" charset="0"/>
+                            <a:cs typeface="Times New Roman" panose="02020603050405020304" pitchFamily="18" charset="0"/>
+                          </a:rPr>
+                        </m:ctrlPr>
+                      </m:sSubPr>
+                      <m:e>
+                        <m:r>
+                          <a:rPr lang="en-US" sz="2000" b="0" i="1" smtClean="0">
+                            <a:solidFill>
+                              <a:schemeClr val="accent5">
+                                <a:lumMod val="75000"/>
+                              </a:schemeClr>
+                            </a:solidFill>
+                            <a:effectLst/>
+                            <a:latin typeface="Cambria Math" panose="02040503050406030204" pitchFamily="18" charset="0"/>
+                            <a:ea typeface="Calibri" panose="020F0502020204030204" pitchFamily="34" charset="0"/>
+                            <a:cs typeface="Times New Roman" panose="02020603050405020304" pitchFamily="18" charset="0"/>
+                          </a:rPr>
+                          <m:t>𝑥</m:t>
+                        </m:r>
+                      </m:e>
+                      <m:sub>
+                        <m:r>
+                          <a:rPr lang="en-US" sz="2000" b="0" i="1" smtClean="0">
+                            <a:solidFill>
+                              <a:schemeClr val="accent5">
+                                <a:lumMod val="75000"/>
+                              </a:schemeClr>
+                            </a:solidFill>
+                            <a:effectLst/>
+                            <a:latin typeface="Cambria Math" panose="02040503050406030204" pitchFamily="18" charset="0"/>
+                            <a:ea typeface="Calibri" panose="020F0502020204030204" pitchFamily="34" charset="0"/>
+                            <a:cs typeface="Times New Roman" panose="02020603050405020304" pitchFamily="18" charset="0"/>
+                          </a:rPr>
+                          <m:t>𝑖</m:t>
+                        </m:r>
+                      </m:sub>
+                    </m:sSub>
+                    <m:r>
+                      <a:rPr lang="en-US" sz="2000" b="0" i="1" smtClean="0">
+                        <a:solidFill>
+                          <a:schemeClr val="accent5">
+                            <a:lumMod val="75000"/>
+                          </a:schemeClr>
+                        </a:solidFill>
+                        <a:effectLst/>
+                        <a:latin typeface="Cambria Math" panose="02040503050406030204" pitchFamily="18" charset="0"/>
+                        <a:ea typeface="Calibri" panose="020F0502020204030204" pitchFamily="34" charset="0"/>
+                        <a:cs typeface="Times New Roman" panose="02020603050405020304" pitchFamily="18" charset="0"/>
+                      </a:rPr>
+                      <m:t> + </m:t>
+                    </m:r>
+                    <m:r>
+                      <a:rPr lang="en-US" sz="2000" b="0" i="1" smtClean="0">
+                        <a:solidFill>
+                          <a:schemeClr val="accent5">
+                            <a:lumMod val="75000"/>
+                          </a:schemeClr>
+                        </a:solidFill>
+                        <a:effectLst/>
+                        <a:latin typeface="Cambria Math" panose="02040503050406030204" pitchFamily="18" charset="0"/>
+                        <a:ea typeface="Calibri" panose="020F0502020204030204" pitchFamily="34" charset="0"/>
+                        <a:cs typeface="Times New Roman" panose="02020603050405020304" pitchFamily="18" charset="0"/>
+                      </a:rPr>
+                      <m:t>𝑏</m:t>
+                    </m:r>
+                    <m:r>
+                      <a:rPr lang="en-US" sz="2000" b="0" i="1" smtClean="0">
+                        <a:solidFill>
+                          <a:schemeClr val="accent5">
+                            <a:lumMod val="75000"/>
+                          </a:schemeClr>
+                        </a:solidFill>
+                        <a:effectLst/>
+                        <a:latin typeface="Cambria Math" panose="02040503050406030204" pitchFamily="18" charset="0"/>
+                        <a:ea typeface="Calibri" panose="020F0502020204030204" pitchFamily="34" charset="0"/>
+                        <a:cs typeface="Times New Roman" panose="02020603050405020304" pitchFamily="18" charset="0"/>
+                      </a:rPr>
+                      <m:t> (</m:t>
+                    </m:r>
+                    <m:r>
+                      <a:rPr lang="en-US" sz="2000" b="0" i="1" smtClean="0">
+                        <a:solidFill>
+                          <a:schemeClr val="accent5">
+                            <a:lumMod val="75000"/>
+                          </a:schemeClr>
+                        </a:solidFill>
+                        <a:effectLst/>
+                        <a:latin typeface="Cambria Math" panose="02040503050406030204" pitchFamily="18" charset="0"/>
+                        <a:ea typeface="Calibri" panose="020F0502020204030204" pitchFamily="34" charset="0"/>
+                        <a:cs typeface="Times New Roman" panose="02020603050405020304" pitchFamily="18" charset="0"/>
+                      </a:rPr>
+                      <m:t>h𝑒𝑟𝑒</m:t>
+                    </m:r>
+                    <m:r>
+                      <a:rPr lang="en-US" sz="2000" b="0" i="1" smtClean="0">
+                        <a:solidFill>
+                          <a:schemeClr val="accent5">
+                            <a:lumMod val="75000"/>
+                          </a:schemeClr>
+                        </a:solidFill>
+                        <a:effectLst/>
+                        <a:latin typeface="Cambria Math" panose="02040503050406030204" pitchFamily="18" charset="0"/>
+                        <a:ea typeface="Calibri" panose="020F0502020204030204" pitchFamily="34" charset="0"/>
+                        <a:cs typeface="Times New Roman" panose="02020603050405020304" pitchFamily="18" charset="0"/>
+                      </a:rPr>
+                      <m:t> </m:t>
+                    </m:r>
+                    <m:r>
+                      <a:rPr lang="en-US" sz="2000" b="0" i="1" smtClean="0">
+                        <a:solidFill>
+                          <a:schemeClr val="accent5">
+                            <a:lumMod val="75000"/>
+                          </a:schemeClr>
+                        </a:solidFill>
+                        <a:effectLst/>
+                        <a:latin typeface="Cambria Math" panose="02040503050406030204" pitchFamily="18" charset="0"/>
+                        <a:ea typeface="Calibri" panose="020F0502020204030204" pitchFamily="34" charset="0"/>
+                        <a:cs typeface="Times New Roman" panose="02020603050405020304" pitchFamily="18" charset="0"/>
+                      </a:rPr>
+                      <m:t>𝑤𝑒</m:t>
+                    </m:r>
+                    <m:r>
+                      <a:rPr lang="en-US" sz="2000" b="0" i="1" smtClean="0">
+                        <a:solidFill>
+                          <a:schemeClr val="accent5">
+                            <a:lumMod val="75000"/>
+                          </a:schemeClr>
+                        </a:solidFill>
+                        <a:effectLst/>
+                        <a:latin typeface="Cambria Math" panose="02040503050406030204" pitchFamily="18" charset="0"/>
+                        <a:ea typeface="Calibri" panose="020F0502020204030204" pitchFamily="34" charset="0"/>
+                        <a:cs typeface="Times New Roman" panose="02020603050405020304" pitchFamily="18" charset="0"/>
+                      </a:rPr>
+                      <m:t> </m:t>
+                    </m:r>
+                    <m:r>
+                      <a:rPr lang="en-US" sz="2000" b="0" i="1" smtClean="0">
+                        <a:solidFill>
+                          <a:schemeClr val="accent5">
+                            <a:lumMod val="75000"/>
+                          </a:schemeClr>
+                        </a:solidFill>
+                        <a:effectLst/>
+                        <a:latin typeface="Cambria Math" panose="02040503050406030204" pitchFamily="18" charset="0"/>
+                        <a:ea typeface="Calibri" panose="020F0502020204030204" pitchFamily="34" charset="0"/>
+                        <a:cs typeface="Times New Roman" panose="02020603050405020304" pitchFamily="18" charset="0"/>
+                      </a:rPr>
+                      <m:t>𝑝𝑒𝑟𝑓𝑜𝑟𝑚</m:t>
+                    </m:r>
+                    <m:r>
+                      <a:rPr lang="en-US" sz="2000" b="0" i="1" smtClean="0">
+                        <a:solidFill>
+                          <a:schemeClr val="accent5">
+                            <a:lumMod val="75000"/>
+                          </a:schemeClr>
+                        </a:solidFill>
+                        <a:effectLst/>
+                        <a:latin typeface="Cambria Math" panose="02040503050406030204" pitchFamily="18" charset="0"/>
+                        <a:ea typeface="Calibri" panose="020F0502020204030204" pitchFamily="34" charset="0"/>
+                        <a:cs typeface="Times New Roman" panose="02020603050405020304" pitchFamily="18" charset="0"/>
+                      </a:rPr>
+                      <m:t> </m:t>
+                    </m:r>
+                    <m:r>
+                      <a:rPr lang="en-US" sz="2000" b="0" i="1" smtClean="0">
+                        <a:solidFill>
+                          <a:schemeClr val="accent5">
+                            <a:lumMod val="75000"/>
+                          </a:schemeClr>
+                        </a:solidFill>
+                        <a:effectLst/>
+                        <a:latin typeface="Cambria Math" panose="02040503050406030204" pitchFamily="18" charset="0"/>
+                        <a:ea typeface="Calibri" panose="020F0502020204030204" pitchFamily="34" charset="0"/>
+                        <a:cs typeface="Times New Roman" panose="02020603050405020304" pitchFamily="18" charset="0"/>
+                      </a:rPr>
+                      <m:t>𝑙𝑖𝑛𝑒𝑎𝑟</m:t>
+                    </m:r>
+                    <m:r>
+                      <a:rPr lang="en-US" sz="2000" b="0" i="1" smtClean="0">
+                        <a:solidFill>
+                          <a:schemeClr val="accent5">
+                            <a:lumMod val="75000"/>
+                          </a:schemeClr>
+                        </a:solidFill>
+                        <a:effectLst/>
+                        <a:latin typeface="Cambria Math" panose="02040503050406030204" pitchFamily="18" charset="0"/>
+                        <a:ea typeface="Calibri" panose="020F0502020204030204" pitchFamily="34" charset="0"/>
+                        <a:cs typeface="Times New Roman" panose="02020603050405020304" pitchFamily="18" charset="0"/>
+                      </a:rPr>
+                      <m:t> </m:t>
+                    </m:r>
+                    <m:r>
+                      <a:rPr lang="en-US" sz="2000" b="0" i="1" smtClean="0">
+                        <a:solidFill>
+                          <a:schemeClr val="accent5">
+                            <a:lumMod val="75000"/>
+                          </a:schemeClr>
+                        </a:solidFill>
+                        <a:effectLst/>
+                        <a:latin typeface="Cambria Math" panose="02040503050406030204" pitchFamily="18" charset="0"/>
+                        <a:ea typeface="Calibri" panose="020F0502020204030204" pitchFamily="34" charset="0"/>
+                        <a:cs typeface="Times New Roman" panose="02020603050405020304" pitchFamily="18" charset="0"/>
+                      </a:rPr>
+                      <m:t>𝑡𝑟𝑎𝑛𝑠𝑓𝑜𝑟𝑚𝑎𝑡𝑖𝑜𝑛</m:t>
+                    </m:r>
+                    <m:r>
+                      <a:rPr lang="en-US" sz="2000" b="0" i="1" smtClean="0">
+                        <a:solidFill>
+                          <a:schemeClr val="accent5">
+                            <a:lumMod val="75000"/>
+                          </a:schemeClr>
+                        </a:solidFill>
+                        <a:effectLst/>
+                        <a:latin typeface="Cambria Math" panose="02040503050406030204" pitchFamily="18" charset="0"/>
+                        <a:ea typeface="Calibri" panose="020F0502020204030204" pitchFamily="34" charset="0"/>
+                        <a:cs typeface="Times New Roman" panose="02020603050405020304" pitchFamily="18" charset="0"/>
+                      </a:rPr>
+                      <m:t> </m:t>
+                    </m:r>
+                    <m:r>
+                      <a:rPr lang="en-US" sz="2000" b="0" i="1" smtClean="0">
+                        <a:solidFill>
+                          <a:schemeClr val="accent5">
+                            <a:lumMod val="75000"/>
+                          </a:schemeClr>
+                        </a:solidFill>
+                        <a:effectLst/>
+                        <a:latin typeface="Cambria Math" panose="02040503050406030204" pitchFamily="18" charset="0"/>
+                        <a:ea typeface="Calibri" panose="020F0502020204030204" pitchFamily="34" charset="0"/>
+                        <a:cs typeface="Times New Roman" panose="02020603050405020304" pitchFamily="18" charset="0"/>
+                      </a:rPr>
+                      <m:t>𝑜𝑛</m:t>
+                    </m:r>
+                    <m:r>
+                      <a:rPr lang="en-US" sz="2000" b="0" i="1" smtClean="0">
+                        <a:solidFill>
+                          <a:schemeClr val="accent5">
+                            <a:lumMod val="75000"/>
+                          </a:schemeClr>
+                        </a:solidFill>
+                        <a:effectLst/>
+                        <a:latin typeface="Cambria Math" panose="02040503050406030204" pitchFamily="18" charset="0"/>
+                        <a:ea typeface="Calibri" panose="020F0502020204030204" pitchFamily="34" charset="0"/>
+                        <a:cs typeface="Times New Roman" panose="02020603050405020304" pitchFamily="18" charset="0"/>
+                      </a:rPr>
+                      <m:t> </m:t>
+                    </m:r>
+                    <m:sSub>
+                      <m:sSubPr>
+                        <m:ctrlPr>
+                          <a:rPr lang="en-US" sz="2000" i="1">
+                            <a:solidFill>
+                              <a:schemeClr val="accent5">
+                                <a:lumMod val="75000"/>
+                              </a:schemeClr>
+                            </a:solidFill>
+                            <a:effectLst/>
+                            <a:latin typeface="Cambria Math" panose="02040503050406030204" pitchFamily="18" charset="0"/>
+                            <a:ea typeface="Calibri" panose="020F0502020204030204" pitchFamily="34" charset="0"/>
+                            <a:cs typeface="Times New Roman" panose="02020603050405020304" pitchFamily="18" charset="0"/>
+                          </a:rPr>
+                        </m:ctrlPr>
+                      </m:sSubPr>
+                      <m:e>
+                        <m:r>
+                          <a:rPr lang="en-US" sz="2000" b="0" i="1" smtClean="0">
+                            <a:solidFill>
+                              <a:schemeClr val="accent5">
+                                <a:lumMod val="75000"/>
+                              </a:schemeClr>
+                            </a:solidFill>
+                            <a:effectLst/>
+                            <a:latin typeface="Cambria Math" panose="02040503050406030204" pitchFamily="18" charset="0"/>
+                            <a:ea typeface="Calibri" panose="020F0502020204030204" pitchFamily="34" charset="0"/>
+                            <a:cs typeface="Times New Roman" panose="02020603050405020304" pitchFamily="18" charset="0"/>
+                          </a:rPr>
+                          <m:t>𝑥</m:t>
+                        </m:r>
+                      </m:e>
+                      <m:sub>
+                        <m:r>
+                          <a:rPr lang="en-US" sz="2000" b="0" i="1" smtClean="0">
+                            <a:solidFill>
+                              <a:schemeClr val="accent5">
+                                <a:lumMod val="75000"/>
+                              </a:schemeClr>
+                            </a:solidFill>
+                            <a:effectLst/>
+                            <a:latin typeface="Cambria Math" panose="02040503050406030204" pitchFamily="18" charset="0"/>
+                            <a:ea typeface="Calibri" panose="020F0502020204030204" pitchFamily="34" charset="0"/>
+                            <a:cs typeface="Times New Roman" panose="02020603050405020304" pitchFamily="18" charset="0"/>
+                          </a:rPr>
+                          <m:t>𝑖</m:t>
+                        </m:r>
+                      </m:sub>
+                    </m:sSub>
+                  </m:oMath>
                 </a14:m>
-                <a:endParaRPr lang="en-US" sz="2000" dirty="0">
-                  <a:solidFill>
-                    <a:schemeClr val="accent5">
-                      <a:lumMod val="75000"/>
-                    </a:schemeClr>
-                  </a:solidFill>
-                  <a:effectLst/>
-                  <a:latin typeface="Calibri" panose="020F0502020204030204" pitchFamily="34" charset="0"/>
-                  <a:ea typeface="Calibri" panose="020F0502020204030204" pitchFamily="34" charset="0"/>
-                  <a:cs typeface="Times New Roman" panose="02020603050405020304" pitchFamily="18" charset="0"/>
-                </a:endParaRPr>
+                <a:r>
+                  <a:rPr lang="en-US" sz="2000" dirty="0">
+                    <a:solidFill>
+                      <a:schemeClr val="accent5">
+                        <a:lumMod val="75000"/>
+                      </a:schemeClr>
+                    </a:solidFill>
+                    <a:effectLst/>
+                    <a:latin typeface="Calibri" panose="020F0502020204030204" pitchFamily="34" charset="0"/>
+                    <a:ea typeface="Calibri" panose="020F0502020204030204" pitchFamily="34" charset="0"/>
+                    <a:cs typeface="Times New Roman" panose="02020603050405020304" pitchFamily="18" charset="0"/>
+                  </a:rPr>
+                  <a:t> )</a:t>
+                </a:r>
               </a:p>
             </p:txBody>
           </p:sp>
@@ -12202,7 +12273,7 @@
             <p:spPr>
               <a:xfrm>
                 <a:off x="1386655" y="4996295"/>
-                <a:ext cx="7744902" cy="1087862"/>
+                <a:ext cx="7885164" cy="969881"/>
               </a:xfrm>
               <a:prstGeom prst="rect">
                 <a:avLst/>
@@ -12210,7 +12281,7 @@
               <a:blipFill>
                 <a:blip r:embed="rId17"/>
                 <a:stretch>
-                  <a:fillRect/>
+                  <a:fillRect b="-10692"/>
                 </a:stretch>
               </a:blipFill>
             </p:spPr>
@@ -13567,14 +13638,11 @@
                           <m:r>
                             <a:rPr lang="en-US" sz="2000" b="1" i="1" smtClean="0">
                               <a:solidFill>
-                                <a:schemeClr val="tx1">
-                                  <a:lumMod val="95000"/>
-                                  <a:lumOff val="5000"/>
-                                </a:schemeClr>
+                                <a:schemeClr val="tx1"/>
                               </a:solidFill>
                               <a:latin typeface="Cambria Math" panose="02040503050406030204" pitchFamily="18" charset="0"/>
                             </a:rPr>
-                            <m:t>𝒉</m:t>
+                            <m:t>𝒈</m:t>
                           </m:r>
                         </m:e>
                         <m:sub>
@@ -13620,7 +13688,7 @@
               <a:blipFill>
                 <a:blip r:embed="rId6"/>
                 <a:stretch>
-                  <a:fillRect/>
+                  <a:fillRect b="-7576"/>
                 </a:stretch>
               </a:blipFill>
             </p:spPr>
@@ -13681,7 +13749,7 @@
                           <m:ctrlPr>
                             <a:rPr lang="en-US" sz="2000" b="1" i="1" smtClean="0">
                               <a:solidFill>
-                                <a:srgbClr val="836967"/>
+                                <a:schemeClr val="tx1"/>
                               </a:solidFill>
                               <a:latin typeface="Cambria Math" panose="02040503050406030204" pitchFamily="18" charset="0"/>
                             </a:rPr>
@@ -13691,19 +13759,19 @@
                           <m:r>
                             <a:rPr lang="en-US" sz="2000" b="1" i="1" smtClean="0">
                               <a:solidFill>
-                                <a:schemeClr val="tx1">
-                                  <a:lumMod val="95000"/>
-                                  <a:lumOff val="5000"/>
-                                </a:schemeClr>
+                                <a:schemeClr val="tx1"/>
                               </a:solidFill>
                               <a:latin typeface="Cambria Math" panose="02040503050406030204" pitchFamily="18" charset="0"/>
                             </a:rPr>
-                            <m:t>𝒉</m:t>
+                            <m:t>𝒈</m:t>
                           </m:r>
                         </m:e>
                         <m:sub>
                           <m:r>
                             <a:rPr lang="en-US" sz="2000" b="1" i="1" smtClean="0">
+                              <a:solidFill>
+                                <a:schemeClr val="tx1"/>
+                              </a:solidFill>
                               <a:latin typeface="Cambria Math" panose="02040503050406030204" pitchFamily="18" charset="0"/>
                             </a:rPr>
                             <m:t>𝟑</m:t>
@@ -13744,7 +13812,7 @@
               <a:blipFill>
                 <a:blip r:embed="rId7"/>
                 <a:stretch>
-                  <a:fillRect b="-1538"/>
+                  <a:fillRect b="-9231"/>
                 </a:stretch>
               </a:blipFill>
             </p:spPr>
@@ -13805,7 +13873,7 @@
                           <m:ctrlPr>
                             <a:rPr lang="en-US" sz="2000" b="1" i="1" smtClean="0">
                               <a:solidFill>
-                                <a:srgbClr val="836967"/>
+                                <a:schemeClr val="tx1"/>
                               </a:solidFill>
                               <a:latin typeface="Cambria Math" panose="02040503050406030204" pitchFamily="18" charset="0"/>
                             </a:rPr>
@@ -13815,19 +13883,19 @@
                           <m:r>
                             <a:rPr lang="en-US" sz="2000" b="1" i="1" smtClean="0">
                               <a:solidFill>
-                                <a:schemeClr val="tx1">
-                                  <a:lumMod val="95000"/>
-                                  <a:lumOff val="5000"/>
-                                </a:schemeClr>
+                                <a:schemeClr val="tx1"/>
                               </a:solidFill>
                               <a:latin typeface="Cambria Math" panose="02040503050406030204" pitchFamily="18" charset="0"/>
                             </a:rPr>
-                            <m:t>𝒉</m:t>
+                            <m:t>𝒈</m:t>
                           </m:r>
                         </m:e>
                         <m:sub>
                           <m:r>
                             <a:rPr lang="en-US" sz="2000" b="1" i="1" smtClean="0">
+                              <a:solidFill>
+                                <a:schemeClr val="tx1"/>
+                              </a:solidFill>
                               <a:latin typeface="Cambria Math" panose="02040503050406030204" pitchFamily="18" charset="0"/>
                             </a:rPr>
                             <m:t>𝟒</m:t>
@@ -13837,7 +13905,11 @@
                     </m:oMath>
                   </m:oMathPara>
                 </a14:m>
-                <a:endParaRPr lang="en-US" sz="2000" b="1" i="1" dirty="0"/>
+                <a:endParaRPr lang="en-US" sz="2000" b="1" i="1" dirty="0">
+                  <a:solidFill>
+                    <a:schemeClr val="tx1"/>
+                  </a:solidFill>
+                </a:endParaRPr>
               </a:p>
             </p:txBody>
           </p:sp>
@@ -13868,7 +13940,7 @@
               <a:blipFill>
                 <a:blip r:embed="rId8"/>
                 <a:stretch>
-                  <a:fillRect b="-1515"/>
+                  <a:fillRect b="-7576"/>
                 </a:stretch>
               </a:blipFill>
             </p:spPr>
@@ -13940,7 +14012,7 @@
                         <m:ctrlPr>
                           <a:rPr lang="en-US" sz="2000" b="1" i="1" smtClean="0">
                             <a:solidFill>
-                              <a:srgbClr val="836967"/>
+                              <a:schemeClr val="tx1"/>
                             </a:solidFill>
                             <a:latin typeface="Cambria Math" panose="02040503050406030204" pitchFamily="18" charset="0"/>
                           </a:rPr>
@@ -13950,24 +14022,18 @@
                         <m:r>
                           <a:rPr lang="en-US" sz="2000" b="1" i="1" smtClean="0">
                             <a:solidFill>
-                              <a:schemeClr val="tx1">
-                                <a:lumMod val="95000"/>
-                                <a:lumOff val="5000"/>
-                              </a:schemeClr>
+                              <a:schemeClr val="tx1"/>
                             </a:solidFill>
                             <a:latin typeface="Cambria Math" panose="02040503050406030204" pitchFamily="18" charset="0"/>
                           </a:rPr>
-                          <m:t>𝒉</m:t>
+                          <m:t>𝒈</m:t>
                         </m:r>
                       </m:e>
                       <m:sub>
                         <m:r>
                           <a:rPr lang="en-US" sz="2000" b="1" i="1" smtClean="0">
                             <a:solidFill>
-                              <a:schemeClr val="tx1">
-                                <a:lumMod val="95000"/>
-                                <a:lumOff val="5000"/>
-                              </a:schemeClr>
+                              <a:schemeClr val="tx1"/>
                             </a:solidFill>
                             <a:latin typeface="Cambria Math" panose="02040503050406030204" pitchFamily="18" charset="0"/>
                           </a:rPr>
@@ -15758,7 +15824,7 @@
                                   <a:ea typeface="Calibri" panose="020F0502020204030204" pitchFamily="34" charset="0"/>
                                   <a:cs typeface="Times New Roman" panose="02020603050405020304" pitchFamily="18" charset="0"/>
                                 </a:rPr>
-                                <m:t>𝒉</m:t>
+                                <m:t>𝒈</m:t>
                               </m:r>
                             </m:e>
                             <m:sub>
@@ -16170,7 +16236,7 @@
                             <a:ea typeface="Calibri" panose="020F0502020204030204" pitchFamily="34" charset="0"/>
                             <a:cs typeface="Times New Roman" panose="02020603050405020304" pitchFamily="18" charset="0"/>
                           </a:rPr>
-                          <m:t>𝒉</m:t>
+                          <m:t>𝒈</m:t>
                         </m:r>
                       </m:e>
                       <m:sub>
@@ -16511,6 +16577,5742 @@
   <p:clrMapOvr>
     <a:masterClrMapping/>
   </p:clrMapOvr>
+</p:sld>
+</file>
+
+<file path=ppt/slides/slide20.xml><?xml version="1.0" encoding="utf-8"?>
+<p:sld xmlns:a="http://schemas.openxmlformats.org/drawingml/2006/main" xmlns:r="http://schemas.openxmlformats.org/officeDocument/2006/relationships" xmlns:p="http://schemas.openxmlformats.org/presentationml/2006/main">
+  <p:cSld>
+    <p:spTree>
+      <p:nvGrpSpPr>
+        <p:cNvPr id="1" name=""/>
+        <p:cNvGrpSpPr/>
+        <p:nvPr/>
+      </p:nvGrpSpPr>
+      <p:grpSpPr>
+        <a:xfrm>
+          <a:off x="0" y="0"/>
+          <a:ext cx="0" cy="0"/>
+          <a:chOff x="0" y="0"/>
+          <a:chExt cx="0" cy="0"/>
+        </a:xfrm>
+      </p:grpSpPr>
+      <p:sp>
+        <p:nvSpPr>
+          <p:cNvPr id="2" name="TextBox 1">
+            <a:extLst>
+              <a:ext uri="{FF2B5EF4-FFF2-40B4-BE49-F238E27FC236}">
+                <a16:creationId xmlns:a16="http://schemas.microsoft.com/office/drawing/2014/main" id="{1AEDE782-1762-5D9D-2C5C-E51E2E47FB03}"/>
+              </a:ext>
+            </a:extLst>
+          </p:cNvPr>
+          <p:cNvSpPr txBox="1"/>
+          <p:nvPr/>
+        </p:nvSpPr>
+        <p:spPr>
+          <a:xfrm>
+            <a:off x="206477" y="324465"/>
+            <a:ext cx="4994788" cy="461665"/>
+          </a:xfrm>
+          <a:prstGeom prst="rect">
+            <a:avLst/>
+          </a:prstGeom>
+          <a:noFill/>
+        </p:spPr>
+        <p:txBody>
+          <a:bodyPr wrap="square" rtlCol="0">
+            <a:spAutoFit/>
+          </a:bodyPr>
+          <a:lstStyle/>
+          <a:p>
+            <a:r>
+              <a:rPr lang="en-US" sz="2400" b="1" dirty="0"/>
+              <a:t>To Recap</a:t>
+            </a:r>
+          </a:p>
+        </p:txBody>
+      </p:sp>
+      <p:sp>
+        <p:nvSpPr>
+          <p:cNvPr id="4" name="TextBox 3">
+            <a:extLst>
+              <a:ext uri="{FF2B5EF4-FFF2-40B4-BE49-F238E27FC236}">
+                <a16:creationId xmlns:a16="http://schemas.microsoft.com/office/drawing/2014/main" id="{06F85C41-74F1-3E46-4022-0E169ED6B4B5}"/>
+              </a:ext>
+            </a:extLst>
+          </p:cNvPr>
+          <p:cNvSpPr txBox="1"/>
+          <p:nvPr/>
+        </p:nvSpPr>
+        <p:spPr>
+          <a:xfrm>
+            <a:off x="314632" y="1042219"/>
+            <a:ext cx="10953136" cy="369332"/>
+          </a:xfrm>
+          <a:prstGeom prst="rect">
+            <a:avLst/>
+          </a:prstGeom>
+          <a:noFill/>
+        </p:spPr>
+        <p:txBody>
+          <a:bodyPr wrap="square" rtlCol="0">
+            <a:spAutoFit/>
+          </a:bodyPr>
+          <a:lstStyle/>
+          <a:p>
+            <a:r>
+              <a:rPr lang="en-US" dirty="0"/>
+              <a:t>We perform message passing by transforming the features first.</a:t>
+            </a:r>
+          </a:p>
+        </p:txBody>
+      </p:sp>
+      <p:sp>
+        <p:nvSpPr>
+          <p:cNvPr id="15" name="TextBox 14">
+            <a:extLst>
+              <a:ext uri="{FF2B5EF4-FFF2-40B4-BE49-F238E27FC236}">
+                <a16:creationId xmlns:a16="http://schemas.microsoft.com/office/drawing/2014/main" id="{DF98409F-5D3B-6F47-54DA-62F7893B4FE1}"/>
+              </a:ext>
+            </a:extLst>
+          </p:cNvPr>
+          <p:cNvSpPr txBox="1"/>
+          <p:nvPr/>
+        </p:nvSpPr>
+        <p:spPr>
+          <a:xfrm>
+            <a:off x="314632" y="4079143"/>
+            <a:ext cx="9045678" cy="369332"/>
+          </a:xfrm>
+          <a:prstGeom prst="rect">
+            <a:avLst/>
+          </a:prstGeom>
+          <a:noFill/>
+        </p:spPr>
+        <p:txBody>
+          <a:bodyPr wrap="square" rtlCol="0">
+            <a:spAutoFit/>
+          </a:bodyPr>
+          <a:lstStyle/>
+          <a:p>
+            <a:r>
+              <a:rPr lang="en-US" dirty="0"/>
+              <a:t>Then we aggregate the messages by using a permutation invariant function</a:t>
+            </a:r>
+          </a:p>
+        </p:txBody>
+      </p:sp>
+      <mc:AlternateContent xmlns:mc="http://schemas.openxmlformats.org/markup-compatibility/2006">
+        <mc:Choice xmlns:a14="http://schemas.microsoft.com/office/drawing/2010/main" Requires="a14">
+          <p:sp>
+            <p:nvSpPr>
+              <p:cNvPr id="17" name="TextBox 16">
+                <a:extLst>
+                  <a:ext uri="{FF2B5EF4-FFF2-40B4-BE49-F238E27FC236}">
+                    <a16:creationId xmlns:a16="http://schemas.microsoft.com/office/drawing/2014/main" id="{318AC557-9584-9505-6808-95FCC420F680}"/>
+                  </a:ext>
+                </a:extLst>
+              </p:cNvPr>
+              <p:cNvSpPr txBox="1"/>
+              <p:nvPr/>
+            </p:nvSpPr>
+            <p:spPr>
+              <a:xfrm>
+                <a:off x="2323024" y="4747480"/>
+                <a:ext cx="6096000" cy="523092"/>
+              </a:xfrm>
+              <a:prstGeom prst="rect">
+                <a:avLst/>
+              </a:prstGeom>
+              <a:noFill/>
+            </p:spPr>
+            <p:txBody>
+              <a:bodyPr wrap="square">
+                <a:spAutoFit/>
+              </a:bodyPr>
+              <a:lstStyle/>
+              <a:p>
+                <a:pPr/>
+                <a14:m>
+                  <m:oMathPara xmlns:m="http://schemas.openxmlformats.org/officeDocument/2006/math">
+                    <m:oMathParaPr>
+                      <m:jc m:val="centerGroup"/>
+                    </m:oMathParaPr>
+                    <m:oMath xmlns:m="http://schemas.openxmlformats.org/officeDocument/2006/math">
+                      <m:sSub>
+                        <m:sSubPr>
+                          <m:ctrlPr>
+                            <a:rPr lang="en-US" sz="2400" b="1" i="1" smtClean="0">
+                              <a:solidFill>
+                                <a:srgbClr val="00B050"/>
+                              </a:solidFill>
+                              <a:effectLst/>
+                              <a:latin typeface="Cambria Math" panose="02040503050406030204" pitchFamily="18" charset="0"/>
+                              <a:ea typeface="Calibri" panose="020F0502020204030204" pitchFamily="34" charset="0"/>
+                              <a:cs typeface="Times New Roman" panose="02020603050405020304" pitchFamily="18" charset="0"/>
+                            </a:rPr>
+                          </m:ctrlPr>
+                        </m:sSubPr>
+                        <m:e>
+                          <m:r>
+                            <a:rPr lang="en-US" sz="2400" b="1" i="1" smtClean="0">
+                              <a:solidFill>
+                                <a:srgbClr val="00B050"/>
+                              </a:solidFill>
+                              <a:effectLst/>
+                              <a:latin typeface="Cambria Math" panose="02040503050406030204" pitchFamily="18" charset="0"/>
+                              <a:ea typeface="Calibri" panose="020F0502020204030204" pitchFamily="34" charset="0"/>
+                              <a:cs typeface="Times New Roman" panose="02020603050405020304" pitchFamily="18" charset="0"/>
+                            </a:rPr>
+                            <m:t>𝒎</m:t>
+                          </m:r>
+                        </m:e>
+                        <m:sub>
+                          <m:r>
+                            <a:rPr lang="en-US" sz="2400" b="1" i="1" smtClean="0">
+                              <a:solidFill>
+                                <a:srgbClr val="00B050"/>
+                              </a:solidFill>
+                              <a:effectLst/>
+                              <a:latin typeface="Cambria Math" panose="02040503050406030204" pitchFamily="18" charset="0"/>
+                              <a:ea typeface="Calibri" panose="020F0502020204030204" pitchFamily="34" charset="0"/>
+                              <a:cs typeface="Times New Roman" panose="02020603050405020304" pitchFamily="18" charset="0"/>
+                            </a:rPr>
+                            <m:t>𝒊</m:t>
+                          </m:r>
+                          <m:r>
+                            <a:rPr lang="en-US" sz="2400" b="1" i="1" smtClean="0">
+                              <a:solidFill>
+                                <a:srgbClr val="00B050"/>
+                              </a:solidFill>
+                              <a:effectLst/>
+                              <a:latin typeface="Cambria Math" panose="02040503050406030204" pitchFamily="18" charset="0"/>
+                              <a:ea typeface="Calibri" panose="020F0502020204030204" pitchFamily="34" charset="0"/>
+                              <a:cs typeface="Times New Roman" panose="02020603050405020304" pitchFamily="18" charset="0"/>
+                            </a:rPr>
+                            <m:t> </m:t>
+                          </m:r>
+                        </m:sub>
+                      </m:sSub>
+                      <m:r>
+                        <a:rPr lang="en-US" sz="2400" b="1" i="1" smtClean="0">
+                          <a:solidFill>
+                            <a:srgbClr val="00B050"/>
+                          </a:solidFill>
+                          <a:effectLst/>
+                          <a:latin typeface="Cambria Math" panose="02040503050406030204" pitchFamily="18" charset="0"/>
+                          <a:ea typeface="Calibri" panose="020F0502020204030204" pitchFamily="34" charset="0"/>
+                          <a:cs typeface="Times New Roman" panose="02020603050405020304" pitchFamily="18" charset="0"/>
+                        </a:rPr>
+                        <m:t>=</m:t>
+                      </m:r>
+                      <m:r>
+                        <a:rPr lang="en-US" sz="2400" b="1" i="1" smtClean="0">
+                          <a:solidFill>
+                            <a:srgbClr val="00B050"/>
+                          </a:solidFill>
+                          <a:effectLst/>
+                          <a:latin typeface="Cambria Math" panose="02040503050406030204" pitchFamily="18" charset="0"/>
+                          <a:ea typeface="Calibri" panose="020F0502020204030204" pitchFamily="34" charset="0"/>
+                          <a:cs typeface="Times New Roman" panose="02020603050405020304" pitchFamily="18" charset="0"/>
+                        </a:rPr>
+                        <m:t>𝑨𝑮𝑮</m:t>
+                      </m:r>
+                      <m:d>
+                        <m:dPr>
+                          <m:ctrlPr>
+                            <a:rPr lang="en-US" sz="2400" b="1" i="1">
+                              <a:solidFill>
+                                <a:srgbClr val="00B050"/>
+                              </a:solidFill>
+                              <a:effectLst/>
+                              <a:latin typeface="Cambria Math" panose="02040503050406030204" pitchFamily="18" charset="0"/>
+                              <a:ea typeface="Calibri" panose="020F0502020204030204" pitchFamily="34" charset="0"/>
+                              <a:cs typeface="Times New Roman" panose="02020603050405020304" pitchFamily="18" charset="0"/>
+                            </a:rPr>
+                          </m:ctrlPr>
+                        </m:dPr>
+                        <m:e>
+                          <m:sSub>
+                            <m:sSubPr>
+                              <m:ctrlPr>
+                                <a:rPr lang="en-US" sz="2400" b="1" i="1">
+                                  <a:solidFill>
+                                    <a:srgbClr val="00B050"/>
+                                  </a:solidFill>
+                                  <a:effectLst/>
+                                  <a:latin typeface="Cambria Math" panose="02040503050406030204" pitchFamily="18" charset="0"/>
+                                  <a:ea typeface="Calibri" panose="020F0502020204030204" pitchFamily="34" charset="0"/>
+                                  <a:cs typeface="Times New Roman" panose="02020603050405020304" pitchFamily="18" charset="0"/>
+                                </a:rPr>
+                              </m:ctrlPr>
+                            </m:sSubPr>
+                            <m:e>
+                              <m:r>
+                                <a:rPr lang="en-US" sz="2400" b="1" i="1" smtClean="0">
+                                  <a:solidFill>
+                                    <a:srgbClr val="00B050"/>
+                                  </a:solidFill>
+                                  <a:effectLst/>
+                                  <a:latin typeface="Cambria Math" panose="02040503050406030204" pitchFamily="18" charset="0"/>
+                                  <a:ea typeface="Calibri" panose="020F0502020204030204" pitchFamily="34" charset="0"/>
+                                  <a:cs typeface="Times New Roman" panose="02020603050405020304" pitchFamily="18" charset="0"/>
+                                </a:rPr>
+                                <m:t>𝒈</m:t>
+                              </m:r>
+                            </m:e>
+                            <m:sub>
+                              <m:r>
+                                <a:rPr lang="en-US" sz="2400" b="1" i="1" smtClean="0">
+                                  <a:solidFill>
+                                    <a:srgbClr val="00B050"/>
+                                  </a:solidFill>
+                                  <a:effectLst/>
+                                  <a:latin typeface="Cambria Math" panose="02040503050406030204" pitchFamily="18" charset="0"/>
+                                  <a:ea typeface="Calibri" panose="020F0502020204030204" pitchFamily="34" charset="0"/>
+                                  <a:cs typeface="Times New Roman" panose="02020603050405020304" pitchFamily="18" charset="0"/>
+                                </a:rPr>
+                                <m:t>𝒋</m:t>
+                              </m:r>
+                            </m:sub>
+                          </m:sSub>
+                          <m:r>
+                            <a:rPr lang="en-US" sz="2400" b="1" i="1" smtClean="0">
+                              <a:solidFill>
+                                <a:srgbClr val="00B050"/>
+                              </a:solidFill>
+                              <a:effectLst/>
+                              <a:latin typeface="Cambria Math" panose="02040503050406030204" pitchFamily="18" charset="0"/>
+                              <a:ea typeface="Calibri" panose="020F0502020204030204" pitchFamily="34" charset="0"/>
+                              <a:cs typeface="Times New Roman" panose="02020603050405020304" pitchFamily="18" charset="0"/>
+                            </a:rPr>
+                            <m:t>;</m:t>
+                          </m:r>
+                          <m:r>
+                            <a:rPr lang="en-US" sz="2400" b="1" i="1" smtClean="0">
+                              <a:solidFill>
+                                <a:srgbClr val="00B050"/>
+                              </a:solidFill>
+                              <a:effectLst/>
+                              <a:latin typeface="Cambria Math" panose="02040503050406030204" pitchFamily="18" charset="0"/>
+                              <a:ea typeface="Calibri" panose="020F0502020204030204" pitchFamily="34" charset="0"/>
+                              <a:cs typeface="Times New Roman" panose="02020603050405020304" pitchFamily="18" charset="0"/>
+                            </a:rPr>
+                            <m:t>𝒋</m:t>
+                          </m:r>
+                          <m:r>
+                            <a:rPr lang="en-US" sz="2400" b="1" i="1" smtClean="0">
+                              <a:solidFill>
+                                <a:srgbClr val="00B050"/>
+                              </a:solidFill>
+                              <a:effectLst/>
+                              <a:latin typeface="Cambria Math" panose="02040503050406030204" pitchFamily="18" charset="0"/>
+                              <a:ea typeface="Calibri" panose="020F0502020204030204" pitchFamily="34" charset="0"/>
+                              <a:cs typeface="Times New Roman" panose="02020603050405020304" pitchFamily="18" charset="0"/>
+                            </a:rPr>
+                            <m:t>∈</m:t>
+                          </m:r>
+                          <m:sSub>
+                            <m:sSubPr>
+                              <m:ctrlPr>
+                                <a:rPr lang="en-US" sz="2400" b="1" i="1">
+                                  <a:solidFill>
+                                    <a:srgbClr val="00B050"/>
+                                  </a:solidFill>
+                                  <a:effectLst/>
+                                  <a:latin typeface="Cambria Math" panose="02040503050406030204" pitchFamily="18" charset="0"/>
+                                  <a:ea typeface="Calibri" panose="020F0502020204030204" pitchFamily="34" charset="0"/>
+                                  <a:cs typeface="Times New Roman" panose="02020603050405020304" pitchFamily="18" charset="0"/>
+                                </a:rPr>
+                              </m:ctrlPr>
+                            </m:sSubPr>
+                            <m:e>
+                              <m:r>
+                                <a:rPr lang="en-US" sz="2400" b="1" i="1" smtClean="0">
+                                  <a:solidFill>
+                                    <a:srgbClr val="00B050"/>
+                                  </a:solidFill>
+                                  <a:effectLst/>
+                                  <a:latin typeface="Cambria Math" panose="02040503050406030204" pitchFamily="18" charset="0"/>
+                                  <a:ea typeface="Calibri" panose="020F0502020204030204" pitchFamily="34" charset="0"/>
+                                  <a:cs typeface="Times New Roman" panose="02020603050405020304" pitchFamily="18" charset="0"/>
+                                </a:rPr>
+                                <m:t>𝑵</m:t>
+                              </m:r>
+                            </m:e>
+                            <m:sub>
+                              <m:r>
+                                <a:rPr lang="en-US" sz="2400" b="1" i="1" smtClean="0">
+                                  <a:solidFill>
+                                    <a:srgbClr val="00B050"/>
+                                  </a:solidFill>
+                                  <a:effectLst/>
+                                  <a:latin typeface="Cambria Math" panose="02040503050406030204" pitchFamily="18" charset="0"/>
+                                  <a:ea typeface="Calibri" panose="020F0502020204030204" pitchFamily="34" charset="0"/>
+                                  <a:cs typeface="Times New Roman" panose="02020603050405020304" pitchFamily="18" charset="0"/>
+                                </a:rPr>
+                                <m:t>𝒊</m:t>
+                              </m:r>
+                            </m:sub>
+                          </m:sSub>
+                        </m:e>
+                      </m:d>
+                    </m:oMath>
+                  </m:oMathPara>
+                </a14:m>
+                <a:endParaRPr lang="en-US" dirty="0"/>
+              </a:p>
+            </p:txBody>
+          </p:sp>
+        </mc:Choice>
+        <mc:Fallback>
+          <p:sp>
+            <p:nvSpPr>
+              <p:cNvPr id="17" name="TextBox 16">
+                <a:extLst>
+                  <a:ext uri="{FF2B5EF4-FFF2-40B4-BE49-F238E27FC236}">
+                    <a16:creationId xmlns:a16="http://schemas.microsoft.com/office/drawing/2014/main" id="{318AC557-9584-9505-6808-95FCC420F680}"/>
+                  </a:ext>
+                </a:extLst>
+              </p:cNvPr>
+              <p:cNvSpPr txBox="1">
+                <a:spLocks noRot="1" noChangeAspect="1" noMove="1" noResize="1" noEditPoints="1" noAdjustHandles="1" noChangeArrowheads="1" noChangeShapeType="1" noTextEdit="1"/>
+              </p:cNvSpPr>
+              <p:nvPr/>
+            </p:nvSpPr>
+            <p:spPr>
+              <a:xfrm>
+                <a:off x="2323024" y="4747480"/>
+                <a:ext cx="6096000" cy="523092"/>
+              </a:xfrm>
+              <a:prstGeom prst="rect">
+                <a:avLst/>
+              </a:prstGeom>
+              <a:blipFill>
+                <a:blip r:embed="rId2"/>
+                <a:stretch>
+                  <a:fillRect/>
+                </a:stretch>
+              </a:blipFill>
+            </p:spPr>
+            <p:txBody>
+              <a:bodyPr/>
+              <a:lstStyle/>
+              <a:p>
+                <a:r>
+                  <a:rPr lang="en-US">
+                    <a:noFill/>
+                  </a:rPr>
+                  <a:t> </a:t>
+                </a:r>
+              </a:p>
+            </p:txBody>
+          </p:sp>
+        </mc:Fallback>
+      </mc:AlternateContent>
+      <p:pic>
+        <p:nvPicPr>
+          <p:cNvPr id="18" name="Picture 17">
+            <a:extLst>
+              <a:ext uri="{FF2B5EF4-FFF2-40B4-BE49-F238E27FC236}">
+                <a16:creationId xmlns:a16="http://schemas.microsoft.com/office/drawing/2014/main" id="{E4AFD3EF-E68B-0DC3-F9B0-CA16C41487D9}"/>
+              </a:ext>
+            </a:extLst>
+          </p:cNvPr>
+          <p:cNvPicPr>
+            <a:picLocks noChangeAspect="1"/>
+          </p:cNvPicPr>
+          <p:nvPr/>
+        </p:nvPicPr>
+        <p:blipFill>
+          <a:blip r:embed="rId3"/>
+          <a:stretch>
+            <a:fillRect/>
+          </a:stretch>
+        </p:blipFill>
+        <p:spPr>
+          <a:xfrm>
+            <a:off x="5201265" y="1667640"/>
+            <a:ext cx="661066" cy="661066"/>
+          </a:xfrm>
+          <a:prstGeom prst="rect">
+            <a:avLst/>
+          </a:prstGeom>
+        </p:spPr>
+      </p:pic>
+      <p:pic>
+        <p:nvPicPr>
+          <p:cNvPr id="19" name="Picture 18">
+            <a:extLst>
+              <a:ext uri="{FF2B5EF4-FFF2-40B4-BE49-F238E27FC236}">
+                <a16:creationId xmlns:a16="http://schemas.microsoft.com/office/drawing/2014/main" id="{9D0FD7D7-A44A-5D5C-7C11-6B6E3AE0DC4A}"/>
+              </a:ext>
+            </a:extLst>
+          </p:cNvPr>
+          <p:cNvPicPr>
+            <a:picLocks noChangeAspect="1"/>
+          </p:cNvPicPr>
+          <p:nvPr/>
+        </p:nvPicPr>
+        <p:blipFill>
+          <a:blip r:embed="rId4"/>
+          <a:stretch>
+            <a:fillRect/>
+          </a:stretch>
+        </p:blipFill>
+        <p:spPr>
+          <a:xfrm>
+            <a:off x="3879881" y="2715790"/>
+            <a:ext cx="661066" cy="661066"/>
+          </a:xfrm>
+          <a:prstGeom prst="rect">
+            <a:avLst/>
+          </a:prstGeom>
+        </p:spPr>
+      </p:pic>
+      <p:pic>
+        <p:nvPicPr>
+          <p:cNvPr id="20" name="Picture 19">
+            <a:extLst>
+              <a:ext uri="{FF2B5EF4-FFF2-40B4-BE49-F238E27FC236}">
+                <a16:creationId xmlns:a16="http://schemas.microsoft.com/office/drawing/2014/main" id="{C4B922CB-1699-7068-834D-176B6494DCEC}"/>
+              </a:ext>
+            </a:extLst>
+          </p:cNvPr>
+          <p:cNvPicPr>
+            <a:picLocks noChangeAspect="1"/>
+          </p:cNvPicPr>
+          <p:nvPr/>
+        </p:nvPicPr>
+        <p:blipFill>
+          <a:blip r:embed="rId5"/>
+          <a:stretch>
+            <a:fillRect/>
+          </a:stretch>
+        </p:blipFill>
+        <p:spPr>
+          <a:xfrm>
+            <a:off x="5097207" y="3180842"/>
+            <a:ext cx="661066" cy="661066"/>
+          </a:xfrm>
+          <a:prstGeom prst="rect">
+            <a:avLst/>
+          </a:prstGeom>
+        </p:spPr>
+      </p:pic>
+      <p:pic>
+        <p:nvPicPr>
+          <p:cNvPr id="21" name="Picture 20">
+            <a:extLst>
+              <a:ext uri="{FF2B5EF4-FFF2-40B4-BE49-F238E27FC236}">
+                <a16:creationId xmlns:a16="http://schemas.microsoft.com/office/drawing/2014/main" id="{BD57ED4F-F267-7D96-B152-86DD39D43950}"/>
+              </a:ext>
+            </a:extLst>
+          </p:cNvPr>
+          <p:cNvPicPr>
+            <a:picLocks noChangeAspect="1"/>
+          </p:cNvPicPr>
+          <p:nvPr/>
+        </p:nvPicPr>
+        <p:blipFill>
+          <a:blip r:embed="rId6"/>
+          <a:stretch>
+            <a:fillRect/>
+          </a:stretch>
+        </p:blipFill>
+        <p:spPr>
+          <a:xfrm>
+            <a:off x="6578932" y="2777720"/>
+            <a:ext cx="661067" cy="661067"/>
+          </a:xfrm>
+          <a:prstGeom prst="rect">
+            <a:avLst/>
+          </a:prstGeom>
+        </p:spPr>
+      </p:pic>
+      <p:cxnSp>
+        <p:nvCxnSpPr>
+          <p:cNvPr id="22" name="Straight Arrow Connector 21">
+            <a:extLst>
+              <a:ext uri="{FF2B5EF4-FFF2-40B4-BE49-F238E27FC236}">
+                <a16:creationId xmlns:a16="http://schemas.microsoft.com/office/drawing/2014/main" id="{A0EC1559-AC38-05C4-B0F3-E987CFC35527}"/>
+              </a:ext>
+            </a:extLst>
+          </p:cNvPr>
+          <p:cNvCxnSpPr>
+            <a:cxnSpLocks/>
+          </p:cNvCxnSpPr>
+          <p:nvPr/>
+        </p:nvCxnSpPr>
+        <p:spPr>
+          <a:xfrm flipV="1">
+            <a:off x="4540947" y="2232750"/>
+            <a:ext cx="733666" cy="562942"/>
+          </a:xfrm>
+          <a:prstGeom prst="straightConnector1">
+            <a:avLst/>
+          </a:prstGeom>
+          <a:ln w="38100">
+            <a:solidFill>
+              <a:schemeClr val="bg2">
+                <a:lumMod val="10000"/>
+              </a:schemeClr>
+            </a:solidFill>
+            <a:prstDash val="dash"/>
+            <a:tailEnd type="triangle"/>
+          </a:ln>
+        </p:spPr>
+        <p:style>
+          <a:lnRef idx="1">
+            <a:schemeClr val="accent1"/>
+          </a:lnRef>
+          <a:fillRef idx="0">
+            <a:schemeClr val="accent1"/>
+          </a:fillRef>
+          <a:effectRef idx="0">
+            <a:schemeClr val="accent1"/>
+          </a:effectRef>
+          <a:fontRef idx="minor">
+            <a:schemeClr val="tx1"/>
+          </a:fontRef>
+        </p:style>
+      </p:cxnSp>
+      <p:cxnSp>
+        <p:nvCxnSpPr>
+          <p:cNvPr id="23" name="Straight Arrow Connector 22">
+            <a:extLst>
+              <a:ext uri="{FF2B5EF4-FFF2-40B4-BE49-F238E27FC236}">
+                <a16:creationId xmlns:a16="http://schemas.microsoft.com/office/drawing/2014/main" id="{FED0A1F1-53BD-4030-ECEF-1DC8E19532A8}"/>
+              </a:ext>
+            </a:extLst>
+          </p:cNvPr>
+          <p:cNvCxnSpPr>
+            <a:cxnSpLocks/>
+            <a:stCxn id="20" idx="0"/>
+          </p:cNvCxnSpPr>
+          <p:nvPr/>
+        </p:nvCxnSpPr>
+        <p:spPr>
+          <a:xfrm flipV="1">
+            <a:off x="5427740" y="2328706"/>
+            <a:ext cx="0" cy="852136"/>
+          </a:xfrm>
+          <a:prstGeom prst="straightConnector1">
+            <a:avLst/>
+          </a:prstGeom>
+          <a:ln w="38100">
+            <a:solidFill>
+              <a:schemeClr val="bg2">
+                <a:lumMod val="10000"/>
+              </a:schemeClr>
+            </a:solidFill>
+            <a:prstDash val="dash"/>
+            <a:tailEnd type="triangle"/>
+          </a:ln>
+        </p:spPr>
+        <p:style>
+          <a:lnRef idx="1">
+            <a:schemeClr val="accent1"/>
+          </a:lnRef>
+          <a:fillRef idx="0">
+            <a:schemeClr val="accent1"/>
+          </a:fillRef>
+          <a:effectRef idx="0">
+            <a:schemeClr val="accent1"/>
+          </a:effectRef>
+          <a:fontRef idx="minor">
+            <a:schemeClr val="tx1"/>
+          </a:fontRef>
+        </p:style>
+      </p:cxnSp>
+      <p:cxnSp>
+        <p:nvCxnSpPr>
+          <p:cNvPr id="24" name="Straight Arrow Connector 23">
+            <a:extLst>
+              <a:ext uri="{FF2B5EF4-FFF2-40B4-BE49-F238E27FC236}">
+                <a16:creationId xmlns:a16="http://schemas.microsoft.com/office/drawing/2014/main" id="{9775BC52-030F-E8F6-42CA-3494C24B4707}"/>
+              </a:ext>
+            </a:extLst>
+          </p:cNvPr>
+          <p:cNvCxnSpPr>
+            <a:cxnSpLocks/>
+          </p:cNvCxnSpPr>
+          <p:nvPr/>
+        </p:nvCxnSpPr>
+        <p:spPr>
+          <a:xfrm flipH="1" flipV="1">
+            <a:off x="5789730" y="2264720"/>
+            <a:ext cx="863042" cy="513000"/>
+          </a:xfrm>
+          <a:prstGeom prst="straightConnector1">
+            <a:avLst/>
+          </a:prstGeom>
+          <a:ln w="38100">
+            <a:solidFill>
+              <a:schemeClr val="bg2">
+                <a:lumMod val="10000"/>
+              </a:schemeClr>
+            </a:solidFill>
+            <a:prstDash val="dash"/>
+            <a:tailEnd type="triangle"/>
+          </a:ln>
+        </p:spPr>
+        <p:style>
+          <a:lnRef idx="1">
+            <a:schemeClr val="accent1"/>
+          </a:lnRef>
+          <a:fillRef idx="0">
+            <a:schemeClr val="accent1"/>
+          </a:fillRef>
+          <a:effectRef idx="0">
+            <a:schemeClr val="accent1"/>
+          </a:effectRef>
+          <a:fontRef idx="minor">
+            <a:schemeClr val="tx1"/>
+          </a:fontRef>
+        </p:style>
+      </p:cxnSp>
+      <mc:AlternateContent xmlns:mc="http://schemas.openxmlformats.org/markup-compatibility/2006">
+        <mc:Choice xmlns:a14="http://schemas.microsoft.com/office/drawing/2010/main" Requires="a14">
+          <p:sp>
+            <p:nvSpPr>
+              <p:cNvPr id="25" name="TextBox 24">
+                <a:extLst>
+                  <a:ext uri="{FF2B5EF4-FFF2-40B4-BE49-F238E27FC236}">
+                    <a16:creationId xmlns:a16="http://schemas.microsoft.com/office/drawing/2014/main" id="{66AC6EE7-4477-A117-0502-B51C1771CC15}"/>
+                  </a:ext>
+                </a:extLst>
+              </p:cNvPr>
+              <p:cNvSpPr txBox="1"/>
+              <p:nvPr/>
+            </p:nvSpPr>
+            <p:spPr>
+              <a:xfrm>
+                <a:off x="4198913" y="2232134"/>
+                <a:ext cx="530942" cy="400110"/>
+              </a:xfrm>
+              <a:prstGeom prst="rect">
+                <a:avLst/>
+              </a:prstGeom>
+              <a:noFill/>
+            </p:spPr>
+            <p:txBody>
+              <a:bodyPr wrap="square">
+                <a:spAutoFit/>
+              </a:bodyPr>
+              <a:lstStyle/>
+              <a:p>
+                <a:pPr/>
+                <a14:m>
+                  <m:oMathPara xmlns:m="http://schemas.openxmlformats.org/officeDocument/2006/math">
+                    <m:oMathParaPr>
+                      <m:jc m:val="centerGroup"/>
+                    </m:oMathParaPr>
+                    <m:oMath xmlns:m="http://schemas.openxmlformats.org/officeDocument/2006/math">
+                      <m:sSub>
+                        <m:sSubPr>
+                          <m:ctrlPr>
+                            <a:rPr lang="en-US" sz="2000" b="1" i="1" smtClean="0">
+                              <a:solidFill>
+                                <a:srgbClr val="836967"/>
+                              </a:solidFill>
+                              <a:latin typeface="Cambria Math" panose="02040503050406030204" pitchFamily="18" charset="0"/>
+                            </a:rPr>
+                          </m:ctrlPr>
+                        </m:sSubPr>
+                        <m:e>
+                          <m:r>
+                            <a:rPr lang="en-US" sz="2000" b="1" i="1" smtClean="0">
+                              <a:solidFill>
+                                <a:schemeClr val="tx1"/>
+                              </a:solidFill>
+                              <a:latin typeface="Cambria Math" panose="02040503050406030204" pitchFamily="18" charset="0"/>
+                            </a:rPr>
+                            <m:t>𝒈</m:t>
+                          </m:r>
+                        </m:e>
+                        <m:sub>
+                          <m:r>
+                            <a:rPr lang="en-US" sz="2000" b="1" i="1" smtClean="0">
+                              <a:latin typeface="Cambria Math" panose="02040503050406030204" pitchFamily="18" charset="0"/>
+                            </a:rPr>
+                            <m:t>𝟐</m:t>
+                          </m:r>
+                        </m:sub>
+                      </m:sSub>
+                    </m:oMath>
+                  </m:oMathPara>
+                </a14:m>
+                <a:endParaRPr lang="en-US" sz="2000" b="1" i="1" dirty="0"/>
+              </a:p>
+            </p:txBody>
+          </p:sp>
+        </mc:Choice>
+        <mc:Fallback>
+          <p:sp>
+            <p:nvSpPr>
+              <p:cNvPr id="25" name="TextBox 24">
+                <a:extLst>
+                  <a:ext uri="{FF2B5EF4-FFF2-40B4-BE49-F238E27FC236}">
+                    <a16:creationId xmlns:a16="http://schemas.microsoft.com/office/drawing/2014/main" id="{66AC6EE7-4477-A117-0502-B51C1771CC15}"/>
+                  </a:ext>
+                </a:extLst>
+              </p:cNvPr>
+              <p:cNvSpPr txBox="1">
+                <a:spLocks noRot="1" noChangeAspect="1" noMove="1" noResize="1" noEditPoints="1" noAdjustHandles="1" noChangeArrowheads="1" noChangeShapeType="1" noTextEdit="1"/>
+              </p:cNvSpPr>
+              <p:nvPr/>
+            </p:nvSpPr>
+            <p:spPr>
+              <a:xfrm>
+                <a:off x="4198913" y="2232134"/>
+                <a:ext cx="530942" cy="400110"/>
+              </a:xfrm>
+              <a:prstGeom prst="rect">
+                <a:avLst/>
+              </a:prstGeom>
+              <a:blipFill>
+                <a:blip r:embed="rId7"/>
+                <a:stretch>
+                  <a:fillRect b="-7576"/>
+                </a:stretch>
+              </a:blipFill>
+            </p:spPr>
+            <p:txBody>
+              <a:bodyPr/>
+              <a:lstStyle/>
+              <a:p>
+                <a:r>
+                  <a:rPr lang="en-US">
+                    <a:noFill/>
+                  </a:rPr>
+                  <a:t> </a:t>
+                </a:r>
+              </a:p>
+            </p:txBody>
+          </p:sp>
+        </mc:Fallback>
+      </mc:AlternateContent>
+      <mc:AlternateContent xmlns:mc="http://schemas.openxmlformats.org/markup-compatibility/2006">
+        <mc:Choice xmlns:a14="http://schemas.microsoft.com/office/drawing/2010/main" Requires="a14">
+          <p:sp>
+            <p:nvSpPr>
+              <p:cNvPr id="26" name="TextBox 25">
+                <a:extLst>
+                  <a:ext uri="{FF2B5EF4-FFF2-40B4-BE49-F238E27FC236}">
+                    <a16:creationId xmlns:a16="http://schemas.microsoft.com/office/drawing/2014/main" id="{56A25C0C-42AB-B4E7-D367-28ACA10C07A3}"/>
+                  </a:ext>
+                </a:extLst>
+              </p:cNvPr>
+              <p:cNvSpPr txBox="1"/>
+              <p:nvPr/>
+            </p:nvSpPr>
+            <p:spPr>
+              <a:xfrm>
+                <a:off x="5477336" y="2595637"/>
+                <a:ext cx="530942" cy="400110"/>
+              </a:xfrm>
+              <a:prstGeom prst="rect">
+                <a:avLst/>
+              </a:prstGeom>
+              <a:noFill/>
+            </p:spPr>
+            <p:txBody>
+              <a:bodyPr wrap="square">
+                <a:spAutoFit/>
+              </a:bodyPr>
+              <a:lstStyle/>
+              <a:p>
+                <a:pPr/>
+                <a14:m>
+                  <m:oMathPara xmlns:m="http://schemas.openxmlformats.org/officeDocument/2006/math">
+                    <m:oMathParaPr>
+                      <m:jc m:val="centerGroup"/>
+                    </m:oMathParaPr>
+                    <m:oMath xmlns:m="http://schemas.openxmlformats.org/officeDocument/2006/math">
+                      <m:sSub>
+                        <m:sSubPr>
+                          <m:ctrlPr>
+                            <a:rPr lang="en-US" sz="2000" b="1" i="1" smtClean="0">
+                              <a:solidFill>
+                                <a:schemeClr val="tx1"/>
+                              </a:solidFill>
+                              <a:latin typeface="Cambria Math" panose="02040503050406030204" pitchFamily="18" charset="0"/>
+                            </a:rPr>
+                          </m:ctrlPr>
+                        </m:sSubPr>
+                        <m:e>
+                          <m:r>
+                            <a:rPr lang="en-US" sz="2000" b="1" i="1" smtClean="0">
+                              <a:solidFill>
+                                <a:schemeClr val="tx1"/>
+                              </a:solidFill>
+                              <a:latin typeface="Cambria Math" panose="02040503050406030204" pitchFamily="18" charset="0"/>
+                            </a:rPr>
+                            <m:t>𝒈</m:t>
+                          </m:r>
+                        </m:e>
+                        <m:sub>
+                          <m:r>
+                            <a:rPr lang="en-US" sz="2000" b="1" i="1" smtClean="0">
+                              <a:solidFill>
+                                <a:schemeClr val="tx1"/>
+                              </a:solidFill>
+                              <a:latin typeface="Cambria Math" panose="02040503050406030204" pitchFamily="18" charset="0"/>
+                            </a:rPr>
+                            <m:t>𝟑</m:t>
+                          </m:r>
+                        </m:sub>
+                      </m:sSub>
+                    </m:oMath>
+                  </m:oMathPara>
+                </a14:m>
+                <a:endParaRPr lang="en-US" sz="2000" b="1" i="1" dirty="0"/>
+              </a:p>
+            </p:txBody>
+          </p:sp>
+        </mc:Choice>
+        <mc:Fallback>
+          <p:sp>
+            <p:nvSpPr>
+              <p:cNvPr id="26" name="TextBox 25">
+                <a:extLst>
+                  <a:ext uri="{FF2B5EF4-FFF2-40B4-BE49-F238E27FC236}">
+                    <a16:creationId xmlns:a16="http://schemas.microsoft.com/office/drawing/2014/main" id="{56A25C0C-42AB-B4E7-D367-28ACA10C07A3}"/>
+                  </a:ext>
+                </a:extLst>
+              </p:cNvPr>
+              <p:cNvSpPr txBox="1">
+                <a:spLocks noRot="1" noChangeAspect="1" noMove="1" noResize="1" noEditPoints="1" noAdjustHandles="1" noChangeArrowheads="1" noChangeShapeType="1" noTextEdit="1"/>
+              </p:cNvSpPr>
+              <p:nvPr/>
+            </p:nvSpPr>
+            <p:spPr>
+              <a:xfrm>
+                <a:off x="5477336" y="2595637"/>
+                <a:ext cx="530942" cy="400110"/>
+              </a:xfrm>
+              <a:prstGeom prst="rect">
+                <a:avLst/>
+              </a:prstGeom>
+              <a:blipFill>
+                <a:blip r:embed="rId8"/>
+                <a:stretch>
+                  <a:fillRect b="-9231"/>
+                </a:stretch>
+              </a:blipFill>
+            </p:spPr>
+            <p:txBody>
+              <a:bodyPr/>
+              <a:lstStyle/>
+              <a:p>
+                <a:r>
+                  <a:rPr lang="en-US">
+                    <a:noFill/>
+                  </a:rPr>
+                  <a:t> </a:t>
+                </a:r>
+              </a:p>
+            </p:txBody>
+          </p:sp>
+        </mc:Fallback>
+      </mc:AlternateContent>
+      <mc:AlternateContent xmlns:mc="http://schemas.openxmlformats.org/markup-compatibility/2006">
+        <mc:Choice xmlns:a14="http://schemas.microsoft.com/office/drawing/2010/main" Requires="a14">
+          <p:sp>
+            <p:nvSpPr>
+              <p:cNvPr id="27" name="TextBox 26">
+                <a:extLst>
+                  <a:ext uri="{FF2B5EF4-FFF2-40B4-BE49-F238E27FC236}">
+                    <a16:creationId xmlns:a16="http://schemas.microsoft.com/office/drawing/2014/main" id="{F20CF568-AD55-907A-0FA8-71B681C5AFF4}"/>
+                  </a:ext>
+                </a:extLst>
+              </p:cNvPr>
+              <p:cNvSpPr txBox="1"/>
+              <p:nvPr/>
+            </p:nvSpPr>
+            <p:spPr>
+              <a:xfrm>
+                <a:off x="6218182" y="2106130"/>
+                <a:ext cx="530942" cy="400110"/>
+              </a:xfrm>
+              <a:prstGeom prst="rect">
+                <a:avLst/>
+              </a:prstGeom>
+              <a:noFill/>
+            </p:spPr>
+            <p:txBody>
+              <a:bodyPr wrap="square">
+                <a:spAutoFit/>
+              </a:bodyPr>
+              <a:lstStyle/>
+              <a:p>
+                <a:pPr/>
+                <a14:m>
+                  <m:oMathPara xmlns:m="http://schemas.openxmlformats.org/officeDocument/2006/math">
+                    <m:oMathParaPr>
+                      <m:jc m:val="centerGroup"/>
+                    </m:oMathParaPr>
+                    <m:oMath xmlns:m="http://schemas.openxmlformats.org/officeDocument/2006/math">
+                      <m:sSub>
+                        <m:sSubPr>
+                          <m:ctrlPr>
+                            <a:rPr lang="en-US" sz="2000" b="1" i="1" smtClean="0">
+                              <a:solidFill>
+                                <a:schemeClr val="tx1"/>
+                              </a:solidFill>
+                              <a:latin typeface="Cambria Math" panose="02040503050406030204" pitchFamily="18" charset="0"/>
+                            </a:rPr>
+                          </m:ctrlPr>
+                        </m:sSubPr>
+                        <m:e>
+                          <m:r>
+                            <a:rPr lang="en-US" sz="2000" b="1" i="1" smtClean="0">
+                              <a:solidFill>
+                                <a:schemeClr val="tx1"/>
+                              </a:solidFill>
+                              <a:latin typeface="Cambria Math" panose="02040503050406030204" pitchFamily="18" charset="0"/>
+                            </a:rPr>
+                            <m:t>𝒈</m:t>
+                          </m:r>
+                        </m:e>
+                        <m:sub>
+                          <m:r>
+                            <a:rPr lang="en-US" sz="2000" b="1" i="1" smtClean="0">
+                              <a:solidFill>
+                                <a:schemeClr val="tx1"/>
+                              </a:solidFill>
+                              <a:latin typeface="Cambria Math" panose="02040503050406030204" pitchFamily="18" charset="0"/>
+                            </a:rPr>
+                            <m:t>𝟒</m:t>
+                          </m:r>
+                        </m:sub>
+                      </m:sSub>
+                    </m:oMath>
+                  </m:oMathPara>
+                </a14:m>
+                <a:endParaRPr lang="en-US" sz="2000" b="1" i="1" dirty="0">
+                  <a:solidFill>
+                    <a:schemeClr val="tx1"/>
+                  </a:solidFill>
+                </a:endParaRPr>
+              </a:p>
+            </p:txBody>
+          </p:sp>
+        </mc:Choice>
+        <mc:Fallback>
+          <p:sp>
+            <p:nvSpPr>
+              <p:cNvPr id="27" name="TextBox 26">
+                <a:extLst>
+                  <a:ext uri="{FF2B5EF4-FFF2-40B4-BE49-F238E27FC236}">
+                    <a16:creationId xmlns:a16="http://schemas.microsoft.com/office/drawing/2014/main" id="{F20CF568-AD55-907A-0FA8-71B681C5AFF4}"/>
+                  </a:ext>
+                </a:extLst>
+              </p:cNvPr>
+              <p:cNvSpPr txBox="1">
+                <a:spLocks noRot="1" noChangeAspect="1" noMove="1" noResize="1" noEditPoints="1" noAdjustHandles="1" noChangeArrowheads="1" noChangeShapeType="1" noTextEdit="1"/>
+              </p:cNvSpPr>
+              <p:nvPr/>
+            </p:nvSpPr>
+            <p:spPr>
+              <a:xfrm>
+                <a:off x="6218182" y="2106130"/>
+                <a:ext cx="530942" cy="400110"/>
+              </a:xfrm>
+              <a:prstGeom prst="rect">
+                <a:avLst/>
+              </a:prstGeom>
+              <a:blipFill>
+                <a:blip r:embed="rId9"/>
+                <a:stretch>
+                  <a:fillRect b="-7576"/>
+                </a:stretch>
+              </a:blipFill>
+            </p:spPr>
+            <p:txBody>
+              <a:bodyPr/>
+              <a:lstStyle/>
+              <a:p>
+                <a:r>
+                  <a:rPr lang="en-US">
+                    <a:noFill/>
+                  </a:rPr>
+                  <a:t> </a:t>
+                </a:r>
+              </a:p>
+            </p:txBody>
+          </p:sp>
+        </mc:Fallback>
+      </mc:AlternateContent>
+    </p:spTree>
+    <p:extLst>
+      <p:ext uri="{BB962C8B-B14F-4D97-AF65-F5344CB8AC3E}">
+        <p14:creationId xmlns:p14="http://schemas.microsoft.com/office/powerpoint/2010/main" val="2693002338"/>
+      </p:ext>
+    </p:extLst>
+  </p:cSld>
+  <p:clrMapOvr>
+    <a:masterClrMapping/>
+  </p:clrMapOvr>
+</p:sld>
+</file>
+
+<file path=ppt/slides/slide21.xml><?xml version="1.0" encoding="utf-8"?>
+<p:sld xmlns:a="http://schemas.openxmlformats.org/drawingml/2006/main" xmlns:r="http://schemas.openxmlformats.org/officeDocument/2006/relationships" xmlns:p="http://schemas.openxmlformats.org/presentationml/2006/main">
+  <p:cSld>
+    <p:spTree>
+      <p:nvGrpSpPr>
+        <p:cNvPr id="1" name=""/>
+        <p:cNvGrpSpPr/>
+        <p:nvPr/>
+      </p:nvGrpSpPr>
+      <p:grpSpPr>
+        <a:xfrm>
+          <a:off x="0" y="0"/>
+          <a:ext cx="0" cy="0"/>
+          <a:chOff x="0" y="0"/>
+          <a:chExt cx="0" cy="0"/>
+        </a:xfrm>
+      </p:grpSpPr>
+      <p:sp>
+        <p:nvSpPr>
+          <p:cNvPr id="2" name="TextBox 1">
+            <a:extLst>
+              <a:ext uri="{FF2B5EF4-FFF2-40B4-BE49-F238E27FC236}">
+                <a16:creationId xmlns:a16="http://schemas.microsoft.com/office/drawing/2014/main" id="{3CFC3D99-02BB-48D3-44B8-DBDF0DE41B75}"/>
+              </a:ext>
+            </a:extLst>
+          </p:cNvPr>
+          <p:cNvSpPr txBox="1"/>
+          <p:nvPr/>
+        </p:nvSpPr>
+        <p:spPr>
+          <a:xfrm>
+            <a:off x="353961" y="501445"/>
+            <a:ext cx="3313471" cy="461665"/>
+          </a:xfrm>
+          <a:prstGeom prst="rect">
+            <a:avLst/>
+          </a:prstGeom>
+          <a:noFill/>
+        </p:spPr>
+        <p:txBody>
+          <a:bodyPr wrap="square" rtlCol="0">
+            <a:spAutoFit/>
+          </a:bodyPr>
+          <a:lstStyle/>
+          <a:p>
+            <a:r>
+              <a:rPr lang="en-US" sz="2400" b="1" dirty="0"/>
+              <a:t>Update</a:t>
+            </a:r>
+          </a:p>
+        </p:txBody>
+      </p:sp>
+      <p:sp>
+        <p:nvSpPr>
+          <p:cNvPr id="3" name="TextBox 2">
+            <a:extLst>
+              <a:ext uri="{FF2B5EF4-FFF2-40B4-BE49-F238E27FC236}">
+                <a16:creationId xmlns:a16="http://schemas.microsoft.com/office/drawing/2014/main" id="{116F08FD-EBBA-6FD7-C303-B40D72779ED5}"/>
+              </a:ext>
+            </a:extLst>
+          </p:cNvPr>
+          <p:cNvSpPr txBox="1"/>
+          <p:nvPr/>
+        </p:nvSpPr>
+        <p:spPr>
+          <a:xfrm>
+            <a:off x="353961" y="1347019"/>
+            <a:ext cx="11484078" cy="923330"/>
+          </a:xfrm>
+          <a:prstGeom prst="rect">
+            <a:avLst/>
+          </a:prstGeom>
+          <a:noFill/>
+        </p:spPr>
+        <p:txBody>
+          <a:bodyPr wrap="square" rtlCol="0">
+            <a:spAutoFit/>
+          </a:bodyPr>
+          <a:lstStyle/>
+          <a:p>
+            <a:pPr marL="285750" indent="-285750">
+              <a:buFont typeface="Arial" panose="020B0604020202020204" pitchFamily="34" charset="0"/>
+              <a:buChar char="•"/>
+            </a:pPr>
+            <a:r>
+              <a:rPr lang="en-US" dirty="0"/>
+              <a:t>Finally we need update the feature of the source node.</a:t>
+            </a:r>
+          </a:p>
+          <a:p>
+            <a:pPr marL="285750" indent="-285750">
+              <a:buFont typeface="Arial" panose="020B0604020202020204" pitchFamily="34" charset="0"/>
+              <a:buChar char="•"/>
+            </a:pPr>
+            <a:r>
+              <a:rPr lang="en-US" dirty="0"/>
+              <a:t>Here we need to utilize the incoming aggregated message as well for the update.</a:t>
+            </a:r>
+          </a:p>
+          <a:p>
+            <a:endParaRPr lang="en-US" dirty="0"/>
+          </a:p>
+        </p:txBody>
+      </p:sp>
+      <mc:AlternateContent xmlns:mc="http://schemas.openxmlformats.org/markup-compatibility/2006">
+        <mc:Choice xmlns:a14="http://schemas.microsoft.com/office/drawing/2010/main" Requires="a14">
+          <p:sp>
+            <p:nvSpPr>
+              <p:cNvPr id="4" name="TextBox 3">
+                <a:extLst>
+                  <a:ext uri="{FF2B5EF4-FFF2-40B4-BE49-F238E27FC236}">
+                    <a16:creationId xmlns:a16="http://schemas.microsoft.com/office/drawing/2014/main" id="{57D1AE1C-ED04-E6F0-8B85-1D486B1D3BA9}"/>
+                  </a:ext>
+                </a:extLst>
+              </p:cNvPr>
+              <p:cNvSpPr txBox="1"/>
+              <p:nvPr/>
+            </p:nvSpPr>
+            <p:spPr>
+              <a:xfrm>
+                <a:off x="353959" y="2505670"/>
+                <a:ext cx="8839201" cy="1938992"/>
+              </a:xfrm>
+              <a:prstGeom prst="rect">
+                <a:avLst/>
+              </a:prstGeom>
+              <a:noFill/>
+            </p:spPr>
+            <p:txBody>
+              <a:bodyPr wrap="square" rtlCol="0">
+                <a:spAutoFit/>
+              </a:bodyPr>
+              <a:lstStyle/>
+              <a:p>
+                <a:r>
+                  <a:rPr lang="en-US" b="1" dirty="0"/>
+                  <a:t>Step 1</a:t>
+                </a:r>
+              </a:p>
+              <a:p>
+                <a:endParaRPr lang="en-US" dirty="0"/>
+              </a:p>
+              <a:p>
+                <a:pPr marL="285750" indent="-285750">
+                  <a:buFont typeface="Arial" panose="020B0604020202020204" pitchFamily="34" charset="0"/>
+                  <a:buChar char="•"/>
+                </a:pPr>
+                <a:r>
+                  <a:rPr lang="en-US" dirty="0"/>
+                  <a:t>We will first transform the feature of the source node using MLP or an affine function.</a:t>
+                </a:r>
+              </a:p>
+              <a:p>
+                <a:pPr lvl="3"/>
+                <a:endParaRPr lang="en-US" sz="2400" i="1" dirty="0">
+                  <a:solidFill>
+                    <a:srgbClr val="00B050"/>
+                  </a:solidFill>
+                  <a:effectLst/>
+                  <a:latin typeface="Cambria Math" panose="02040503050406030204" pitchFamily="18" charset="0"/>
+                  <a:ea typeface="Calibri" panose="020F0502020204030204" pitchFamily="34" charset="0"/>
+                  <a:cs typeface="Times New Roman" panose="02020603050405020304" pitchFamily="18" charset="0"/>
+                </a:endParaRPr>
+              </a:p>
+              <a:p>
+                <a:pPr lvl="3"/>
+                <a14:m>
+                  <m:oMathPara xmlns:m="http://schemas.openxmlformats.org/officeDocument/2006/math">
+                    <m:oMathParaPr>
+                      <m:jc m:val="centerGroup"/>
+                    </m:oMathParaPr>
+                    <m:oMath xmlns:m="http://schemas.openxmlformats.org/officeDocument/2006/math">
+                      <m:r>
+                        <a:rPr lang="en-US" sz="2400" i="1" smtClean="0">
+                          <a:solidFill>
+                            <a:srgbClr val="00B050"/>
+                          </a:solidFill>
+                          <a:effectLst/>
+                          <a:latin typeface="Cambria Math" panose="02040503050406030204" pitchFamily="18" charset="0"/>
+                          <a:ea typeface="Calibri" panose="020F0502020204030204" pitchFamily="34" charset="0"/>
+                          <a:cs typeface="Times New Roman" panose="02020603050405020304" pitchFamily="18" charset="0"/>
+                        </a:rPr>
+                        <m:t>𝐺</m:t>
+                      </m:r>
+                      <m:d>
+                        <m:dPr>
+                          <m:ctrlPr>
+                            <a:rPr lang="en-US" sz="2400" i="1">
+                              <a:solidFill>
+                                <a:srgbClr val="00B050"/>
+                              </a:solidFill>
+                              <a:effectLst/>
+                              <a:latin typeface="Cambria Math" panose="02040503050406030204" pitchFamily="18" charset="0"/>
+                              <a:ea typeface="Calibri" panose="020F0502020204030204" pitchFamily="34" charset="0"/>
+                              <a:cs typeface="Times New Roman" panose="02020603050405020304" pitchFamily="18" charset="0"/>
+                            </a:rPr>
+                          </m:ctrlPr>
+                        </m:dPr>
+                        <m:e>
+                          <m:sSub>
+                            <m:sSubPr>
+                              <m:ctrlPr>
+                                <a:rPr lang="en-US" sz="2400" i="1">
+                                  <a:solidFill>
+                                    <a:srgbClr val="00B050"/>
+                                  </a:solidFill>
+                                  <a:effectLst/>
+                                  <a:latin typeface="Cambria Math" panose="02040503050406030204" pitchFamily="18" charset="0"/>
+                                  <a:ea typeface="Calibri" panose="020F0502020204030204" pitchFamily="34" charset="0"/>
+                                  <a:cs typeface="Times New Roman" panose="02020603050405020304" pitchFamily="18" charset="0"/>
+                                </a:rPr>
+                              </m:ctrlPr>
+                            </m:sSubPr>
+                            <m:e>
+                              <m:r>
+                                <a:rPr lang="en-US" sz="2400" i="1">
+                                  <a:solidFill>
+                                    <a:srgbClr val="00B050"/>
+                                  </a:solidFill>
+                                  <a:effectLst/>
+                                  <a:latin typeface="Cambria Math" panose="02040503050406030204" pitchFamily="18" charset="0"/>
+                                  <a:ea typeface="Calibri" panose="020F0502020204030204" pitchFamily="34" charset="0"/>
+                                  <a:cs typeface="Times New Roman" panose="02020603050405020304" pitchFamily="18" charset="0"/>
+                                </a:rPr>
+                                <m:t>𝑥</m:t>
+                              </m:r>
+                            </m:e>
+                            <m:sub>
+                              <m:r>
+                                <a:rPr lang="en-US" sz="2400" i="1">
+                                  <a:solidFill>
+                                    <a:srgbClr val="00B050"/>
+                                  </a:solidFill>
+                                  <a:effectLst/>
+                                  <a:latin typeface="Cambria Math" panose="02040503050406030204" pitchFamily="18" charset="0"/>
+                                  <a:ea typeface="Calibri" panose="020F0502020204030204" pitchFamily="34" charset="0"/>
+                                  <a:cs typeface="Times New Roman" panose="02020603050405020304" pitchFamily="18" charset="0"/>
+                                </a:rPr>
+                                <m:t>𝑖</m:t>
+                              </m:r>
+                            </m:sub>
+                          </m:sSub>
+                        </m:e>
+                      </m:d>
+                    </m:oMath>
+                  </m:oMathPara>
+                </a14:m>
+                <a:endParaRPr lang="en-US" sz="1800" dirty="0">
+                  <a:effectLst/>
+                  <a:latin typeface="Calibri" panose="020F0502020204030204" pitchFamily="34" charset="0"/>
+                  <a:ea typeface="Calibri" panose="020F0502020204030204" pitchFamily="34" charset="0"/>
+                  <a:cs typeface="Times New Roman" panose="02020603050405020304" pitchFamily="18" charset="0"/>
+                </a:endParaRPr>
+              </a:p>
+              <a:p>
+                <a:pPr lvl="3"/>
+                <a:endParaRPr lang="en-US" dirty="0"/>
+              </a:p>
+            </p:txBody>
+          </p:sp>
+        </mc:Choice>
+        <mc:Fallback>
+          <p:sp>
+            <p:nvSpPr>
+              <p:cNvPr id="4" name="TextBox 3">
+                <a:extLst>
+                  <a:ext uri="{FF2B5EF4-FFF2-40B4-BE49-F238E27FC236}">
+                    <a16:creationId xmlns:a16="http://schemas.microsoft.com/office/drawing/2014/main" id="{57D1AE1C-ED04-E6F0-8B85-1D486B1D3BA9}"/>
+                  </a:ext>
+                </a:extLst>
+              </p:cNvPr>
+              <p:cNvSpPr txBox="1">
+                <a:spLocks noRot="1" noChangeAspect="1" noMove="1" noResize="1" noEditPoints="1" noAdjustHandles="1" noChangeArrowheads="1" noChangeShapeType="1" noTextEdit="1"/>
+              </p:cNvSpPr>
+              <p:nvPr/>
+            </p:nvSpPr>
+            <p:spPr>
+              <a:xfrm>
+                <a:off x="353959" y="2505670"/>
+                <a:ext cx="8839201" cy="1938992"/>
+              </a:xfrm>
+              <a:prstGeom prst="rect">
+                <a:avLst/>
+              </a:prstGeom>
+              <a:blipFill>
+                <a:blip r:embed="rId2"/>
+                <a:stretch>
+                  <a:fillRect l="-552" t="-1258"/>
+                </a:stretch>
+              </a:blipFill>
+            </p:spPr>
+            <p:txBody>
+              <a:bodyPr/>
+              <a:lstStyle/>
+              <a:p>
+                <a:r>
+                  <a:rPr lang="en-US">
+                    <a:noFill/>
+                  </a:rPr>
+                  <a:t> </a:t>
+                </a:r>
+              </a:p>
+            </p:txBody>
+          </p:sp>
+        </mc:Fallback>
+      </mc:AlternateContent>
+      <mc:AlternateContent xmlns:mc="http://schemas.openxmlformats.org/markup-compatibility/2006">
+        <mc:Choice xmlns:a14="http://schemas.microsoft.com/office/drawing/2010/main" Requires="a14">
+          <p:sp>
+            <p:nvSpPr>
+              <p:cNvPr id="5" name="TextBox 4">
+                <a:extLst>
+                  <a:ext uri="{FF2B5EF4-FFF2-40B4-BE49-F238E27FC236}">
+                    <a16:creationId xmlns:a16="http://schemas.microsoft.com/office/drawing/2014/main" id="{BFAC962B-C55E-B2FA-5BF0-AD86347B79D6}"/>
+                  </a:ext>
+                </a:extLst>
+              </p:cNvPr>
+              <p:cNvSpPr txBox="1"/>
+              <p:nvPr/>
+            </p:nvSpPr>
+            <p:spPr>
+              <a:xfrm>
+                <a:off x="353959" y="4271944"/>
+                <a:ext cx="8750709" cy="1754326"/>
+              </a:xfrm>
+              <a:prstGeom prst="rect">
+                <a:avLst/>
+              </a:prstGeom>
+              <a:noFill/>
+            </p:spPr>
+            <p:txBody>
+              <a:bodyPr wrap="square" rtlCol="0">
+                <a:spAutoFit/>
+              </a:bodyPr>
+              <a:lstStyle/>
+              <a:p>
+                <a:r>
+                  <a:rPr lang="en-US" b="1" dirty="0"/>
+                  <a:t>Step 2</a:t>
+                </a:r>
+              </a:p>
+              <a:p>
+                <a:pPr marL="285750" indent="-285750">
+                  <a:buFont typeface="Arial" panose="020B0604020202020204" pitchFamily="34" charset="0"/>
+                  <a:buChar char="•"/>
+                </a:pPr>
+                <a:endParaRPr lang="en-US" b="1" dirty="0"/>
+              </a:p>
+              <a:p>
+                <a:pPr marL="285750" indent="-285750">
+                  <a:buFont typeface="Arial" panose="020B0604020202020204" pitchFamily="34" charset="0"/>
+                  <a:buChar char="•"/>
+                </a:pPr>
+                <a:r>
+                  <a:rPr lang="en-US" dirty="0"/>
+                  <a:t>Now we need to combine the transformed feature with </a:t>
+                </a:r>
+                <a14:m>
+                  <m:oMath xmlns:m="http://schemas.openxmlformats.org/officeDocument/2006/math">
+                    <m:sSub>
+                      <m:sSubPr>
+                        <m:ctrlPr>
+                          <a:rPr lang="en-US" sz="1800" b="1" i="1" smtClean="0">
+                            <a:solidFill>
+                              <a:schemeClr val="tx1"/>
+                            </a:solidFill>
+                            <a:effectLst/>
+                            <a:latin typeface="Cambria Math" panose="02040503050406030204" pitchFamily="18" charset="0"/>
+                            <a:ea typeface="Calibri" panose="020F0502020204030204" pitchFamily="34" charset="0"/>
+                            <a:cs typeface="Times New Roman" panose="02020603050405020304" pitchFamily="18" charset="0"/>
+                          </a:rPr>
+                        </m:ctrlPr>
+                      </m:sSubPr>
+                      <m:e>
+                        <m:r>
+                          <a:rPr lang="en-US" sz="1800" b="1" i="1" smtClean="0">
+                            <a:solidFill>
+                              <a:schemeClr val="tx1"/>
+                            </a:solidFill>
+                            <a:effectLst/>
+                            <a:latin typeface="Cambria Math" panose="02040503050406030204" pitchFamily="18" charset="0"/>
+                            <a:ea typeface="Calibri" panose="020F0502020204030204" pitchFamily="34" charset="0"/>
+                            <a:cs typeface="Times New Roman" panose="02020603050405020304" pitchFamily="18" charset="0"/>
+                          </a:rPr>
+                          <m:t>𝒎</m:t>
+                        </m:r>
+                      </m:e>
+                      <m:sub>
+                        <m:r>
+                          <a:rPr lang="en-US" sz="1800" b="1" i="1" smtClean="0">
+                            <a:solidFill>
+                              <a:schemeClr val="tx1"/>
+                            </a:solidFill>
+                            <a:effectLst/>
+                            <a:latin typeface="Cambria Math" panose="02040503050406030204" pitchFamily="18" charset="0"/>
+                            <a:ea typeface="Calibri" panose="020F0502020204030204" pitchFamily="34" charset="0"/>
+                            <a:cs typeface="Times New Roman" panose="02020603050405020304" pitchFamily="18" charset="0"/>
+                          </a:rPr>
+                          <m:t>𝒊</m:t>
+                        </m:r>
+                        <m:r>
+                          <a:rPr lang="en-US" sz="1800" b="1" i="1" smtClean="0">
+                            <a:solidFill>
+                              <a:schemeClr val="tx1"/>
+                            </a:solidFill>
+                            <a:effectLst/>
+                            <a:latin typeface="Cambria Math" panose="02040503050406030204" pitchFamily="18" charset="0"/>
+                            <a:ea typeface="Calibri" panose="020F0502020204030204" pitchFamily="34" charset="0"/>
+                            <a:cs typeface="Times New Roman" panose="02020603050405020304" pitchFamily="18" charset="0"/>
+                          </a:rPr>
+                          <m:t> </m:t>
+                        </m:r>
+                      </m:sub>
+                    </m:sSub>
+                  </m:oMath>
+                </a14:m>
+                <a:r>
+                  <a:rPr lang="en-US" dirty="0"/>
+                  <a:t> .</a:t>
+                </a:r>
+              </a:p>
+              <a:p>
+                <a:pPr marL="285750" indent="-285750">
+                  <a:buFont typeface="Arial" panose="020B0604020202020204" pitchFamily="34" charset="0"/>
+                  <a:buChar char="•"/>
+                </a:pPr>
+                <a:r>
+                  <a:rPr lang="en-US" dirty="0"/>
+                  <a:t>To combine </a:t>
+                </a:r>
+                <a14:m>
+                  <m:oMath xmlns:m="http://schemas.openxmlformats.org/officeDocument/2006/math">
+                    <m:sSub>
+                      <m:sSubPr>
+                        <m:ctrlPr>
+                          <a:rPr lang="en-US" sz="1800" b="1" i="1" smtClean="0">
+                            <a:solidFill>
+                              <a:schemeClr val="tx1"/>
+                            </a:solidFill>
+                            <a:effectLst/>
+                            <a:latin typeface="Cambria Math" panose="02040503050406030204" pitchFamily="18" charset="0"/>
+                            <a:ea typeface="Calibri" panose="020F0502020204030204" pitchFamily="34" charset="0"/>
+                            <a:cs typeface="Times New Roman" panose="02020603050405020304" pitchFamily="18" charset="0"/>
+                          </a:rPr>
+                        </m:ctrlPr>
+                      </m:sSubPr>
+                      <m:e>
+                        <m:r>
+                          <a:rPr lang="en-US" sz="1800" b="1" i="1" smtClean="0">
+                            <a:solidFill>
+                              <a:schemeClr val="tx1"/>
+                            </a:solidFill>
+                            <a:effectLst/>
+                            <a:latin typeface="Cambria Math" panose="02040503050406030204" pitchFamily="18" charset="0"/>
+                            <a:ea typeface="Calibri" panose="020F0502020204030204" pitchFamily="34" charset="0"/>
+                            <a:cs typeface="Times New Roman" panose="02020603050405020304" pitchFamily="18" charset="0"/>
+                          </a:rPr>
+                          <m:t>𝒎</m:t>
+                        </m:r>
+                      </m:e>
+                      <m:sub>
+                        <m:r>
+                          <a:rPr lang="en-US" sz="1800" b="1" i="1" smtClean="0">
+                            <a:solidFill>
+                              <a:schemeClr val="tx1"/>
+                            </a:solidFill>
+                            <a:effectLst/>
+                            <a:latin typeface="Cambria Math" panose="02040503050406030204" pitchFamily="18" charset="0"/>
+                            <a:ea typeface="Calibri" panose="020F0502020204030204" pitchFamily="34" charset="0"/>
+                            <a:cs typeface="Times New Roman" panose="02020603050405020304" pitchFamily="18" charset="0"/>
+                          </a:rPr>
+                          <m:t>𝒊</m:t>
+                        </m:r>
+                        <m:r>
+                          <a:rPr lang="en-US" sz="1800" b="1" i="1" smtClean="0">
+                            <a:solidFill>
+                              <a:schemeClr val="tx1"/>
+                            </a:solidFill>
+                            <a:effectLst/>
+                            <a:latin typeface="Cambria Math" panose="02040503050406030204" pitchFamily="18" charset="0"/>
+                            <a:ea typeface="Calibri" panose="020F0502020204030204" pitchFamily="34" charset="0"/>
+                            <a:cs typeface="Times New Roman" panose="02020603050405020304" pitchFamily="18" charset="0"/>
+                          </a:rPr>
+                          <m:t> </m:t>
+                        </m:r>
+                      </m:sub>
+                    </m:sSub>
+                  </m:oMath>
+                </a14:m>
+                <a:r>
+                  <a:rPr lang="en-US" dirty="0"/>
+                  <a:t> and </a:t>
+                </a:r>
+                <a14:m>
+                  <m:oMath xmlns:m="http://schemas.openxmlformats.org/officeDocument/2006/math">
+                    <m:r>
+                      <a:rPr lang="en-US" b="1" i="1" smtClean="0">
+                        <a:solidFill>
+                          <a:schemeClr val="tx1"/>
+                        </a:solidFill>
+                        <a:latin typeface="Cambria Math" panose="02040503050406030204" pitchFamily="18" charset="0"/>
+                        <a:ea typeface="Calibri" panose="020F0502020204030204" pitchFamily="34" charset="0"/>
+                        <a:cs typeface="Times New Roman" panose="02020603050405020304" pitchFamily="18" charset="0"/>
+                      </a:rPr>
+                      <m:t>𝑮</m:t>
+                    </m:r>
+                    <m:d>
+                      <m:dPr>
+                        <m:ctrlPr>
+                          <a:rPr lang="en-US" b="1" i="1">
+                            <a:solidFill>
+                              <a:schemeClr val="tx1"/>
+                            </a:solidFill>
+                            <a:latin typeface="Cambria Math" panose="02040503050406030204" pitchFamily="18" charset="0"/>
+                            <a:ea typeface="Calibri" panose="020F0502020204030204" pitchFamily="34" charset="0"/>
+                            <a:cs typeface="Times New Roman" panose="02020603050405020304" pitchFamily="18" charset="0"/>
+                          </a:rPr>
+                        </m:ctrlPr>
+                      </m:dPr>
+                      <m:e>
+                        <m:sSub>
+                          <m:sSubPr>
+                            <m:ctrlPr>
+                              <a:rPr lang="en-US" b="1" i="1">
+                                <a:solidFill>
+                                  <a:schemeClr val="tx1"/>
+                                </a:solidFill>
+                                <a:latin typeface="Cambria Math" panose="02040503050406030204" pitchFamily="18" charset="0"/>
+                                <a:ea typeface="Calibri" panose="020F0502020204030204" pitchFamily="34" charset="0"/>
+                                <a:cs typeface="Times New Roman" panose="02020603050405020304" pitchFamily="18" charset="0"/>
+                              </a:rPr>
+                            </m:ctrlPr>
+                          </m:sSubPr>
+                          <m:e>
+                            <m:r>
+                              <a:rPr lang="en-US" b="1" i="1">
+                                <a:solidFill>
+                                  <a:schemeClr val="tx1"/>
+                                </a:solidFill>
+                                <a:latin typeface="Cambria Math" panose="02040503050406030204" pitchFamily="18" charset="0"/>
+                                <a:ea typeface="Calibri" panose="020F0502020204030204" pitchFamily="34" charset="0"/>
+                                <a:cs typeface="Times New Roman" panose="02020603050405020304" pitchFamily="18" charset="0"/>
+                              </a:rPr>
+                              <m:t>𝒙</m:t>
+                            </m:r>
+                          </m:e>
+                          <m:sub>
+                            <m:r>
+                              <a:rPr lang="en-US" b="1" i="1">
+                                <a:solidFill>
+                                  <a:schemeClr val="tx1"/>
+                                </a:solidFill>
+                                <a:latin typeface="Cambria Math" panose="02040503050406030204" pitchFamily="18" charset="0"/>
+                                <a:ea typeface="Calibri" panose="020F0502020204030204" pitchFamily="34" charset="0"/>
+                                <a:cs typeface="Times New Roman" panose="02020603050405020304" pitchFamily="18" charset="0"/>
+                              </a:rPr>
+                              <m:t>𝒊</m:t>
+                            </m:r>
+                          </m:sub>
+                        </m:sSub>
+                      </m:e>
+                    </m:d>
+                  </m:oMath>
+                </a14:m>
+                <a:r>
+                  <a:rPr lang="en-US" b="1" dirty="0"/>
+                  <a:t> </a:t>
+                </a:r>
+                <a:r>
+                  <a:rPr lang="en-US" dirty="0"/>
+                  <a:t>normally in literature we use,</a:t>
+                </a:r>
+              </a:p>
+              <a:p>
+                <a:pPr marL="800100" lvl="1" indent="-342900">
+                  <a:buFont typeface="+mj-lt"/>
+                  <a:buAutoNum type="arabicPeriod"/>
+                </a:pPr>
+                <a:r>
+                  <a:rPr lang="en-US" dirty="0"/>
+                  <a:t>Summation or Averaging</a:t>
+                </a:r>
+              </a:p>
+              <a:p>
+                <a:pPr marL="800100" lvl="1" indent="-342900">
+                  <a:buFont typeface="+mj-lt"/>
+                  <a:buAutoNum type="arabicPeriod"/>
+                </a:pPr>
+                <a:r>
+                  <a:rPr lang="en-US" dirty="0"/>
+                  <a:t>Concatenation.</a:t>
+                </a:r>
+              </a:p>
+            </p:txBody>
+          </p:sp>
+        </mc:Choice>
+        <mc:Fallback>
+          <p:sp>
+            <p:nvSpPr>
+              <p:cNvPr id="5" name="TextBox 4">
+                <a:extLst>
+                  <a:ext uri="{FF2B5EF4-FFF2-40B4-BE49-F238E27FC236}">
+                    <a16:creationId xmlns:a16="http://schemas.microsoft.com/office/drawing/2014/main" id="{BFAC962B-C55E-B2FA-5BF0-AD86347B79D6}"/>
+                  </a:ext>
+                </a:extLst>
+              </p:cNvPr>
+              <p:cNvSpPr txBox="1">
+                <a:spLocks noRot="1" noChangeAspect="1" noMove="1" noResize="1" noEditPoints="1" noAdjustHandles="1" noChangeArrowheads="1" noChangeShapeType="1" noTextEdit="1"/>
+              </p:cNvSpPr>
+              <p:nvPr/>
+            </p:nvSpPr>
+            <p:spPr>
+              <a:xfrm>
+                <a:off x="353959" y="4271944"/>
+                <a:ext cx="8750709" cy="1754326"/>
+              </a:xfrm>
+              <a:prstGeom prst="rect">
+                <a:avLst/>
+              </a:prstGeom>
+              <a:blipFill>
+                <a:blip r:embed="rId3"/>
+                <a:stretch>
+                  <a:fillRect l="-557" t="-1736" b="-4861"/>
+                </a:stretch>
+              </a:blipFill>
+            </p:spPr>
+            <p:txBody>
+              <a:bodyPr/>
+              <a:lstStyle/>
+              <a:p>
+                <a:r>
+                  <a:rPr lang="en-US">
+                    <a:noFill/>
+                  </a:rPr>
+                  <a:t> </a:t>
+                </a:r>
+              </a:p>
+            </p:txBody>
+          </p:sp>
+        </mc:Fallback>
+      </mc:AlternateContent>
+    </p:spTree>
+    <p:extLst>
+      <p:ext uri="{BB962C8B-B14F-4D97-AF65-F5344CB8AC3E}">
+        <p14:creationId xmlns:p14="http://schemas.microsoft.com/office/powerpoint/2010/main" val="1851771270"/>
+      </p:ext>
+    </p:extLst>
+  </p:cSld>
+  <p:clrMapOvr>
+    <a:masterClrMapping/>
+  </p:clrMapOvr>
+</p:sld>
+</file>
+
+<file path=ppt/slides/slide22.xml><?xml version="1.0" encoding="utf-8"?>
+<p:sld xmlns:a="http://schemas.openxmlformats.org/drawingml/2006/main" xmlns:r="http://schemas.openxmlformats.org/officeDocument/2006/relationships" xmlns:p="http://schemas.openxmlformats.org/presentationml/2006/main">
+  <p:cSld>
+    <p:spTree>
+      <p:nvGrpSpPr>
+        <p:cNvPr id="1" name=""/>
+        <p:cNvGrpSpPr/>
+        <p:nvPr/>
+      </p:nvGrpSpPr>
+      <p:grpSpPr>
+        <a:xfrm>
+          <a:off x="0" y="0"/>
+          <a:ext cx="0" cy="0"/>
+          <a:chOff x="0" y="0"/>
+          <a:chExt cx="0" cy="0"/>
+        </a:xfrm>
+      </p:grpSpPr>
+      <mc:AlternateContent xmlns:mc="http://schemas.openxmlformats.org/markup-compatibility/2006">
+        <mc:Choice xmlns:a14="http://schemas.microsoft.com/office/drawing/2010/main" Requires="a14">
+          <p:sp>
+            <p:nvSpPr>
+              <p:cNvPr id="2" name="TextBox 1">
+                <a:extLst>
+                  <a:ext uri="{FF2B5EF4-FFF2-40B4-BE49-F238E27FC236}">
+                    <a16:creationId xmlns:a16="http://schemas.microsoft.com/office/drawing/2014/main" id="{46221181-C9C0-A847-89C2-38BC8099B929}"/>
+                  </a:ext>
+                </a:extLst>
+              </p:cNvPr>
+              <p:cNvSpPr txBox="1"/>
+              <p:nvPr/>
+            </p:nvSpPr>
+            <p:spPr>
+              <a:xfrm>
+                <a:off x="462115" y="747252"/>
+                <a:ext cx="10923639" cy="4431983"/>
+              </a:xfrm>
+              <a:prstGeom prst="rect">
+                <a:avLst/>
+              </a:prstGeom>
+              <a:noFill/>
+            </p:spPr>
+            <p:txBody>
+              <a:bodyPr wrap="square" rtlCol="0">
+                <a:spAutoFit/>
+              </a:bodyPr>
+              <a:lstStyle/>
+              <a:p>
+                <a:r>
+                  <a:rPr lang="en-US" sz="2400" b="1" dirty="0"/>
+                  <a:t>To elaborate </a:t>
+                </a:r>
+              </a:p>
+              <a:p>
+                <a:endParaRPr lang="en-US" sz="2400" b="1" dirty="0"/>
+              </a:p>
+              <a:p>
+                <a:r>
+                  <a:rPr lang="en-US" dirty="0"/>
+                  <a:t>We can combine </a:t>
+                </a:r>
+                <a14:m>
+                  <m:oMath xmlns:m="http://schemas.openxmlformats.org/officeDocument/2006/math">
+                    <m:sSub>
+                      <m:sSubPr>
+                        <m:ctrlPr>
+                          <a:rPr lang="en-US" sz="1800" b="1" i="1" smtClean="0">
+                            <a:solidFill>
+                              <a:schemeClr val="tx1"/>
+                            </a:solidFill>
+                            <a:effectLst/>
+                            <a:latin typeface="Cambria Math" panose="02040503050406030204" pitchFamily="18" charset="0"/>
+                            <a:ea typeface="Calibri" panose="020F0502020204030204" pitchFamily="34" charset="0"/>
+                            <a:cs typeface="Times New Roman" panose="02020603050405020304" pitchFamily="18" charset="0"/>
+                          </a:rPr>
+                        </m:ctrlPr>
+                      </m:sSubPr>
+                      <m:e>
+                        <m:r>
+                          <a:rPr lang="en-US" sz="1800" b="1" i="1" smtClean="0">
+                            <a:solidFill>
+                              <a:schemeClr val="tx1"/>
+                            </a:solidFill>
+                            <a:effectLst/>
+                            <a:latin typeface="Cambria Math" panose="02040503050406030204" pitchFamily="18" charset="0"/>
+                            <a:ea typeface="Calibri" panose="020F0502020204030204" pitchFamily="34" charset="0"/>
+                            <a:cs typeface="Times New Roman" panose="02020603050405020304" pitchFamily="18" charset="0"/>
+                          </a:rPr>
+                          <m:t>𝒎</m:t>
+                        </m:r>
+                      </m:e>
+                      <m:sub>
+                        <m:r>
+                          <a:rPr lang="en-US" sz="1800" b="1" i="1" smtClean="0">
+                            <a:solidFill>
+                              <a:schemeClr val="tx1"/>
+                            </a:solidFill>
+                            <a:effectLst/>
+                            <a:latin typeface="Cambria Math" panose="02040503050406030204" pitchFamily="18" charset="0"/>
+                            <a:ea typeface="Calibri" panose="020F0502020204030204" pitchFamily="34" charset="0"/>
+                            <a:cs typeface="Times New Roman" panose="02020603050405020304" pitchFamily="18" charset="0"/>
+                          </a:rPr>
+                          <m:t>𝒊</m:t>
+                        </m:r>
+                        <m:r>
+                          <a:rPr lang="en-US" sz="1800" b="1" i="1" smtClean="0">
+                            <a:solidFill>
+                              <a:schemeClr val="tx1"/>
+                            </a:solidFill>
+                            <a:effectLst/>
+                            <a:latin typeface="Cambria Math" panose="02040503050406030204" pitchFamily="18" charset="0"/>
+                            <a:ea typeface="Calibri" panose="020F0502020204030204" pitchFamily="34" charset="0"/>
+                            <a:cs typeface="Times New Roman" panose="02020603050405020304" pitchFamily="18" charset="0"/>
+                          </a:rPr>
+                          <m:t> </m:t>
+                        </m:r>
+                      </m:sub>
+                    </m:sSub>
+                  </m:oMath>
+                </a14:m>
+                <a:r>
+                  <a:rPr lang="en-US" dirty="0"/>
+                  <a:t> and </a:t>
+                </a:r>
+                <a14:m>
+                  <m:oMath xmlns:m="http://schemas.openxmlformats.org/officeDocument/2006/math">
+                    <m:r>
+                      <a:rPr lang="en-US" b="1" i="1" smtClean="0">
+                        <a:solidFill>
+                          <a:schemeClr val="tx1"/>
+                        </a:solidFill>
+                        <a:latin typeface="Cambria Math" panose="02040503050406030204" pitchFamily="18" charset="0"/>
+                        <a:ea typeface="Calibri" panose="020F0502020204030204" pitchFamily="34" charset="0"/>
+                        <a:cs typeface="Times New Roman" panose="02020603050405020304" pitchFamily="18" charset="0"/>
+                      </a:rPr>
+                      <m:t>𝑮</m:t>
+                    </m:r>
+                    <m:d>
+                      <m:dPr>
+                        <m:ctrlPr>
+                          <a:rPr lang="en-US" b="1" i="1">
+                            <a:solidFill>
+                              <a:schemeClr val="tx1"/>
+                            </a:solidFill>
+                            <a:latin typeface="Cambria Math" panose="02040503050406030204" pitchFamily="18" charset="0"/>
+                            <a:ea typeface="Calibri" panose="020F0502020204030204" pitchFamily="34" charset="0"/>
+                            <a:cs typeface="Times New Roman" panose="02020603050405020304" pitchFamily="18" charset="0"/>
+                          </a:rPr>
+                        </m:ctrlPr>
+                      </m:dPr>
+                      <m:e>
+                        <m:sSub>
+                          <m:sSubPr>
+                            <m:ctrlPr>
+                              <a:rPr lang="en-US" b="1" i="1">
+                                <a:solidFill>
+                                  <a:schemeClr val="tx1"/>
+                                </a:solidFill>
+                                <a:latin typeface="Cambria Math" panose="02040503050406030204" pitchFamily="18" charset="0"/>
+                                <a:ea typeface="Calibri" panose="020F0502020204030204" pitchFamily="34" charset="0"/>
+                                <a:cs typeface="Times New Roman" panose="02020603050405020304" pitchFamily="18" charset="0"/>
+                              </a:rPr>
+                            </m:ctrlPr>
+                          </m:sSubPr>
+                          <m:e>
+                            <m:r>
+                              <a:rPr lang="en-US" b="1" i="1">
+                                <a:solidFill>
+                                  <a:schemeClr val="tx1"/>
+                                </a:solidFill>
+                                <a:latin typeface="Cambria Math" panose="02040503050406030204" pitchFamily="18" charset="0"/>
+                                <a:ea typeface="Calibri" panose="020F0502020204030204" pitchFamily="34" charset="0"/>
+                                <a:cs typeface="Times New Roman" panose="02020603050405020304" pitchFamily="18" charset="0"/>
+                              </a:rPr>
+                              <m:t>𝒙</m:t>
+                            </m:r>
+                          </m:e>
+                          <m:sub>
+                            <m:r>
+                              <a:rPr lang="en-US" b="1" i="1">
+                                <a:solidFill>
+                                  <a:schemeClr val="tx1"/>
+                                </a:solidFill>
+                                <a:latin typeface="Cambria Math" panose="02040503050406030204" pitchFamily="18" charset="0"/>
+                                <a:ea typeface="Calibri" panose="020F0502020204030204" pitchFamily="34" charset="0"/>
+                                <a:cs typeface="Times New Roman" panose="02020603050405020304" pitchFamily="18" charset="0"/>
+                              </a:rPr>
+                              <m:t>𝒊</m:t>
+                            </m:r>
+                          </m:sub>
+                        </m:sSub>
+                      </m:e>
+                    </m:d>
+                  </m:oMath>
+                </a14:m>
+                <a:r>
+                  <a:rPr lang="en-US" dirty="0"/>
+                  <a:t>  in the following way</a:t>
+                </a:r>
+              </a:p>
+              <a:p>
+                <a:endParaRPr lang="en-US" dirty="0"/>
+              </a:p>
+              <a:p>
+                <a:r>
+                  <a:rPr lang="en-US" dirty="0"/>
+                  <a:t>	</a:t>
+                </a:r>
+                <a:r>
+                  <a:rPr lang="en-US" sz="1800" dirty="0">
+                    <a:effectLst/>
+                    <a:ea typeface="Calibri" panose="020F0502020204030204" pitchFamily="34" charset="0"/>
+                    <a:cs typeface="Times New Roman" panose="02020603050405020304" pitchFamily="18" charset="0"/>
+                  </a:rPr>
+                  <a:t> </a:t>
+                </a:r>
+                <a14:m>
+                  <m:oMath xmlns:m="http://schemas.openxmlformats.org/officeDocument/2006/math">
+                    <m:r>
+                      <a:rPr lang="en-US" sz="2000" b="1" i="1" smtClean="0">
+                        <a:solidFill>
+                          <a:schemeClr val="accent4">
+                            <a:lumMod val="60000"/>
+                            <a:lumOff val="40000"/>
+                          </a:schemeClr>
+                        </a:solidFill>
+                        <a:effectLst/>
+                        <a:latin typeface="Cambria Math" panose="02040503050406030204" pitchFamily="18" charset="0"/>
+                        <a:ea typeface="Calibri" panose="020F0502020204030204" pitchFamily="34" charset="0"/>
+                        <a:cs typeface="Times New Roman" panose="02020603050405020304" pitchFamily="18" charset="0"/>
+                      </a:rPr>
+                      <m:t>(</m:t>
+                    </m:r>
+                    <m:r>
+                      <a:rPr lang="en-US" sz="2000" b="1" i="1" smtClean="0">
+                        <a:solidFill>
+                          <a:schemeClr val="accent4">
+                            <a:lumMod val="60000"/>
+                            <a:lumOff val="40000"/>
+                          </a:schemeClr>
+                        </a:solidFill>
+                        <a:effectLst/>
+                        <a:latin typeface="Cambria Math" panose="02040503050406030204" pitchFamily="18" charset="0"/>
+                        <a:ea typeface="Calibri" panose="020F0502020204030204" pitchFamily="34" charset="0"/>
+                        <a:cs typeface="Times New Roman" panose="02020603050405020304" pitchFamily="18" charset="0"/>
+                      </a:rPr>
+                      <m:t>𝑮</m:t>
+                    </m:r>
+                    <m:d>
+                      <m:dPr>
+                        <m:ctrlPr>
+                          <a:rPr lang="en-US" sz="2000" b="1" i="1">
+                            <a:solidFill>
+                              <a:schemeClr val="accent4">
+                                <a:lumMod val="60000"/>
+                                <a:lumOff val="40000"/>
+                              </a:schemeClr>
+                            </a:solidFill>
+                            <a:effectLst/>
+                            <a:latin typeface="Cambria Math" panose="02040503050406030204" pitchFamily="18" charset="0"/>
+                            <a:ea typeface="Calibri" panose="020F0502020204030204" pitchFamily="34" charset="0"/>
+                            <a:cs typeface="Times New Roman" panose="02020603050405020304" pitchFamily="18" charset="0"/>
+                          </a:rPr>
+                        </m:ctrlPr>
+                      </m:dPr>
+                      <m:e>
+                        <m:sSub>
+                          <m:sSubPr>
+                            <m:ctrlPr>
+                              <a:rPr lang="en-US" sz="2000" b="1" i="1">
+                                <a:solidFill>
+                                  <a:schemeClr val="accent4">
+                                    <a:lumMod val="60000"/>
+                                    <a:lumOff val="40000"/>
+                                  </a:schemeClr>
+                                </a:solidFill>
+                                <a:effectLst/>
+                                <a:latin typeface="Cambria Math" panose="02040503050406030204" pitchFamily="18" charset="0"/>
+                                <a:ea typeface="Calibri" panose="020F0502020204030204" pitchFamily="34" charset="0"/>
+                                <a:cs typeface="Times New Roman" panose="02020603050405020304" pitchFamily="18" charset="0"/>
+                              </a:rPr>
+                            </m:ctrlPr>
+                          </m:sSubPr>
+                          <m:e>
+                            <m:r>
+                              <a:rPr lang="en-US" sz="2000" b="1" i="1">
+                                <a:solidFill>
+                                  <a:schemeClr val="accent4">
+                                    <a:lumMod val="60000"/>
+                                    <a:lumOff val="40000"/>
+                                  </a:schemeClr>
+                                </a:solidFill>
+                                <a:effectLst/>
+                                <a:latin typeface="Cambria Math" panose="02040503050406030204" pitchFamily="18" charset="0"/>
+                                <a:ea typeface="Calibri" panose="020F0502020204030204" pitchFamily="34" charset="0"/>
+                                <a:cs typeface="Times New Roman" panose="02020603050405020304" pitchFamily="18" charset="0"/>
+                              </a:rPr>
+                              <m:t>𝒙</m:t>
+                            </m:r>
+                          </m:e>
+                          <m:sub>
+                            <m:r>
+                              <a:rPr lang="en-US" sz="2000" b="1" i="1">
+                                <a:solidFill>
+                                  <a:schemeClr val="accent4">
+                                    <a:lumMod val="60000"/>
+                                    <a:lumOff val="40000"/>
+                                  </a:schemeClr>
+                                </a:solidFill>
+                                <a:effectLst/>
+                                <a:latin typeface="Cambria Math" panose="02040503050406030204" pitchFamily="18" charset="0"/>
+                                <a:ea typeface="Calibri" panose="020F0502020204030204" pitchFamily="34" charset="0"/>
+                                <a:cs typeface="Times New Roman" panose="02020603050405020304" pitchFamily="18" charset="0"/>
+                              </a:rPr>
+                              <m:t>𝒊</m:t>
+                            </m:r>
+                          </m:sub>
+                        </m:sSub>
+                      </m:e>
+                    </m:d>
+                    <m:r>
+                      <a:rPr lang="en-US" sz="2000" b="1" i="1">
+                        <a:solidFill>
+                          <a:schemeClr val="accent4">
+                            <a:lumMod val="60000"/>
+                            <a:lumOff val="40000"/>
+                          </a:schemeClr>
+                        </a:solidFill>
+                        <a:effectLst/>
+                        <a:latin typeface="Cambria Math" panose="02040503050406030204" pitchFamily="18" charset="0"/>
+                        <a:ea typeface="Calibri" panose="020F0502020204030204" pitchFamily="34" charset="0"/>
+                        <a:cs typeface="Times New Roman" panose="02020603050405020304" pitchFamily="18" charset="0"/>
+                      </a:rPr>
+                      <m:t> + </m:t>
+                    </m:r>
+                    <m:sSub>
+                      <m:sSubPr>
+                        <m:ctrlPr>
+                          <a:rPr lang="en-US" sz="2000" b="1" i="1">
+                            <a:solidFill>
+                              <a:schemeClr val="accent4">
+                                <a:lumMod val="60000"/>
+                                <a:lumOff val="40000"/>
+                              </a:schemeClr>
+                            </a:solidFill>
+                            <a:effectLst/>
+                            <a:latin typeface="Cambria Math" panose="02040503050406030204" pitchFamily="18" charset="0"/>
+                            <a:ea typeface="Calibri" panose="020F0502020204030204" pitchFamily="34" charset="0"/>
+                            <a:cs typeface="Times New Roman" panose="02020603050405020304" pitchFamily="18" charset="0"/>
+                          </a:rPr>
+                        </m:ctrlPr>
+                      </m:sSubPr>
+                      <m:e>
+                        <m:r>
+                          <a:rPr lang="en-US" sz="2000" b="1" i="1">
+                            <a:solidFill>
+                              <a:schemeClr val="accent4">
+                                <a:lumMod val="60000"/>
+                                <a:lumOff val="40000"/>
+                              </a:schemeClr>
+                            </a:solidFill>
+                            <a:effectLst/>
+                            <a:latin typeface="Cambria Math" panose="02040503050406030204" pitchFamily="18" charset="0"/>
+                            <a:ea typeface="Calibri" panose="020F0502020204030204" pitchFamily="34" charset="0"/>
+                            <a:cs typeface="Times New Roman" panose="02020603050405020304" pitchFamily="18" charset="0"/>
+                          </a:rPr>
+                          <m:t>𝒎</m:t>
+                        </m:r>
+                      </m:e>
+                      <m:sub>
+                        <m:r>
+                          <a:rPr lang="en-US" sz="2000" b="1" i="1">
+                            <a:solidFill>
+                              <a:schemeClr val="accent4">
+                                <a:lumMod val="60000"/>
+                                <a:lumOff val="40000"/>
+                              </a:schemeClr>
+                            </a:solidFill>
+                            <a:effectLst/>
+                            <a:latin typeface="Cambria Math" panose="02040503050406030204" pitchFamily="18" charset="0"/>
+                            <a:ea typeface="Calibri" panose="020F0502020204030204" pitchFamily="34" charset="0"/>
+                            <a:cs typeface="Times New Roman" panose="02020603050405020304" pitchFamily="18" charset="0"/>
+                          </a:rPr>
+                          <m:t>𝒊</m:t>
+                        </m:r>
+                      </m:sub>
+                    </m:sSub>
+                    <m:r>
+                      <a:rPr lang="en-US" sz="2000" b="1" i="1">
+                        <a:solidFill>
+                          <a:schemeClr val="accent4">
+                            <a:lumMod val="60000"/>
+                            <a:lumOff val="40000"/>
+                          </a:schemeClr>
+                        </a:solidFill>
+                        <a:effectLst/>
+                        <a:latin typeface="Cambria Math" panose="02040503050406030204" pitchFamily="18" charset="0"/>
+                        <a:ea typeface="Calibri" panose="020F0502020204030204" pitchFamily="34" charset="0"/>
+                        <a:cs typeface="Times New Roman" panose="02020603050405020304" pitchFamily="18" charset="0"/>
+                      </a:rPr>
+                      <m:t>) </m:t>
+                    </m:r>
+                    <m:r>
+                      <a:rPr lang="en-US" sz="2000" b="1" i="1">
+                        <a:solidFill>
+                          <a:schemeClr val="accent4">
+                            <a:lumMod val="60000"/>
+                            <a:lumOff val="40000"/>
+                          </a:schemeClr>
+                        </a:solidFill>
+                        <a:effectLst/>
+                        <a:latin typeface="Cambria Math" panose="02040503050406030204" pitchFamily="18" charset="0"/>
+                        <a:ea typeface="Calibri" panose="020F0502020204030204" pitchFamily="34" charset="0"/>
+                        <a:cs typeface="Times New Roman" panose="02020603050405020304" pitchFamily="18" charset="0"/>
+                      </a:rPr>
+                      <m:t>𝑶𝑹</m:t>
+                    </m:r>
+                    <m:r>
+                      <a:rPr lang="en-US" sz="2000" b="1" i="1">
+                        <a:solidFill>
+                          <a:schemeClr val="accent4">
+                            <a:lumMod val="60000"/>
+                            <a:lumOff val="40000"/>
+                          </a:schemeClr>
+                        </a:solidFill>
+                        <a:effectLst/>
+                        <a:latin typeface="Cambria Math" panose="02040503050406030204" pitchFamily="18" charset="0"/>
+                        <a:ea typeface="Calibri" panose="020F0502020204030204" pitchFamily="34" charset="0"/>
+                        <a:cs typeface="Times New Roman" panose="02020603050405020304" pitchFamily="18" charset="0"/>
+                      </a:rPr>
+                      <m:t> (</m:t>
+                    </m:r>
+                    <m:r>
+                      <a:rPr lang="en-US" sz="2000" b="1" i="1">
+                        <a:solidFill>
+                          <a:schemeClr val="accent4">
+                            <a:lumMod val="60000"/>
+                            <a:lumOff val="40000"/>
+                          </a:schemeClr>
+                        </a:solidFill>
+                        <a:effectLst/>
+                        <a:latin typeface="Cambria Math" panose="02040503050406030204" pitchFamily="18" charset="0"/>
+                        <a:ea typeface="Calibri" panose="020F0502020204030204" pitchFamily="34" charset="0"/>
+                        <a:cs typeface="Times New Roman" panose="02020603050405020304" pitchFamily="18" charset="0"/>
+                      </a:rPr>
+                      <m:t>𝑮</m:t>
+                    </m:r>
+                    <m:d>
+                      <m:dPr>
+                        <m:ctrlPr>
+                          <a:rPr lang="en-US" sz="2000" b="1" i="1">
+                            <a:solidFill>
+                              <a:schemeClr val="accent4">
+                                <a:lumMod val="60000"/>
+                                <a:lumOff val="40000"/>
+                              </a:schemeClr>
+                            </a:solidFill>
+                            <a:effectLst/>
+                            <a:latin typeface="Cambria Math" panose="02040503050406030204" pitchFamily="18" charset="0"/>
+                            <a:ea typeface="Calibri" panose="020F0502020204030204" pitchFamily="34" charset="0"/>
+                            <a:cs typeface="Times New Roman" panose="02020603050405020304" pitchFamily="18" charset="0"/>
+                          </a:rPr>
+                        </m:ctrlPr>
+                      </m:dPr>
+                      <m:e>
+                        <m:sSub>
+                          <m:sSubPr>
+                            <m:ctrlPr>
+                              <a:rPr lang="en-US" sz="2000" b="1" i="1">
+                                <a:solidFill>
+                                  <a:schemeClr val="accent4">
+                                    <a:lumMod val="60000"/>
+                                    <a:lumOff val="40000"/>
+                                  </a:schemeClr>
+                                </a:solidFill>
+                                <a:effectLst/>
+                                <a:latin typeface="Cambria Math" panose="02040503050406030204" pitchFamily="18" charset="0"/>
+                                <a:ea typeface="Calibri" panose="020F0502020204030204" pitchFamily="34" charset="0"/>
+                                <a:cs typeface="Times New Roman" panose="02020603050405020304" pitchFamily="18" charset="0"/>
+                              </a:rPr>
+                            </m:ctrlPr>
+                          </m:sSubPr>
+                          <m:e>
+                            <m:r>
+                              <a:rPr lang="en-US" sz="2000" b="1" i="1">
+                                <a:solidFill>
+                                  <a:schemeClr val="accent4">
+                                    <a:lumMod val="60000"/>
+                                    <a:lumOff val="40000"/>
+                                  </a:schemeClr>
+                                </a:solidFill>
+                                <a:effectLst/>
+                                <a:latin typeface="Cambria Math" panose="02040503050406030204" pitchFamily="18" charset="0"/>
+                                <a:ea typeface="Calibri" panose="020F0502020204030204" pitchFamily="34" charset="0"/>
+                                <a:cs typeface="Times New Roman" panose="02020603050405020304" pitchFamily="18" charset="0"/>
+                              </a:rPr>
+                              <m:t>𝒙</m:t>
+                            </m:r>
+                          </m:e>
+                          <m:sub>
+                            <m:r>
+                              <a:rPr lang="en-US" sz="2000" b="1" i="1">
+                                <a:solidFill>
+                                  <a:schemeClr val="accent4">
+                                    <a:lumMod val="60000"/>
+                                    <a:lumOff val="40000"/>
+                                  </a:schemeClr>
+                                </a:solidFill>
+                                <a:effectLst/>
+                                <a:latin typeface="Cambria Math" panose="02040503050406030204" pitchFamily="18" charset="0"/>
+                                <a:ea typeface="Calibri" panose="020F0502020204030204" pitchFamily="34" charset="0"/>
+                                <a:cs typeface="Times New Roman" panose="02020603050405020304" pitchFamily="18" charset="0"/>
+                              </a:rPr>
+                              <m:t>𝒊</m:t>
+                            </m:r>
+                          </m:sub>
+                        </m:sSub>
+                      </m:e>
+                    </m:d>
+                    <m:r>
+                      <a:rPr lang="en-US" sz="2000" b="1" i="1">
+                        <a:solidFill>
+                          <a:schemeClr val="accent4">
+                            <a:lumMod val="60000"/>
+                            <a:lumOff val="40000"/>
+                          </a:schemeClr>
+                        </a:solidFill>
+                        <a:effectLst/>
+                        <a:latin typeface="Cambria Math" panose="02040503050406030204" pitchFamily="18" charset="0"/>
+                        <a:ea typeface="Calibri" panose="020F0502020204030204" pitchFamily="34" charset="0"/>
+                        <a:cs typeface="Times New Roman" panose="02020603050405020304" pitchFamily="18" charset="0"/>
+                      </a:rPr>
+                      <m:t> || </m:t>
+                    </m:r>
+                    <m:sSub>
+                      <m:sSubPr>
+                        <m:ctrlPr>
+                          <a:rPr lang="en-US" sz="2000" b="1" i="1">
+                            <a:solidFill>
+                              <a:schemeClr val="accent4">
+                                <a:lumMod val="60000"/>
+                                <a:lumOff val="40000"/>
+                              </a:schemeClr>
+                            </a:solidFill>
+                            <a:effectLst/>
+                            <a:latin typeface="Cambria Math" panose="02040503050406030204" pitchFamily="18" charset="0"/>
+                            <a:ea typeface="Calibri" panose="020F0502020204030204" pitchFamily="34" charset="0"/>
+                            <a:cs typeface="Times New Roman" panose="02020603050405020304" pitchFamily="18" charset="0"/>
+                          </a:rPr>
+                        </m:ctrlPr>
+                      </m:sSubPr>
+                      <m:e>
+                        <m:r>
+                          <a:rPr lang="en-US" sz="2000" b="1" i="1">
+                            <a:solidFill>
+                              <a:schemeClr val="accent4">
+                                <a:lumMod val="60000"/>
+                                <a:lumOff val="40000"/>
+                              </a:schemeClr>
+                            </a:solidFill>
+                            <a:effectLst/>
+                            <a:latin typeface="Cambria Math" panose="02040503050406030204" pitchFamily="18" charset="0"/>
+                            <a:ea typeface="Calibri" panose="020F0502020204030204" pitchFamily="34" charset="0"/>
+                            <a:cs typeface="Times New Roman" panose="02020603050405020304" pitchFamily="18" charset="0"/>
+                          </a:rPr>
+                          <m:t>𝒎</m:t>
+                        </m:r>
+                      </m:e>
+                      <m:sub>
+                        <m:r>
+                          <a:rPr lang="en-US" sz="2000" b="1" i="1">
+                            <a:solidFill>
+                              <a:schemeClr val="accent4">
+                                <a:lumMod val="60000"/>
+                                <a:lumOff val="40000"/>
+                              </a:schemeClr>
+                            </a:solidFill>
+                            <a:effectLst/>
+                            <a:latin typeface="Cambria Math" panose="02040503050406030204" pitchFamily="18" charset="0"/>
+                            <a:ea typeface="Calibri" panose="020F0502020204030204" pitchFamily="34" charset="0"/>
+                            <a:cs typeface="Times New Roman" panose="02020603050405020304" pitchFamily="18" charset="0"/>
+                          </a:rPr>
+                          <m:t>𝒊</m:t>
+                        </m:r>
+                      </m:sub>
+                    </m:sSub>
+                    <m:r>
+                      <a:rPr lang="en-US" sz="2000" b="1" i="1">
+                        <a:solidFill>
+                          <a:schemeClr val="accent4">
+                            <a:lumMod val="60000"/>
+                            <a:lumOff val="40000"/>
+                          </a:schemeClr>
+                        </a:solidFill>
+                        <a:effectLst/>
+                        <a:latin typeface="Cambria Math" panose="02040503050406030204" pitchFamily="18" charset="0"/>
+                        <a:ea typeface="Calibri" panose="020F0502020204030204" pitchFamily="34" charset="0"/>
+                        <a:cs typeface="Times New Roman" panose="02020603050405020304" pitchFamily="18" charset="0"/>
+                      </a:rPr>
+                      <m:t>)</m:t>
+                    </m:r>
+                  </m:oMath>
+                </a14:m>
+                <a:r>
+                  <a:rPr lang="en-US" sz="2000" b="1" dirty="0">
+                    <a:solidFill>
+                      <a:schemeClr val="accent4">
+                        <a:lumMod val="60000"/>
+                        <a:lumOff val="40000"/>
+                      </a:schemeClr>
+                    </a:solidFill>
+                    <a:effectLst/>
+                    <a:latin typeface="Calibri" panose="020F0502020204030204" pitchFamily="34" charset="0"/>
+                    <a:ea typeface="Calibri" panose="020F0502020204030204" pitchFamily="34" charset="0"/>
+                    <a:cs typeface="Times New Roman" panose="02020603050405020304" pitchFamily="18" charset="0"/>
+                  </a:rPr>
+                  <a:t>,</a:t>
+                </a:r>
+                <a:endParaRPr lang="en-US" sz="1800" b="1" dirty="0">
+                  <a:effectLst/>
+                  <a:latin typeface="Calibri" panose="020F0502020204030204" pitchFamily="34" charset="0"/>
+                  <a:ea typeface="Calibri" panose="020F0502020204030204" pitchFamily="34" charset="0"/>
+                  <a:cs typeface="Times New Roman" panose="02020603050405020304" pitchFamily="18" charset="0"/>
+                </a:endParaRPr>
+              </a:p>
+              <a:p>
+                <a:endParaRPr lang="en-US" sz="1800" dirty="0">
+                  <a:effectLst/>
+                  <a:latin typeface="Calibri" panose="020F0502020204030204" pitchFamily="34" charset="0"/>
+                  <a:ea typeface="Calibri" panose="020F0502020204030204" pitchFamily="34" charset="0"/>
+                  <a:cs typeface="Times New Roman" panose="02020603050405020304" pitchFamily="18" charset="0"/>
+                </a:endParaRPr>
+              </a:p>
+              <a:p>
+                <a:r>
+                  <a:rPr lang="en-US" dirty="0"/>
+                  <a:t>		Here “||” stand for concatenation</a:t>
+                </a:r>
+              </a:p>
+              <a:p>
+                <a:r>
+                  <a:rPr lang="en-US" b="1" u="sng" dirty="0">
+                    <a:solidFill>
+                      <a:srgbClr val="FF0000"/>
+                    </a:solidFill>
+                  </a:rPr>
+                  <a:t>NOTE</a:t>
+                </a:r>
+                <a:r>
+                  <a:rPr lang="en-US" b="1" dirty="0">
+                    <a:solidFill>
+                      <a:srgbClr val="FF0000"/>
+                    </a:solidFill>
+                  </a:rPr>
+                  <a:t>: </a:t>
+                </a:r>
+              </a:p>
+              <a:p>
+                <a:pPr marL="285750" indent="-285750">
+                  <a:buFont typeface="Arial" panose="020B0604020202020204" pitchFamily="34" charset="0"/>
+                  <a:buChar char="•"/>
+                </a:pPr>
+                <a:r>
+                  <a:rPr lang="en-US" dirty="0"/>
+                  <a:t>Few items to note, if summation is your choice of combining </a:t>
+                </a:r>
+                <a14:m>
+                  <m:oMath xmlns:m="http://schemas.openxmlformats.org/officeDocument/2006/math">
+                    <m:sSub>
+                      <m:sSubPr>
+                        <m:ctrlPr>
+                          <a:rPr lang="en-US" sz="1800" b="1" i="1" smtClean="0">
+                            <a:solidFill>
+                              <a:schemeClr val="tx1"/>
+                            </a:solidFill>
+                            <a:effectLst/>
+                            <a:latin typeface="Cambria Math" panose="02040503050406030204" pitchFamily="18" charset="0"/>
+                            <a:ea typeface="Calibri" panose="020F0502020204030204" pitchFamily="34" charset="0"/>
+                            <a:cs typeface="Times New Roman" panose="02020603050405020304" pitchFamily="18" charset="0"/>
+                          </a:rPr>
+                        </m:ctrlPr>
+                      </m:sSubPr>
+                      <m:e>
+                        <m:r>
+                          <a:rPr lang="en-US" sz="1800" b="1" i="1" smtClean="0">
+                            <a:solidFill>
+                              <a:schemeClr val="tx1"/>
+                            </a:solidFill>
+                            <a:effectLst/>
+                            <a:latin typeface="Cambria Math" panose="02040503050406030204" pitchFamily="18" charset="0"/>
+                            <a:ea typeface="Calibri" panose="020F0502020204030204" pitchFamily="34" charset="0"/>
+                            <a:cs typeface="Times New Roman" panose="02020603050405020304" pitchFamily="18" charset="0"/>
+                          </a:rPr>
+                          <m:t>𝒎</m:t>
+                        </m:r>
+                      </m:e>
+                      <m:sub>
+                        <m:r>
+                          <a:rPr lang="en-US" sz="1800" b="1" i="1" smtClean="0">
+                            <a:solidFill>
+                              <a:schemeClr val="tx1"/>
+                            </a:solidFill>
+                            <a:effectLst/>
+                            <a:latin typeface="Cambria Math" panose="02040503050406030204" pitchFamily="18" charset="0"/>
+                            <a:ea typeface="Calibri" panose="020F0502020204030204" pitchFamily="34" charset="0"/>
+                            <a:cs typeface="Times New Roman" panose="02020603050405020304" pitchFamily="18" charset="0"/>
+                          </a:rPr>
+                          <m:t>𝒊</m:t>
+                        </m:r>
+                        <m:r>
+                          <a:rPr lang="en-US" sz="1800" b="1" i="1" smtClean="0">
+                            <a:solidFill>
+                              <a:schemeClr val="tx1"/>
+                            </a:solidFill>
+                            <a:effectLst/>
+                            <a:latin typeface="Cambria Math" panose="02040503050406030204" pitchFamily="18" charset="0"/>
+                            <a:ea typeface="Calibri" panose="020F0502020204030204" pitchFamily="34" charset="0"/>
+                            <a:cs typeface="Times New Roman" panose="02020603050405020304" pitchFamily="18" charset="0"/>
+                          </a:rPr>
+                          <m:t> </m:t>
+                        </m:r>
+                      </m:sub>
+                    </m:sSub>
+                  </m:oMath>
+                </a14:m>
+                <a:r>
+                  <a:rPr lang="en-US" dirty="0"/>
+                  <a:t> and </a:t>
+                </a:r>
+                <a14:m>
+                  <m:oMath xmlns:m="http://schemas.openxmlformats.org/officeDocument/2006/math">
+                    <m:r>
+                      <a:rPr lang="en-US" b="1" i="1" smtClean="0">
+                        <a:solidFill>
+                          <a:schemeClr val="tx1"/>
+                        </a:solidFill>
+                        <a:latin typeface="Cambria Math" panose="02040503050406030204" pitchFamily="18" charset="0"/>
+                        <a:ea typeface="Calibri" panose="020F0502020204030204" pitchFamily="34" charset="0"/>
+                        <a:cs typeface="Times New Roman" panose="02020603050405020304" pitchFamily="18" charset="0"/>
+                      </a:rPr>
+                      <m:t>𝑮</m:t>
+                    </m:r>
+                    <m:d>
+                      <m:dPr>
+                        <m:ctrlPr>
+                          <a:rPr lang="en-US" b="1" i="1">
+                            <a:solidFill>
+                              <a:schemeClr val="tx1"/>
+                            </a:solidFill>
+                            <a:latin typeface="Cambria Math" panose="02040503050406030204" pitchFamily="18" charset="0"/>
+                            <a:ea typeface="Calibri" panose="020F0502020204030204" pitchFamily="34" charset="0"/>
+                            <a:cs typeface="Times New Roman" panose="02020603050405020304" pitchFamily="18" charset="0"/>
+                          </a:rPr>
+                        </m:ctrlPr>
+                      </m:dPr>
+                      <m:e>
+                        <m:sSub>
+                          <m:sSubPr>
+                            <m:ctrlPr>
+                              <a:rPr lang="en-US" b="1" i="1">
+                                <a:solidFill>
+                                  <a:schemeClr val="tx1"/>
+                                </a:solidFill>
+                                <a:latin typeface="Cambria Math" panose="02040503050406030204" pitchFamily="18" charset="0"/>
+                                <a:ea typeface="Calibri" panose="020F0502020204030204" pitchFamily="34" charset="0"/>
+                                <a:cs typeface="Times New Roman" panose="02020603050405020304" pitchFamily="18" charset="0"/>
+                              </a:rPr>
+                            </m:ctrlPr>
+                          </m:sSubPr>
+                          <m:e>
+                            <m:r>
+                              <a:rPr lang="en-US" b="1" i="1">
+                                <a:solidFill>
+                                  <a:schemeClr val="tx1"/>
+                                </a:solidFill>
+                                <a:latin typeface="Cambria Math" panose="02040503050406030204" pitchFamily="18" charset="0"/>
+                                <a:ea typeface="Calibri" panose="020F0502020204030204" pitchFamily="34" charset="0"/>
+                                <a:cs typeface="Times New Roman" panose="02020603050405020304" pitchFamily="18" charset="0"/>
+                              </a:rPr>
+                              <m:t>𝒙</m:t>
+                            </m:r>
+                          </m:e>
+                          <m:sub>
+                            <m:r>
+                              <a:rPr lang="en-US" b="1" i="1">
+                                <a:solidFill>
+                                  <a:schemeClr val="tx1"/>
+                                </a:solidFill>
+                                <a:latin typeface="Cambria Math" panose="02040503050406030204" pitchFamily="18" charset="0"/>
+                                <a:ea typeface="Calibri" panose="020F0502020204030204" pitchFamily="34" charset="0"/>
+                                <a:cs typeface="Times New Roman" panose="02020603050405020304" pitchFamily="18" charset="0"/>
+                              </a:rPr>
+                              <m:t>𝒊</m:t>
+                            </m:r>
+                          </m:sub>
+                        </m:sSub>
+                      </m:e>
+                    </m:d>
+                  </m:oMath>
+                </a14:m>
+                <a:r>
+                  <a:rPr lang="en-US" b="1" dirty="0">
+                    <a:solidFill>
+                      <a:srgbClr val="FF0000"/>
+                    </a:solidFill>
+                  </a:rPr>
+                  <a:t> </a:t>
+                </a:r>
+                <a:r>
+                  <a:rPr lang="en-US" dirty="0"/>
+                  <a:t>then dimensions of </a:t>
+                </a:r>
+                <a14:m>
+                  <m:oMath xmlns:m="http://schemas.openxmlformats.org/officeDocument/2006/math">
+                    <m:sSub>
+                      <m:sSubPr>
+                        <m:ctrlPr>
+                          <a:rPr lang="en-US" b="1" i="1">
+                            <a:latin typeface="Cambria Math" panose="02040503050406030204" pitchFamily="18" charset="0"/>
+                            <a:ea typeface="Calibri" panose="020F0502020204030204" pitchFamily="34" charset="0"/>
+                            <a:cs typeface="Times New Roman" panose="02020603050405020304" pitchFamily="18" charset="0"/>
+                          </a:rPr>
+                        </m:ctrlPr>
+                      </m:sSubPr>
+                      <m:e>
+                        <m:r>
+                          <a:rPr lang="en-US" b="1" i="1">
+                            <a:latin typeface="Cambria Math" panose="02040503050406030204" pitchFamily="18" charset="0"/>
+                            <a:ea typeface="Calibri" panose="020F0502020204030204" pitchFamily="34" charset="0"/>
+                            <a:cs typeface="Times New Roman" panose="02020603050405020304" pitchFamily="18" charset="0"/>
+                          </a:rPr>
+                          <m:t>𝒎</m:t>
+                        </m:r>
+                      </m:e>
+                      <m:sub>
+                        <m:r>
+                          <a:rPr lang="en-US" b="1" i="1">
+                            <a:latin typeface="Cambria Math" panose="02040503050406030204" pitchFamily="18" charset="0"/>
+                            <a:ea typeface="Calibri" panose="020F0502020204030204" pitchFamily="34" charset="0"/>
+                            <a:cs typeface="Times New Roman" panose="02020603050405020304" pitchFamily="18" charset="0"/>
+                          </a:rPr>
+                          <m:t>𝒊</m:t>
+                        </m:r>
+                        <m:r>
+                          <a:rPr lang="en-US" b="1" i="1">
+                            <a:latin typeface="Cambria Math" panose="02040503050406030204" pitchFamily="18" charset="0"/>
+                            <a:ea typeface="Calibri" panose="020F0502020204030204" pitchFamily="34" charset="0"/>
+                            <a:cs typeface="Times New Roman" panose="02020603050405020304" pitchFamily="18" charset="0"/>
+                          </a:rPr>
+                          <m:t> </m:t>
+                        </m:r>
+                      </m:sub>
+                    </m:sSub>
+                  </m:oMath>
+                </a14:m>
+                <a:r>
+                  <a:rPr lang="en-US" dirty="0"/>
+                  <a:t> and                </a:t>
+                </a:r>
+                <a14:m>
+                  <m:oMath xmlns:m="http://schemas.openxmlformats.org/officeDocument/2006/math">
+                    <m:r>
+                      <a:rPr lang="en-US" b="1" i="1">
+                        <a:latin typeface="Cambria Math" panose="02040503050406030204" pitchFamily="18" charset="0"/>
+                        <a:ea typeface="Calibri" panose="020F0502020204030204" pitchFamily="34" charset="0"/>
+                        <a:cs typeface="Times New Roman" panose="02020603050405020304" pitchFamily="18" charset="0"/>
+                      </a:rPr>
+                      <m:t>𝑮</m:t>
+                    </m:r>
+                    <m:d>
+                      <m:dPr>
+                        <m:ctrlPr>
+                          <a:rPr lang="en-US" b="1" i="1">
+                            <a:latin typeface="Cambria Math" panose="02040503050406030204" pitchFamily="18" charset="0"/>
+                            <a:ea typeface="Calibri" panose="020F0502020204030204" pitchFamily="34" charset="0"/>
+                            <a:cs typeface="Times New Roman" panose="02020603050405020304" pitchFamily="18" charset="0"/>
+                          </a:rPr>
+                        </m:ctrlPr>
+                      </m:dPr>
+                      <m:e>
+                        <m:sSub>
+                          <m:sSubPr>
+                            <m:ctrlPr>
+                              <a:rPr lang="en-US" b="1" i="1">
+                                <a:latin typeface="Cambria Math" panose="02040503050406030204" pitchFamily="18" charset="0"/>
+                                <a:ea typeface="Calibri" panose="020F0502020204030204" pitchFamily="34" charset="0"/>
+                                <a:cs typeface="Times New Roman" panose="02020603050405020304" pitchFamily="18" charset="0"/>
+                              </a:rPr>
+                            </m:ctrlPr>
+                          </m:sSubPr>
+                          <m:e>
+                            <m:r>
+                              <a:rPr lang="en-US" b="1" i="1">
+                                <a:latin typeface="Cambria Math" panose="02040503050406030204" pitchFamily="18" charset="0"/>
+                                <a:ea typeface="Calibri" panose="020F0502020204030204" pitchFamily="34" charset="0"/>
+                                <a:cs typeface="Times New Roman" panose="02020603050405020304" pitchFamily="18" charset="0"/>
+                              </a:rPr>
+                              <m:t>𝒙</m:t>
+                            </m:r>
+                          </m:e>
+                          <m:sub>
+                            <m:r>
+                              <a:rPr lang="en-US" b="1" i="1">
+                                <a:latin typeface="Cambria Math" panose="02040503050406030204" pitchFamily="18" charset="0"/>
+                                <a:ea typeface="Calibri" panose="020F0502020204030204" pitchFamily="34" charset="0"/>
+                                <a:cs typeface="Times New Roman" panose="02020603050405020304" pitchFamily="18" charset="0"/>
+                              </a:rPr>
+                              <m:t>𝒊</m:t>
+                            </m:r>
+                          </m:sub>
+                        </m:sSub>
+                      </m:e>
+                    </m:d>
+                  </m:oMath>
+                </a14:m>
+                <a:r>
+                  <a:rPr lang="en-US" b="1" dirty="0">
+                    <a:solidFill>
+                      <a:srgbClr val="FF0000"/>
+                    </a:solidFill>
+                  </a:rPr>
+                  <a:t> </a:t>
+                </a:r>
+                <a:r>
+                  <a:rPr lang="en-US" dirty="0"/>
+                  <a:t>should agree.</a:t>
+                </a:r>
+              </a:p>
+              <a:p>
+                <a:pPr marL="285750" indent="-285750">
+                  <a:buFont typeface="Arial" panose="020B0604020202020204" pitchFamily="34" charset="0"/>
+                  <a:buChar char="•"/>
+                </a:pPr>
+                <a:r>
+                  <a:rPr lang="en-US" dirty="0"/>
+                  <a:t>Normally we perform concatenation as the choice of aggregation in the hidden layers and summation in the final layer.</a:t>
+                </a:r>
+              </a:p>
+              <a:p>
+                <a:endParaRPr lang="en-US" dirty="0"/>
+              </a:p>
+              <a:p>
+                <a:r>
+                  <a:rPr lang="en-US" dirty="0"/>
+                  <a:t>        </a:t>
+                </a:r>
+              </a:p>
+              <a:p>
+                <a:r>
+                  <a:rPr lang="en-US" b="1" dirty="0">
+                    <a:solidFill>
+                      <a:srgbClr val="FF0000"/>
+                    </a:solidFill>
+                  </a:rPr>
+                  <a:t>          </a:t>
+                </a:r>
+              </a:p>
+            </p:txBody>
+          </p:sp>
+        </mc:Choice>
+        <mc:Fallback>
+          <p:sp>
+            <p:nvSpPr>
+              <p:cNvPr id="2" name="TextBox 1">
+                <a:extLst>
+                  <a:ext uri="{FF2B5EF4-FFF2-40B4-BE49-F238E27FC236}">
+                    <a16:creationId xmlns:a16="http://schemas.microsoft.com/office/drawing/2014/main" id="{46221181-C9C0-A847-89C2-38BC8099B929}"/>
+                  </a:ext>
+                </a:extLst>
+              </p:cNvPr>
+              <p:cNvSpPr txBox="1">
+                <a:spLocks noRot="1" noChangeAspect="1" noMove="1" noResize="1" noEditPoints="1" noAdjustHandles="1" noChangeArrowheads="1" noChangeShapeType="1" noTextEdit="1"/>
+              </p:cNvSpPr>
+              <p:nvPr/>
+            </p:nvSpPr>
+            <p:spPr>
+              <a:xfrm>
+                <a:off x="462115" y="747252"/>
+                <a:ext cx="10923639" cy="4431983"/>
+              </a:xfrm>
+              <a:prstGeom prst="rect">
+                <a:avLst/>
+              </a:prstGeom>
+              <a:blipFill>
+                <a:blip r:embed="rId2"/>
+                <a:stretch>
+                  <a:fillRect l="-893" t="-1100" r="-4799"/>
+                </a:stretch>
+              </a:blipFill>
+            </p:spPr>
+            <p:txBody>
+              <a:bodyPr/>
+              <a:lstStyle/>
+              <a:p>
+                <a:r>
+                  <a:rPr lang="en-US">
+                    <a:noFill/>
+                  </a:rPr>
+                  <a:t> </a:t>
+                </a:r>
+              </a:p>
+            </p:txBody>
+          </p:sp>
+        </mc:Fallback>
+      </mc:AlternateContent>
+    </p:spTree>
+    <p:extLst>
+      <p:ext uri="{BB962C8B-B14F-4D97-AF65-F5344CB8AC3E}">
+        <p14:creationId xmlns:p14="http://schemas.microsoft.com/office/powerpoint/2010/main" val="1541355039"/>
+      </p:ext>
+    </p:extLst>
+  </p:cSld>
+  <p:clrMapOvr>
+    <a:masterClrMapping/>
+  </p:clrMapOvr>
+</p:sld>
+</file>
+
+<file path=ppt/slides/slide23.xml><?xml version="1.0" encoding="utf-8"?>
+<p:sld xmlns:a="http://schemas.openxmlformats.org/drawingml/2006/main" xmlns:r="http://schemas.openxmlformats.org/officeDocument/2006/relationships" xmlns:p="http://schemas.openxmlformats.org/presentationml/2006/main">
+  <p:cSld>
+    <p:spTree>
+      <p:nvGrpSpPr>
+        <p:cNvPr id="1" name=""/>
+        <p:cNvGrpSpPr/>
+        <p:nvPr/>
+      </p:nvGrpSpPr>
+      <p:grpSpPr>
+        <a:xfrm>
+          <a:off x="0" y="0"/>
+          <a:ext cx="0" cy="0"/>
+          <a:chOff x="0" y="0"/>
+          <a:chExt cx="0" cy="0"/>
+        </a:xfrm>
+      </p:grpSpPr>
+      <mc:AlternateContent xmlns:mc="http://schemas.openxmlformats.org/markup-compatibility/2006">
+        <mc:Choice xmlns:a14="http://schemas.microsoft.com/office/drawing/2010/main" Requires="a14">
+          <p:sp>
+            <p:nvSpPr>
+              <p:cNvPr id="2" name="TextBox 1">
+                <a:extLst>
+                  <a:ext uri="{FF2B5EF4-FFF2-40B4-BE49-F238E27FC236}">
+                    <a16:creationId xmlns:a16="http://schemas.microsoft.com/office/drawing/2014/main" id="{D3F13E2F-CF6D-5DEB-91E1-649F5A774497}"/>
+                  </a:ext>
+                </a:extLst>
+              </p:cNvPr>
+              <p:cNvSpPr txBox="1"/>
+              <p:nvPr/>
+            </p:nvSpPr>
+            <p:spPr>
+              <a:xfrm>
+                <a:off x="545690" y="491613"/>
+                <a:ext cx="11100620" cy="4062651"/>
+              </a:xfrm>
+              <a:prstGeom prst="rect">
+                <a:avLst/>
+              </a:prstGeom>
+              <a:noFill/>
+            </p:spPr>
+            <p:txBody>
+              <a:bodyPr wrap="square" rtlCol="0">
+                <a:spAutoFit/>
+              </a:bodyPr>
+              <a:lstStyle/>
+              <a:p>
+                <a:r>
+                  <a:rPr lang="en-US" b="1" dirty="0"/>
+                  <a:t>Step 3</a:t>
+                </a:r>
+              </a:p>
+              <a:p>
+                <a:endParaRPr lang="en-US" b="1" dirty="0"/>
+              </a:p>
+              <a:p>
+                <a:pPr marL="285750" indent="-285750">
+                  <a:buFont typeface="Arial" panose="020B0604020202020204" pitchFamily="34" charset="0"/>
+                  <a:buChar char="•"/>
+                </a:pPr>
+                <a:r>
+                  <a:rPr lang="en-US" dirty="0"/>
+                  <a:t>Now that we have combined </a:t>
+                </a:r>
+                <a14:m>
+                  <m:oMath xmlns:m="http://schemas.openxmlformats.org/officeDocument/2006/math">
+                    <m:sSub>
+                      <m:sSubPr>
+                        <m:ctrlPr>
+                          <a:rPr lang="en-US" sz="1800" b="1" i="1" smtClean="0">
+                            <a:solidFill>
+                              <a:schemeClr val="tx1"/>
+                            </a:solidFill>
+                            <a:effectLst/>
+                            <a:latin typeface="Cambria Math" panose="02040503050406030204" pitchFamily="18" charset="0"/>
+                            <a:ea typeface="Calibri" panose="020F0502020204030204" pitchFamily="34" charset="0"/>
+                            <a:cs typeface="Times New Roman" panose="02020603050405020304" pitchFamily="18" charset="0"/>
+                          </a:rPr>
+                        </m:ctrlPr>
+                      </m:sSubPr>
+                      <m:e>
+                        <m:r>
+                          <a:rPr lang="en-US" sz="1800" b="1" i="1" smtClean="0">
+                            <a:solidFill>
+                              <a:schemeClr val="tx1"/>
+                            </a:solidFill>
+                            <a:effectLst/>
+                            <a:latin typeface="Cambria Math" panose="02040503050406030204" pitchFamily="18" charset="0"/>
+                            <a:ea typeface="Calibri" panose="020F0502020204030204" pitchFamily="34" charset="0"/>
+                            <a:cs typeface="Times New Roman" panose="02020603050405020304" pitchFamily="18" charset="0"/>
+                          </a:rPr>
+                          <m:t>𝒎</m:t>
+                        </m:r>
+                      </m:e>
+                      <m:sub>
+                        <m:r>
+                          <a:rPr lang="en-US" sz="1800" b="1" i="1" smtClean="0">
+                            <a:solidFill>
+                              <a:schemeClr val="tx1"/>
+                            </a:solidFill>
+                            <a:effectLst/>
+                            <a:latin typeface="Cambria Math" panose="02040503050406030204" pitchFamily="18" charset="0"/>
+                            <a:ea typeface="Calibri" panose="020F0502020204030204" pitchFamily="34" charset="0"/>
+                            <a:cs typeface="Times New Roman" panose="02020603050405020304" pitchFamily="18" charset="0"/>
+                          </a:rPr>
+                          <m:t>𝒊</m:t>
+                        </m:r>
+                        <m:r>
+                          <a:rPr lang="en-US" sz="1800" b="1" i="1" smtClean="0">
+                            <a:solidFill>
+                              <a:schemeClr val="tx1"/>
+                            </a:solidFill>
+                            <a:effectLst/>
+                            <a:latin typeface="Cambria Math" panose="02040503050406030204" pitchFamily="18" charset="0"/>
+                            <a:ea typeface="Calibri" panose="020F0502020204030204" pitchFamily="34" charset="0"/>
+                            <a:cs typeface="Times New Roman" panose="02020603050405020304" pitchFamily="18" charset="0"/>
+                          </a:rPr>
+                          <m:t> </m:t>
+                        </m:r>
+                      </m:sub>
+                    </m:sSub>
+                  </m:oMath>
+                </a14:m>
+                <a:r>
+                  <a:rPr lang="en-US" dirty="0"/>
+                  <a:t> and </a:t>
+                </a:r>
+                <a14:m>
+                  <m:oMath xmlns:m="http://schemas.openxmlformats.org/officeDocument/2006/math">
+                    <m:r>
+                      <a:rPr lang="en-US" b="1" i="1" smtClean="0">
+                        <a:solidFill>
+                          <a:schemeClr val="tx1"/>
+                        </a:solidFill>
+                        <a:latin typeface="Cambria Math" panose="02040503050406030204" pitchFamily="18" charset="0"/>
+                        <a:ea typeface="Calibri" panose="020F0502020204030204" pitchFamily="34" charset="0"/>
+                        <a:cs typeface="Times New Roman" panose="02020603050405020304" pitchFamily="18" charset="0"/>
+                      </a:rPr>
+                      <m:t>𝑮</m:t>
+                    </m:r>
+                    <m:d>
+                      <m:dPr>
+                        <m:ctrlPr>
+                          <a:rPr lang="en-US" b="1" i="1">
+                            <a:solidFill>
+                              <a:schemeClr val="tx1"/>
+                            </a:solidFill>
+                            <a:latin typeface="Cambria Math" panose="02040503050406030204" pitchFamily="18" charset="0"/>
+                            <a:ea typeface="Calibri" panose="020F0502020204030204" pitchFamily="34" charset="0"/>
+                            <a:cs typeface="Times New Roman" panose="02020603050405020304" pitchFamily="18" charset="0"/>
+                          </a:rPr>
+                        </m:ctrlPr>
+                      </m:dPr>
+                      <m:e>
+                        <m:sSub>
+                          <m:sSubPr>
+                            <m:ctrlPr>
+                              <a:rPr lang="en-US" b="1" i="1">
+                                <a:solidFill>
+                                  <a:schemeClr val="tx1"/>
+                                </a:solidFill>
+                                <a:latin typeface="Cambria Math" panose="02040503050406030204" pitchFamily="18" charset="0"/>
+                                <a:ea typeface="Calibri" panose="020F0502020204030204" pitchFamily="34" charset="0"/>
+                                <a:cs typeface="Times New Roman" panose="02020603050405020304" pitchFamily="18" charset="0"/>
+                              </a:rPr>
+                            </m:ctrlPr>
+                          </m:sSubPr>
+                          <m:e>
+                            <m:r>
+                              <a:rPr lang="en-US" b="1" i="1">
+                                <a:solidFill>
+                                  <a:schemeClr val="tx1"/>
+                                </a:solidFill>
+                                <a:latin typeface="Cambria Math" panose="02040503050406030204" pitchFamily="18" charset="0"/>
+                                <a:ea typeface="Calibri" panose="020F0502020204030204" pitchFamily="34" charset="0"/>
+                                <a:cs typeface="Times New Roman" panose="02020603050405020304" pitchFamily="18" charset="0"/>
+                              </a:rPr>
+                              <m:t>𝒙</m:t>
+                            </m:r>
+                          </m:e>
+                          <m:sub>
+                            <m:r>
+                              <a:rPr lang="en-US" b="1" i="1">
+                                <a:solidFill>
+                                  <a:schemeClr val="tx1"/>
+                                </a:solidFill>
+                                <a:latin typeface="Cambria Math" panose="02040503050406030204" pitchFamily="18" charset="0"/>
+                                <a:ea typeface="Calibri" panose="020F0502020204030204" pitchFamily="34" charset="0"/>
+                                <a:cs typeface="Times New Roman" panose="02020603050405020304" pitchFamily="18" charset="0"/>
+                              </a:rPr>
+                              <m:t>𝒊</m:t>
+                            </m:r>
+                          </m:sub>
+                        </m:sSub>
+                      </m:e>
+                    </m:d>
+                  </m:oMath>
+                </a14:m>
+                <a:r>
+                  <a:rPr lang="en-US" b="1" dirty="0"/>
+                  <a:t> </a:t>
+                </a:r>
+                <a:r>
+                  <a:rPr lang="en-US" dirty="0"/>
+                  <a:t>we will add the usual Neural Networks.</a:t>
+                </a:r>
+              </a:p>
+              <a:p>
+                <a:pPr marL="285750" indent="-285750">
+                  <a:buFont typeface="Arial" panose="020B0604020202020204" pitchFamily="34" charset="0"/>
+                  <a:buChar char="•"/>
+                </a:pPr>
+                <a:r>
+                  <a:rPr lang="en-US" dirty="0"/>
+                  <a:t>By that, we will pass the combination of </a:t>
+                </a:r>
+                <a14:m>
+                  <m:oMath xmlns:m="http://schemas.openxmlformats.org/officeDocument/2006/math">
+                    <m:sSub>
+                      <m:sSubPr>
+                        <m:ctrlPr>
+                          <a:rPr lang="en-US" sz="1800" b="1" i="1" smtClean="0">
+                            <a:solidFill>
+                              <a:schemeClr val="tx1"/>
+                            </a:solidFill>
+                            <a:effectLst/>
+                            <a:latin typeface="Cambria Math" panose="02040503050406030204" pitchFamily="18" charset="0"/>
+                            <a:ea typeface="Calibri" panose="020F0502020204030204" pitchFamily="34" charset="0"/>
+                            <a:cs typeface="Times New Roman" panose="02020603050405020304" pitchFamily="18" charset="0"/>
+                          </a:rPr>
+                        </m:ctrlPr>
+                      </m:sSubPr>
+                      <m:e>
+                        <m:r>
+                          <a:rPr lang="en-US" sz="1800" b="1" i="1" smtClean="0">
+                            <a:solidFill>
+                              <a:schemeClr val="tx1"/>
+                            </a:solidFill>
+                            <a:effectLst/>
+                            <a:latin typeface="Cambria Math" panose="02040503050406030204" pitchFamily="18" charset="0"/>
+                            <a:ea typeface="Calibri" panose="020F0502020204030204" pitchFamily="34" charset="0"/>
+                            <a:cs typeface="Times New Roman" panose="02020603050405020304" pitchFamily="18" charset="0"/>
+                          </a:rPr>
+                          <m:t>𝒎</m:t>
+                        </m:r>
+                      </m:e>
+                      <m:sub>
+                        <m:r>
+                          <a:rPr lang="en-US" sz="1800" b="1" i="1" smtClean="0">
+                            <a:solidFill>
+                              <a:schemeClr val="tx1"/>
+                            </a:solidFill>
+                            <a:effectLst/>
+                            <a:latin typeface="Cambria Math" panose="02040503050406030204" pitchFamily="18" charset="0"/>
+                            <a:ea typeface="Calibri" panose="020F0502020204030204" pitchFamily="34" charset="0"/>
+                            <a:cs typeface="Times New Roman" panose="02020603050405020304" pitchFamily="18" charset="0"/>
+                          </a:rPr>
+                          <m:t>𝒊</m:t>
+                        </m:r>
+                        <m:r>
+                          <a:rPr lang="en-US" sz="1800" b="1" i="1" smtClean="0">
+                            <a:solidFill>
+                              <a:schemeClr val="tx1"/>
+                            </a:solidFill>
+                            <a:effectLst/>
+                            <a:latin typeface="Cambria Math" panose="02040503050406030204" pitchFamily="18" charset="0"/>
+                            <a:ea typeface="Calibri" panose="020F0502020204030204" pitchFamily="34" charset="0"/>
+                            <a:cs typeface="Times New Roman" panose="02020603050405020304" pitchFamily="18" charset="0"/>
+                          </a:rPr>
+                          <m:t> </m:t>
+                        </m:r>
+                      </m:sub>
+                    </m:sSub>
+                  </m:oMath>
+                </a14:m>
+                <a:r>
+                  <a:rPr lang="en-US" dirty="0"/>
+                  <a:t> and </a:t>
+                </a:r>
+                <a14:m>
+                  <m:oMath xmlns:m="http://schemas.openxmlformats.org/officeDocument/2006/math">
+                    <m:r>
+                      <a:rPr lang="en-US" b="1" i="1" smtClean="0">
+                        <a:solidFill>
+                          <a:schemeClr val="tx1"/>
+                        </a:solidFill>
+                        <a:latin typeface="Cambria Math" panose="02040503050406030204" pitchFamily="18" charset="0"/>
+                        <a:ea typeface="Calibri" panose="020F0502020204030204" pitchFamily="34" charset="0"/>
+                        <a:cs typeface="Times New Roman" panose="02020603050405020304" pitchFamily="18" charset="0"/>
+                      </a:rPr>
+                      <m:t>𝑮</m:t>
+                    </m:r>
+                    <m:d>
+                      <m:dPr>
+                        <m:ctrlPr>
+                          <a:rPr lang="en-US" b="1" i="1">
+                            <a:solidFill>
+                              <a:schemeClr val="tx1"/>
+                            </a:solidFill>
+                            <a:latin typeface="Cambria Math" panose="02040503050406030204" pitchFamily="18" charset="0"/>
+                            <a:ea typeface="Calibri" panose="020F0502020204030204" pitchFamily="34" charset="0"/>
+                            <a:cs typeface="Times New Roman" panose="02020603050405020304" pitchFamily="18" charset="0"/>
+                          </a:rPr>
+                        </m:ctrlPr>
+                      </m:dPr>
+                      <m:e>
+                        <m:sSub>
+                          <m:sSubPr>
+                            <m:ctrlPr>
+                              <a:rPr lang="en-US" b="1" i="1">
+                                <a:solidFill>
+                                  <a:schemeClr val="tx1"/>
+                                </a:solidFill>
+                                <a:latin typeface="Cambria Math" panose="02040503050406030204" pitchFamily="18" charset="0"/>
+                                <a:ea typeface="Calibri" panose="020F0502020204030204" pitchFamily="34" charset="0"/>
+                                <a:cs typeface="Times New Roman" panose="02020603050405020304" pitchFamily="18" charset="0"/>
+                              </a:rPr>
+                            </m:ctrlPr>
+                          </m:sSubPr>
+                          <m:e>
+                            <m:r>
+                              <a:rPr lang="en-US" b="1" i="1">
+                                <a:solidFill>
+                                  <a:schemeClr val="tx1"/>
+                                </a:solidFill>
+                                <a:latin typeface="Cambria Math" panose="02040503050406030204" pitchFamily="18" charset="0"/>
+                                <a:ea typeface="Calibri" panose="020F0502020204030204" pitchFamily="34" charset="0"/>
+                                <a:cs typeface="Times New Roman" panose="02020603050405020304" pitchFamily="18" charset="0"/>
+                              </a:rPr>
+                              <m:t>𝒙</m:t>
+                            </m:r>
+                          </m:e>
+                          <m:sub>
+                            <m:r>
+                              <a:rPr lang="en-US" b="1" i="1">
+                                <a:solidFill>
+                                  <a:schemeClr val="tx1"/>
+                                </a:solidFill>
+                                <a:latin typeface="Cambria Math" panose="02040503050406030204" pitchFamily="18" charset="0"/>
+                                <a:ea typeface="Calibri" panose="020F0502020204030204" pitchFamily="34" charset="0"/>
+                                <a:cs typeface="Times New Roman" panose="02020603050405020304" pitchFamily="18" charset="0"/>
+                              </a:rPr>
+                              <m:t>𝒊</m:t>
+                            </m:r>
+                          </m:sub>
+                        </m:sSub>
+                      </m:e>
+                    </m:d>
+                  </m:oMath>
+                </a14:m>
+                <a:r>
+                  <a:rPr lang="en-US" dirty="0"/>
+                  <a:t> into a MLP and then introduce a non-linearity to it.</a:t>
+                </a:r>
+              </a:p>
+              <a:p>
+                <a:pPr marL="285750" indent="-285750">
+                  <a:buFont typeface="Arial" panose="020B0604020202020204" pitchFamily="34" charset="0"/>
+                  <a:buChar char="•"/>
+                </a:pPr>
+                <a:endParaRPr lang="en-US" dirty="0"/>
+              </a:p>
+              <a:p>
+                <a:r>
+                  <a:rPr lang="en-US" dirty="0"/>
+                  <a:t>	</a:t>
+                </a:r>
+              </a:p>
+              <a:p>
+                <a:r>
+                  <a:rPr lang="en-US" dirty="0"/>
+                  <a:t>		</a:t>
+                </a:r>
+                <a:r>
+                  <a:rPr lang="en-US" sz="1800" dirty="0">
+                    <a:effectLst/>
+                    <a:ea typeface="Calibri" panose="020F0502020204030204" pitchFamily="34" charset="0"/>
+                    <a:cs typeface="Times New Roman" panose="02020603050405020304" pitchFamily="18" charset="0"/>
+                  </a:rPr>
+                  <a:t>	</a:t>
+                </a:r>
+                <a14:m>
+                  <m:oMath xmlns:m="http://schemas.openxmlformats.org/officeDocument/2006/math">
+                    <m:sSub>
+                      <m:sSubPr>
+                        <m:ctrlPr>
+                          <a:rPr lang="en-US" sz="2400" b="1" i="1" smtClean="0">
+                            <a:solidFill>
+                              <a:srgbClr val="0070C0"/>
+                            </a:solidFill>
+                          </a:rPr>
+                        </m:ctrlPr>
+                      </m:sSubPr>
+                      <m:e>
+                        <m:r>
+                          <a:rPr lang="en-US" sz="2400" b="1" i="1">
+                            <a:solidFill>
+                              <a:srgbClr val="0070C0"/>
+                            </a:solidFill>
+                          </a:rPr>
+                          <m:t>𝒉</m:t>
+                        </m:r>
+                      </m:e>
+                      <m:sub>
+                        <m:r>
+                          <a:rPr lang="en-US" sz="2400" b="1" i="1">
+                            <a:solidFill>
+                              <a:srgbClr val="0070C0"/>
+                            </a:solidFill>
+                          </a:rPr>
+                          <m:t>𝒊</m:t>
+                        </m:r>
+                      </m:sub>
+                    </m:sSub>
+                    <m:r>
+                      <a:rPr lang="en-US" sz="2400" b="1" i="1">
+                        <a:solidFill>
+                          <a:srgbClr val="0070C0"/>
+                        </a:solidFill>
+                      </a:rPr>
+                      <m:t> =</m:t>
+                    </m:r>
+                    <m:r>
+                      <a:rPr lang="en-US" sz="2400" b="1" i="1">
+                        <a:solidFill>
+                          <a:srgbClr val="0070C0"/>
+                        </a:solidFill>
+                      </a:rPr>
+                      <m:t>𝝈</m:t>
+                    </m:r>
+                    <m:r>
+                      <a:rPr lang="en-US" sz="2400" b="1" i="1">
+                        <a:solidFill>
+                          <a:srgbClr val="0070C0"/>
+                        </a:solidFill>
+                      </a:rPr>
+                      <m:t>(</m:t>
+                    </m:r>
+                    <m:r>
+                      <a:rPr lang="en-US" sz="2400" b="1" i="1">
+                        <a:solidFill>
+                          <a:srgbClr val="0070C0"/>
+                        </a:solidFill>
+                      </a:rPr>
+                      <m:t>𝑯</m:t>
+                    </m:r>
+                    <m:r>
+                      <a:rPr lang="en-US" sz="2400" b="1" i="1">
+                        <a:solidFill>
+                          <a:srgbClr val="0070C0"/>
+                        </a:solidFill>
+                      </a:rPr>
+                      <m:t>(</m:t>
+                    </m:r>
+                    <m:r>
+                      <a:rPr lang="en-US" sz="2400" b="1" i="1">
+                        <a:solidFill>
+                          <a:srgbClr val="0070C0"/>
+                        </a:solidFill>
+                      </a:rPr>
+                      <m:t>𝑮</m:t>
+                    </m:r>
+                    <m:d>
+                      <m:dPr>
+                        <m:ctrlPr>
+                          <a:rPr lang="en-US" sz="2400" b="1" i="1">
+                            <a:solidFill>
+                              <a:srgbClr val="0070C0"/>
+                            </a:solidFill>
+                          </a:rPr>
+                        </m:ctrlPr>
+                      </m:dPr>
+                      <m:e>
+                        <m:sSub>
+                          <m:sSubPr>
+                            <m:ctrlPr>
+                              <a:rPr lang="en-US" sz="2400" b="1" i="1">
+                                <a:solidFill>
+                                  <a:srgbClr val="0070C0"/>
+                                </a:solidFill>
+                              </a:rPr>
+                            </m:ctrlPr>
+                          </m:sSubPr>
+                          <m:e>
+                            <m:r>
+                              <a:rPr lang="en-US" sz="2400" b="1" i="1">
+                                <a:solidFill>
+                                  <a:srgbClr val="0070C0"/>
+                                </a:solidFill>
+                              </a:rPr>
+                              <m:t>𝒙</m:t>
+                            </m:r>
+                          </m:e>
+                          <m:sub>
+                            <m:r>
+                              <a:rPr lang="en-US" sz="2400" b="1" i="1">
+                                <a:solidFill>
+                                  <a:srgbClr val="0070C0"/>
+                                </a:solidFill>
+                              </a:rPr>
+                              <m:t>𝒊</m:t>
+                            </m:r>
+                          </m:sub>
+                        </m:sSub>
+                      </m:e>
+                    </m:d>
+                    <m:r>
+                      <a:rPr lang="en-US" sz="2400" b="1" i="1">
+                        <a:solidFill>
+                          <a:srgbClr val="0070C0"/>
+                        </a:solidFill>
+                      </a:rPr>
+                      <m:t> , </m:t>
+                    </m:r>
+                    <m:sSub>
+                      <m:sSubPr>
+                        <m:ctrlPr>
+                          <a:rPr lang="en-US" sz="2400" b="1" i="1">
+                            <a:solidFill>
+                              <a:srgbClr val="0070C0"/>
+                            </a:solidFill>
+                          </a:rPr>
+                        </m:ctrlPr>
+                      </m:sSubPr>
+                      <m:e>
+                        <m:r>
+                          <a:rPr lang="en-US" sz="2400" b="1" i="1">
+                            <a:solidFill>
+                              <a:srgbClr val="0070C0"/>
+                            </a:solidFill>
+                          </a:rPr>
+                          <m:t>𝒎</m:t>
+                        </m:r>
+                      </m:e>
+                      <m:sub>
+                        <m:r>
+                          <a:rPr lang="en-US" sz="2400" b="1" i="1">
+                            <a:solidFill>
+                              <a:srgbClr val="0070C0"/>
+                            </a:solidFill>
+                          </a:rPr>
+                          <m:t>𝒊</m:t>
+                        </m:r>
+                      </m:sub>
+                    </m:sSub>
+                    <m:r>
+                      <a:rPr lang="en-US" sz="2400" b="1" i="1">
+                        <a:solidFill>
+                          <a:srgbClr val="0070C0"/>
+                        </a:solidFill>
+                      </a:rPr>
+                      <m:t>))</m:t>
+                    </m:r>
+                  </m:oMath>
+                </a14:m>
+                <a:endParaRPr lang="en-US" b="1" dirty="0"/>
+              </a:p>
+              <a:p>
+                <a:r>
+                  <a:rPr lang="en-US" b="1" dirty="0">
+                    <a:latin typeface="Calibri" panose="020F0502020204030204" pitchFamily="34" charset="0"/>
+                    <a:ea typeface="Calibri" panose="020F0502020204030204" pitchFamily="34" charset="0"/>
+                    <a:cs typeface="Times New Roman" panose="02020603050405020304" pitchFamily="18" charset="0"/>
+                  </a:rPr>
+                  <a:t>			</a:t>
+                </a:r>
+              </a:p>
+              <a:p>
+                <a:r>
+                  <a:rPr lang="en-US" sz="1800" b="1" dirty="0">
+                    <a:effectLst/>
+                    <a:latin typeface="Calibri" panose="020F0502020204030204" pitchFamily="34" charset="0"/>
+                    <a:ea typeface="Calibri" panose="020F0502020204030204" pitchFamily="34" charset="0"/>
+                    <a:cs typeface="Times New Roman" panose="02020603050405020304" pitchFamily="18" charset="0"/>
+                  </a:rPr>
+                  <a:t>			</a:t>
+                </a:r>
+                <a:r>
+                  <a:rPr lang="en-US" sz="1800" dirty="0">
+                    <a:solidFill>
+                      <a:srgbClr val="0070C0"/>
+                    </a:solidFill>
+                    <a:effectLst/>
+                    <a:latin typeface="Calibri" panose="020F0502020204030204" pitchFamily="34" charset="0"/>
+                    <a:ea typeface="Calibri" panose="020F0502020204030204" pitchFamily="34" charset="0"/>
+                    <a:cs typeface="Times New Roman" panose="02020603050405020304" pitchFamily="18" charset="0"/>
+                  </a:rPr>
+                  <a:t>Where,</a:t>
+                </a:r>
+              </a:p>
+              <a:p>
+                <a:r>
+                  <a:rPr lang="en-US" b="1" dirty="0">
+                    <a:solidFill>
+                      <a:srgbClr val="0070C0"/>
+                    </a:solidFill>
+                    <a:latin typeface="Calibri" panose="020F0502020204030204" pitchFamily="34" charset="0"/>
+                    <a:ea typeface="Calibri" panose="020F0502020204030204" pitchFamily="34" charset="0"/>
+                    <a:cs typeface="Times New Roman" panose="02020603050405020304" pitchFamily="18" charset="0"/>
+                  </a:rPr>
+                  <a:t>				H = </a:t>
+                </a:r>
+                <a:r>
+                  <a:rPr lang="en-US" dirty="0">
+                    <a:solidFill>
+                      <a:srgbClr val="0070C0"/>
+                    </a:solidFill>
+                    <a:latin typeface="Calibri" panose="020F0502020204030204" pitchFamily="34" charset="0"/>
+                    <a:ea typeface="Calibri" panose="020F0502020204030204" pitchFamily="34" charset="0"/>
+                    <a:cs typeface="Times New Roman" panose="02020603050405020304" pitchFamily="18" charset="0"/>
+                  </a:rPr>
+                  <a:t>MLP </a:t>
+                </a:r>
+              </a:p>
+              <a:p>
+                <a:r>
+                  <a:rPr lang="en-US" sz="1800" b="1" dirty="0">
+                    <a:solidFill>
+                      <a:srgbClr val="0070C0"/>
+                    </a:solidFill>
+                    <a:effectLst/>
+                    <a:latin typeface="Calibri" panose="020F0502020204030204" pitchFamily="34" charset="0"/>
+                    <a:ea typeface="Calibri" panose="020F0502020204030204" pitchFamily="34" charset="0"/>
+                    <a:cs typeface="Times New Roman" panose="02020603050405020304" pitchFamily="18" charset="0"/>
+                  </a:rPr>
+                  <a:t>				</a:t>
+                </a:r>
+                <a14:m>
+                  <m:oMath xmlns:m="http://schemas.openxmlformats.org/officeDocument/2006/math">
+                    <m:r>
+                      <a:rPr lang="en-US" sz="1800" b="1" i="1">
+                        <a:solidFill>
+                          <a:srgbClr val="0070C0"/>
+                        </a:solidFill>
+                        <a:effectLst/>
+                        <a:latin typeface="Cambria Math" panose="02040503050406030204" pitchFamily="18" charset="0"/>
+                        <a:ea typeface="Calibri" panose="020F0502020204030204" pitchFamily="34" charset="0"/>
+                        <a:cs typeface="Times New Roman" panose="02020603050405020304" pitchFamily="18" charset="0"/>
+                      </a:rPr>
+                      <m:t>𝝈</m:t>
+                    </m:r>
+                  </m:oMath>
+                </a14:m>
+                <a:r>
+                  <a:rPr lang="en-US" sz="1800" b="1" dirty="0">
+                    <a:effectLst/>
+                    <a:latin typeface="Calibri" panose="020F0502020204030204" pitchFamily="34" charset="0"/>
+                    <a:ea typeface="Calibri" panose="020F0502020204030204" pitchFamily="34" charset="0"/>
+                    <a:cs typeface="Times New Roman" panose="02020603050405020304" pitchFamily="18" charset="0"/>
+                  </a:rPr>
+                  <a:t> </a:t>
+                </a:r>
+                <a:r>
+                  <a:rPr lang="en-US" dirty="0">
+                    <a:solidFill>
+                      <a:srgbClr val="0070C0"/>
+                    </a:solidFill>
+                    <a:latin typeface="Calibri" panose="020F0502020204030204" pitchFamily="34" charset="0"/>
+                    <a:ea typeface="Calibri" panose="020F0502020204030204" pitchFamily="34" charset="0"/>
+                    <a:cs typeface="Times New Roman" panose="02020603050405020304" pitchFamily="18" charset="0"/>
+                  </a:rPr>
+                  <a:t>= Non-linearity (</a:t>
+                </a:r>
+                <a:r>
+                  <a:rPr lang="en-US" dirty="0" err="1">
+                    <a:solidFill>
+                      <a:srgbClr val="0070C0"/>
+                    </a:solidFill>
+                    <a:latin typeface="Calibri" panose="020F0502020204030204" pitchFamily="34" charset="0"/>
+                    <a:ea typeface="Calibri" panose="020F0502020204030204" pitchFamily="34" charset="0"/>
+                    <a:cs typeface="Times New Roman" panose="02020603050405020304" pitchFamily="18" charset="0"/>
+                  </a:rPr>
+                  <a:t>eg:sigmoid</a:t>
+                </a:r>
+                <a:r>
+                  <a:rPr lang="en-US" dirty="0">
+                    <a:solidFill>
+                      <a:srgbClr val="0070C0"/>
+                    </a:solidFill>
+                    <a:latin typeface="Calibri" panose="020F0502020204030204" pitchFamily="34" charset="0"/>
+                    <a:ea typeface="Calibri" panose="020F0502020204030204" pitchFamily="34" charset="0"/>
+                    <a:cs typeface="Times New Roman" panose="02020603050405020304" pitchFamily="18" charset="0"/>
+                  </a:rPr>
+                  <a:t>, </a:t>
+                </a:r>
+                <a:r>
+                  <a:rPr lang="en-US" dirty="0" err="1">
+                    <a:solidFill>
+                      <a:srgbClr val="0070C0"/>
+                    </a:solidFill>
+                    <a:latin typeface="Calibri" panose="020F0502020204030204" pitchFamily="34" charset="0"/>
+                    <a:ea typeface="Calibri" panose="020F0502020204030204" pitchFamily="34" charset="0"/>
+                    <a:cs typeface="Times New Roman" panose="02020603050405020304" pitchFamily="18" charset="0"/>
+                  </a:rPr>
+                  <a:t>ReLu</a:t>
+                </a:r>
+                <a:r>
+                  <a:rPr lang="en-US" dirty="0">
+                    <a:solidFill>
+                      <a:srgbClr val="0070C0"/>
+                    </a:solidFill>
+                    <a:latin typeface="Calibri" panose="020F0502020204030204" pitchFamily="34" charset="0"/>
+                    <a:ea typeface="Calibri" panose="020F0502020204030204" pitchFamily="34" charset="0"/>
+                    <a:cs typeface="Times New Roman" panose="02020603050405020304" pitchFamily="18" charset="0"/>
+                  </a:rPr>
+                  <a:t>, Tanh etc..)</a:t>
+                </a:r>
+                <a:endParaRPr lang="en-US" sz="1800" b="1" dirty="0">
+                  <a:effectLst/>
+                  <a:latin typeface="Calibri" panose="020F0502020204030204" pitchFamily="34" charset="0"/>
+                  <a:ea typeface="Calibri" panose="020F0502020204030204" pitchFamily="34" charset="0"/>
+                  <a:cs typeface="Times New Roman" panose="02020603050405020304" pitchFamily="18" charset="0"/>
+                </a:endParaRPr>
+              </a:p>
+              <a:p>
+                <a:endParaRPr lang="en-US" sz="1800" dirty="0">
+                  <a:effectLst/>
+                  <a:latin typeface="Calibri" panose="020F0502020204030204" pitchFamily="34" charset="0"/>
+                  <a:ea typeface="Calibri" panose="020F0502020204030204" pitchFamily="34" charset="0"/>
+                  <a:cs typeface="Times New Roman" panose="02020603050405020304" pitchFamily="18" charset="0"/>
+                </a:endParaRPr>
+              </a:p>
+              <a:p>
+                <a:endParaRPr lang="en-US" dirty="0"/>
+              </a:p>
+              <a:p>
+                <a:r>
+                  <a:rPr lang="en-US" dirty="0"/>
+                  <a:t>	</a:t>
+                </a:r>
+              </a:p>
+            </p:txBody>
+          </p:sp>
+        </mc:Choice>
+        <mc:Fallback>
+          <p:sp>
+            <p:nvSpPr>
+              <p:cNvPr id="2" name="TextBox 1">
+                <a:extLst>
+                  <a:ext uri="{FF2B5EF4-FFF2-40B4-BE49-F238E27FC236}">
+                    <a16:creationId xmlns:a16="http://schemas.microsoft.com/office/drawing/2014/main" id="{D3F13E2F-CF6D-5DEB-91E1-649F5A774497}"/>
+                  </a:ext>
+                </a:extLst>
+              </p:cNvPr>
+              <p:cNvSpPr txBox="1">
+                <a:spLocks noRot="1" noChangeAspect="1" noMove="1" noResize="1" noEditPoints="1" noAdjustHandles="1" noChangeArrowheads="1" noChangeShapeType="1" noTextEdit="1"/>
+              </p:cNvSpPr>
+              <p:nvPr/>
+            </p:nvSpPr>
+            <p:spPr>
+              <a:xfrm>
+                <a:off x="545690" y="491613"/>
+                <a:ext cx="11100620" cy="4062651"/>
+              </a:xfrm>
+              <a:prstGeom prst="rect">
+                <a:avLst/>
+              </a:prstGeom>
+              <a:blipFill>
+                <a:blip r:embed="rId2"/>
+                <a:stretch>
+                  <a:fillRect l="-495" t="-751"/>
+                </a:stretch>
+              </a:blipFill>
+            </p:spPr>
+            <p:txBody>
+              <a:bodyPr/>
+              <a:lstStyle/>
+              <a:p>
+                <a:r>
+                  <a:rPr lang="en-US">
+                    <a:noFill/>
+                  </a:rPr>
+                  <a:t> </a:t>
+                </a:r>
+              </a:p>
+            </p:txBody>
+          </p:sp>
+        </mc:Fallback>
+      </mc:AlternateContent>
+    </p:spTree>
+    <p:extLst>
+      <p:ext uri="{BB962C8B-B14F-4D97-AF65-F5344CB8AC3E}">
+        <p14:creationId xmlns:p14="http://schemas.microsoft.com/office/powerpoint/2010/main" val="153944265"/>
+      </p:ext>
+    </p:extLst>
+  </p:cSld>
+  <p:clrMapOvr>
+    <a:masterClrMapping/>
+  </p:clrMapOvr>
+</p:sld>
+</file>
+
+<file path=ppt/slides/slide24.xml><?xml version="1.0" encoding="utf-8"?>
+<p:sld xmlns:a="http://schemas.openxmlformats.org/drawingml/2006/main" xmlns:r="http://schemas.openxmlformats.org/officeDocument/2006/relationships" xmlns:p="http://schemas.openxmlformats.org/presentationml/2006/main">
+  <p:cSld>
+    <p:spTree>
+      <p:nvGrpSpPr>
+        <p:cNvPr id="1" name=""/>
+        <p:cNvGrpSpPr/>
+        <p:nvPr/>
+      </p:nvGrpSpPr>
+      <p:grpSpPr>
+        <a:xfrm>
+          <a:off x="0" y="0"/>
+          <a:ext cx="0" cy="0"/>
+          <a:chOff x="0" y="0"/>
+          <a:chExt cx="0" cy="0"/>
+        </a:xfrm>
+      </p:grpSpPr>
+      <p:sp>
+        <p:nvSpPr>
+          <p:cNvPr id="3" name="TextBox 2">
+            <a:extLst>
+              <a:ext uri="{FF2B5EF4-FFF2-40B4-BE49-F238E27FC236}">
+                <a16:creationId xmlns:a16="http://schemas.microsoft.com/office/drawing/2014/main" id="{2534DAB0-E5D6-D279-D42B-EA662FFE8C84}"/>
+              </a:ext>
+            </a:extLst>
+          </p:cNvPr>
+          <p:cNvSpPr txBox="1"/>
+          <p:nvPr/>
+        </p:nvSpPr>
+        <p:spPr>
+          <a:xfrm>
+            <a:off x="481781" y="353961"/>
+            <a:ext cx="6233651" cy="461665"/>
+          </a:xfrm>
+          <a:prstGeom prst="rect">
+            <a:avLst/>
+          </a:prstGeom>
+          <a:noFill/>
+        </p:spPr>
+        <p:txBody>
+          <a:bodyPr wrap="square" rtlCol="0">
+            <a:spAutoFit/>
+          </a:bodyPr>
+          <a:lstStyle/>
+          <a:p>
+            <a:r>
+              <a:rPr lang="en-US" sz="2400" b="1" dirty="0"/>
+              <a:t>To sum up the operations in a GNN layer</a:t>
+            </a:r>
+          </a:p>
+        </p:txBody>
+      </p:sp>
+      <mc:AlternateContent xmlns:mc="http://schemas.openxmlformats.org/markup-compatibility/2006">
+        <mc:Choice xmlns:a14="http://schemas.microsoft.com/office/drawing/2010/main" Requires="a14">
+          <p:sp>
+            <p:nvSpPr>
+              <p:cNvPr id="16" name="TextBox 15">
+                <a:extLst>
+                  <a:ext uri="{FF2B5EF4-FFF2-40B4-BE49-F238E27FC236}">
+                    <a16:creationId xmlns:a16="http://schemas.microsoft.com/office/drawing/2014/main" id="{B4D95CB5-E0A3-30F0-10A0-CD2645D6427F}"/>
+                  </a:ext>
+                </a:extLst>
+              </p:cNvPr>
+              <p:cNvSpPr txBox="1"/>
+              <p:nvPr/>
+            </p:nvSpPr>
+            <p:spPr>
+              <a:xfrm>
+                <a:off x="4363633" y="2481143"/>
+                <a:ext cx="3379686" cy="523092"/>
+              </a:xfrm>
+              <a:prstGeom prst="rect">
+                <a:avLst/>
+              </a:prstGeom>
+              <a:noFill/>
+            </p:spPr>
+            <p:txBody>
+              <a:bodyPr wrap="square">
+                <a:spAutoFit/>
+              </a:bodyPr>
+              <a:lstStyle/>
+              <a:p>
+                <a:pPr/>
+                <a14:m>
+                  <m:oMathPara xmlns:m="http://schemas.openxmlformats.org/officeDocument/2006/math">
+                    <m:oMathParaPr>
+                      <m:jc m:val="centerGroup"/>
+                    </m:oMathParaPr>
+                    <m:oMath xmlns:m="http://schemas.openxmlformats.org/officeDocument/2006/math">
+                      <m:sSub>
+                        <m:sSubPr>
+                          <m:ctrlPr>
+                            <a:rPr lang="en-US" sz="2400" b="1" i="1" smtClean="0">
+                              <a:solidFill>
+                                <a:srgbClr val="00B050"/>
+                              </a:solidFill>
+                              <a:effectLst/>
+                              <a:latin typeface="Cambria Math" panose="02040503050406030204" pitchFamily="18" charset="0"/>
+                              <a:ea typeface="Calibri" panose="020F0502020204030204" pitchFamily="34" charset="0"/>
+                              <a:cs typeface="Times New Roman" panose="02020603050405020304" pitchFamily="18" charset="0"/>
+                            </a:rPr>
+                          </m:ctrlPr>
+                        </m:sSubPr>
+                        <m:e>
+                          <m:r>
+                            <a:rPr lang="en-US" sz="2400" b="1" i="1" smtClean="0">
+                              <a:solidFill>
+                                <a:srgbClr val="00B050"/>
+                              </a:solidFill>
+                              <a:effectLst/>
+                              <a:latin typeface="Cambria Math" panose="02040503050406030204" pitchFamily="18" charset="0"/>
+                              <a:ea typeface="Calibri" panose="020F0502020204030204" pitchFamily="34" charset="0"/>
+                              <a:cs typeface="Times New Roman" panose="02020603050405020304" pitchFamily="18" charset="0"/>
+                            </a:rPr>
+                            <m:t>𝒎</m:t>
+                          </m:r>
+                        </m:e>
+                        <m:sub>
+                          <m:r>
+                            <a:rPr lang="en-US" sz="2400" b="1" i="1" smtClean="0">
+                              <a:solidFill>
+                                <a:srgbClr val="00B050"/>
+                              </a:solidFill>
+                              <a:effectLst/>
+                              <a:latin typeface="Cambria Math" panose="02040503050406030204" pitchFamily="18" charset="0"/>
+                              <a:ea typeface="Calibri" panose="020F0502020204030204" pitchFamily="34" charset="0"/>
+                              <a:cs typeface="Times New Roman" panose="02020603050405020304" pitchFamily="18" charset="0"/>
+                            </a:rPr>
+                            <m:t>𝒊</m:t>
+                          </m:r>
+                          <m:r>
+                            <a:rPr lang="en-US" sz="2400" b="1" i="1" smtClean="0">
+                              <a:solidFill>
+                                <a:srgbClr val="00B050"/>
+                              </a:solidFill>
+                              <a:effectLst/>
+                              <a:latin typeface="Cambria Math" panose="02040503050406030204" pitchFamily="18" charset="0"/>
+                              <a:ea typeface="Calibri" panose="020F0502020204030204" pitchFamily="34" charset="0"/>
+                              <a:cs typeface="Times New Roman" panose="02020603050405020304" pitchFamily="18" charset="0"/>
+                            </a:rPr>
+                            <m:t> </m:t>
+                          </m:r>
+                        </m:sub>
+                      </m:sSub>
+                      <m:r>
+                        <a:rPr lang="en-US" sz="2400" b="1" i="1" smtClean="0">
+                          <a:solidFill>
+                            <a:srgbClr val="00B050"/>
+                          </a:solidFill>
+                          <a:effectLst/>
+                          <a:latin typeface="Cambria Math" panose="02040503050406030204" pitchFamily="18" charset="0"/>
+                          <a:ea typeface="Calibri" panose="020F0502020204030204" pitchFamily="34" charset="0"/>
+                          <a:cs typeface="Times New Roman" panose="02020603050405020304" pitchFamily="18" charset="0"/>
+                        </a:rPr>
+                        <m:t>=</m:t>
+                      </m:r>
+                      <m:r>
+                        <a:rPr lang="en-US" sz="2400" b="1" i="1" smtClean="0">
+                          <a:solidFill>
+                            <a:srgbClr val="00B050"/>
+                          </a:solidFill>
+                          <a:effectLst/>
+                          <a:latin typeface="Cambria Math" panose="02040503050406030204" pitchFamily="18" charset="0"/>
+                          <a:ea typeface="Calibri" panose="020F0502020204030204" pitchFamily="34" charset="0"/>
+                          <a:cs typeface="Times New Roman" panose="02020603050405020304" pitchFamily="18" charset="0"/>
+                        </a:rPr>
+                        <m:t>𝑨𝑮𝑮</m:t>
+                      </m:r>
+                      <m:d>
+                        <m:dPr>
+                          <m:ctrlPr>
+                            <a:rPr lang="en-US" sz="2400" b="1" i="1">
+                              <a:solidFill>
+                                <a:srgbClr val="00B050"/>
+                              </a:solidFill>
+                              <a:effectLst/>
+                              <a:latin typeface="Cambria Math" panose="02040503050406030204" pitchFamily="18" charset="0"/>
+                              <a:ea typeface="Calibri" panose="020F0502020204030204" pitchFamily="34" charset="0"/>
+                              <a:cs typeface="Times New Roman" panose="02020603050405020304" pitchFamily="18" charset="0"/>
+                            </a:rPr>
+                          </m:ctrlPr>
+                        </m:dPr>
+                        <m:e>
+                          <m:sSub>
+                            <m:sSubPr>
+                              <m:ctrlPr>
+                                <a:rPr lang="en-US" sz="2400" b="1" i="1">
+                                  <a:solidFill>
+                                    <a:srgbClr val="00B050"/>
+                                  </a:solidFill>
+                                  <a:effectLst/>
+                                  <a:latin typeface="Cambria Math" panose="02040503050406030204" pitchFamily="18" charset="0"/>
+                                  <a:ea typeface="Calibri" panose="020F0502020204030204" pitchFamily="34" charset="0"/>
+                                  <a:cs typeface="Times New Roman" panose="02020603050405020304" pitchFamily="18" charset="0"/>
+                                </a:rPr>
+                              </m:ctrlPr>
+                            </m:sSubPr>
+                            <m:e>
+                              <m:r>
+                                <a:rPr lang="en-US" sz="2400" b="1" i="1" smtClean="0">
+                                  <a:solidFill>
+                                    <a:srgbClr val="00B050"/>
+                                  </a:solidFill>
+                                  <a:effectLst/>
+                                  <a:latin typeface="Cambria Math" panose="02040503050406030204" pitchFamily="18" charset="0"/>
+                                  <a:ea typeface="Calibri" panose="020F0502020204030204" pitchFamily="34" charset="0"/>
+                                  <a:cs typeface="Times New Roman" panose="02020603050405020304" pitchFamily="18" charset="0"/>
+                                </a:rPr>
+                                <m:t>𝒉</m:t>
+                              </m:r>
+                            </m:e>
+                            <m:sub>
+                              <m:r>
+                                <a:rPr lang="en-US" sz="2400" b="1" i="1" smtClean="0">
+                                  <a:solidFill>
+                                    <a:srgbClr val="00B050"/>
+                                  </a:solidFill>
+                                  <a:effectLst/>
+                                  <a:latin typeface="Cambria Math" panose="02040503050406030204" pitchFamily="18" charset="0"/>
+                                  <a:ea typeface="Calibri" panose="020F0502020204030204" pitchFamily="34" charset="0"/>
+                                  <a:cs typeface="Times New Roman" panose="02020603050405020304" pitchFamily="18" charset="0"/>
+                                </a:rPr>
+                                <m:t>𝒋</m:t>
+                              </m:r>
+                            </m:sub>
+                          </m:sSub>
+                          <m:r>
+                            <a:rPr lang="en-US" sz="2400" b="1" i="1" smtClean="0">
+                              <a:solidFill>
+                                <a:srgbClr val="00B050"/>
+                              </a:solidFill>
+                              <a:effectLst/>
+                              <a:latin typeface="Cambria Math" panose="02040503050406030204" pitchFamily="18" charset="0"/>
+                              <a:ea typeface="Calibri" panose="020F0502020204030204" pitchFamily="34" charset="0"/>
+                              <a:cs typeface="Times New Roman" panose="02020603050405020304" pitchFamily="18" charset="0"/>
+                            </a:rPr>
+                            <m:t>;</m:t>
+                          </m:r>
+                          <m:r>
+                            <a:rPr lang="en-US" sz="2400" b="1" i="1" smtClean="0">
+                              <a:solidFill>
+                                <a:srgbClr val="00B050"/>
+                              </a:solidFill>
+                              <a:effectLst/>
+                              <a:latin typeface="Cambria Math" panose="02040503050406030204" pitchFamily="18" charset="0"/>
+                              <a:ea typeface="Calibri" panose="020F0502020204030204" pitchFamily="34" charset="0"/>
+                              <a:cs typeface="Times New Roman" panose="02020603050405020304" pitchFamily="18" charset="0"/>
+                            </a:rPr>
+                            <m:t>𝒋</m:t>
+                          </m:r>
+                          <m:r>
+                            <a:rPr lang="en-US" sz="2400" b="1" i="1" smtClean="0">
+                              <a:solidFill>
+                                <a:srgbClr val="00B050"/>
+                              </a:solidFill>
+                              <a:effectLst/>
+                              <a:latin typeface="Cambria Math" panose="02040503050406030204" pitchFamily="18" charset="0"/>
+                              <a:ea typeface="Calibri" panose="020F0502020204030204" pitchFamily="34" charset="0"/>
+                              <a:cs typeface="Times New Roman" panose="02020603050405020304" pitchFamily="18" charset="0"/>
+                            </a:rPr>
+                            <m:t>∈</m:t>
+                          </m:r>
+                          <m:sSub>
+                            <m:sSubPr>
+                              <m:ctrlPr>
+                                <a:rPr lang="en-US" sz="2400" b="1" i="1">
+                                  <a:solidFill>
+                                    <a:srgbClr val="00B050"/>
+                                  </a:solidFill>
+                                  <a:effectLst/>
+                                  <a:latin typeface="Cambria Math" panose="02040503050406030204" pitchFamily="18" charset="0"/>
+                                  <a:ea typeface="Calibri" panose="020F0502020204030204" pitchFamily="34" charset="0"/>
+                                  <a:cs typeface="Times New Roman" panose="02020603050405020304" pitchFamily="18" charset="0"/>
+                                </a:rPr>
+                              </m:ctrlPr>
+                            </m:sSubPr>
+                            <m:e>
+                              <m:r>
+                                <a:rPr lang="en-US" sz="2400" b="1" i="1" smtClean="0">
+                                  <a:solidFill>
+                                    <a:srgbClr val="00B050"/>
+                                  </a:solidFill>
+                                  <a:effectLst/>
+                                  <a:latin typeface="Cambria Math" panose="02040503050406030204" pitchFamily="18" charset="0"/>
+                                  <a:ea typeface="Calibri" panose="020F0502020204030204" pitchFamily="34" charset="0"/>
+                                  <a:cs typeface="Times New Roman" panose="02020603050405020304" pitchFamily="18" charset="0"/>
+                                </a:rPr>
+                                <m:t>𝑵</m:t>
+                              </m:r>
+                            </m:e>
+                            <m:sub>
+                              <m:r>
+                                <a:rPr lang="en-US" sz="2400" b="1" i="1" smtClean="0">
+                                  <a:solidFill>
+                                    <a:srgbClr val="00B050"/>
+                                  </a:solidFill>
+                                  <a:effectLst/>
+                                  <a:latin typeface="Cambria Math" panose="02040503050406030204" pitchFamily="18" charset="0"/>
+                                  <a:ea typeface="Calibri" panose="020F0502020204030204" pitchFamily="34" charset="0"/>
+                                  <a:cs typeface="Times New Roman" panose="02020603050405020304" pitchFamily="18" charset="0"/>
+                                </a:rPr>
+                                <m:t>𝒊</m:t>
+                              </m:r>
+                            </m:sub>
+                          </m:sSub>
+                        </m:e>
+                      </m:d>
+                    </m:oMath>
+                  </m:oMathPara>
+                </a14:m>
+                <a:endParaRPr lang="en-US" dirty="0"/>
+              </a:p>
+            </p:txBody>
+          </p:sp>
+        </mc:Choice>
+        <mc:Fallback>
+          <p:sp>
+            <p:nvSpPr>
+              <p:cNvPr id="16" name="TextBox 15">
+                <a:extLst>
+                  <a:ext uri="{FF2B5EF4-FFF2-40B4-BE49-F238E27FC236}">
+                    <a16:creationId xmlns:a16="http://schemas.microsoft.com/office/drawing/2014/main" id="{B4D95CB5-E0A3-30F0-10A0-CD2645D6427F}"/>
+                  </a:ext>
+                </a:extLst>
+              </p:cNvPr>
+              <p:cNvSpPr txBox="1">
+                <a:spLocks noRot="1" noChangeAspect="1" noMove="1" noResize="1" noEditPoints="1" noAdjustHandles="1" noChangeArrowheads="1" noChangeShapeType="1" noTextEdit="1"/>
+              </p:cNvSpPr>
+              <p:nvPr/>
+            </p:nvSpPr>
+            <p:spPr>
+              <a:xfrm>
+                <a:off x="4363633" y="2481143"/>
+                <a:ext cx="3379686" cy="523092"/>
+              </a:xfrm>
+              <a:prstGeom prst="rect">
+                <a:avLst/>
+              </a:prstGeom>
+              <a:blipFill>
+                <a:blip r:embed="rId2"/>
+                <a:stretch>
+                  <a:fillRect/>
+                </a:stretch>
+              </a:blipFill>
+            </p:spPr>
+            <p:txBody>
+              <a:bodyPr/>
+              <a:lstStyle/>
+              <a:p>
+                <a:r>
+                  <a:rPr lang="en-US">
+                    <a:noFill/>
+                  </a:rPr>
+                  <a:t> </a:t>
+                </a:r>
+              </a:p>
+            </p:txBody>
+          </p:sp>
+        </mc:Fallback>
+      </mc:AlternateContent>
+      <mc:AlternateContent xmlns:mc="http://schemas.openxmlformats.org/markup-compatibility/2006">
+        <mc:Choice xmlns:a14="http://schemas.microsoft.com/office/drawing/2010/main" Requires="a14">
+          <p:sp>
+            <p:nvSpPr>
+              <p:cNvPr id="18" name="TextBox 17">
+                <a:extLst>
+                  <a:ext uri="{FF2B5EF4-FFF2-40B4-BE49-F238E27FC236}">
+                    <a16:creationId xmlns:a16="http://schemas.microsoft.com/office/drawing/2014/main" id="{BEA0D91D-672E-D7D4-AB8C-23DBBB0A1656}"/>
+                  </a:ext>
+                </a:extLst>
+              </p:cNvPr>
+              <p:cNvSpPr txBox="1"/>
+              <p:nvPr/>
+            </p:nvSpPr>
+            <p:spPr>
+              <a:xfrm>
+                <a:off x="8738267" y="2523340"/>
+                <a:ext cx="3379686" cy="461665"/>
+              </a:xfrm>
+              <a:prstGeom prst="rect">
+                <a:avLst/>
+              </a:prstGeom>
+              <a:noFill/>
+            </p:spPr>
+            <p:txBody>
+              <a:bodyPr wrap="square">
+                <a:spAutoFit/>
+              </a:bodyPr>
+              <a:lstStyle/>
+              <a:p>
+                <a:pPr/>
+                <a14:m>
+                  <m:oMathPara xmlns:m="http://schemas.openxmlformats.org/officeDocument/2006/math">
+                    <m:oMathParaPr>
+                      <m:jc m:val="centerGroup"/>
+                    </m:oMathParaPr>
+                    <m:oMath xmlns:m="http://schemas.openxmlformats.org/officeDocument/2006/math">
+                      <m:sSub>
+                        <m:sSubPr>
+                          <m:ctrlPr>
+                            <a:rPr lang="en-US" sz="2400" b="1" i="1" smtClean="0">
+                              <a:solidFill>
+                                <a:srgbClr val="0070C0"/>
+                              </a:solidFill>
+                              <a:latin typeface="Cambria Math" panose="02040503050406030204" pitchFamily="18" charset="0"/>
+                            </a:rPr>
+                          </m:ctrlPr>
+                        </m:sSubPr>
+                        <m:e>
+                          <m:r>
+                            <a:rPr lang="en-US" sz="2400" b="1" i="1">
+                              <a:solidFill>
+                                <a:srgbClr val="0070C0"/>
+                              </a:solidFill>
+                              <a:latin typeface="Cambria Math" panose="02040503050406030204" pitchFamily="18" charset="0"/>
+                            </a:rPr>
+                            <m:t>𝒉</m:t>
+                          </m:r>
+                        </m:e>
+                        <m:sub>
+                          <m:r>
+                            <a:rPr lang="en-US" sz="2400" b="1" i="1">
+                              <a:solidFill>
+                                <a:srgbClr val="0070C0"/>
+                              </a:solidFill>
+                              <a:latin typeface="Cambria Math" panose="02040503050406030204" pitchFamily="18" charset="0"/>
+                            </a:rPr>
+                            <m:t>𝒊</m:t>
+                          </m:r>
+                        </m:sub>
+                      </m:sSub>
+                      <m:r>
+                        <a:rPr lang="en-US" sz="2400" b="1" i="1">
+                          <a:solidFill>
+                            <a:srgbClr val="0070C0"/>
+                          </a:solidFill>
+                          <a:latin typeface="Cambria Math" panose="02040503050406030204" pitchFamily="18" charset="0"/>
+                        </a:rPr>
+                        <m:t> =</m:t>
+                      </m:r>
+                      <m:r>
+                        <a:rPr lang="en-US" sz="2400" b="1" i="1">
+                          <a:solidFill>
+                            <a:srgbClr val="0070C0"/>
+                          </a:solidFill>
+                          <a:latin typeface="Cambria Math" panose="02040503050406030204" pitchFamily="18" charset="0"/>
+                        </a:rPr>
+                        <m:t>𝝈</m:t>
+                      </m:r>
+                      <m:r>
+                        <a:rPr lang="en-US" sz="2400" b="1" i="1">
+                          <a:solidFill>
+                            <a:srgbClr val="0070C0"/>
+                          </a:solidFill>
+                          <a:latin typeface="Cambria Math" panose="02040503050406030204" pitchFamily="18" charset="0"/>
+                        </a:rPr>
+                        <m:t>(</m:t>
+                      </m:r>
+                      <m:r>
+                        <a:rPr lang="en-US" sz="2400" b="1" i="1">
+                          <a:solidFill>
+                            <a:srgbClr val="0070C0"/>
+                          </a:solidFill>
+                          <a:latin typeface="Cambria Math" panose="02040503050406030204" pitchFamily="18" charset="0"/>
+                        </a:rPr>
+                        <m:t>𝑯</m:t>
+                      </m:r>
+                      <m:r>
+                        <a:rPr lang="en-US" sz="2400" b="1" i="1">
+                          <a:solidFill>
+                            <a:srgbClr val="0070C0"/>
+                          </a:solidFill>
+                          <a:latin typeface="Cambria Math" panose="02040503050406030204" pitchFamily="18" charset="0"/>
+                        </a:rPr>
+                        <m:t>(</m:t>
+                      </m:r>
+                      <m:r>
+                        <a:rPr lang="en-US" sz="2400" b="1" i="1">
+                          <a:solidFill>
+                            <a:srgbClr val="0070C0"/>
+                          </a:solidFill>
+                          <a:latin typeface="Cambria Math" panose="02040503050406030204" pitchFamily="18" charset="0"/>
+                        </a:rPr>
+                        <m:t>𝑮</m:t>
+                      </m:r>
+                      <m:d>
+                        <m:dPr>
+                          <m:ctrlPr>
+                            <a:rPr lang="en-US" sz="2400" b="1" i="1">
+                              <a:solidFill>
+                                <a:srgbClr val="0070C0"/>
+                              </a:solidFill>
+                              <a:latin typeface="Cambria Math" panose="02040503050406030204" pitchFamily="18" charset="0"/>
+                            </a:rPr>
+                          </m:ctrlPr>
+                        </m:dPr>
+                        <m:e>
+                          <m:sSub>
+                            <m:sSubPr>
+                              <m:ctrlPr>
+                                <a:rPr lang="en-US" sz="2400" b="1" i="1">
+                                  <a:solidFill>
+                                    <a:srgbClr val="0070C0"/>
+                                  </a:solidFill>
+                                  <a:latin typeface="Cambria Math" panose="02040503050406030204" pitchFamily="18" charset="0"/>
+                                </a:rPr>
+                              </m:ctrlPr>
+                            </m:sSubPr>
+                            <m:e>
+                              <m:r>
+                                <a:rPr lang="en-US" sz="2400" b="1" i="1">
+                                  <a:solidFill>
+                                    <a:srgbClr val="0070C0"/>
+                                  </a:solidFill>
+                                  <a:latin typeface="Cambria Math" panose="02040503050406030204" pitchFamily="18" charset="0"/>
+                                </a:rPr>
+                                <m:t>𝒙</m:t>
+                              </m:r>
+                            </m:e>
+                            <m:sub>
+                              <m:r>
+                                <a:rPr lang="en-US" sz="2400" b="1" i="1">
+                                  <a:solidFill>
+                                    <a:srgbClr val="0070C0"/>
+                                  </a:solidFill>
+                                  <a:latin typeface="Cambria Math" panose="02040503050406030204" pitchFamily="18" charset="0"/>
+                                </a:rPr>
+                                <m:t>𝒊</m:t>
+                              </m:r>
+                            </m:sub>
+                          </m:sSub>
+                        </m:e>
+                      </m:d>
+                      <m:r>
+                        <a:rPr lang="en-US" sz="2400" b="1" i="1">
+                          <a:solidFill>
+                            <a:srgbClr val="0070C0"/>
+                          </a:solidFill>
+                          <a:latin typeface="Cambria Math" panose="02040503050406030204" pitchFamily="18" charset="0"/>
+                        </a:rPr>
+                        <m:t> , </m:t>
+                      </m:r>
+                      <m:sSub>
+                        <m:sSubPr>
+                          <m:ctrlPr>
+                            <a:rPr lang="en-US" sz="2400" b="1" i="1">
+                              <a:solidFill>
+                                <a:srgbClr val="0070C0"/>
+                              </a:solidFill>
+                              <a:latin typeface="Cambria Math" panose="02040503050406030204" pitchFamily="18" charset="0"/>
+                            </a:rPr>
+                          </m:ctrlPr>
+                        </m:sSubPr>
+                        <m:e>
+                          <m:r>
+                            <a:rPr lang="en-US" sz="2400" b="1" i="1">
+                              <a:solidFill>
+                                <a:srgbClr val="0070C0"/>
+                              </a:solidFill>
+                              <a:latin typeface="Cambria Math" panose="02040503050406030204" pitchFamily="18" charset="0"/>
+                            </a:rPr>
+                            <m:t>𝒎</m:t>
+                          </m:r>
+                        </m:e>
+                        <m:sub>
+                          <m:r>
+                            <a:rPr lang="en-US" sz="2400" b="1" i="1">
+                              <a:solidFill>
+                                <a:srgbClr val="0070C0"/>
+                              </a:solidFill>
+                              <a:latin typeface="Cambria Math" panose="02040503050406030204" pitchFamily="18" charset="0"/>
+                            </a:rPr>
+                            <m:t>𝒊</m:t>
+                          </m:r>
+                        </m:sub>
+                      </m:sSub>
+                      <m:r>
+                        <a:rPr lang="en-US" sz="2400" b="1" i="1">
+                          <a:solidFill>
+                            <a:srgbClr val="0070C0"/>
+                          </a:solidFill>
+                          <a:latin typeface="Cambria Math" panose="02040503050406030204" pitchFamily="18" charset="0"/>
+                        </a:rPr>
+                        <m:t>))</m:t>
+                      </m:r>
+                    </m:oMath>
+                  </m:oMathPara>
+                </a14:m>
+                <a:endParaRPr lang="en-US" sz="2400" b="1" dirty="0"/>
+              </a:p>
+            </p:txBody>
+          </p:sp>
+        </mc:Choice>
+        <mc:Fallback>
+          <p:sp>
+            <p:nvSpPr>
+              <p:cNvPr id="18" name="TextBox 17">
+                <a:extLst>
+                  <a:ext uri="{FF2B5EF4-FFF2-40B4-BE49-F238E27FC236}">
+                    <a16:creationId xmlns:a16="http://schemas.microsoft.com/office/drawing/2014/main" id="{BEA0D91D-672E-D7D4-AB8C-23DBBB0A1656}"/>
+                  </a:ext>
+                </a:extLst>
+              </p:cNvPr>
+              <p:cNvSpPr txBox="1">
+                <a:spLocks noRot="1" noChangeAspect="1" noMove="1" noResize="1" noEditPoints="1" noAdjustHandles="1" noChangeArrowheads="1" noChangeShapeType="1" noTextEdit="1"/>
+              </p:cNvSpPr>
+              <p:nvPr/>
+            </p:nvSpPr>
+            <p:spPr>
+              <a:xfrm>
+                <a:off x="8738267" y="2523340"/>
+                <a:ext cx="3379686" cy="461665"/>
+              </a:xfrm>
+              <a:prstGeom prst="rect">
+                <a:avLst/>
+              </a:prstGeom>
+              <a:blipFill>
+                <a:blip r:embed="rId3"/>
+                <a:stretch>
+                  <a:fillRect b="-17105"/>
+                </a:stretch>
+              </a:blipFill>
+            </p:spPr>
+            <p:txBody>
+              <a:bodyPr/>
+              <a:lstStyle/>
+              <a:p>
+                <a:r>
+                  <a:rPr lang="en-US">
+                    <a:noFill/>
+                  </a:rPr>
+                  <a:t> </a:t>
+                </a:r>
+              </a:p>
+            </p:txBody>
+          </p:sp>
+        </mc:Fallback>
+      </mc:AlternateContent>
+      <p:pic>
+        <p:nvPicPr>
+          <p:cNvPr id="19" name="Picture 18">
+            <a:extLst>
+              <a:ext uri="{FF2B5EF4-FFF2-40B4-BE49-F238E27FC236}">
+                <a16:creationId xmlns:a16="http://schemas.microsoft.com/office/drawing/2014/main" id="{5F3CFBAF-4965-0080-905F-41B937C88500}"/>
+              </a:ext>
+            </a:extLst>
+          </p:cNvPr>
+          <p:cNvPicPr>
+            <a:picLocks noChangeAspect="1"/>
+          </p:cNvPicPr>
+          <p:nvPr/>
+        </p:nvPicPr>
+        <p:blipFill>
+          <a:blip r:embed="rId4"/>
+          <a:stretch>
+            <a:fillRect/>
+          </a:stretch>
+        </p:blipFill>
+        <p:spPr>
+          <a:xfrm>
+            <a:off x="1321384" y="2239686"/>
+            <a:ext cx="661066" cy="661066"/>
+          </a:xfrm>
+          <a:prstGeom prst="rect">
+            <a:avLst/>
+          </a:prstGeom>
+        </p:spPr>
+      </p:pic>
+      <p:pic>
+        <p:nvPicPr>
+          <p:cNvPr id="20" name="Picture 19">
+            <a:extLst>
+              <a:ext uri="{FF2B5EF4-FFF2-40B4-BE49-F238E27FC236}">
+                <a16:creationId xmlns:a16="http://schemas.microsoft.com/office/drawing/2014/main" id="{48C2582F-72E7-BF60-0389-574FC509B243}"/>
+              </a:ext>
+            </a:extLst>
+          </p:cNvPr>
+          <p:cNvPicPr>
+            <a:picLocks noChangeAspect="1"/>
+          </p:cNvPicPr>
+          <p:nvPr/>
+        </p:nvPicPr>
+        <p:blipFill>
+          <a:blip r:embed="rId5"/>
+          <a:stretch>
+            <a:fillRect/>
+          </a:stretch>
+        </p:blipFill>
+        <p:spPr>
+          <a:xfrm>
+            <a:off x="0" y="3287836"/>
+            <a:ext cx="661066" cy="661066"/>
+          </a:xfrm>
+          <a:prstGeom prst="rect">
+            <a:avLst/>
+          </a:prstGeom>
+        </p:spPr>
+      </p:pic>
+      <p:pic>
+        <p:nvPicPr>
+          <p:cNvPr id="21" name="Picture 20">
+            <a:extLst>
+              <a:ext uri="{FF2B5EF4-FFF2-40B4-BE49-F238E27FC236}">
+                <a16:creationId xmlns:a16="http://schemas.microsoft.com/office/drawing/2014/main" id="{8BD7356E-9E86-6710-9CDA-2285E7C2B513}"/>
+              </a:ext>
+            </a:extLst>
+          </p:cNvPr>
+          <p:cNvPicPr>
+            <a:picLocks noChangeAspect="1"/>
+          </p:cNvPicPr>
+          <p:nvPr/>
+        </p:nvPicPr>
+        <p:blipFill>
+          <a:blip r:embed="rId6"/>
+          <a:stretch>
+            <a:fillRect/>
+          </a:stretch>
+        </p:blipFill>
+        <p:spPr>
+          <a:xfrm>
+            <a:off x="1217326" y="3752888"/>
+            <a:ext cx="661066" cy="661066"/>
+          </a:xfrm>
+          <a:prstGeom prst="rect">
+            <a:avLst/>
+          </a:prstGeom>
+        </p:spPr>
+      </p:pic>
+      <p:pic>
+        <p:nvPicPr>
+          <p:cNvPr id="22" name="Picture 21">
+            <a:extLst>
+              <a:ext uri="{FF2B5EF4-FFF2-40B4-BE49-F238E27FC236}">
+                <a16:creationId xmlns:a16="http://schemas.microsoft.com/office/drawing/2014/main" id="{1947179D-5144-B0CC-8BF3-0A6653D88F00}"/>
+              </a:ext>
+            </a:extLst>
+          </p:cNvPr>
+          <p:cNvPicPr>
+            <a:picLocks noChangeAspect="1"/>
+          </p:cNvPicPr>
+          <p:nvPr/>
+        </p:nvPicPr>
+        <p:blipFill>
+          <a:blip r:embed="rId7"/>
+          <a:stretch>
+            <a:fillRect/>
+          </a:stretch>
+        </p:blipFill>
+        <p:spPr>
+          <a:xfrm>
+            <a:off x="2699051" y="3349766"/>
+            <a:ext cx="661067" cy="661067"/>
+          </a:xfrm>
+          <a:prstGeom prst="rect">
+            <a:avLst/>
+          </a:prstGeom>
+        </p:spPr>
+      </p:pic>
+      <p:cxnSp>
+        <p:nvCxnSpPr>
+          <p:cNvPr id="23" name="Straight Arrow Connector 22">
+            <a:extLst>
+              <a:ext uri="{FF2B5EF4-FFF2-40B4-BE49-F238E27FC236}">
+                <a16:creationId xmlns:a16="http://schemas.microsoft.com/office/drawing/2014/main" id="{C5F2B383-D7C5-0B15-5889-CDC06871793F}"/>
+              </a:ext>
+            </a:extLst>
+          </p:cNvPr>
+          <p:cNvCxnSpPr>
+            <a:cxnSpLocks/>
+          </p:cNvCxnSpPr>
+          <p:nvPr/>
+        </p:nvCxnSpPr>
+        <p:spPr>
+          <a:xfrm flipV="1">
+            <a:off x="661066" y="2804796"/>
+            <a:ext cx="733666" cy="562942"/>
+          </a:xfrm>
+          <a:prstGeom prst="straightConnector1">
+            <a:avLst/>
+          </a:prstGeom>
+          <a:ln w="38100">
+            <a:solidFill>
+              <a:schemeClr val="bg2">
+                <a:lumMod val="10000"/>
+              </a:schemeClr>
+            </a:solidFill>
+            <a:prstDash val="dash"/>
+            <a:tailEnd type="triangle"/>
+          </a:ln>
+        </p:spPr>
+        <p:style>
+          <a:lnRef idx="1">
+            <a:schemeClr val="accent1"/>
+          </a:lnRef>
+          <a:fillRef idx="0">
+            <a:schemeClr val="accent1"/>
+          </a:fillRef>
+          <a:effectRef idx="0">
+            <a:schemeClr val="accent1"/>
+          </a:effectRef>
+          <a:fontRef idx="minor">
+            <a:schemeClr val="tx1"/>
+          </a:fontRef>
+        </p:style>
+      </p:cxnSp>
+      <p:cxnSp>
+        <p:nvCxnSpPr>
+          <p:cNvPr id="24" name="Straight Arrow Connector 23">
+            <a:extLst>
+              <a:ext uri="{FF2B5EF4-FFF2-40B4-BE49-F238E27FC236}">
+                <a16:creationId xmlns:a16="http://schemas.microsoft.com/office/drawing/2014/main" id="{1BAD6A3B-83AC-39CA-3454-7CA7AAD46B38}"/>
+              </a:ext>
+            </a:extLst>
+          </p:cNvPr>
+          <p:cNvCxnSpPr>
+            <a:cxnSpLocks/>
+            <a:stCxn id="21" idx="0"/>
+          </p:cNvCxnSpPr>
+          <p:nvPr/>
+        </p:nvCxnSpPr>
+        <p:spPr>
+          <a:xfrm flipV="1">
+            <a:off x="1547859" y="2900752"/>
+            <a:ext cx="0" cy="852136"/>
+          </a:xfrm>
+          <a:prstGeom prst="straightConnector1">
+            <a:avLst/>
+          </a:prstGeom>
+          <a:ln w="38100">
+            <a:solidFill>
+              <a:schemeClr val="bg2">
+                <a:lumMod val="10000"/>
+              </a:schemeClr>
+            </a:solidFill>
+            <a:prstDash val="dash"/>
+            <a:tailEnd type="triangle"/>
+          </a:ln>
+        </p:spPr>
+        <p:style>
+          <a:lnRef idx="1">
+            <a:schemeClr val="accent1"/>
+          </a:lnRef>
+          <a:fillRef idx="0">
+            <a:schemeClr val="accent1"/>
+          </a:fillRef>
+          <a:effectRef idx="0">
+            <a:schemeClr val="accent1"/>
+          </a:effectRef>
+          <a:fontRef idx="minor">
+            <a:schemeClr val="tx1"/>
+          </a:fontRef>
+        </p:style>
+      </p:cxnSp>
+      <p:cxnSp>
+        <p:nvCxnSpPr>
+          <p:cNvPr id="25" name="Straight Arrow Connector 24">
+            <a:extLst>
+              <a:ext uri="{FF2B5EF4-FFF2-40B4-BE49-F238E27FC236}">
+                <a16:creationId xmlns:a16="http://schemas.microsoft.com/office/drawing/2014/main" id="{942AB10A-1608-FAA9-B642-922944E75BBB}"/>
+              </a:ext>
+            </a:extLst>
+          </p:cNvPr>
+          <p:cNvCxnSpPr>
+            <a:cxnSpLocks/>
+          </p:cNvCxnSpPr>
+          <p:nvPr/>
+        </p:nvCxnSpPr>
+        <p:spPr>
+          <a:xfrm flipH="1" flipV="1">
+            <a:off x="1909849" y="2836766"/>
+            <a:ext cx="863042" cy="513000"/>
+          </a:xfrm>
+          <a:prstGeom prst="straightConnector1">
+            <a:avLst/>
+          </a:prstGeom>
+          <a:ln w="38100">
+            <a:solidFill>
+              <a:schemeClr val="bg2">
+                <a:lumMod val="10000"/>
+              </a:schemeClr>
+            </a:solidFill>
+            <a:prstDash val="dash"/>
+            <a:tailEnd type="triangle"/>
+          </a:ln>
+        </p:spPr>
+        <p:style>
+          <a:lnRef idx="1">
+            <a:schemeClr val="accent1"/>
+          </a:lnRef>
+          <a:fillRef idx="0">
+            <a:schemeClr val="accent1"/>
+          </a:fillRef>
+          <a:effectRef idx="0">
+            <a:schemeClr val="accent1"/>
+          </a:effectRef>
+          <a:fontRef idx="minor">
+            <a:schemeClr val="tx1"/>
+          </a:fontRef>
+        </p:style>
+      </p:cxnSp>
+      <mc:AlternateContent xmlns:mc="http://schemas.openxmlformats.org/markup-compatibility/2006">
+        <mc:Choice xmlns:a14="http://schemas.microsoft.com/office/drawing/2010/main" Requires="a14">
+          <p:sp>
+            <p:nvSpPr>
+              <p:cNvPr id="26" name="TextBox 25">
+                <a:extLst>
+                  <a:ext uri="{FF2B5EF4-FFF2-40B4-BE49-F238E27FC236}">
+                    <a16:creationId xmlns:a16="http://schemas.microsoft.com/office/drawing/2014/main" id="{CAFADFAE-92A8-6F21-6C4E-B77B07F3E87F}"/>
+                  </a:ext>
+                </a:extLst>
+              </p:cNvPr>
+              <p:cNvSpPr txBox="1"/>
+              <p:nvPr/>
+            </p:nvSpPr>
+            <p:spPr>
+              <a:xfrm>
+                <a:off x="319032" y="2804180"/>
+                <a:ext cx="530942" cy="400110"/>
+              </a:xfrm>
+              <a:prstGeom prst="rect">
+                <a:avLst/>
+              </a:prstGeom>
+              <a:noFill/>
+            </p:spPr>
+            <p:txBody>
+              <a:bodyPr wrap="square">
+                <a:spAutoFit/>
+              </a:bodyPr>
+              <a:lstStyle/>
+              <a:p>
+                <a:pPr/>
+                <a14:m>
+                  <m:oMathPara xmlns:m="http://schemas.openxmlformats.org/officeDocument/2006/math">
+                    <m:oMathParaPr>
+                      <m:jc m:val="centerGroup"/>
+                    </m:oMathParaPr>
+                    <m:oMath xmlns:m="http://schemas.openxmlformats.org/officeDocument/2006/math">
+                      <m:sSub>
+                        <m:sSubPr>
+                          <m:ctrlPr>
+                            <a:rPr lang="en-US" sz="2000" b="1" i="1" smtClean="0">
+                              <a:solidFill>
+                                <a:srgbClr val="836967"/>
+                              </a:solidFill>
+                              <a:latin typeface="Cambria Math" panose="02040503050406030204" pitchFamily="18" charset="0"/>
+                            </a:rPr>
+                          </m:ctrlPr>
+                        </m:sSubPr>
+                        <m:e>
+                          <m:r>
+                            <a:rPr lang="en-US" sz="2000" b="1" i="1" smtClean="0">
+                              <a:solidFill>
+                                <a:schemeClr val="tx1"/>
+                              </a:solidFill>
+                              <a:latin typeface="Cambria Math" panose="02040503050406030204" pitchFamily="18" charset="0"/>
+                            </a:rPr>
+                            <m:t>𝒈</m:t>
+                          </m:r>
+                        </m:e>
+                        <m:sub>
+                          <m:r>
+                            <a:rPr lang="en-US" sz="2000" b="1" i="1" smtClean="0">
+                              <a:latin typeface="Cambria Math" panose="02040503050406030204" pitchFamily="18" charset="0"/>
+                            </a:rPr>
+                            <m:t>𝟐</m:t>
+                          </m:r>
+                        </m:sub>
+                      </m:sSub>
+                    </m:oMath>
+                  </m:oMathPara>
+                </a14:m>
+                <a:endParaRPr lang="en-US" sz="2000" b="1" i="1" dirty="0"/>
+              </a:p>
+            </p:txBody>
+          </p:sp>
+        </mc:Choice>
+        <mc:Fallback>
+          <p:sp>
+            <p:nvSpPr>
+              <p:cNvPr id="26" name="TextBox 25">
+                <a:extLst>
+                  <a:ext uri="{FF2B5EF4-FFF2-40B4-BE49-F238E27FC236}">
+                    <a16:creationId xmlns:a16="http://schemas.microsoft.com/office/drawing/2014/main" id="{CAFADFAE-92A8-6F21-6C4E-B77B07F3E87F}"/>
+                  </a:ext>
+                </a:extLst>
+              </p:cNvPr>
+              <p:cNvSpPr txBox="1">
+                <a:spLocks noRot="1" noChangeAspect="1" noMove="1" noResize="1" noEditPoints="1" noAdjustHandles="1" noChangeArrowheads="1" noChangeShapeType="1" noTextEdit="1"/>
+              </p:cNvSpPr>
+              <p:nvPr/>
+            </p:nvSpPr>
+            <p:spPr>
+              <a:xfrm>
+                <a:off x="319032" y="2804180"/>
+                <a:ext cx="530942" cy="400110"/>
+              </a:xfrm>
+              <a:prstGeom prst="rect">
+                <a:avLst/>
+              </a:prstGeom>
+              <a:blipFill>
+                <a:blip r:embed="rId8"/>
+                <a:stretch>
+                  <a:fillRect b="-7576"/>
+                </a:stretch>
+              </a:blipFill>
+            </p:spPr>
+            <p:txBody>
+              <a:bodyPr/>
+              <a:lstStyle/>
+              <a:p>
+                <a:r>
+                  <a:rPr lang="en-US">
+                    <a:noFill/>
+                  </a:rPr>
+                  <a:t> </a:t>
+                </a:r>
+              </a:p>
+            </p:txBody>
+          </p:sp>
+        </mc:Fallback>
+      </mc:AlternateContent>
+      <mc:AlternateContent xmlns:mc="http://schemas.openxmlformats.org/markup-compatibility/2006">
+        <mc:Choice xmlns:a14="http://schemas.microsoft.com/office/drawing/2010/main" Requires="a14">
+          <p:sp>
+            <p:nvSpPr>
+              <p:cNvPr id="27" name="TextBox 26">
+                <a:extLst>
+                  <a:ext uri="{FF2B5EF4-FFF2-40B4-BE49-F238E27FC236}">
+                    <a16:creationId xmlns:a16="http://schemas.microsoft.com/office/drawing/2014/main" id="{D46DFC1B-D161-B64C-7F5A-6130EAC46C64}"/>
+                  </a:ext>
+                </a:extLst>
+              </p:cNvPr>
+              <p:cNvSpPr txBox="1"/>
+              <p:nvPr/>
+            </p:nvSpPr>
+            <p:spPr>
+              <a:xfrm>
+                <a:off x="1597455" y="3167683"/>
+                <a:ext cx="530942" cy="400110"/>
+              </a:xfrm>
+              <a:prstGeom prst="rect">
+                <a:avLst/>
+              </a:prstGeom>
+              <a:noFill/>
+            </p:spPr>
+            <p:txBody>
+              <a:bodyPr wrap="square">
+                <a:spAutoFit/>
+              </a:bodyPr>
+              <a:lstStyle/>
+              <a:p>
+                <a:pPr/>
+                <a14:m>
+                  <m:oMathPara xmlns:m="http://schemas.openxmlformats.org/officeDocument/2006/math">
+                    <m:oMathParaPr>
+                      <m:jc m:val="centerGroup"/>
+                    </m:oMathParaPr>
+                    <m:oMath xmlns:m="http://schemas.openxmlformats.org/officeDocument/2006/math">
+                      <m:sSub>
+                        <m:sSubPr>
+                          <m:ctrlPr>
+                            <a:rPr lang="en-US" sz="2000" b="1" i="1" smtClean="0">
+                              <a:solidFill>
+                                <a:schemeClr val="tx1"/>
+                              </a:solidFill>
+                              <a:latin typeface="Cambria Math" panose="02040503050406030204" pitchFamily="18" charset="0"/>
+                            </a:rPr>
+                          </m:ctrlPr>
+                        </m:sSubPr>
+                        <m:e>
+                          <m:r>
+                            <a:rPr lang="en-US" sz="2000" b="1" i="1" smtClean="0">
+                              <a:solidFill>
+                                <a:schemeClr val="tx1"/>
+                              </a:solidFill>
+                              <a:latin typeface="Cambria Math" panose="02040503050406030204" pitchFamily="18" charset="0"/>
+                            </a:rPr>
+                            <m:t>𝒈</m:t>
+                          </m:r>
+                        </m:e>
+                        <m:sub>
+                          <m:r>
+                            <a:rPr lang="en-US" sz="2000" b="1" i="1" smtClean="0">
+                              <a:solidFill>
+                                <a:schemeClr val="tx1"/>
+                              </a:solidFill>
+                              <a:latin typeface="Cambria Math" panose="02040503050406030204" pitchFamily="18" charset="0"/>
+                            </a:rPr>
+                            <m:t>𝟑</m:t>
+                          </m:r>
+                        </m:sub>
+                      </m:sSub>
+                    </m:oMath>
+                  </m:oMathPara>
+                </a14:m>
+                <a:endParaRPr lang="en-US" sz="2000" b="1" i="1" dirty="0"/>
+              </a:p>
+            </p:txBody>
+          </p:sp>
+        </mc:Choice>
+        <mc:Fallback>
+          <p:sp>
+            <p:nvSpPr>
+              <p:cNvPr id="27" name="TextBox 26">
+                <a:extLst>
+                  <a:ext uri="{FF2B5EF4-FFF2-40B4-BE49-F238E27FC236}">
+                    <a16:creationId xmlns:a16="http://schemas.microsoft.com/office/drawing/2014/main" id="{D46DFC1B-D161-B64C-7F5A-6130EAC46C64}"/>
+                  </a:ext>
+                </a:extLst>
+              </p:cNvPr>
+              <p:cNvSpPr txBox="1">
+                <a:spLocks noRot="1" noChangeAspect="1" noMove="1" noResize="1" noEditPoints="1" noAdjustHandles="1" noChangeArrowheads="1" noChangeShapeType="1" noTextEdit="1"/>
+              </p:cNvSpPr>
+              <p:nvPr/>
+            </p:nvSpPr>
+            <p:spPr>
+              <a:xfrm>
+                <a:off x="1597455" y="3167683"/>
+                <a:ext cx="530942" cy="400110"/>
+              </a:xfrm>
+              <a:prstGeom prst="rect">
+                <a:avLst/>
+              </a:prstGeom>
+              <a:blipFill>
+                <a:blip r:embed="rId9"/>
+                <a:stretch>
+                  <a:fillRect b="-9231"/>
+                </a:stretch>
+              </a:blipFill>
+            </p:spPr>
+            <p:txBody>
+              <a:bodyPr/>
+              <a:lstStyle/>
+              <a:p>
+                <a:r>
+                  <a:rPr lang="en-US">
+                    <a:noFill/>
+                  </a:rPr>
+                  <a:t> </a:t>
+                </a:r>
+              </a:p>
+            </p:txBody>
+          </p:sp>
+        </mc:Fallback>
+      </mc:AlternateContent>
+      <mc:AlternateContent xmlns:mc="http://schemas.openxmlformats.org/markup-compatibility/2006">
+        <mc:Choice xmlns:a14="http://schemas.microsoft.com/office/drawing/2010/main" Requires="a14">
+          <p:sp>
+            <p:nvSpPr>
+              <p:cNvPr id="28" name="TextBox 27">
+                <a:extLst>
+                  <a:ext uri="{FF2B5EF4-FFF2-40B4-BE49-F238E27FC236}">
+                    <a16:creationId xmlns:a16="http://schemas.microsoft.com/office/drawing/2014/main" id="{125DC75B-509B-AFBA-2337-026631753DFA}"/>
+                  </a:ext>
+                </a:extLst>
+              </p:cNvPr>
+              <p:cNvSpPr txBox="1"/>
+              <p:nvPr/>
+            </p:nvSpPr>
+            <p:spPr>
+              <a:xfrm>
+                <a:off x="2338301" y="2678176"/>
+                <a:ext cx="530942" cy="400110"/>
+              </a:xfrm>
+              <a:prstGeom prst="rect">
+                <a:avLst/>
+              </a:prstGeom>
+              <a:noFill/>
+            </p:spPr>
+            <p:txBody>
+              <a:bodyPr wrap="square">
+                <a:spAutoFit/>
+              </a:bodyPr>
+              <a:lstStyle/>
+              <a:p>
+                <a:pPr/>
+                <a14:m>
+                  <m:oMathPara xmlns:m="http://schemas.openxmlformats.org/officeDocument/2006/math">
+                    <m:oMathParaPr>
+                      <m:jc m:val="centerGroup"/>
+                    </m:oMathParaPr>
+                    <m:oMath xmlns:m="http://schemas.openxmlformats.org/officeDocument/2006/math">
+                      <m:sSub>
+                        <m:sSubPr>
+                          <m:ctrlPr>
+                            <a:rPr lang="en-US" sz="2000" b="1" i="1" smtClean="0">
+                              <a:solidFill>
+                                <a:schemeClr val="tx1"/>
+                              </a:solidFill>
+                              <a:latin typeface="Cambria Math" panose="02040503050406030204" pitchFamily="18" charset="0"/>
+                            </a:rPr>
+                          </m:ctrlPr>
+                        </m:sSubPr>
+                        <m:e>
+                          <m:r>
+                            <a:rPr lang="en-US" sz="2000" b="1" i="1" smtClean="0">
+                              <a:solidFill>
+                                <a:schemeClr val="tx1"/>
+                              </a:solidFill>
+                              <a:latin typeface="Cambria Math" panose="02040503050406030204" pitchFamily="18" charset="0"/>
+                            </a:rPr>
+                            <m:t>𝒈</m:t>
+                          </m:r>
+                        </m:e>
+                        <m:sub>
+                          <m:r>
+                            <a:rPr lang="en-US" sz="2000" b="1" i="1" smtClean="0">
+                              <a:solidFill>
+                                <a:schemeClr val="tx1"/>
+                              </a:solidFill>
+                              <a:latin typeface="Cambria Math" panose="02040503050406030204" pitchFamily="18" charset="0"/>
+                            </a:rPr>
+                            <m:t>𝟒</m:t>
+                          </m:r>
+                        </m:sub>
+                      </m:sSub>
+                    </m:oMath>
+                  </m:oMathPara>
+                </a14:m>
+                <a:endParaRPr lang="en-US" sz="2000" b="1" i="1" dirty="0">
+                  <a:solidFill>
+                    <a:schemeClr val="tx1"/>
+                  </a:solidFill>
+                </a:endParaRPr>
+              </a:p>
+            </p:txBody>
+          </p:sp>
+        </mc:Choice>
+        <mc:Fallback>
+          <p:sp>
+            <p:nvSpPr>
+              <p:cNvPr id="28" name="TextBox 27">
+                <a:extLst>
+                  <a:ext uri="{FF2B5EF4-FFF2-40B4-BE49-F238E27FC236}">
+                    <a16:creationId xmlns:a16="http://schemas.microsoft.com/office/drawing/2014/main" id="{125DC75B-509B-AFBA-2337-026631753DFA}"/>
+                  </a:ext>
+                </a:extLst>
+              </p:cNvPr>
+              <p:cNvSpPr txBox="1">
+                <a:spLocks noRot="1" noChangeAspect="1" noMove="1" noResize="1" noEditPoints="1" noAdjustHandles="1" noChangeArrowheads="1" noChangeShapeType="1" noTextEdit="1"/>
+              </p:cNvSpPr>
+              <p:nvPr/>
+            </p:nvSpPr>
+            <p:spPr>
+              <a:xfrm>
+                <a:off x="2338301" y="2678176"/>
+                <a:ext cx="530942" cy="400110"/>
+              </a:xfrm>
+              <a:prstGeom prst="rect">
+                <a:avLst/>
+              </a:prstGeom>
+              <a:blipFill>
+                <a:blip r:embed="rId10"/>
+                <a:stretch>
+                  <a:fillRect b="-7576"/>
+                </a:stretch>
+              </a:blipFill>
+            </p:spPr>
+            <p:txBody>
+              <a:bodyPr/>
+              <a:lstStyle/>
+              <a:p>
+                <a:r>
+                  <a:rPr lang="en-US">
+                    <a:noFill/>
+                  </a:rPr>
+                  <a:t> </a:t>
+                </a:r>
+              </a:p>
+            </p:txBody>
+          </p:sp>
+        </mc:Fallback>
+      </mc:AlternateContent>
+      <p:sp>
+        <p:nvSpPr>
+          <p:cNvPr id="29" name="Arrow: Right 28">
+            <a:extLst>
+              <a:ext uri="{FF2B5EF4-FFF2-40B4-BE49-F238E27FC236}">
+                <a16:creationId xmlns:a16="http://schemas.microsoft.com/office/drawing/2014/main" id="{5628BF3C-B5CD-74B3-41B4-53062959464E}"/>
+              </a:ext>
+            </a:extLst>
+          </p:cNvPr>
+          <p:cNvSpPr/>
+          <p:nvPr/>
+        </p:nvSpPr>
+        <p:spPr>
+          <a:xfrm>
+            <a:off x="3360118" y="2554561"/>
+            <a:ext cx="735881" cy="484632"/>
+          </a:xfrm>
+          <a:prstGeom prst="rightArrow">
+            <a:avLst/>
+          </a:prstGeom>
+          <a:solidFill>
+            <a:schemeClr val="accent1">
+              <a:lumMod val="40000"/>
+              <a:lumOff val="60000"/>
+            </a:schemeClr>
+          </a:solidFill>
+        </p:spPr>
+        <p:style>
+          <a:lnRef idx="2">
+            <a:schemeClr val="accent1">
+              <a:shade val="50000"/>
+            </a:schemeClr>
+          </a:lnRef>
+          <a:fillRef idx="1">
+            <a:schemeClr val="accent1"/>
+          </a:fillRef>
+          <a:effectRef idx="0">
+            <a:schemeClr val="accent1"/>
+          </a:effectRef>
+          <a:fontRef idx="minor">
+            <a:schemeClr val="lt1"/>
+          </a:fontRef>
+        </p:style>
+        <p:txBody>
+          <a:bodyPr rtlCol="0" anchor="ctr"/>
+          <a:lstStyle/>
+          <a:p>
+            <a:pPr algn="ctr"/>
+            <a:endParaRPr lang="en-US"/>
+          </a:p>
+        </p:txBody>
+      </p:sp>
+      <p:sp>
+        <p:nvSpPr>
+          <p:cNvPr id="30" name="Arrow: Right 29">
+            <a:extLst>
+              <a:ext uri="{FF2B5EF4-FFF2-40B4-BE49-F238E27FC236}">
+                <a16:creationId xmlns:a16="http://schemas.microsoft.com/office/drawing/2014/main" id="{B9CE57EB-BCBD-98DC-4D3C-BD20A0136E69}"/>
+              </a:ext>
+            </a:extLst>
+          </p:cNvPr>
+          <p:cNvSpPr/>
+          <p:nvPr/>
+        </p:nvSpPr>
+        <p:spPr>
+          <a:xfrm>
+            <a:off x="7728062" y="2500373"/>
+            <a:ext cx="735881" cy="484632"/>
+          </a:xfrm>
+          <a:prstGeom prst="rightArrow">
+            <a:avLst/>
+          </a:prstGeom>
+          <a:solidFill>
+            <a:schemeClr val="accent1">
+              <a:lumMod val="40000"/>
+              <a:lumOff val="60000"/>
+            </a:schemeClr>
+          </a:solidFill>
+        </p:spPr>
+        <p:style>
+          <a:lnRef idx="2">
+            <a:schemeClr val="accent1">
+              <a:shade val="50000"/>
+            </a:schemeClr>
+          </a:lnRef>
+          <a:fillRef idx="1">
+            <a:schemeClr val="accent1"/>
+          </a:fillRef>
+          <a:effectRef idx="0">
+            <a:schemeClr val="accent1"/>
+          </a:effectRef>
+          <a:fontRef idx="minor">
+            <a:schemeClr val="lt1"/>
+          </a:fontRef>
+        </p:style>
+        <p:txBody>
+          <a:bodyPr rtlCol="0" anchor="ctr"/>
+          <a:lstStyle/>
+          <a:p>
+            <a:pPr algn="ctr"/>
+            <a:endParaRPr lang="en-US"/>
+          </a:p>
+        </p:txBody>
+      </p:sp>
+      <p:sp>
+        <p:nvSpPr>
+          <p:cNvPr id="31" name="TextBox 30">
+            <a:extLst>
+              <a:ext uri="{FF2B5EF4-FFF2-40B4-BE49-F238E27FC236}">
+                <a16:creationId xmlns:a16="http://schemas.microsoft.com/office/drawing/2014/main" id="{F071D09B-F3AC-A375-2CBA-9D730B526370}"/>
+              </a:ext>
+            </a:extLst>
+          </p:cNvPr>
+          <p:cNvSpPr txBox="1"/>
+          <p:nvPr/>
+        </p:nvSpPr>
+        <p:spPr>
+          <a:xfrm>
+            <a:off x="176981" y="1582729"/>
+            <a:ext cx="2522070" cy="400110"/>
+          </a:xfrm>
+          <a:prstGeom prst="rect">
+            <a:avLst/>
+          </a:prstGeom>
+          <a:noFill/>
+        </p:spPr>
+        <p:txBody>
+          <a:bodyPr wrap="square" rtlCol="0">
+            <a:spAutoFit/>
+          </a:bodyPr>
+          <a:lstStyle/>
+          <a:p>
+            <a:r>
+              <a:rPr lang="en-US" sz="2000" b="1" dirty="0"/>
+              <a:t>Message Passing</a:t>
+            </a:r>
+          </a:p>
+        </p:txBody>
+      </p:sp>
+      <p:sp>
+        <p:nvSpPr>
+          <p:cNvPr id="32" name="TextBox 31">
+            <a:extLst>
+              <a:ext uri="{FF2B5EF4-FFF2-40B4-BE49-F238E27FC236}">
+                <a16:creationId xmlns:a16="http://schemas.microsoft.com/office/drawing/2014/main" id="{EFD4C7CD-4132-9D71-E872-E8B6EA8BCBA3}"/>
+              </a:ext>
+            </a:extLst>
+          </p:cNvPr>
+          <p:cNvSpPr txBox="1"/>
+          <p:nvPr/>
+        </p:nvSpPr>
+        <p:spPr>
+          <a:xfrm>
+            <a:off x="4886432" y="1582729"/>
+            <a:ext cx="2522070" cy="400110"/>
+          </a:xfrm>
+          <a:prstGeom prst="rect">
+            <a:avLst/>
+          </a:prstGeom>
+          <a:noFill/>
+        </p:spPr>
+        <p:txBody>
+          <a:bodyPr wrap="square" rtlCol="0">
+            <a:spAutoFit/>
+          </a:bodyPr>
+          <a:lstStyle/>
+          <a:p>
+            <a:r>
+              <a:rPr lang="en-US" sz="2000" b="1" dirty="0"/>
+              <a:t>Aggregate</a:t>
+            </a:r>
+          </a:p>
+        </p:txBody>
+      </p:sp>
+      <p:sp>
+        <p:nvSpPr>
+          <p:cNvPr id="33" name="TextBox 32">
+            <a:extLst>
+              <a:ext uri="{FF2B5EF4-FFF2-40B4-BE49-F238E27FC236}">
+                <a16:creationId xmlns:a16="http://schemas.microsoft.com/office/drawing/2014/main" id="{2A5B5C2C-B7E3-3D45-3E88-723A3E0145A2}"/>
+              </a:ext>
+            </a:extLst>
+          </p:cNvPr>
+          <p:cNvSpPr txBox="1"/>
+          <p:nvPr/>
+        </p:nvSpPr>
+        <p:spPr>
+          <a:xfrm>
+            <a:off x="9595883" y="1582729"/>
+            <a:ext cx="2522070" cy="400110"/>
+          </a:xfrm>
+          <a:prstGeom prst="rect">
+            <a:avLst/>
+          </a:prstGeom>
+          <a:noFill/>
+        </p:spPr>
+        <p:txBody>
+          <a:bodyPr wrap="square" rtlCol="0">
+            <a:spAutoFit/>
+          </a:bodyPr>
+          <a:lstStyle/>
+          <a:p>
+            <a:r>
+              <a:rPr lang="en-US" sz="2000" b="1" dirty="0"/>
+              <a:t>Update</a:t>
+            </a:r>
+          </a:p>
+        </p:txBody>
+      </p:sp>
+      <p:sp>
+        <p:nvSpPr>
+          <p:cNvPr id="34" name="TextBox 33">
+            <a:extLst>
+              <a:ext uri="{FF2B5EF4-FFF2-40B4-BE49-F238E27FC236}">
+                <a16:creationId xmlns:a16="http://schemas.microsoft.com/office/drawing/2014/main" id="{9416CE60-598F-E199-F2A0-256EC9EE9DE7}"/>
+              </a:ext>
+            </a:extLst>
+          </p:cNvPr>
+          <p:cNvSpPr txBox="1"/>
+          <p:nvPr/>
+        </p:nvSpPr>
+        <p:spPr>
+          <a:xfrm>
+            <a:off x="374262" y="5253899"/>
+            <a:ext cx="9507793" cy="830997"/>
+          </a:xfrm>
+          <a:prstGeom prst="rect">
+            <a:avLst/>
+          </a:prstGeom>
+          <a:noFill/>
+        </p:spPr>
+        <p:txBody>
+          <a:bodyPr wrap="square" rtlCol="0">
+            <a:spAutoFit/>
+          </a:bodyPr>
+          <a:lstStyle/>
+          <a:p>
+            <a:r>
+              <a:rPr lang="en-US" sz="2400" b="1" dirty="0">
+                <a:solidFill>
+                  <a:srgbClr val="FF0000"/>
+                </a:solidFill>
+              </a:rPr>
+              <a:t>Note: </a:t>
+            </a:r>
+          </a:p>
+          <a:p>
+            <a:r>
+              <a:rPr lang="en-US" sz="2400" dirty="0"/>
+              <a:t>All these steps are performed on all the nodes in the graph simultaneously.</a:t>
+            </a:r>
+            <a:endParaRPr lang="en-US" sz="2400" b="1" dirty="0">
+              <a:solidFill>
+                <a:srgbClr val="FF0000"/>
+              </a:solidFill>
+            </a:endParaRPr>
+          </a:p>
+        </p:txBody>
+      </p:sp>
+      <p:sp>
+        <p:nvSpPr>
+          <p:cNvPr id="35" name="TextBox 34">
+            <a:extLst>
+              <a:ext uri="{FF2B5EF4-FFF2-40B4-BE49-F238E27FC236}">
+                <a16:creationId xmlns:a16="http://schemas.microsoft.com/office/drawing/2014/main" id="{BC1FDF4B-0EFB-6D0A-E3CB-8D2FFA4968FE}"/>
+              </a:ext>
+            </a:extLst>
+          </p:cNvPr>
+          <p:cNvSpPr txBox="1"/>
+          <p:nvPr/>
+        </p:nvSpPr>
+        <p:spPr>
+          <a:xfrm>
+            <a:off x="1764374" y="4599049"/>
+            <a:ext cx="8419235" cy="461665"/>
+          </a:xfrm>
+          <a:prstGeom prst="rect">
+            <a:avLst/>
+          </a:prstGeom>
+          <a:noFill/>
+        </p:spPr>
+        <p:txBody>
+          <a:bodyPr wrap="square" rtlCol="0">
+            <a:spAutoFit/>
+          </a:bodyPr>
+          <a:lstStyle/>
+          <a:p>
+            <a:r>
+              <a:rPr lang="en-US" sz="2400" b="1" dirty="0">
+                <a:solidFill>
+                  <a:srgbClr val="00B050"/>
+                </a:solidFill>
+              </a:rPr>
+              <a:t>Well it’s done, one layer of GNN has been formulated!!</a:t>
+            </a:r>
+          </a:p>
+        </p:txBody>
+      </p:sp>
+    </p:spTree>
+    <p:extLst>
+      <p:ext uri="{BB962C8B-B14F-4D97-AF65-F5344CB8AC3E}">
+        <p14:creationId xmlns:p14="http://schemas.microsoft.com/office/powerpoint/2010/main" val="779186296"/>
+      </p:ext>
+    </p:extLst>
+  </p:cSld>
+  <p:clrMapOvr>
+    <a:masterClrMapping/>
+  </p:clrMapOvr>
+  <p:timing>
+    <p:tnLst>
+      <p:par>
+        <p:cTn id="1" dur="indefinite" restart="never" nodeType="tmRoot">
+          <p:childTnLst>
+            <p:seq concurrent="1" nextAc="seek">
+              <p:cTn id="2" dur="indefinite" nodeType="mainSeq">
+                <p:childTnLst>
+                  <p:par>
+                    <p:cTn id="3" fill="hold">
+                      <p:stCondLst>
+                        <p:cond delay="indefinite"/>
+                      </p:stCondLst>
+                      <p:childTnLst>
+                        <p:par>
+                          <p:cTn id="4" fill="hold">
+                            <p:stCondLst>
+                              <p:cond delay="0"/>
+                            </p:stCondLst>
+                            <p:childTnLst>
+                              <p:par>
+                                <p:cTn id="5" presetID="1" presetClass="entr" presetSubtype="0" fill="hold" nodeType="clickEffect">
+                                  <p:stCondLst>
+                                    <p:cond delay="0"/>
+                                  </p:stCondLst>
+                                  <p:childTnLst>
+                                    <p:set>
+                                      <p:cBhvr>
+                                        <p:cTn id="6" dur="1" fill="hold">
+                                          <p:stCondLst>
+                                            <p:cond delay="0"/>
+                                          </p:stCondLst>
+                                        </p:cTn>
+                                        <p:tgtEl>
+                                          <p:spTgt spid="19"/>
+                                        </p:tgtEl>
+                                        <p:attrNameLst>
+                                          <p:attrName>style.visibility</p:attrName>
+                                        </p:attrNameLst>
+                                      </p:cBhvr>
+                                      <p:to>
+                                        <p:strVal val="visible"/>
+                                      </p:to>
+                                    </p:set>
+                                  </p:childTnLst>
+                                </p:cTn>
+                              </p:par>
+                              <p:par>
+                                <p:cTn id="7" presetID="1" presetClass="entr" presetSubtype="0" fill="hold" nodeType="withEffect">
+                                  <p:stCondLst>
+                                    <p:cond delay="0"/>
+                                  </p:stCondLst>
+                                  <p:childTnLst>
+                                    <p:set>
+                                      <p:cBhvr>
+                                        <p:cTn id="8" dur="1" fill="hold">
+                                          <p:stCondLst>
+                                            <p:cond delay="0"/>
+                                          </p:stCondLst>
+                                        </p:cTn>
+                                        <p:tgtEl>
+                                          <p:spTgt spid="20"/>
+                                        </p:tgtEl>
+                                        <p:attrNameLst>
+                                          <p:attrName>style.visibility</p:attrName>
+                                        </p:attrNameLst>
+                                      </p:cBhvr>
+                                      <p:to>
+                                        <p:strVal val="visible"/>
+                                      </p:to>
+                                    </p:set>
+                                  </p:childTnLst>
+                                </p:cTn>
+                              </p:par>
+                              <p:par>
+                                <p:cTn id="9" presetID="1" presetClass="entr" presetSubtype="0" fill="hold" nodeType="withEffect">
+                                  <p:stCondLst>
+                                    <p:cond delay="0"/>
+                                  </p:stCondLst>
+                                  <p:childTnLst>
+                                    <p:set>
+                                      <p:cBhvr>
+                                        <p:cTn id="10" dur="1" fill="hold">
+                                          <p:stCondLst>
+                                            <p:cond delay="0"/>
+                                          </p:stCondLst>
+                                        </p:cTn>
+                                        <p:tgtEl>
+                                          <p:spTgt spid="21"/>
+                                        </p:tgtEl>
+                                        <p:attrNameLst>
+                                          <p:attrName>style.visibility</p:attrName>
+                                        </p:attrNameLst>
+                                      </p:cBhvr>
+                                      <p:to>
+                                        <p:strVal val="visible"/>
+                                      </p:to>
+                                    </p:set>
+                                  </p:childTnLst>
+                                </p:cTn>
+                              </p:par>
+                              <p:par>
+                                <p:cTn id="11" presetID="1" presetClass="entr" presetSubtype="0" fill="hold" nodeType="withEffect">
+                                  <p:stCondLst>
+                                    <p:cond delay="0"/>
+                                  </p:stCondLst>
+                                  <p:childTnLst>
+                                    <p:set>
+                                      <p:cBhvr>
+                                        <p:cTn id="12" dur="1" fill="hold">
+                                          <p:stCondLst>
+                                            <p:cond delay="0"/>
+                                          </p:stCondLst>
+                                        </p:cTn>
+                                        <p:tgtEl>
+                                          <p:spTgt spid="22"/>
+                                        </p:tgtEl>
+                                        <p:attrNameLst>
+                                          <p:attrName>style.visibility</p:attrName>
+                                        </p:attrNameLst>
+                                      </p:cBhvr>
+                                      <p:to>
+                                        <p:strVal val="visible"/>
+                                      </p:to>
+                                    </p:set>
+                                  </p:childTnLst>
+                                </p:cTn>
+                              </p:par>
+                              <p:par>
+                                <p:cTn id="13" presetID="1" presetClass="entr" presetSubtype="0" fill="hold" nodeType="withEffect">
+                                  <p:stCondLst>
+                                    <p:cond delay="0"/>
+                                  </p:stCondLst>
+                                  <p:childTnLst>
+                                    <p:set>
+                                      <p:cBhvr>
+                                        <p:cTn id="14" dur="1" fill="hold">
+                                          <p:stCondLst>
+                                            <p:cond delay="0"/>
+                                          </p:stCondLst>
+                                        </p:cTn>
+                                        <p:tgtEl>
+                                          <p:spTgt spid="23"/>
+                                        </p:tgtEl>
+                                        <p:attrNameLst>
+                                          <p:attrName>style.visibility</p:attrName>
+                                        </p:attrNameLst>
+                                      </p:cBhvr>
+                                      <p:to>
+                                        <p:strVal val="visible"/>
+                                      </p:to>
+                                    </p:set>
+                                  </p:childTnLst>
+                                </p:cTn>
+                              </p:par>
+                              <p:par>
+                                <p:cTn id="15" presetID="1" presetClass="entr" presetSubtype="0" fill="hold" nodeType="withEffect">
+                                  <p:stCondLst>
+                                    <p:cond delay="0"/>
+                                  </p:stCondLst>
+                                  <p:childTnLst>
+                                    <p:set>
+                                      <p:cBhvr>
+                                        <p:cTn id="16" dur="1" fill="hold">
+                                          <p:stCondLst>
+                                            <p:cond delay="0"/>
+                                          </p:stCondLst>
+                                        </p:cTn>
+                                        <p:tgtEl>
+                                          <p:spTgt spid="24"/>
+                                        </p:tgtEl>
+                                        <p:attrNameLst>
+                                          <p:attrName>style.visibility</p:attrName>
+                                        </p:attrNameLst>
+                                      </p:cBhvr>
+                                      <p:to>
+                                        <p:strVal val="visible"/>
+                                      </p:to>
+                                    </p:set>
+                                  </p:childTnLst>
+                                </p:cTn>
+                              </p:par>
+                              <p:par>
+                                <p:cTn id="17" presetID="1" presetClass="entr" presetSubtype="0" fill="hold" nodeType="withEffect">
+                                  <p:stCondLst>
+                                    <p:cond delay="0"/>
+                                  </p:stCondLst>
+                                  <p:childTnLst>
+                                    <p:set>
+                                      <p:cBhvr>
+                                        <p:cTn id="18" dur="1" fill="hold">
+                                          <p:stCondLst>
+                                            <p:cond delay="0"/>
+                                          </p:stCondLst>
+                                        </p:cTn>
+                                        <p:tgtEl>
+                                          <p:spTgt spid="25"/>
+                                        </p:tgtEl>
+                                        <p:attrNameLst>
+                                          <p:attrName>style.visibility</p:attrName>
+                                        </p:attrNameLst>
+                                      </p:cBhvr>
+                                      <p:to>
+                                        <p:strVal val="visible"/>
+                                      </p:to>
+                                    </p:set>
+                                  </p:childTnLst>
+                                </p:cTn>
+                              </p:par>
+                              <p:par>
+                                <p:cTn id="19" presetID="1" presetClass="entr" presetSubtype="0" fill="hold" grpId="0" nodeType="withEffect">
+                                  <p:stCondLst>
+                                    <p:cond delay="0"/>
+                                  </p:stCondLst>
+                                  <p:childTnLst>
+                                    <p:set>
+                                      <p:cBhvr>
+                                        <p:cTn id="20" dur="1" fill="hold">
+                                          <p:stCondLst>
+                                            <p:cond delay="0"/>
+                                          </p:stCondLst>
+                                        </p:cTn>
+                                        <p:tgtEl>
+                                          <p:spTgt spid="26"/>
+                                        </p:tgtEl>
+                                        <p:attrNameLst>
+                                          <p:attrName>style.visibility</p:attrName>
+                                        </p:attrNameLst>
+                                      </p:cBhvr>
+                                      <p:to>
+                                        <p:strVal val="visible"/>
+                                      </p:to>
+                                    </p:set>
+                                  </p:childTnLst>
+                                </p:cTn>
+                              </p:par>
+                              <p:par>
+                                <p:cTn id="21" presetID="1" presetClass="entr" presetSubtype="0" fill="hold" grpId="0" nodeType="withEffect">
+                                  <p:stCondLst>
+                                    <p:cond delay="0"/>
+                                  </p:stCondLst>
+                                  <p:childTnLst>
+                                    <p:set>
+                                      <p:cBhvr>
+                                        <p:cTn id="22" dur="1" fill="hold">
+                                          <p:stCondLst>
+                                            <p:cond delay="0"/>
+                                          </p:stCondLst>
+                                        </p:cTn>
+                                        <p:tgtEl>
+                                          <p:spTgt spid="27"/>
+                                        </p:tgtEl>
+                                        <p:attrNameLst>
+                                          <p:attrName>style.visibility</p:attrName>
+                                        </p:attrNameLst>
+                                      </p:cBhvr>
+                                      <p:to>
+                                        <p:strVal val="visible"/>
+                                      </p:to>
+                                    </p:set>
+                                  </p:childTnLst>
+                                </p:cTn>
+                              </p:par>
+                              <p:par>
+                                <p:cTn id="23" presetID="1" presetClass="entr" presetSubtype="0" fill="hold" grpId="0" nodeType="withEffect">
+                                  <p:stCondLst>
+                                    <p:cond delay="0"/>
+                                  </p:stCondLst>
+                                  <p:childTnLst>
+                                    <p:set>
+                                      <p:cBhvr>
+                                        <p:cTn id="24" dur="1" fill="hold">
+                                          <p:stCondLst>
+                                            <p:cond delay="0"/>
+                                          </p:stCondLst>
+                                        </p:cTn>
+                                        <p:tgtEl>
+                                          <p:spTgt spid="28"/>
+                                        </p:tgtEl>
+                                        <p:attrNameLst>
+                                          <p:attrName>style.visibility</p:attrName>
+                                        </p:attrNameLst>
+                                      </p:cBhvr>
+                                      <p:to>
+                                        <p:strVal val="visible"/>
+                                      </p:to>
+                                    </p:set>
+                                  </p:childTnLst>
+                                </p:cTn>
+                              </p:par>
+                              <p:par>
+                                <p:cTn id="25" presetID="1" presetClass="entr" presetSubtype="0" fill="hold" grpId="0" nodeType="withEffect">
+                                  <p:stCondLst>
+                                    <p:cond delay="0"/>
+                                  </p:stCondLst>
+                                  <p:childTnLst>
+                                    <p:set>
+                                      <p:cBhvr>
+                                        <p:cTn id="26" dur="1" fill="hold">
+                                          <p:stCondLst>
+                                            <p:cond delay="0"/>
+                                          </p:stCondLst>
+                                        </p:cTn>
+                                        <p:tgtEl>
+                                          <p:spTgt spid="31"/>
+                                        </p:tgtEl>
+                                        <p:attrNameLst>
+                                          <p:attrName>style.visibility</p:attrName>
+                                        </p:attrNameLst>
+                                      </p:cBhvr>
+                                      <p:to>
+                                        <p:strVal val="visible"/>
+                                      </p:to>
+                                    </p:set>
+                                  </p:childTnLst>
+                                </p:cTn>
+                              </p:par>
+                            </p:childTnLst>
+                          </p:cTn>
+                        </p:par>
+                      </p:childTnLst>
+                    </p:cTn>
+                  </p:par>
+                  <p:par>
+                    <p:cTn id="27" fill="hold">
+                      <p:stCondLst>
+                        <p:cond delay="indefinite"/>
+                      </p:stCondLst>
+                      <p:childTnLst>
+                        <p:par>
+                          <p:cTn id="28" fill="hold">
+                            <p:stCondLst>
+                              <p:cond delay="0"/>
+                            </p:stCondLst>
+                            <p:childTnLst>
+                              <p:par>
+                                <p:cTn id="29" presetID="1" presetClass="entr" presetSubtype="0" fill="hold" grpId="0" nodeType="clickEffect">
+                                  <p:stCondLst>
+                                    <p:cond delay="0"/>
+                                  </p:stCondLst>
+                                  <p:childTnLst>
+                                    <p:set>
+                                      <p:cBhvr>
+                                        <p:cTn id="30" dur="1" fill="hold">
+                                          <p:stCondLst>
+                                            <p:cond delay="0"/>
+                                          </p:stCondLst>
+                                        </p:cTn>
+                                        <p:tgtEl>
+                                          <p:spTgt spid="29"/>
+                                        </p:tgtEl>
+                                        <p:attrNameLst>
+                                          <p:attrName>style.visibility</p:attrName>
+                                        </p:attrNameLst>
+                                      </p:cBhvr>
+                                      <p:to>
+                                        <p:strVal val="visible"/>
+                                      </p:to>
+                                    </p:set>
+                                  </p:childTnLst>
+                                </p:cTn>
+                              </p:par>
+                              <p:par>
+                                <p:cTn id="31" presetID="1" presetClass="entr" presetSubtype="0" fill="hold" grpId="0" nodeType="withEffect">
+                                  <p:stCondLst>
+                                    <p:cond delay="0"/>
+                                  </p:stCondLst>
+                                  <p:childTnLst>
+                                    <p:set>
+                                      <p:cBhvr>
+                                        <p:cTn id="32" dur="1" fill="hold">
+                                          <p:stCondLst>
+                                            <p:cond delay="0"/>
+                                          </p:stCondLst>
+                                        </p:cTn>
+                                        <p:tgtEl>
+                                          <p:spTgt spid="16"/>
+                                        </p:tgtEl>
+                                        <p:attrNameLst>
+                                          <p:attrName>style.visibility</p:attrName>
+                                        </p:attrNameLst>
+                                      </p:cBhvr>
+                                      <p:to>
+                                        <p:strVal val="visible"/>
+                                      </p:to>
+                                    </p:set>
+                                  </p:childTnLst>
+                                </p:cTn>
+                              </p:par>
+                              <p:par>
+                                <p:cTn id="33" presetID="1" presetClass="entr" presetSubtype="0" fill="hold" grpId="0" nodeType="withEffect">
+                                  <p:stCondLst>
+                                    <p:cond delay="0"/>
+                                  </p:stCondLst>
+                                  <p:childTnLst>
+                                    <p:set>
+                                      <p:cBhvr>
+                                        <p:cTn id="34" dur="1" fill="hold">
+                                          <p:stCondLst>
+                                            <p:cond delay="0"/>
+                                          </p:stCondLst>
+                                        </p:cTn>
+                                        <p:tgtEl>
+                                          <p:spTgt spid="32"/>
+                                        </p:tgtEl>
+                                        <p:attrNameLst>
+                                          <p:attrName>style.visibility</p:attrName>
+                                        </p:attrNameLst>
+                                      </p:cBhvr>
+                                      <p:to>
+                                        <p:strVal val="visible"/>
+                                      </p:to>
+                                    </p:set>
+                                  </p:childTnLst>
+                                </p:cTn>
+                              </p:par>
+                            </p:childTnLst>
+                          </p:cTn>
+                        </p:par>
+                      </p:childTnLst>
+                    </p:cTn>
+                  </p:par>
+                  <p:par>
+                    <p:cTn id="35" fill="hold">
+                      <p:stCondLst>
+                        <p:cond delay="indefinite"/>
+                      </p:stCondLst>
+                      <p:childTnLst>
+                        <p:par>
+                          <p:cTn id="36" fill="hold">
+                            <p:stCondLst>
+                              <p:cond delay="0"/>
+                            </p:stCondLst>
+                            <p:childTnLst>
+                              <p:par>
+                                <p:cTn id="37" presetID="1" presetClass="entr" presetSubtype="0" fill="hold" grpId="0" nodeType="clickEffect">
+                                  <p:stCondLst>
+                                    <p:cond delay="0"/>
+                                  </p:stCondLst>
+                                  <p:childTnLst>
+                                    <p:set>
+                                      <p:cBhvr>
+                                        <p:cTn id="38" dur="1" fill="hold">
+                                          <p:stCondLst>
+                                            <p:cond delay="0"/>
+                                          </p:stCondLst>
+                                        </p:cTn>
+                                        <p:tgtEl>
+                                          <p:spTgt spid="30"/>
+                                        </p:tgtEl>
+                                        <p:attrNameLst>
+                                          <p:attrName>style.visibility</p:attrName>
+                                        </p:attrNameLst>
+                                      </p:cBhvr>
+                                      <p:to>
+                                        <p:strVal val="visible"/>
+                                      </p:to>
+                                    </p:set>
+                                  </p:childTnLst>
+                                </p:cTn>
+                              </p:par>
+                              <p:par>
+                                <p:cTn id="39" presetID="1" presetClass="entr" presetSubtype="0" fill="hold" grpId="0" nodeType="withEffect">
+                                  <p:stCondLst>
+                                    <p:cond delay="0"/>
+                                  </p:stCondLst>
+                                  <p:childTnLst>
+                                    <p:set>
+                                      <p:cBhvr>
+                                        <p:cTn id="40" dur="1" fill="hold">
+                                          <p:stCondLst>
+                                            <p:cond delay="0"/>
+                                          </p:stCondLst>
+                                        </p:cTn>
+                                        <p:tgtEl>
+                                          <p:spTgt spid="18"/>
+                                        </p:tgtEl>
+                                        <p:attrNameLst>
+                                          <p:attrName>style.visibility</p:attrName>
+                                        </p:attrNameLst>
+                                      </p:cBhvr>
+                                      <p:to>
+                                        <p:strVal val="visible"/>
+                                      </p:to>
+                                    </p:set>
+                                  </p:childTnLst>
+                                </p:cTn>
+                              </p:par>
+                              <p:par>
+                                <p:cTn id="41" presetID="1" presetClass="entr" presetSubtype="0" fill="hold" grpId="0" nodeType="withEffect">
+                                  <p:stCondLst>
+                                    <p:cond delay="0"/>
+                                  </p:stCondLst>
+                                  <p:childTnLst>
+                                    <p:set>
+                                      <p:cBhvr>
+                                        <p:cTn id="42" dur="1" fill="hold">
+                                          <p:stCondLst>
+                                            <p:cond delay="0"/>
+                                          </p:stCondLst>
+                                        </p:cTn>
+                                        <p:tgtEl>
+                                          <p:spTgt spid="33"/>
+                                        </p:tgtEl>
+                                        <p:attrNameLst>
+                                          <p:attrName>style.visibility</p:attrName>
+                                        </p:attrNameLst>
+                                      </p:cBhvr>
+                                      <p:to>
+                                        <p:strVal val="visible"/>
+                                      </p:to>
+                                    </p:set>
+                                  </p:childTnLst>
+                                </p:cTn>
+                              </p:par>
+                              <p:par>
+                                <p:cTn id="43" presetID="1" presetClass="entr" presetSubtype="0" fill="hold" grpId="0" nodeType="withEffect">
+                                  <p:stCondLst>
+                                    <p:cond delay="0"/>
+                                  </p:stCondLst>
+                                  <p:childTnLst>
+                                    <p:set>
+                                      <p:cBhvr>
+                                        <p:cTn id="44" dur="1" fill="hold">
+                                          <p:stCondLst>
+                                            <p:cond delay="0"/>
+                                          </p:stCondLst>
+                                        </p:cTn>
+                                        <p:tgtEl>
+                                          <p:spTgt spid="34"/>
+                                        </p:tgtEl>
+                                        <p:attrNameLst>
+                                          <p:attrName>style.visibility</p:attrName>
+                                        </p:attrNameLst>
+                                      </p:cBhvr>
+                                      <p:to>
+                                        <p:strVal val="visible"/>
+                                      </p:to>
+                                    </p:set>
+                                  </p:childTnLst>
+                                </p:cTn>
+                              </p:par>
+                              <p:par>
+                                <p:cTn id="45" presetID="1" presetClass="entr" presetSubtype="0" fill="hold" grpId="0" nodeType="withEffect">
+                                  <p:stCondLst>
+                                    <p:cond delay="0"/>
+                                  </p:stCondLst>
+                                  <p:childTnLst>
+                                    <p:set>
+                                      <p:cBhvr>
+                                        <p:cTn id="46" dur="1" fill="hold">
+                                          <p:stCondLst>
+                                            <p:cond delay="0"/>
+                                          </p:stCondLst>
+                                        </p:cTn>
+                                        <p:tgtEl>
+                                          <p:spTgt spid="35"/>
+                                        </p:tgtEl>
+                                        <p:attrNameLst>
+                                          <p:attrName>style.visibility</p:attrName>
+                                        </p:attrNameLst>
+                                      </p:cBhvr>
+                                      <p:to>
+                                        <p:strVal val="visible"/>
+                                      </p:to>
+                                    </p:set>
+                                  </p:childTnLst>
+                                </p:cTn>
+                              </p:par>
+                            </p:childTnLst>
+                          </p:cTn>
+                        </p:par>
+                      </p:childTnLst>
+                    </p:cTn>
+                  </p:par>
+                </p:childTnLst>
+              </p:cTn>
+              <p:prevCondLst>
+                <p:cond evt="onPrev" delay="0">
+                  <p:tgtEl>
+                    <p:sldTgt/>
+                  </p:tgtEl>
+                </p:cond>
+              </p:prevCondLst>
+              <p:nextCondLst>
+                <p:cond evt="onNext" delay="0">
+                  <p:tgtEl>
+                    <p:sldTgt/>
+                  </p:tgtEl>
+                </p:cond>
+              </p:nextCondLst>
+            </p:seq>
+          </p:childTnLst>
+        </p:cTn>
+      </p:par>
+    </p:tnLst>
+    <p:bldLst>
+      <p:bldP spid="16" grpId="0"/>
+      <p:bldP spid="18" grpId="0"/>
+      <p:bldP spid="26" grpId="0"/>
+      <p:bldP spid="27" grpId="0"/>
+      <p:bldP spid="28" grpId="0"/>
+      <p:bldP spid="29" grpId="0" animBg="1"/>
+      <p:bldP spid="30" grpId="0" animBg="1"/>
+      <p:bldP spid="31" grpId="0"/>
+      <p:bldP spid="32" grpId="0"/>
+      <p:bldP spid="33" grpId="0"/>
+      <p:bldP spid="34" grpId="0"/>
+      <p:bldP spid="35" grpId="0"/>
+    </p:bldLst>
+  </p:timing>
 </p:sld>
 </file>
 
@@ -23607,12 +29409,12 @@
 </file>
 
 <file path=customXml/item1.xml><?xml version="1.0" encoding="utf-8"?>
-<p:properties xmlns:p="http://schemas.microsoft.com/office/2006/metadata/properties" xmlns:xsi="http://www.w3.org/2001/XMLSchema-instance" xmlns:pc="http://schemas.microsoft.com/office/infopath/2007/PartnerControls">
-  <documentManagement>
-    <Status xmlns="71af3243-3dd4-4a8d-8c0d-dd76da1f02a5">Not started</Status>
-    <MediaServiceKeyPoints xmlns="71af3243-3dd4-4a8d-8c0d-dd76da1f02a5" xsi:nil="true"/>
-  </documentManagement>
-</p:properties>
+<?mso-contentType ?>
+<FormTemplates xmlns="http://schemas.microsoft.com/sharepoint/v3/contenttype/forms">
+  <Display>DocumentLibraryForm</Display>
+  <Edit>DocumentLibraryForm</Edit>
+  <New>DocumentLibraryForm</New>
+</FormTemplates>
 </file>
 
 <file path=customXml/item2.xml><?xml version="1.0" encoding="utf-8"?>
@@ -23837,20 +29639,18 @@
 </file>
 
 <file path=customXml/item3.xml><?xml version="1.0" encoding="utf-8"?>
-<?mso-contentType ?>
-<FormTemplates xmlns="http://schemas.microsoft.com/sharepoint/v3/contenttype/forms">
-  <Display>DocumentLibraryForm</Display>
-  <Edit>DocumentLibraryForm</Edit>
-  <New>DocumentLibraryForm</New>
-</FormTemplates>
+<p:properties xmlns:p="http://schemas.microsoft.com/office/2006/metadata/properties" xmlns:xsi="http://www.w3.org/2001/XMLSchema-instance" xmlns:pc="http://schemas.microsoft.com/office/infopath/2007/PartnerControls">
+  <documentManagement>
+    <Status xmlns="71af3243-3dd4-4a8d-8c0d-dd76da1f02a5">Not started</Status>
+    <MediaServiceKeyPoints xmlns="71af3243-3dd4-4a8d-8c0d-dd76da1f02a5" xsi:nil="true"/>
+  </documentManagement>
+</p:properties>
 </file>
 
 <file path=customXml/itemProps1.xml><?xml version="1.0" encoding="utf-8"?>
-<ds:datastoreItem xmlns:ds="http://schemas.openxmlformats.org/officeDocument/2006/customXml" ds:itemID="{8F3CD65D-61A5-43C9-A837-6EC73C7DA8AB}">
+<ds:datastoreItem xmlns:ds="http://schemas.openxmlformats.org/officeDocument/2006/customXml" ds:itemID="{31F006B4-A9E1-4F39-85C8-FB836F919348}">
   <ds:schemaRefs>
-    <ds:schemaRef ds:uri="http://schemas.microsoft.com/office/2006/metadata/properties"/>
-    <ds:schemaRef ds:uri="http://schemas.microsoft.com/office/infopath/2007/PartnerControls"/>
-    <ds:schemaRef ds:uri="71af3243-3dd4-4a8d-8c0d-dd76da1f02a5"/>
+    <ds:schemaRef ds:uri="http://schemas.microsoft.com/sharepoint/v3/contenttype/forms"/>
   </ds:schemaRefs>
 </ds:datastoreItem>
 </file>
@@ -23875,9 +29675,11 @@
 </file>
 
 <file path=customXml/itemProps3.xml><?xml version="1.0" encoding="utf-8"?>
-<ds:datastoreItem xmlns:ds="http://schemas.openxmlformats.org/officeDocument/2006/customXml" ds:itemID="{31F006B4-A9E1-4F39-85C8-FB836F919348}">
+<ds:datastoreItem xmlns:ds="http://schemas.openxmlformats.org/officeDocument/2006/customXml" ds:itemID="{8F3CD65D-61A5-43C9-A837-6EC73C7DA8AB}">
   <ds:schemaRefs>
-    <ds:schemaRef ds:uri="http://schemas.microsoft.com/sharepoint/v3/contenttype/forms"/>
+    <ds:schemaRef ds:uri="http://schemas.microsoft.com/office/2006/metadata/properties"/>
+    <ds:schemaRef ds:uri="http://schemas.microsoft.com/office/infopath/2007/PartnerControls"/>
+    <ds:schemaRef ds:uri="71af3243-3dd4-4a8d-8c0d-dd76da1f02a5"/>
   </ds:schemaRefs>
 </ds:datastoreItem>
 </file>
--- a/Slides/Graph Neural Networks Theory and Application.pptx
+++ b/Slides/Graph Neural Networks Theory and Application.pptx
@@ -5,7 +5,7 @@
     <p:sldMasterId id="2147483660" r:id="rId4"/>
   </p:sldMasterIdLst>
   <p:notesMasterIdLst>
-    <p:notesMasterId r:id="rId29"/>
+    <p:notesMasterId r:id="rId32"/>
   </p:notesMasterIdLst>
   <p:sldIdLst>
     <p:sldId id="266" r:id="rId5"/>
@@ -32,6 +32,9 @@
     <p:sldId id="330" r:id="rId26"/>
     <p:sldId id="331" r:id="rId27"/>
     <p:sldId id="332" r:id="rId28"/>
+    <p:sldId id="333" r:id="rId29"/>
+    <p:sldId id="334" r:id="rId30"/>
+    <p:sldId id="335" r:id="rId31"/>
   </p:sldIdLst>
   <p:sldSz cx="12192000" cy="6858000"/>
   <p:notesSz cx="6858000" cy="9144000"/>
@@ -1321,6 +1324,90 @@
     <p:extLst>
       <p:ext uri="{BB962C8B-B14F-4D97-AF65-F5344CB8AC3E}">
         <p14:creationId xmlns:p14="http://schemas.microsoft.com/office/powerpoint/2010/main" val="2861162317"/>
+      </p:ext>
+    </p:extLst>
+  </p:cSld>
+  <p:clrMapOvr>
+    <a:masterClrMapping/>
+  </p:clrMapOvr>
+</p:notes>
+</file>
+
+<file path=ppt/notesSlides/notesSlide2.xml><?xml version="1.0" encoding="utf-8"?>
+<p:notes xmlns:a="http://schemas.openxmlformats.org/drawingml/2006/main" xmlns:r="http://schemas.openxmlformats.org/officeDocument/2006/relationships" xmlns:p="http://schemas.openxmlformats.org/presentationml/2006/main">
+  <p:cSld>
+    <p:spTree>
+      <p:nvGrpSpPr>
+        <p:cNvPr id="1" name=""/>
+        <p:cNvGrpSpPr/>
+        <p:nvPr/>
+      </p:nvGrpSpPr>
+      <p:grpSpPr>
+        <a:xfrm>
+          <a:off x="0" y="0"/>
+          <a:ext cx="0" cy="0"/>
+          <a:chOff x="0" y="0"/>
+          <a:chExt cx="0" cy="0"/>
+        </a:xfrm>
+      </p:grpSpPr>
+      <p:sp>
+        <p:nvSpPr>
+          <p:cNvPr id="2" name="Slide Image Placeholder 1"/>
+          <p:cNvSpPr>
+            <a:spLocks noGrp="1" noRot="1" noChangeAspect="1"/>
+          </p:cNvSpPr>
+          <p:nvPr>
+            <p:ph type="sldImg"/>
+          </p:nvPr>
+        </p:nvSpPr>
+        <p:spPr/>
+      </p:sp>
+      <p:sp>
+        <p:nvSpPr>
+          <p:cNvPr id="3" name="Notes Placeholder 2"/>
+          <p:cNvSpPr>
+            <a:spLocks noGrp="1"/>
+          </p:cNvSpPr>
+          <p:nvPr>
+            <p:ph type="body" idx="1"/>
+          </p:nvPr>
+        </p:nvSpPr>
+        <p:spPr/>
+        <p:txBody>
+          <a:bodyPr/>
+          <a:lstStyle/>
+          <a:p>
+            <a:endParaRPr lang="en-US" dirty="0"/>
+          </a:p>
+        </p:txBody>
+      </p:sp>
+      <p:sp>
+        <p:nvSpPr>
+          <p:cNvPr id="4" name="Slide Number Placeholder 3"/>
+          <p:cNvSpPr>
+            <a:spLocks noGrp="1"/>
+          </p:cNvSpPr>
+          <p:nvPr>
+            <p:ph type="sldNum" sz="quarter" idx="5"/>
+          </p:nvPr>
+        </p:nvSpPr>
+        <p:spPr/>
+        <p:txBody>
+          <a:bodyPr/>
+          <a:lstStyle/>
+          <a:p>
+            <a:fld id="{922B863E-07C6-4043-ADFE-C3BAED750D47}" type="slidenum">
+              <a:rPr lang="en-US" smtClean="0"/>
+              <a:t>25</a:t>
+            </a:fld>
+            <a:endParaRPr lang="en-US"/>
+          </a:p>
+        </p:txBody>
+      </p:sp>
+    </p:spTree>
+    <p:extLst>
+      <p:ext uri="{BB962C8B-B14F-4D97-AF65-F5344CB8AC3E}">
+        <p14:creationId xmlns:p14="http://schemas.microsoft.com/office/powerpoint/2010/main" val="263516456"/>
       </p:ext>
     </p:extLst>
   </p:cSld>
@@ -11746,8 +11833,8 @@
           </p:sp>
         </mc:Fallback>
       </mc:AlternateContent>
-      <mc:AlternateContent xmlns:mc="http://schemas.openxmlformats.org/markup-compatibility/2006">
-        <mc:Choice xmlns:a14="http://schemas.microsoft.com/office/drawing/2010/main" Requires="a14">
+      <mc:AlternateContent xmlns:mc="http://schemas.openxmlformats.org/markup-compatibility/2006" xmlns:a14="http://schemas.microsoft.com/office/drawing/2010/main">
+        <mc:Choice Requires="a14">
           <p:sp>
             <p:nvSpPr>
               <p:cNvPr id="39" name="TextBox 38">
@@ -12255,7 +12342,7 @@
             </p:txBody>
           </p:sp>
         </mc:Choice>
-        <mc:Fallback>
+        <mc:Fallback xmlns="">
           <p:sp>
             <p:nvSpPr>
               <p:cNvPr id="39" name="TextBox 38">
@@ -13586,8 +13673,8 @@
           </a:fontRef>
         </p:style>
       </p:cxnSp>
-      <mc:AlternateContent xmlns:mc="http://schemas.openxmlformats.org/markup-compatibility/2006">
-        <mc:Choice xmlns:a14="http://schemas.microsoft.com/office/drawing/2010/main" Requires="a14">
+      <mc:AlternateContent xmlns:mc="http://schemas.openxmlformats.org/markup-compatibility/2006" xmlns:a14="http://schemas.microsoft.com/office/drawing/2010/main">
+        <mc:Choice Requires="a14">
           <p:sp>
             <p:nvSpPr>
               <p:cNvPr id="17" name="TextBox 16">
@@ -13662,7 +13749,7 @@
             </p:txBody>
           </p:sp>
         </mc:Choice>
-        <mc:Fallback>
+        <mc:Fallback xmlns="">
           <p:sp>
             <p:nvSpPr>
               <p:cNvPr id="17" name="TextBox 16">
@@ -13707,8 +13794,8 @@
           </p:sp>
         </mc:Fallback>
       </mc:AlternateContent>
-      <mc:AlternateContent xmlns:mc="http://schemas.openxmlformats.org/markup-compatibility/2006">
-        <mc:Choice xmlns:a14="http://schemas.microsoft.com/office/drawing/2010/main" Requires="a14">
+      <mc:AlternateContent xmlns:mc="http://schemas.openxmlformats.org/markup-compatibility/2006" xmlns:a14="http://schemas.microsoft.com/office/drawing/2010/main">
+        <mc:Choice Requires="a14">
           <p:sp>
             <p:nvSpPr>
               <p:cNvPr id="18" name="TextBox 17">
@@ -13786,7 +13873,7 @@
             </p:txBody>
           </p:sp>
         </mc:Choice>
-        <mc:Fallback>
+        <mc:Fallback xmlns="">
           <p:sp>
             <p:nvSpPr>
               <p:cNvPr id="18" name="TextBox 17">
@@ -13831,8 +13918,8 @@
           </p:sp>
         </mc:Fallback>
       </mc:AlternateContent>
-      <mc:AlternateContent xmlns:mc="http://schemas.openxmlformats.org/markup-compatibility/2006">
-        <mc:Choice xmlns:a14="http://schemas.microsoft.com/office/drawing/2010/main" Requires="a14">
+      <mc:AlternateContent xmlns:mc="http://schemas.openxmlformats.org/markup-compatibility/2006" xmlns:a14="http://schemas.microsoft.com/office/drawing/2010/main">
+        <mc:Choice Requires="a14">
           <p:sp>
             <p:nvSpPr>
               <p:cNvPr id="19" name="TextBox 18">
@@ -13914,7 +14001,7 @@
             </p:txBody>
           </p:sp>
         </mc:Choice>
-        <mc:Fallback>
+        <mc:Fallback xmlns="">
           <p:sp>
             <p:nvSpPr>
               <p:cNvPr id="19" name="TextBox 18">
@@ -13959,8 +14046,8 @@
           </p:sp>
         </mc:Fallback>
       </mc:AlternateContent>
-      <mc:AlternateContent xmlns:mc="http://schemas.openxmlformats.org/markup-compatibility/2006">
-        <mc:Choice xmlns:a14="http://schemas.microsoft.com/office/drawing/2010/main" Requires="a14">
+      <mc:AlternateContent xmlns:mc="http://schemas.openxmlformats.org/markup-compatibility/2006" xmlns:a14="http://schemas.microsoft.com/office/drawing/2010/main">
+        <mc:Choice Requires="a14">
           <p:sp>
             <p:nvSpPr>
               <p:cNvPr id="21" name="TextBox 20">
@@ -14057,7 +14144,7 @@
             </p:txBody>
           </p:sp>
         </mc:Choice>
-        <mc:Fallback>
+        <mc:Fallback xmlns="">
           <p:sp>
             <p:nvSpPr>
               <p:cNvPr id="21" name="TextBox 20">
@@ -15624,8 +15711,8 @@
           </a:p>
         </p:txBody>
       </p:sp>
-      <mc:AlternateContent xmlns:mc="http://schemas.openxmlformats.org/markup-compatibility/2006">
-        <mc:Choice xmlns:a14="http://schemas.microsoft.com/office/drawing/2010/main" Requires="a14">
+      <mc:AlternateContent xmlns:mc="http://schemas.openxmlformats.org/markup-compatibility/2006" xmlns:a14="http://schemas.microsoft.com/office/drawing/2010/main">
+        <mc:Choice Requires="a14">
           <p:sp>
             <p:nvSpPr>
               <p:cNvPr id="6" name="TextBox 5">
@@ -16436,7 +16523,7 @@
             </p:txBody>
           </p:sp>
         </mc:Choice>
-        <mc:Fallback>
+        <mc:Fallback xmlns="">
           <p:sp>
             <p:nvSpPr>
               <p:cNvPr id="6" name="TextBox 5">
@@ -16702,8 +16789,8 @@
           </a:p>
         </p:txBody>
       </p:sp>
-      <mc:AlternateContent xmlns:mc="http://schemas.openxmlformats.org/markup-compatibility/2006">
-        <mc:Choice xmlns:a14="http://schemas.microsoft.com/office/drawing/2010/main" Requires="a14">
+      <mc:AlternateContent xmlns:mc="http://schemas.openxmlformats.org/markup-compatibility/2006" xmlns:a14="http://schemas.microsoft.com/office/drawing/2010/main">
+        <mc:Choice Requires="a14">
           <p:sp>
             <p:nvSpPr>
               <p:cNvPr id="17" name="TextBox 16">
@@ -16965,7 +17052,7 @@
             </p:txBody>
           </p:sp>
         </mc:Choice>
-        <mc:Fallback>
+        <mc:Fallback xmlns="">
           <p:sp>
             <p:nvSpPr>
               <p:cNvPr id="17" name="TextBox 16">
@@ -17272,8 +17359,8 @@
           </a:fontRef>
         </p:style>
       </p:cxnSp>
-      <mc:AlternateContent xmlns:mc="http://schemas.openxmlformats.org/markup-compatibility/2006">
-        <mc:Choice xmlns:a14="http://schemas.microsoft.com/office/drawing/2010/main" Requires="a14">
+      <mc:AlternateContent xmlns:mc="http://schemas.openxmlformats.org/markup-compatibility/2006" xmlns:a14="http://schemas.microsoft.com/office/drawing/2010/main">
+        <mc:Choice Requires="a14">
           <p:sp>
             <p:nvSpPr>
               <p:cNvPr id="25" name="TextBox 24">
@@ -17348,7 +17435,7 @@
             </p:txBody>
           </p:sp>
         </mc:Choice>
-        <mc:Fallback>
+        <mc:Fallback xmlns="">
           <p:sp>
             <p:nvSpPr>
               <p:cNvPr id="25" name="TextBox 24">
@@ -17393,8 +17480,8 @@
           </p:sp>
         </mc:Fallback>
       </mc:AlternateContent>
-      <mc:AlternateContent xmlns:mc="http://schemas.openxmlformats.org/markup-compatibility/2006">
-        <mc:Choice xmlns:a14="http://schemas.microsoft.com/office/drawing/2010/main" Requires="a14">
+      <mc:AlternateContent xmlns:mc="http://schemas.openxmlformats.org/markup-compatibility/2006" xmlns:a14="http://schemas.microsoft.com/office/drawing/2010/main">
+        <mc:Choice Requires="a14">
           <p:sp>
             <p:nvSpPr>
               <p:cNvPr id="26" name="TextBox 25">
@@ -17472,7 +17559,7 @@
             </p:txBody>
           </p:sp>
         </mc:Choice>
-        <mc:Fallback>
+        <mc:Fallback xmlns="">
           <p:sp>
             <p:nvSpPr>
               <p:cNvPr id="26" name="TextBox 25">
@@ -17517,8 +17604,8 @@
           </p:sp>
         </mc:Fallback>
       </mc:AlternateContent>
-      <mc:AlternateContent xmlns:mc="http://schemas.openxmlformats.org/markup-compatibility/2006">
-        <mc:Choice xmlns:a14="http://schemas.microsoft.com/office/drawing/2010/main" Requires="a14">
+      <mc:AlternateContent xmlns:mc="http://schemas.openxmlformats.org/markup-compatibility/2006" xmlns:a14="http://schemas.microsoft.com/office/drawing/2010/main">
+        <mc:Choice Requires="a14">
           <p:sp>
             <p:nvSpPr>
               <p:cNvPr id="27" name="TextBox 26">
@@ -17600,7 +17687,7 @@
             </p:txBody>
           </p:sp>
         </mc:Choice>
-        <mc:Fallback>
+        <mc:Fallback xmlns="">
           <p:sp>
             <p:nvSpPr>
               <p:cNvPr id="27" name="TextBox 26">
@@ -17762,8 +17849,8 @@
           </a:p>
         </p:txBody>
       </p:sp>
-      <mc:AlternateContent xmlns:mc="http://schemas.openxmlformats.org/markup-compatibility/2006">
-        <mc:Choice xmlns:a14="http://schemas.microsoft.com/office/drawing/2010/main" Requires="a14">
+      <mc:AlternateContent xmlns:mc="http://schemas.openxmlformats.org/markup-compatibility/2006" xmlns:a14="http://schemas.microsoft.com/office/drawing/2010/main">
+        <mc:Choice Requires="a14">
           <p:sp>
             <p:nvSpPr>
               <p:cNvPr id="4" name="TextBox 3">
@@ -17919,7 +18006,7 @@
             </p:txBody>
           </p:sp>
         </mc:Choice>
-        <mc:Fallback>
+        <mc:Fallback xmlns="">
           <p:sp>
             <p:nvSpPr>
               <p:cNvPr id="4" name="TextBox 3">
@@ -17964,8 +18051,8 @@
           </p:sp>
         </mc:Fallback>
       </mc:AlternateContent>
-      <mc:AlternateContent xmlns:mc="http://schemas.openxmlformats.org/markup-compatibility/2006">
-        <mc:Choice xmlns:a14="http://schemas.microsoft.com/office/drawing/2010/main" Requires="a14">
+      <mc:AlternateContent xmlns:mc="http://schemas.openxmlformats.org/markup-compatibility/2006" xmlns:a14="http://schemas.microsoft.com/office/drawing/2010/main">
+        <mc:Choice Requires="a14">
           <p:sp>
             <p:nvSpPr>
               <p:cNvPr id="5" name="TextBox 4">
@@ -18254,7 +18341,7 @@
             </p:txBody>
           </p:sp>
         </mc:Choice>
-        <mc:Fallback>
+        <mc:Fallback xmlns="">
           <p:sp>
             <p:nvSpPr>
               <p:cNvPr id="5" name="TextBox 4">
@@ -18329,8 +18416,8 @@
           <a:chExt cx="0" cy="0"/>
         </a:xfrm>
       </p:grpSpPr>
-      <mc:AlternateContent xmlns:mc="http://schemas.openxmlformats.org/markup-compatibility/2006">
-        <mc:Choice xmlns:a14="http://schemas.microsoft.com/office/drawing/2010/main" Requires="a14">
+      <mc:AlternateContent xmlns:mc="http://schemas.openxmlformats.org/markup-compatibility/2006" xmlns:a14="http://schemas.microsoft.com/office/drawing/2010/main">
+        <mc:Choice Requires="a14">
           <p:sp>
             <p:nvSpPr>
               <p:cNvPr id="2" name="TextBox 1">
@@ -19271,7 +19358,7 @@
             </p:txBody>
           </p:sp>
         </mc:Choice>
-        <mc:Fallback>
+        <mc:Fallback xmlns="">
           <p:sp>
             <p:nvSpPr>
               <p:cNvPr id="2" name="TextBox 1">
@@ -19346,8 +19433,8 @@
           <a:chExt cx="0" cy="0"/>
         </a:xfrm>
       </p:grpSpPr>
-      <mc:AlternateContent xmlns:mc="http://schemas.openxmlformats.org/markup-compatibility/2006">
-        <mc:Choice xmlns:a14="http://schemas.microsoft.com/office/drawing/2010/main" Requires="a14">
+      <mc:AlternateContent xmlns:mc="http://schemas.openxmlformats.org/markup-compatibility/2006" xmlns:a14="http://schemas.microsoft.com/office/drawing/2010/main">
+        <mc:Choice Requires="a14">
           <p:sp>
             <p:nvSpPr>
               <p:cNvPr id="2" name="TextBox 1">
@@ -19719,6 +19806,7 @@
                             <a:solidFill>
                               <a:srgbClr val="0070C0"/>
                             </a:solidFill>
+                            <a:latin typeface="Cambria Math" panose="02040503050406030204" pitchFamily="18" charset="0"/>
                           </a:rPr>
                         </m:ctrlPr>
                       </m:sSubPr>
@@ -19728,6 +19816,7 @@
                             <a:solidFill>
                               <a:srgbClr val="0070C0"/>
                             </a:solidFill>
+                            <a:latin typeface="Cambria Math" panose="02040503050406030204" pitchFamily="18" charset="0"/>
                           </a:rPr>
                           <m:t>𝒉</m:t>
                         </m:r>
@@ -19738,6 +19827,7 @@
                             <a:solidFill>
                               <a:srgbClr val="0070C0"/>
                             </a:solidFill>
+                            <a:latin typeface="Cambria Math" panose="02040503050406030204" pitchFamily="18" charset="0"/>
                           </a:rPr>
                           <m:t>𝒊</m:t>
                         </m:r>
@@ -19748,6 +19838,7 @@
                         <a:solidFill>
                           <a:srgbClr val="0070C0"/>
                         </a:solidFill>
+                        <a:latin typeface="Cambria Math" panose="02040503050406030204" pitchFamily="18" charset="0"/>
                       </a:rPr>
                       <m:t> =</m:t>
                     </m:r>
@@ -19756,6 +19847,7 @@
                         <a:solidFill>
                           <a:srgbClr val="0070C0"/>
                         </a:solidFill>
+                        <a:latin typeface="Cambria Math" panose="02040503050406030204" pitchFamily="18" charset="0"/>
                       </a:rPr>
                       <m:t>𝝈</m:t>
                     </m:r>
@@ -19764,6 +19856,7 @@
                         <a:solidFill>
                           <a:srgbClr val="0070C0"/>
                         </a:solidFill>
+                        <a:latin typeface="Cambria Math" panose="02040503050406030204" pitchFamily="18" charset="0"/>
                       </a:rPr>
                       <m:t>(</m:t>
                     </m:r>
@@ -19772,6 +19865,7 @@
                         <a:solidFill>
                           <a:srgbClr val="0070C0"/>
                         </a:solidFill>
+                        <a:latin typeface="Cambria Math" panose="02040503050406030204" pitchFamily="18" charset="0"/>
                       </a:rPr>
                       <m:t>𝑯</m:t>
                     </m:r>
@@ -19780,6 +19874,7 @@
                         <a:solidFill>
                           <a:srgbClr val="0070C0"/>
                         </a:solidFill>
+                        <a:latin typeface="Cambria Math" panose="02040503050406030204" pitchFamily="18" charset="0"/>
                       </a:rPr>
                       <m:t>(</m:t>
                     </m:r>
@@ -19788,6 +19883,7 @@
                         <a:solidFill>
                           <a:srgbClr val="0070C0"/>
                         </a:solidFill>
+                        <a:latin typeface="Cambria Math" panose="02040503050406030204" pitchFamily="18" charset="0"/>
                       </a:rPr>
                       <m:t>𝑮</m:t>
                     </m:r>
@@ -19798,6 +19894,7 @@
                             <a:solidFill>
                               <a:srgbClr val="0070C0"/>
                             </a:solidFill>
+                            <a:latin typeface="Cambria Math" panose="02040503050406030204" pitchFamily="18" charset="0"/>
                           </a:rPr>
                         </m:ctrlPr>
                       </m:dPr>
@@ -19809,6 +19906,7 @@
                                 <a:solidFill>
                                   <a:srgbClr val="0070C0"/>
                                 </a:solidFill>
+                                <a:latin typeface="Cambria Math" panose="02040503050406030204" pitchFamily="18" charset="0"/>
                               </a:rPr>
                             </m:ctrlPr>
                           </m:sSubPr>
@@ -19818,6 +19916,7 @@
                                 <a:solidFill>
                                   <a:srgbClr val="0070C0"/>
                                 </a:solidFill>
+                                <a:latin typeface="Cambria Math" panose="02040503050406030204" pitchFamily="18" charset="0"/>
                               </a:rPr>
                               <m:t>𝒙</m:t>
                             </m:r>
@@ -19828,6 +19927,7 @@
                                 <a:solidFill>
                                   <a:srgbClr val="0070C0"/>
                                 </a:solidFill>
+                                <a:latin typeface="Cambria Math" panose="02040503050406030204" pitchFamily="18" charset="0"/>
                               </a:rPr>
                               <m:t>𝒊</m:t>
                             </m:r>
@@ -19840,6 +19940,7 @@
                         <a:solidFill>
                           <a:srgbClr val="0070C0"/>
                         </a:solidFill>
+                        <a:latin typeface="Cambria Math" panose="02040503050406030204" pitchFamily="18" charset="0"/>
                       </a:rPr>
                       <m:t> , </m:t>
                     </m:r>
@@ -19850,6 +19951,7 @@
                             <a:solidFill>
                               <a:srgbClr val="0070C0"/>
                             </a:solidFill>
+                            <a:latin typeface="Cambria Math" panose="02040503050406030204" pitchFamily="18" charset="0"/>
                           </a:rPr>
                         </m:ctrlPr>
                       </m:sSubPr>
@@ -19859,6 +19961,7 @@
                             <a:solidFill>
                               <a:srgbClr val="0070C0"/>
                             </a:solidFill>
+                            <a:latin typeface="Cambria Math" panose="02040503050406030204" pitchFamily="18" charset="0"/>
                           </a:rPr>
                           <m:t>𝒎</m:t>
                         </m:r>
@@ -19869,6 +19972,7 @@
                             <a:solidFill>
                               <a:srgbClr val="0070C0"/>
                             </a:solidFill>
+                            <a:latin typeface="Cambria Math" panose="02040503050406030204" pitchFamily="18" charset="0"/>
                           </a:rPr>
                           <m:t>𝒊</m:t>
                         </m:r>
@@ -19879,6 +19983,7 @@
                         <a:solidFill>
                           <a:srgbClr val="0070C0"/>
                         </a:solidFill>
+                        <a:latin typeface="Cambria Math" panose="02040503050406030204" pitchFamily="18" charset="0"/>
                       </a:rPr>
                       <m:t>))</m:t>
                     </m:r>
@@ -20063,7 +20168,7 @@
             </p:txBody>
           </p:sp>
         </mc:Choice>
-        <mc:Fallback>
+        <mc:Fallback xmlns="">
           <p:sp>
             <p:nvSpPr>
               <p:cNvPr id="2" name="TextBox 1">
@@ -20173,8 +20278,8 @@
           </a:p>
         </p:txBody>
       </p:sp>
-      <mc:AlternateContent xmlns:mc="http://schemas.openxmlformats.org/markup-compatibility/2006">
-        <mc:Choice xmlns:a14="http://schemas.microsoft.com/office/drawing/2010/main" Requires="a14">
+      <mc:AlternateContent xmlns:mc="http://schemas.openxmlformats.org/markup-compatibility/2006" xmlns:a14="http://schemas.microsoft.com/office/drawing/2010/main">
+        <mc:Choice Requires="a14">
           <p:sp>
             <p:nvSpPr>
               <p:cNvPr id="16" name="TextBox 15">
@@ -20436,7 +20541,7 @@
             </p:txBody>
           </p:sp>
         </mc:Choice>
-        <mc:Fallback>
+        <mc:Fallback xmlns="">
           <p:sp>
             <p:nvSpPr>
               <p:cNvPr id="16" name="TextBox 15">
@@ -20481,8 +20586,8 @@
           </p:sp>
         </mc:Fallback>
       </mc:AlternateContent>
-      <mc:AlternateContent xmlns:mc="http://schemas.openxmlformats.org/markup-compatibility/2006">
-        <mc:Choice xmlns:a14="http://schemas.microsoft.com/office/drawing/2010/main" Requires="a14">
+      <mc:AlternateContent xmlns:mc="http://schemas.openxmlformats.org/markup-compatibility/2006" xmlns:a14="http://schemas.microsoft.com/office/drawing/2010/main">
+        <mc:Choice Requires="a14">
           <p:sp>
             <p:nvSpPr>
               <p:cNvPr id="18" name="TextBox 17">
@@ -20714,7 +20819,7 @@
             </p:txBody>
           </p:sp>
         </mc:Choice>
-        <mc:Fallback>
+        <mc:Fallback xmlns="">
           <p:sp>
             <p:nvSpPr>
               <p:cNvPr id="18" name="TextBox 17">
@@ -21021,8 +21126,8 @@
           </a:fontRef>
         </p:style>
       </p:cxnSp>
-      <mc:AlternateContent xmlns:mc="http://schemas.openxmlformats.org/markup-compatibility/2006">
-        <mc:Choice xmlns:a14="http://schemas.microsoft.com/office/drawing/2010/main" Requires="a14">
+      <mc:AlternateContent xmlns:mc="http://schemas.openxmlformats.org/markup-compatibility/2006" xmlns:a14="http://schemas.microsoft.com/office/drawing/2010/main">
+        <mc:Choice Requires="a14">
           <p:sp>
             <p:nvSpPr>
               <p:cNvPr id="26" name="TextBox 25">
@@ -21097,7 +21202,7 @@
             </p:txBody>
           </p:sp>
         </mc:Choice>
-        <mc:Fallback>
+        <mc:Fallback xmlns="">
           <p:sp>
             <p:nvSpPr>
               <p:cNvPr id="26" name="TextBox 25">
@@ -21142,8 +21247,8 @@
           </p:sp>
         </mc:Fallback>
       </mc:AlternateContent>
-      <mc:AlternateContent xmlns:mc="http://schemas.openxmlformats.org/markup-compatibility/2006">
-        <mc:Choice xmlns:a14="http://schemas.microsoft.com/office/drawing/2010/main" Requires="a14">
+      <mc:AlternateContent xmlns:mc="http://schemas.openxmlformats.org/markup-compatibility/2006" xmlns:a14="http://schemas.microsoft.com/office/drawing/2010/main">
+        <mc:Choice Requires="a14">
           <p:sp>
             <p:nvSpPr>
               <p:cNvPr id="27" name="TextBox 26">
@@ -21221,7 +21326,7 @@
             </p:txBody>
           </p:sp>
         </mc:Choice>
-        <mc:Fallback>
+        <mc:Fallback xmlns="">
           <p:sp>
             <p:nvSpPr>
               <p:cNvPr id="27" name="TextBox 26">
@@ -21266,8 +21371,8 @@
           </p:sp>
         </mc:Fallback>
       </mc:AlternateContent>
-      <mc:AlternateContent xmlns:mc="http://schemas.openxmlformats.org/markup-compatibility/2006">
-        <mc:Choice xmlns:a14="http://schemas.microsoft.com/office/drawing/2010/main" Requires="a14">
+      <mc:AlternateContent xmlns:mc="http://schemas.openxmlformats.org/markup-compatibility/2006" xmlns:a14="http://schemas.microsoft.com/office/drawing/2010/main">
+        <mc:Choice Requires="a14">
           <p:sp>
             <p:nvSpPr>
               <p:cNvPr id="28" name="TextBox 27">
@@ -21349,7 +21454,7 @@
             </p:txBody>
           </p:sp>
         </mc:Choice>
-        <mc:Fallback>
+        <mc:Fallback xmlns="">
           <p:sp>
             <p:nvSpPr>
               <p:cNvPr id="28" name="TextBox 27">
@@ -22313,6 +22418,6982 @@
       <p:bldP spid="35" grpId="0"/>
     </p:bldLst>
   </p:timing>
+</p:sld>
+</file>
+
+<file path=ppt/slides/slide25.xml><?xml version="1.0" encoding="utf-8"?>
+<p:sld xmlns:a="http://schemas.openxmlformats.org/drawingml/2006/main" xmlns:r="http://schemas.openxmlformats.org/officeDocument/2006/relationships" xmlns:p="http://schemas.openxmlformats.org/presentationml/2006/main">
+  <p:cSld>
+    <p:spTree>
+      <p:nvGrpSpPr>
+        <p:cNvPr id="1" name=""/>
+        <p:cNvGrpSpPr/>
+        <p:nvPr/>
+      </p:nvGrpSpPr>
+      <p:grpSpPr>
+        <a:xfrm>
+          <a:off x="0" y="0"/>
+          <a:ext cx="0" cy="0"/>
+          <a:chOff x="0" y="0"/>
+          <a:chExt cx="0" cy="0"/>
+        </a:xfrm>
+      </p:grpSpPr>
+      <p:sp>
+        <p:nvSpPr>
+          <p:cNvPr id="2" name="TextBox 1">
+            <a:extLst>
+              <a:ext uri="{FF2B5EF4-FFF2-40B4-BE49-F238E27FC236}">
+                <a16:creationId xmlns:a16="http://schemas.microsoft.com/office/drawing/2014/main" id="{0EAA8E9A-73D4-D9A5-6BF3-8B511CFF9F1A}"/>
+              </a:ext>
+            </a:extLst>
+          </p:cNvPr>
+          <p:cNvSpPr txBox="1"/>
+          <p:nvPr/>
+        </p:nvSpPr>
+        <p:spPr>
+          <a:xfrm>
+            <a:off x="205219" y="157532"/>
+            <a:ext cx="5506064" cy="461665"/>
+          </a:xfrm>
+          <a:prstGeom prst="rect">
+            <a:avLst/>
+          </a:prstGeom>
+          <a:noFill/>
+        </p:spPr>
+        <p:txBody>
+          <a:bodyPr wrap="square" rtlCol="0">
+            <a:spAutoFit/>
+          </a:bodyPr>
+          <a:lstStyle/>
+          <a:p>
+            <a:r>
+              <a:rPr lang="en-US" sz="2400" b="1" dirty="0"/>
+              <a:t>Stacking GNN layers together</a:t>
+            </a:r>
+          </a:p>
+        </p:txBody>
+      </p:sp>
+      <p:pic>
+        <p:nvPicPr>
+          <p:cNvPr id="3" name="Picture 2">
+            <a:extLst>
+              <a:ext uri="{FF2B5EF4-FFF2-40B4-BE49-F238E27FC236}">
+                <a16:creationId xmlns:a16="http://schemas.microsoft.com/office/drawing/2014/main" id="{F49FF1DD-2CBA-4CD4-61B1-E76162BA4F9A}"/>
+              </a:ext>
+            </a:extLst>
+          </p:cNvPr>
+          <p:cNvPicPr>
+            <a:picLocks noChangeAspect="1"/>
+          </p:cNvPicPr>
+          <p:nvPr/>
+        </p:nvPicPr>
+        <p:blipFill>
+          <a:blip r:embed="rId3"/>
+          <a:stretch>
+            <a:fillRect/>
+          </a:stretch>
+        </p:blipFill>
+        <p:spPr>
+          <a:xfrm>
+            <a:off x="443514" y="1888397"/>
+            <a:ext cx="1736615" cy="1861167"/>
+          </a:xfrm>
+          <a:prstGeom prst="rect">
+            <a:avLst/>
+          </a:prstGeom>
+        </p:spPr>
+      </p:pic>
+      <mc:AlternateContent xmlns:mc="http://schemas.openxmlformats.org/markup-compatibility/2006">
+        <mc:Choice xmlns:a14="http://schemas.microsoft.com/office/drawing/2010/main" Requires="a14">
+          <p:sp>
+            <p:nvSpPr>
+              <p:cNvPr id="4" name="TextBox 3">
+                <a:extLst>
+                  <a:ext uri="{FF2B5EF4-FFF2-40B4-BE49-F238E27FC236}">
+                    <a16:creationId xmlns:a16="http://schemas.microsoft.com/office/drawing/2014/main" id="{36179EE1-F769-3E71-B588-46CD8DA81AD9}"/>
+                  </a:ext>
+                </a:extLst>
+              </p:cNvPr>
+              <p:cNvSpPr txBox="1"/>
+              <p:nvPr/>
+            </p:nvSpPr>
+            <p:spPr>
+              <a:xfrm>
+                <a:off x="225548" y="2213114"/>
+                <a:ext cx="257295" cy="369332"/>
+              </a:xfrm>
+              <a:prstGeom prst="rect">
+                <a:avLst/>
+              </a:prstGeom>
+              <a:noFill/>
+            </p:spPr>
+            <p:txBody>
+              <a:bodyPr wrap="square">
+                <a:spAutoFit/>
+              </a:bodyPr>
+              <a:lstStyle/>
+              <a:p>
+                <a:pPr/>
+                <a14:m>
+                  <m:oMathPara xmlns:m="http://schemas.openxmlformats.org/officeDocument/2006/math">
+                    <m:oMathParaPr>
+                      <m:jc m:val="centerGroup"/>
+                    </m:oMathParaPr>
+                    <m:oMath xmlns:m="http://schemas.openxmlformats.org/officeDocument/2006/math">
+                      <m:sSub>
+                        <m:sSubPr>
+                          <m:ctrlPr>
+                            <a:rPr lang="en-US" b="1" i="1" smtClean="0">
+                              <a:solidFill>
+                                <a:srgbClr val="836967"/>
+                              </a:solidFill>
+                              <a:latin typeface="Cambria Math" panose="02040503050406030204" pitchFamily="18" charset="0"/>
+                            </a:rPr>
+                          </m:ctrlPr>
+                        </m:sSubPr>
+                        <m:e>
+                          <m:r>
+                            <a:rPr lang="en-US" b="1" i="1">
+                              <a:latin typeface="Cambria Math" panose="02040503050406030204" pitchFamily="18" charset="0"/>
+                            </a:rPr>
+                            <m:t>𝒙</m:t>
+                          </m:r>
+                        </m:e>
+                        <m:sub>
+                          <m:r>
+                            <a:rPr lang="en-US" b="1" i="1" smtClean="0">
+                              <a:latin typeface="Cambria Math" panose="02040503050406030204" pitchFamily="18" charset="0"/>
+                            </a:rPr>
+                            <m:t>𝟐</m:t>
+                          </m:r>
+                        </m:sub>
+                      </m:sSub>
+                    </m:oMath>
+                  </m:oMathPara>
+                </a14:m>
+                <a:endParaRPr lang="en-US" sz="2000" b="1" i="1" dirty="0"/>
+              </a:p>
+            </p:txBody>
+          </p:sp>
+        </mc:Choice>
+        <mc:Fallback>
+          <p:sp>
+            <p:nvSpPr>
+              <p:cNvPr id="4" name="TextBox 3">
+                <a:extLst>
+                  <a:ext uri="{FF2B5EF4-FFF2-40B4-BE49-F238E27FC236}">
+                    <a16:creationId xmlns:a16="http://schemas.microsoft.com/office/drawing/2014/main" id="{36179EE1-F769-3E71-B588-46CD8DA81AD9}"/>
+                  </a:ext>
+                </a:extLst>
+              </p:cNvPr>
+              <p:cNvSpPr txBox="1">
+                <a:spLocks noRot="1" noChangeAspect="1" noMove="1" noResize="1" noEditPoints="1" noAdjustHandles="1" noChangeArrowheads="1" noChangeShapeType="1" noTextEdit="1"/>
+              </p:cNvSpPr>
+              <p:nvPr/>
+            </p:nvSpPr>
+            <p:spPr>
+              <a:xfrm>
+                <a:off x="225548" y="2213114"/>
+                <a:ext cx="257295" cy="369332"/>
+              </a:xfrm>
+              <a:prstGeom prst="rect">
+                <a:avLst/>
+              </a:prstGeom>
+              <a:blipFill>
+                <a:blip r:embed="rId4"/>
+                <a:stretch>
+                  <a:fillRect r="-52381" b="-1639"/>
+                </a:stretch>
+              </a:blipFill>
+            </p:spPr>
+            <p:txBody>
+              <a:bodyPr/>
+              <a:lstStyle/>
+              <a:p>
+                <a:r>
+                  <a:rPr lang="en-US">
+                    <a:noFill/>
+                  </a:rPr>
+                  <a:t> </a:t>
+                </a:r>
+              </a:p>
+            </p:txBody>
+          </p:sp>
+        </mc:Fallback>
+      </mc:AlternateContent>
+      <mc:AlternateContent xmlns:mc="http://schemas.openxmlformats.org/markup-compatibility/2006">
+        <mc:Choice xmlns:a14="http://schemas.microsoft.com/office/drawing/2010/main" Requires="a14">
+          <p:sp>
+            <p:nvSpPr>
+              <p:cNvPr id="5" name="TextBox 4">
+                <a:extLst>
+                  <a:ext uri="{FF2B5EF4-FFF2-40B4-BE49-F238E27FC236}">
+                    <a16:creationId xmlns:a16="http://schemas.microsoft.com/office/drawing/2014/main" id="{4963BA04-18EF-57FB-4794-7EDD596AB480}"/>
+                  </a:ext>
+                </a:extLst>
+              </p:cNvPr>
+              <p:cNvSpPr txBox="1"/>
+              <p:nvPr/>
+            </p:nvSpPr>
+            <p:spPr>
+              <a:xfrm>
+                <a:off x="1093373" y="3592754"/>
+                <a:ext cx="436895" cy="369332"/>
+              </a:xfrm>
+              <a:prstGeom prst="rect">
+                <a:avLst/>
+              </a:prstGeom>
+              <a:noFill/>
+            </p:spPr>
+            <p:txBody>
+              <a:bodyPr wrap="square">
+                <a:spAutoFit/>
+              </a:bodyPr>
+              <a:lstStyle/>
+              <a:p>
+                <a:pPr/>
+                <a14:m>
+                  <m:oMathPara xmlns:m="http://schemas.openxmlformats.org/officeDocument/2006/math">
+                    <m:oMathParaPr>
+                      <m:jc m:val="centerGroup"/>
+                    </m:oMathParaPr>
+                    <m:oMath xmlns:m="http://schemas.openxmlformats.org/officeDocument/2006/math">
+                      <m:sSub>
+                        <m:sSubPr>
+                          <m:ctrlPr>
+                            <a:rPr lang="en-US" b="1" i="1" smtClean="0">
+                              <a:solidFill>
+                                <a:srgbClr val="836967"/>
+                              </a:solidFill>
+                              <a:latin typeface="Cambria Math" panose="02040503050406030204" pitchFamily="18" charset="0"/>
+                            </a:rPr>
+                          </m:ctrlPr>
+                        </m:sSubPr>
+                        <m:e>
+                          <m:r>
+                            <a:rPr lang="en-US" b="1" i="1">
+                              <a:latin typeface="Cambria Math" panose="02040503050406030204" pitchFamily="18" charset="0"/>
+                            </a:rPr>
+                            <m:t>𝒙</m:t>
+                          </m:r>
+                        </m:e>
+                        <m:sub>
+                          <m:r>
+                            <a:rPr lang="en-US" b="1" i="1" smtClean="0">
+                              <a:latin typeface="Cambria Math" panose="02040503050406030204" pitchFamily="18" charset="0"/>
+                            </a:rPr>
+                            <m:t>𝟑</m:t>
+                          </m:r>
+                        </m:sub>
+                      </m:sSub>
+                    </m:oMath>
+                  </m:oMathPara>
+                </a14:m>
+                <a:endParaRPr lang="en-US" sz="2000" b="1" i="1" dirty="0"/>
+              </a:p>
+            </p:txBody>
+          </p:sp>
+        </mc:Choice>
+        <mc:Fallback>
+          <p:sp>
+            <p:nvSpPr>
+              <p:cNvPr id="5" name="TextBox 4">
+                <a:extLst>
+                  <a:ext uri="{FF2B5EF4-FFF2-40B4-BE49-F238E27FC236}">
+                    <a16:creationId xmlns:a16="http://schemas.microsoft.com/office/drawing/2014/main" id="{4963BA04-18EF-57FB-4794-7EDD596AB480}"/>
+                  </a:ext>
+                </a:extLst>
+              </p:cNvPr>
+              <p:cNvSpPr txBox="1">
+                <a:spLocks noRot="1" noChangeAspect="1" noMove="1" noResize="1" noEditPoints="1" noAdjustHandles="1" noChangeArrowheads="1" noChangeShapeType="1" noTextEdit="1"/>
+              </p:cNvSpPr>
+              <p:nvPr/>
+            </p:nvSpPr>
+            <p:spPr>
+              <a:xfrm>
+                <a:off x="1093373" y="3592754"/>
+                <a:ext cx="436895" cy="369332"/>
+              </a:xfrm>
+              <a:prstGeom prst="rect">
+                <a:avLst/>
+              </a:prstGeom>
+              <a:blipFill>
+                <a:blip r:embed="rId5"/>
+                <a:stretch>
+                  <a:fillRect b="-1639"/>
+                </a:stretch>
+              </a:blipFill>
+            </p:spPr>
+            <p:txBody>
+              <a:bodyPr/>
+              <a:lstStyle/>
+              <a:p>
+                <a:r>
+                  <a:rPr lang="en-US">
+                    <a:noFill/>
+                  </a:rPr>
+                  <a:t> </a:t>
+                </a:r>
+              </a:p>
+            </p:txBody>
+          </p:sp>
+        </mc:Fallback>
+      </mc:AlternateContent>
+      <mc:AlternateContent xmlns:mc="http://schemas.openxmlformats.org/markup-compatibility/2006">
+        <mc:Choice xmlns:a14="http://schemas.microsoft.com/office/drawing/2010/main" Requires="a14">
+          <p:sp>
+            <p:nvSpPr>
+              <p:cNvPr id="6" name="TextBox 5">
+                <a:extLst>
+                  <a:ext uri="{FF2B5EF4-FFF2-40B4-BE49-F238E27FC236}">
+                    <a16:creationId xmlns:a16="http://schemas.microsoft.com/office/drawing/2014/main" id="{A82F4AE7-DAA7-85E6-BB36-F2D8B092B4E1}"/>
+                  </a:ext>
+                </a:extLst>
+              </p:cNvPr>
+              <p:cNvSpPr txBox="1"/>
+              <p:nvPr/>
+            </p:nvSpPr>
+            <p:spPr>
+              <a:xfrm>
+                <a:off x="1743234" y="2169261"/>
+                <a:ext cx="436895" cy="369332"/>
+              </a:xfrm>
+              <a:prstGeom prst="rect">
+                <a:avLst/>
+              </a:prstGeom>
+              <a:noFill/>
+            </p:spPr>
+            <p:txBody>
+              <a:bodyPr wrap="square">
+                <a:spAutoFit/>
+              </a:bodyPr>
+              <a:lstStyle/>
+              <a:p>
+                <a:pPr/>
+                <a14:m>
+                  <m:oMathPara xmlns:m="http://schemas.openxmlformats.org/officeDocument/2006/math">
+                    <m:oMathParaPr>
+                      <m:jc m:val="centerGroup"/>
+                    </m:oMathParaPr>
+                    <m:oMath xmlns:m="http://schemas.openxmlformats.org/officeDocument/2006/math">
+                      <m:sSub>
+                        <m:sSubPr>
+                          <m:ctrlPr>
+                            <a:rPr lang="en-US" b="1" i="1" smtClean="0">
+                              <a:solidFill>
+                                <a:srgbClr val="836967"/>
+                              </a:solidFill>
+                              <a:latin typeface="Cambria Math" panose="02040503050406030204" pitchFamily="18" charset="0"/>
+                            </a:rPr>
+                          </m:ctrlPr>
+                        </m:sSubPr>
+                        <m:e>
+                          <m:r>
+                            <a:rPr lang="en-US" b="1" i="1">
+                              <a:latin typeface="Cambria Math" panose="02040503050406030204" pitchFamily="18" charset="0"/>
+                            </a:rPr>
+                            <m:t>𝒙</m:t>
+                          </m:r>
+                        </m:e>
+                        <m:sub>
+                          <m:r>
+                            <a:rPr lang="en-US" b="1" i="1" smtClean="0">
+                              <a:latin typeface="Cambria Math" panose="02040503050406030204" pitchFamily="18" charset="0"/>
+                            </a:rPr>
+                            <m:t>𝟒</m:t>
+                          </m:r>
+                        </m:sub>
+                      </m:sSub>
+                    </m:oMath>
+                  </m:oMathPara>
+                </a14:m>
+                <a:endParaRPr lang="en-US" sz="2000" b="1" i="1" dirty="0"/>
+              </a:p>
+            </p:txBody>
+          </p:sp>
+        </mc:Choice>
+        <mc:Fallback>
+          <p:sp>
+            <p:nvSpPr>
+              <p:cNvPr id="6" name="TextBox 5">
+                <a:extLst>
+                  <a:ext uri="{FF2B5EF4-FFF2-40B4-BE49-F238E27FC236}">
+                    <a16:creationId xmlns:a16="http://schemas.microsoft.com/office/drawing/2014/main" id="{A82F4AE7-DAA7-85E6-BB36-F2D8B092B4E1}"/>
+                  </a:ext>
+                </a:extLst>
+              </p:cNvPr>
+              <p:cNvSpPr txBox="1">
+                <a:spLocks noRot="1" noChangeAspect="1" noMove="1" noResize="1" noEditPoints="1" noAdjustHandles="1" noChangeArrowheads="1" noChangeShapeType="1" noTextEdit="1"/>
+              </p:cNvSpPr>
+              <p:nvPr/>
+            </p:nvSpPr>
+            <p:spPr>
+              <a:xfrm>
+                <a:off x="1743234" y="2169261"/>
+                <a:ext cx="436895" cy="369332"/>
+              </a:xfrm>
+              <a:prstGeom prst="rect">
+                <a:avLst/>
+              </a:prstGeom>
+              <a:blipFill>
+                <a:blip r:embed="rId6"/>
+                <a:stretch>
+                  <a:fillRect b="-1667"/>
+                </a:stretch>
+              </a:blipFill>
+            </p:spPr>
+            <p:txBody>
+              <a:bodyPr/>
+              <a:lstStyle/>
+              <a:p>
+                <a:r>
+                  <a:rPr lang="en-US">
+                    <a:noFill/>
+                  </a:rPr>
+                  <a:t> </a:t>
+                </a:r>
+              </a:p>
+            </p:txBody>
+          </p:sp>
+        </mc:Fallback>
+      </mc:AlternateContent>
+      <mc:AlternateContent xmlns:mc="http://schemas.openxmlformats.org/markup-compatibility/2006">
+        <mc:Choice xmlns:a14="http://schemas.microsoft.com/office/drawing/2010/main" Requires="a14">
+          <p:sp>
+            <p:nvSpPr>
+              <p:cNvPr id="7" name="TextBox 6">
+                <a:extLst>
+                  <a:ext uri="{FF2B5EF4-FFF2-40B4-BE49-F238E27FC236}">
+                    <a16:creationId xmlns:a16="http://schemas.microsoft.com/office/drawing/2014/main" id="{A75E76F4-A2E8-A98E-FB03-8D165184DFC4}"/>
+                  </a:ext>
+                </a:extLst>
+              </p:cNvPr>
+              <p:cNvSpPr txBox="1"/>
+              <p:nvPr/>
+            </p:nvSpPr>
+            <p:spPr>
+              <a:xfrm>
+                <a:off x="1222021" y="1519065"/>
+                <a:ext cx="436895" cy="369332"/>
+              </a:xfrm>
+              <a:prstGeom prst="rect">
+                <a:avLst/>
+              </a:prstGeom>
+              <a:noFill/>
+            </p:spPr>
+            <p:txBody>
+              <a:bodyPr wrap="square">
+                <a:spAutoFit/>
+              </a:bodyPr>
+              <a:lstStyle/>
+              <a:p>
+                <a:pPr/>
+                <a14:m>
+                  <m:oMathPara xmlns:m="http://schemas.openxmlformats.org/officeDocument/2006/math">
+                    <m:oMathParaPr>
+                      <m:jc m:val="centerGroup"/>
+                    </m:oMathParaPr>
+                    <m:oMath xmlns:m="http://schemas.openxmlformats.org/officeDocument/2006/math">
+                      <m:sSub>
+                        <m:sSubPr>
+                          <m:ctrlPr>
+                            <a:rPr lang="en-US" b="1" i="1" smtClean="0">
+                              <a:solidFill>
+                                <a:srgbClr val="836967"/>
+                              </a:solidFill>
+                              <a:latin typeface="Cambria Math" panose="02040503050406030204" pitchFamily="18" charset="0"/>
+                            </a:rPr>
+                          </m:ctrlPr>
+                        </m:sSubPr>
+                        <m:e>
+                          <m:r>
+                            <a:rPr lang="en-US" b="1" i="1">
+                              <a:latin typeface="Cambria Math" panose="02040503050406030204" pitchFamily="18" charset="0"/>
+                            </a:rPr>
+                            <m:t>𝒙</m:t>
+                          </m:r>
+                        </m:e>
+                        <m:sub>
+                          <m:r>
+                            <a:rPr lang="en-US" b="1" i="1" smtClean="0">
+                              <a:latin typeface="Cambria Math" panose="02040503050406030204" pitchFamily="18" charset="0"/>
+                            </a:rPr>
+                            <m:t>𝟏</m:t>
+                          </m:r>
+                        </m:sub>
+                      </m:sSub>
+                    </m:oMath>
+                  </m:oMathPara>
+                </a14:m>
+                <a:endParaRPr lang="en-US" sz="2000" b="1" i="1" dirty="0"/>
+              </a:p>
+            </p:txBody>
+          </p:sp>
+        </mc:Choice>
+        <mc:Fallback>
+          <p:sp>
+            <p:nvSpPr>
+              <p:cNvPr id="7" name="TextBox 6">
+                <a:extLst>
+                  <a:ext uri="{FF2B5EF4-FFF2-40B4-BE49-F238E27FC236}">
+                    <a16:creationId xmlns:a16="http://schemas.microsoft.com/office/drawing/2014/main" id="{A75E76F4-A2E8-A98E-FB03-8D165184DFC4}"/>
+                  </a:ext>
+                </a:extLst>
+              </p:cNvPr>
+              <p:cNvSpPr txBox="1">
+                <a:spLocks noRot="1" noChangeAspect="1" noMove="1" noResize="1" noEditPoints="1" noAdjustHandles="1" noChangeArrowheads="1" noChangeShapeType="1" noTextEdit="1"/>
+              </p:cNvSpPr>
+              <p:nvPr/>
+            </p:nvSpPr>
+            <p:spPr>
+              <a:xfrm>
+                <a:off x="1222021" y="1519065"/>
+                <a:ext cx="436895" cy="369332"/>
+              </a:xfrm>
+              <a:prstGeom prst="rect">
+                <a:avLst/>
+              </a:prstGeom>
+              <a:blipFill>
+                <a:blip r:embed="rId7"/>
+                <a:stretch>
+                  <a:fillRect b="-1639"/>
+                </a:stretch>
+              </a:blipFill>
+            </p:spPr>
+            <p:txBody>
+              <a:bodyPr/>
+              <a:lstStyle/>
+              <a:p>
+                <a:r>
+                  <a:rPr lang="en-US">
+                    <a:noFill/>
+                  </a:rPr>
+                  <a:t> </a:t>
+                </a:r>
+              </a:p>
+            </p:txBody>
+          </p:sp>
+        </mc:Fallback>
+      </mc:AlternateContent>
+      <p:pic>
+        <p:nvPicPr>
+          <p:cNvPr id="11" name="Picture 10">
+            <a:extLst>
+              <a:ext uri="{FF2B5EF4-FFF2-40B4-BE49-F238E27FC236}">
+                <a16:creationId xmlns:a16="http://schemas.microsoft.com/office/drawing/2014/main" id="{43D8E35A-6F21-73DA-9357-3CF92208B77D}"/>
+              </a:ext>
+            </a:extLst>
+          </p:cNvPr>
+          <p:cNvPicPr>
+            <a:picLocks noChangeAspect="1"/>
+          </p:cNvPicPr>
+          <p:nvPr/>
+        </p:nvPicPr>
+        <p:blipFill>
+          <a:blip r:embed="rId3"/>
+          <a:stretch>
+            <a:fillRect/>
+          </a:stretch>
+        </p:blipFill>
+        <p:spPr>
+          <a:xfrm>
+            <a:off x="3576191" y="1875079"/>
+            <a:ext cx="1736615" cy="1861167"/>
+          </a:xfrm>
+          <a:prstGeom prst="rect">
+            <a:avLst/>
+          </a:prstGeom>
+        </p:spPr>
+      </p:pic>
+      <mc:AlternateContent xmlns:mc="http://schemas.openxmlformats.org/markup-compatibility/2006">
+        <mc:Choice xmlns:a14="http://schemas.microsoft.com/office/drawing/2010/main" Requires="a14">
+          <p:sp>
+            <p:nvSpPr>
+              <p:cNvPr id="12" name="TextBox 11">
+                <a:extLst>
+                  <a:ext uri="{FF2B5EF4-FFF2-40B4-BE49-F238E27FC236}">
+                    <a16:creationId xmlns:a16="http://schemas.microsoft.com/office/drawing/2014/main" id="{B7E92E9E-39D5-6F2A-DEF2-DC4444B07C52}"/>
+                  </a:ext>
+                </a:extLst>
+              </p:cNvPr>
+              <p:cNvSpPr txBox="1"/>
+              <p:nvPr/>
+            </p:nvSpPr>
+            <p:spPr>
+              <a:xfrm>
+                <a:off x="3532577" y="2169261"/>
+                <a:ext cx="257295" cy="387157"/>
+              </a:xfrm>
+              <a:prstGeom prst="rect">
+                <a:avLst/>
+              </a:prstGeom>
+              <a:noFill/>
+            </p:spPr>
+            <p:txBody>
+              <a:bodyPr wrap="square">
+                <a:spAutoFit/>
+              </a:bodyPr>
+              <a:lstStyle/>
+              <a:p>
+                <a14:m>
+                  <m:oMathPara xmlns:m="http://schemas.openxmlformats.org/officeDocument/2006/math">
+                    <m:oMathParaPr>
+                      <m:jc m:val="centerGroup"/>
+                    </m:oMathParaPr>
+                    <m:oMath xmlns:m="http://schemas.openxmlformats.org/officeDocument/2006/math">
+                      <m:sSubSup>
+                        <m:sSubSupPr>
+                          <m:ctrlPr>
+                            <a:rPr lang="en-US" b="1" i="1" smtClean="0"/>
+                          </m:ctrlPr>
+                        </m:sSubSupPr>
+                        <m:e>
+                          <m:r>
+                            <a:rPr lang="en-US" b="1" i="1"/>
+                            <m:t>𝒉</m:t>
+                          </m:r>
+                        </m:e>
+                        <m:sub>
+                          <m:r>
+                            <a:rPr lang="en-US" b="1" i="1" smtClean="0">
+                              <a:latin typeface="Cambria Math" panose="02040503050406030204" pitchFamily="18" charset="0"/>
+                            </a:rPr>
+                            <m:t>𝟐</m:t>
+                          </m:r>
+                        </m:sub>
+                        <m:sup>
+                          <m:r>
+                            <a:rPr lang="en-US" b="1" i="1"/>
+                            <m:t>𝟏</m:t>
+                          </m:r>
+                        </m:sup>
+                      </m:sSubSup>
+                    </m:oMath>
+                  </m:oMathPara>
+                </a14:m>
+                <a:endParaRPr lang="en-US" b="1" dirty="0"/>
+              </a:p>
+            </p:txBody>
+          </p:sp>
+        </mc:Choice>
+        <mc:Fallback>
+          <p:sp>
+            <p:nvSpPr>
+              <p:cNvPr id="12" name="TextBox 11">
+                <a:extLst>
+                  <a:ext uri="{FF2B5EF4-FFF2-40B4-BE49-F238E27FC236}">
+                    <a16:creationId xmlns:a16="http://schemas.microsoft.com/office/drawing/2014/main" id="{B7E92E9E-39D5-6F2A-DEF2-DC4444B07C52}"/>
+                  </a:ext>
+                </a:extLst>
+              </p:cNvPr>
+              <p:cNvSpPr txBox="1">
+                <a:spLocks noRot="1" noChangeAspect="1" noMove="1" noResize="1" noEditPoints="1" noAdjustHandles="1" noChangeArrowheads="1" noChangeShapeType="1" noTextEdit="1"/>
+              </p:cNvSpPr>
+              <p:nvPr/>
+            </p:nvSpPr>
+            <p:spPr>
+              <a:xfrm>
+                <a:off x="3532577" y="2169261"/>
+                <a:ext cx="257295" cy="387157"/>
+              </a:xfrm>
+              <a:prstGeom prst="rect">
+                <a:avLst/>
+              </a:prstGeom>
+              <a:blipFill>
+                <a:blip r:embed="rId8"/>
+                <a:stretch>
+                  <a:fillRect r="-53488" b="-3175"/>
+                </a:stretch>
+              </a:blipFill>
+            </p:spPr>
+            <p:txBody>
+              <a:bodyPr/>
+              <a:lstStyle/>
+              <a:p>
+                <a:r>
+                  <a:rPr lang="en-US">
+                    <a:noFill/>
+                  </a:rPr>
+                  <a:t> </a:t>
+                </a:r>
+              </a:p>
+            </p:txBody>
+          </p:sp>
+        </mc:Fallback>
+      </mc:AlternateContent>
+      <mc:AlternateContent xmlns:mc="http://schemas.openxmlformats.org/markup-compatibility/2006">
+        <mc:Choice xmlns:a14="http://schemas.microsoft.com/office/drawing/2010/main" Requires="a14">
+          <p:sp>
+            <p:nvSpPr>
+              <p:cNvPr id="15" name="TextBox 14">
+                <a:extLst>
+                  <a:ext uri="{FF2B5EF4-FFF2-40B4-BE49-F238E27FC236}">
+                    <a16:creationId xmlns:a16="http://schemas.microsoft.com/office/drawing/2014/main" id="{58329CC1-BFE5-113C-21CE-19E40D402825}"/>
+                  </a:ext>
+                </a:extLst>
+              </p:cNvPr>
+              <p:cNvSpPr txBox="1"/>
+              <p:nvPr/>
+            </p:nvSpPr>
+            <p:spPr>
+              <a:xfrm>
+                <a:off x="4167786" y="1472654"/>
+                <a:ext cx="436895" cy="387157"/>
+              </a:xfrm>
+              <a:prstGeom prst="rect">
+                <a:avLst/>
+              </a:prstGeom>
+              <a:noFill/>
+            </p:spPr>
+            <p:txBody>
+              <a:bodyPr wrap="square">
+                <a:spAutoFit/>
+              </a:bodyPr>
+              <a:lstStyle/>
+              <a:p>
+                <a14:m>
+                  <m:oMathPara xmlns:m="http://schemas.openxmlformats.org/officeDocument/2006/math">
+                    <m:oMathParaPr>
+                      <m:jc m:val="centerGroup"/>
+                    </m:oMathParaPr>
+                    <m:oMath xmlns:m="http://schemas.openxmlformats.org/officeDocument/2006/math">
+                      <m:sSubSup>
+                        <m:sSubSupPr>
+                          <m:ctrlPr>
+                            <a:rPr lang="en-US" b="1" i="1" smtClean="0"/>
+                          </m:ctrlPr>
+                        </m:sSubSupPr>
+                        <m:e>
+                          <m:r>
+                            <a:rPr lang="en-US" b="1" i="1"/>
+                            <m:t>𝒉</m:t>
+                          </m:r>
+                        </m:e>
+                        <m:sub>
+                          <m:r>
+                            <a:rPr lang="en-US" b="1" i="1" smtClean="0">
+                              <a:latin typeface="Cambria Math" panose="02040503050406030204" pitchFamily="18" charset="0"/>
+                            </a:rPr>
+                            <m:t>𝟏</m:t>
+                          </m:r>
+                        </m:sub>
+                        <m:sup>
+                          <m:r>
+                            <a:rPr lang="en-US" b="1" i="1"/>
+                            <m:t>𝟏</m:t>
+                          </m:r>
+                        </m:sup>
+                      </m:sSubSup>
+                    </m:oMath>
+                  </m:oMathPara>
+                </a14:m>
+                <a:endParaRPr lang="en-US" b="1" dirty="0"/>
+              </a:p>
+            </p:txBody>
+          </p:sp>
+        </mc:Choice>
+        <mc:Fallback>
+          <p:sp>
+            <p:nvSpPr>
+              <p:cNvPr id="15" name="TextBox 14">
+                <a:extLst>
+                  <a:ext uri="{FF2B5EF4-FFF2-40B4-BE49-F238E27FC236}">
+                    <a16:creationId xmlns:a16="http://schemas.microsoft.com/office/drawing/2014/main" id="{58329CC1-BFE5-113C-21CE-19E40D402825}"/>
+                  </a:ext>
+                </a:extLst>
+              </p:cNvPr>
+              <p:cNvSpPr txBox="1">
+                <a:spLocks noRot="1" noChangeAspect="1" noMove="1" noResize="1" noEditPoints="1" noAdjustHandles="1" noChangeArrowheads="1" noChangeShapeType="1" noTextEdit="1"/>
+              </p:cNvSpPr>
+              <p:nvPr/>
+            </p:nvSpPr>
+            <p:spPr>
+              <a:xfrm>
+                <a:off x="4167786" y="1472654"/>
+                <a:ext cx="436895" cy="387157"/>
+              </a:xfrm>
+              <a:prstGeom prst="rect">
+                <a:avLst/>
+              </a:prstGeom>
+              <a:blipFill>
+                <a:blip r:embed="rId9"/>
+                <a:stretch>
+                  <a:fillRect b="-3175"/>
+                </a:stretch>
+              </a:blipFill>
+            </p:spPr>
+            <p:txBody>
+              <a:bodyPr/>
+              <a:lstStyle/>
+              <a:p>
+                <a:r>
+                  <a:rPr lang="en-US">
+                    <a:noFill/>
+                  </a:rPr>
+                  <a:t> </a:t>
+                </a:r>
+              </a:p>
+            </p:txBody>
+          </p:sp>
+        </mc:Fallback>
+      </mc:AlternateContent>
+      <mc:AlternateContent xmlns:mc="http://schemas.openxmlformats.org/markup-compatibility/2006">
+        <mc:Choice xmlns:a14="http://schemas.microsoft.com/office/drawing/2010/main" Requires="a14">
+          <p:sp>
+            <p:nvSpPr>
+              <p:cNvPr id="16" name="TextBox 15">
+                <a:extLst>
+                  <a:ext uri="{FF2B5EF4-FFF2-40B4-BE49-F238E27FC236}">
+                    <a16:creationId xmlns:a16="http://schemas.microsoft.com/office/drawing/2014/main" id="{27FABB50-A84A-5F26-D950-1C261799C196}"/>
+                  </a:ext>
+                </a:extLst>
+              </p:cNvPr>
+              <p:cNvSpPr txBox="1"/>
+              <p:nvPr/>
+            </p:nvSpPr>
+            <p:spPr>
+              <a:xfrm>
+                <a:off x="4257587" y="3667661"/>
+                <a:ext cx="257295" cy="388504"/>
+              </a:xfrm>
+              <a:prstGeom prst="rect">
+                <a:avLst/>
+              </a:prstGeom>
+              <a:noFill/>
+            </p:spPr>
+            <p:txBody>
+              <a:bodyPr wrap="square">
+                <a:spAutoFit/>
+              </a:bodyPr>
+              <a:lstStyle/>
+              <a:p>
+                <a14:m>
+                  <m:oMathPara xmlns:m="http://schemas.openxmlformats.org/officeDocument/2006/math">
+                    <m:oMathParaPr>
+                      <m:jc m:val="centerGroup"/>
+                    </m:oMathParaPr>
+                    <m:oMath xmlns:m="http://schemas.openxmlformats.org/officeDocument/2006/math">
+                      <m:sSubSup>
+                        <m:sSubSupPr>
+                          <m:ctrlPr>
+                            <a:rPr lang="en-US" b="1" i="1" smtClean="0"/>
+                          </m:ctrlPr>
+                        </m:sSubSupPr>
+                        <m:e>
+                          <m:r>
+                            <a:rPr lang="en-US" b="1" i="1"/>
+                            <m:t>𝒉</m:t>
+                          </m:r>
+                        </m:e>
+                        <m:sub>
+                          <m:r>
+                            <a:rPr lang="en-US" b="1" i="1" smtClean="0">
+                              <a:latin typeface="Cambria Math" panose="02040503050406030204" pitchFamily="18" charset="0"/>
+                            </a:rPr>
+                            <m:t>𝟑</m:t>
+                          </m:r>
+                        </m:sub>
+                        <m:sup>
+                          <m:r>
+                            <a:rPr lang="en-US" b="1" i="1"/>
+                            <m:t>𝟏</m:t>
+                          </m:r>
+                        </m:sup>
+                      </m:sSubSup>
+                    </m:oMath>
+                  </m:oMathPara>
+                </a14:m>
+                <a:endParaRPr lang="en-US" b="1" dirty="0"/>
+              </a:p>
+            </p:txBody>
+          </p:sp>
+        </mc:Choice>
+        <mc:Fallback>
+          <p:sp>
+            <p:nvSpPr>
+              <p:cNvPr id="16" name="TextBox 15">
+                <a:extLst>
+                  <a:ext uri="{FF2B5EF4-FFF2-40B4-BE49-F238E27FC236}">
+                    <a16:creationId xmlns:a16="http://schemas.microsoft.com/office/drawing/2014/main" id="{27FABB50-A84A-5F26-D950-1C261799C196}"/>
+                  </a:ext>
+                </a:extLst>
+              </p:cNvPr>
+              <p:cNvSpPr txBox="1">
+                <a:spLocks noRot="1" noChangeAspect="1" noMove="1" noResize="1" noEditPoints="1" noAdjustHandles="1" noChangeArrowheads="1" noChangeShapeType="1" noTextEdit="1"/>
+              </p:cNvSpPr>
+              <p:nvPr/>
+            </p:nvSpPr>
+            <p:spPr>
+              <a:xfrm>
+                <a:off x="4257587" y="3667661"/>
+                <a:ext cx="257295" cy="388504"/>
+              </a:xfrm>
+              <a:prstGeom prst="rect">
+                <a:avLst/>
+              </a:prstGeom>
+              <a:blipFill>
+                <a:blip r:embed="rId10"/>
+                <a:stretch>
+                  <a:fillRect r="-53488" b="-3175"/>
+                </a:stretch>
+              </a:blipFill>
+            </p:spPr>
+            <p:txBody>
+              <a:bodyPr/>
+              <a:lstStyle/>
+              <a:p>
+                <a:r>
+                  <a:rPr lang="en-US">
+                    <a:noFill/>
+                  </a:rPr>
+                  <a:t> </a:t>
+                </a:r>
+              </a:p>
+            </p:txBody>
+          </p:sp>
+        </mc:Fallback>
+      </mc:AlternateContent>
+      <mc:AlternateContent xmlns:mc="http://schemas.openxmlformats.org/markup-compatibility/2006">
+        <mc:Choice xmlns:a14="http://schemas.microsoft.com/office/drawing/2010/main" Requires="a14">
+          <p:sp>
+            <p:nvSpPr>
+              <p:cNvPr id="17" name="TextBox 16">
+                <a:extLst>
+                  <a:ext uri="{FF2B5EF4-FFF2-40B4-BE49-F238E27FC236}">
+                    <a16:creationId xmlns:a16="http://schemas.microsoft.com/office/drawing/2014/main" id="{9BFEBD7F-708F-E7B9-9206-AB968D9D486C}"/>
+                  </a:ext>
+                </a:extLst>
+              </p:cNvPr>
+              <p:cNvSpPr txBox="1"/>
+              <p:nvPr/>
+            </p:nvSpPr>
+            <p:spPr>
+              <a:xfrm>
+                <a:off x="4950987" y="2152141"/>
+                <a:ext cx="257295" cy="386452"/>
+              </a:xfrm>
+              <a:prstGeom prst="rect">
+                <a:avLst/>
+              </a:prstGeom>
+              <a:noFill/>
+            </p:spPr>
+            <p:txBody>
+              <a:bodyPr wrap="square">
+                <a:spAutoFit/>
+              </a:bodyPr>
+              <a:lstStyle/>
+              <a:p>
+                <a14:m>
+                  <m:oMathPara xmlns:m="http://schemas.openxmlformats.org/officeDocument/2006/math">
+                    <m:oMathParaPr>
+                      <m:jc m:val="centerGroup"/>
+                    </m:oMathParaPr>
+                    <m:oMath xmlns:m="http://schemas.openxmlformats.org/officeDocument/2006/math">
+                      <m:sSubSup>
+                        <m:sSubSupPr>
+                          <m:ctrlPr>
+                            <a:rPr lang="en-US" b="1" i="1" smtClean="0"/>
+                          </m:ctrlPr>
+                        </m:sSubSupPr>
+                        <m:e>
+                          <m:r>
+                            <a:rPr lang="en-US" b="1" i="1"/>
+                            <m:t>𝒉</m:t>
+                          </m:r>
+                        </m:e>
+                        <m:sub>
+                          <m:r>
+                            <a:rPr lang="en-US" b="1" i="1" smtClean="0">
+                              <a:latin typeface="Cambria Math" panose="02040503050406030204" pitchFamily="18" charset="0"/>
+                            </a:rPr>
+                            <m:t>𝟒</m:t>
+                          </m:r>
+                        </m:sub>
+                        <m:sup>
+                          <m:r>
+                            <a:rPr lang="en-US" b="1" i="1"/>
+                            <m:t>𝟏</m:t>
+                          </m:r>
+                        </m:sup>
+                      </m:sSubSup>
+                    </m:oMath>
+                  </m:oMathPara>
+                </a14:m>
+                <a:endParaRPr lang="en-US" b="1" dirty="0"/>
+              </a:p>
+            </p:txBody>
+          </p:sp>
+        </mc:Choice>
+        <mc:Fallback>
+          <p:sp>
+            <p:nvSpPr>
+              <p:cNvPr id="17" name="TextBox 16">
+                <a:extLst>
+                  <a:ext uri="{FF2B5EF4-FFF2-40B4-BE49-F238E27FC236}">
+                    <a16:creationId xmlns:a16="http://schemas.microsoft.com/office/drawing/2014/main" id="{9BFEBD7F-708F-E7B9-9206-AB968D9D486C}"/>
+                  </a:ext>
+                </a:extLst>
+              </p:cNvPr>
+              <p:cNvSpPr txBox="1">
+                <a:spLocks noRot="1" noChangeAspect="1" noMove="1" noResize="1" noEditPoints="1" noAdjustHandles="1" noChangeArrowheads="1" noChangeShapeType="1" noTextEdit="1"/>
+              </p:cNvSpPr>
+              <p:nvPr/>
+            </p:nvSpPr>
+            <p:spPr>
+              <a:xfrm>
+                <a:off x="4950987" y="2152141"/>
+                <a:ext cx="257295" cy="386452"/>
+              </a:xfrm>
+              <a:prstGeom prst="rect">
+                <a:avLst/>
+              </a:prstGeom>
+              <a:blipFill>
+                <a:blip r:embed="rId11"/>
+                <a:stretch>
+                  <a:fillRect r="-57143" b="-3175"/>
+                </a:stretch>
+              </a:blipFill>
+            </p:spPr>
+            <p:txBody>
+              <a:bodyPr/>
+              <a:lstStyle/>
+              <a:p>
+                <a:r>
+                  <a:rPr lang="en-US">
+                    <a:noFill/>
+                  </a:rPr>
+                  <a:t> </a:t>
+                </a:r>
+              </a:p>
+            </p:txBody>
+          </p:sp>
+        </mc:Fallback>
+      </mc:AlternateContent>
+      <p:sp>
+        <p:nvSpPr>
+          <p:cNvPr id="18" name="Rectangle 17">
+            <a:extLst>
+              <a:ext uri="{FF2B5EF4-FFF2-40B4-BE49-F238E27FC236}">
+                <a16:creationId xmlns:a16="http://schemas.microsoft.com/office/drawing/2014/main" id="{8E04486B-C4E7-6ECD-F473-B140CAFCEB67}"/>
+              </a:ext>
+            </a:extLst>
+          </p:cNvPr>
+          <p:cNvSpPr/>
+          <p:nvPr/>
+        </p:nvSpPr>
+        <p:spPr>
+          <a:xfrm>
+            <a:off x="2504543" y="1189559"/>
+            <a:ext cx="907417" cy="3490596"/>
+          </a:xfrm>
+          <a:prstGeom prst="rect">
+            <a:avLst/>
+          </a:prstGeom>
+        </p:spPr>
+        <p:style>
+          <a:lnRef idx="2">
+            <a:schemeClr val="accent1">
+              <a:shade val="50000"/>
+            </a:schemeClr>
+          </a:lnRef>
+          <a:fillRef idx="1">
+            <a:schemeClr val="accent1"/>
+          </a:fillRef>
+          <a:effectRef idx="0">
+            <a:schemeClr val="accent1"/>
+          </a:effectRef>
+          <a:fontRef idx="minor">
+            <a:schemeClr val="lt1"/>
+          </a:fontRef>
+        </p:style>
+        <p:txBody>
+          <a:bodyPr rtlCol="0" anchor="ctr"/>
+          <a:lstStyle/>
+          <a:p>
+            <a:pPr algn="ctr"/>
+            <a:r>
+              <a:rPr lang="en-US" b="1" dirty="0"/>
+              <a:t>GNN</a:t>
+            </a:r>
+          </a:p>
+          <a:p>
+            <a:pPr algn="ctr"/>
+            <a:r>
+              <a:rPr lang="en-US" b="1" dirty="0"/>
+              <a:t>Layer 1</a:t>
+            </a:r>
+          </a:p>
+        </p:txBody>
+      </p:sp>
+      <p:sp>
+        <p:nvSpPr>
+          <p:cNvPr id="19" name="TextBox 18">
+            <a:extLst>
+              <a:ext uri="{FF2B5EF4-FFF2-40B4-BE49-F238E27FC236}">
+                <a16:creationId xmlns:a16="http://schemas.microsoft.com/office/drawing/2014/main" id="{1B8216A4-F144-50B8-AA12-60DF3FC841D4}"/>
+              </a:ext>
+            </a:extLst>
+          </p:cNvPr>
+          <p:cNvSpPr txBox="1"/>
+          <p:nvPr/>
+        </p:nvSpPr>
+        <p:spPr>
+          <a:xfrm>
+            <a:off x="5356420" y="2345367"/>
+            <a:ext cx="923763" cy="707886"/>
+          </a:xfrm>
+          <a:prstGeom prst="rect">
+            <a:avLst/>
+          </a:prstGeom>
+          <a:noFill/>
+        </p:spPr>
+        <p:txBody>
+          <a:bodyPr wrap="square" rtlCol="0">
+            <a:spAutoFit/>
+          </a:bodyPr>
+          <a:lstStyle/>
+          <a:p>
+            <a:r>
+              <a:rPr lang="en-US" sz="4000" b="1" dirty="0"/>
+              <a:t>. . .</a:t>
+            </a:r>
+          </a:p>
+        </p:txBody>
+      </p:sp>
+      <p:sp>
+        <p:nvSpPr>
+          <p:cNvPr id="22" name="Rectangle 21">
+            <a:extLst>
+              <a:ext uri="{FF2B5EF4-FFF2-40B4-BE49-F238E27FC236}">
+                <a16:creationId xmlns:a16="http://schemas.microsoft.com/office/drawing/2014/main" id="{03CF6B0F-64BD-8E7B-68C7-273B8972F961}"/>
+              </a:ext>
+            </a:extLst>
+          </p:cNvPr>
+          <p:cNvSpPr/>
+          <p:nvPr/>
+        </p:nvSpPr>
+        <p:spPr>
+          <a:xfrm>
+            <a:off x="6158433" y="1204644"/>
+            <a:ext cx="907417" cy="3490596"/>
+          </a:xfrm>
+          <a:prstGeom prst="rect">
+            <a:avLst/>
+          </a:prstGeom>
+        </p:spPr>
+        <p:style>
+          <a:lnRef idx="2">
+            <a:schemeClr val="accent1">
+              <a:shade val="50000"/>
+            </a:schemeClr>
+          </a:lnRef>
+          <a:fillRef idx="1">
+            <a:schemeClr val="accent1"/>
+          </a:fillRef>
+          <a:effectRef idx="0">
+            <a:schemeClr val="accent1"/>
+          </a:effectRef>
+          <a:fontRef idx="minor">
+            <a:schemeClr val="lt1"/>
+          </a:fontRef>
+        </p:style>
+        <p:txBody>
+          <a:bodyPr rtlCol="0" anchor="ctr"/>
+          <a:lstStyle/>
+          <a:p>
+            <a:pPr algn="ctr"/>
+            <a:r>
+              <a:rPr lang="en-US" b="1" dirty="0"/>
+              <a:t>GNN</a:t>
+            </a:r>
+          </a:p>
+          <a:p>
+            <a:pPr algn="ctr"/>
+            <a:r>
+              <a:rPr lang="en-US" b="1" dirty="0"/>
+              <a:t>Layer L</a:t>
+            </a:r>
+          </a:p>
+        </p:txBody>
+      </p:sp>
+      <p:pic>
+        <p:nvPicPr>
+          <p:cNvPr id="23" name="Picture 22">
+            <a:extLst>
+              <a:ext uri="{FF2B5EF4-FFF2-40B4-BE49-F238E27FC236}">
+                <a16:creationId xmlns:a16="http://schemas.microsoft.com/office/drawing/2014/main" id="{B6B452D1-46E1-A40B-2423-AAF76D412A73}"/>
+              </a:ext>
+            </a:extLst>
+          </p:cNvPr>
+          <p:cNvPicPr>
+            <a:picLocks noChangeAspect="1"/>
+          </p:cNvPicPr>
+          <p:nvPr/>
+        </p:nvPicPr>
+        <p:blipFill>
+          <a:blip r:embed="rId3"/>
+          <a:stretch>
+            <a:fillRect/>
+          </a:stretch>
+        </p:blipFill>
+        <p:spPr>
+          <a:xfrm>
+            <a:off x="7164953" y="1806494"/>
+            <a:ext cx="1736615" cy="1861167"/>
+          </a:xfrm>
+          <a:prstGeom prst="rect">
+            <a:avLst/>
+          </a:prstGeom>
+        </p:spPr>
+      </p:pic>
+      <mc:AlternateContent xmlns:mc="http://schemas.openxmlformats.org/markup-compatibility/2006">
+        <mc:Choice xmlns:a14="http://schemas.microsoft.com/office/drawing/2010/main" Requires="a14">
+          <p:sp>
+            <p:nvSpPr>
+              <p:cNvPr id="24" name="TextBox 23">
+                <a:extLst>
+                  <a:ext uri="{FF2B5EF4-FFF2-40B4-BE49-F238E27FC236}">
+                    <a16:creationId xmlns:a16="http://schemas.microsoft.com/office/drawing/2014/main" id="{15C7AA30-2226-7D39-9D32-C20FEC69A13C}"/>
+                  </a:ext>
+                </a:extLst>
+              </p:cNvPr>
+              <p:cNvSpPr txBox="1"/>
+              <p:nvPr/>
+            </p:nvSpPr>
+            <p:spPr>
+              <a:xfrm>
+                <a:off x="7121339" y="2100676"/>
+                <a:ext cx="257295" cy="385875"/>
+              </a:xfrm>
+              <a:prstGeom prst="rect">
+                <a:avLst/>
+              </a:prstGeom>
+              <a:noFill/>
+            </p:spPr>
+            <p:txBody>
+              <a:bodyPr wrap="square">
+                <a:spAutoFit/>
+              </a:bodyPr>
+              <a:lstStyle/>
+              <a:p>
+                <a14:m>
+                  <m:oMathPara xmlns:m="http://schemas.openxmlformats.org/officeDocument/2006/math">
+                    <m:oMathParaPr>
+                      <m:jc m:val="centerGroup"/>
+                    </m:oMathParaPr>
+                    <m:oMath xmlns:m="http://schemas.openxmlformats.org/officeDocument/2006/math">
+                      <m:sSubSup>
+                        <m:sSubSupPr>
+                          <m:ctrlPr>
+                            <a:rPr lang="en-US" b="1" i="1" smtClean="0"/>
+                          </m:ctrlPr>
+                        </m:sSubSupPr>
+                        <m:e>
+                          <m:r>
+                            <a:rPr lang="en-US" b="1" i="1"/>
+                            <m:t>𝒉</m:t>
+                          </m:r>
+                        </m:e>
+                        <m:sub>
+                          <m:r>
+                            <a:rPr lang="en-US" b="1" i="1" smtClean="0">
+                              <a:latin typeface="Cambria Math" panose="02040503050406030204" pitchFamily="18" charset="0"/>
+                            </a:rPr>
+                            <m:t>𝟐</m:t>
+                          </m:r>
+                        </m:sub>
+                        <m:sup>
+                          <m:r>
+                            <a:rPr lang="en-US" b="1" i="1" smtClean="0">
+                              <a:latin typeface="Cambria Math" panose="02040503050406030204" pitchFamily="18" charset="0"/>
+                            </a:rPr>
+                            <m:t>𝑳</m:t>
+                          </m:r>
+                        </m:sup>
+                      </m:sSubSup>
+                    </m:oMath>
+                  </m:oMathPara>
+                </a14:m>
+                <a:endParaRPr lang="en-US" b="1" dirty="0"/>
+              </a:p>
+            </p:txBody>
+          </p:sp>
+        </mc:Choice>
+        <mc:Fallback>
+          <p:sp>
+            <p:nvSpPr>
+              <p:cNvPr id="24" name="TextBox 23">
+                <a:extLst>
+                  <a:ext uri="{FF2B5EF4-FFF2-40B4-BE49-F238E27FC236}">
+                    <a16:creationId xmlns:a16="http://schemas.microsoft.com/office/drawing/2014/main" id="{15C7AA30-2226-7D39-9D32-C20FEC69A13C}"/>
+                  </a:ext>
+                </a:extLst>
+              </p:cNvPr>
+              <p:cNvSpPr txBox="1">
+                <a:spLocks noRot="1" noChangeAspect="1" noMove="1" noResize="1" noEditPoints="1" noAdjustHandles="1" noChangeArrowheads="1" noChangeShapeType="1" noTextEdit="1"/>
+              </p:cNvSpPr>
+              <p:nvPr/>
+            </p:nvSpPr>
+            <p:spPr>
+              <a:xfrm>
+                <a:off x="7121339" y="2100676"/>
+                <a:ext cx="257295" cy="385875"/>
+              </a:xfrm>
+              <a:prstGeom prst="rect">
+                <a:avLst/>
+              </a:prstGeom>
+              <a:blipFill>
+                <a:blip r:embed="rId12"/>
+                <a:stretch>
+                  <a:fillRect r="-57143" b="-1587"/>
+                </a:stretch>
+              </a:blipFill>
+            </p:spPr>
+            <p:txBody>
+              <a:bodyPr/>
+              <a:lstStyle/>
+              <a:p>
+                <a:r>
+                  <a:rPr lang="en-US">
+                    <a:noFill/>
+                  </a:rPr>
+                  <a:t> </a:t>
+                </a:r>
+              </a:p>
+            </p:txBody>
+          </p:sp>
+        </mc:Fallback>
+      </mc:AlternateContent>
+      <mc:AlternateContent xmlns:mc="http://schemas.openxmlformats.org/markup-compatibility/2006">
+        <mc:Choice xmlns:a14="http://schemas.microsoft.com/office/drawing/2010/main" Requires="a14">
+          <p:sp>
+            <p:nvSpPr>
+              <p:cNvPr id="25" name="TextBox 24">
+                <a:extLst>
+                  <a:ext uri="{FF2B5EF4-FFF2-40B4-BE49-F238E27FC236}">
+                    <a16:creationId xmlns:a16="http://schemas.microsoft.com/office/drawing/2014/main" id="{8996838B-A8A3-989B-2648-3C1C3119687F}"/>
+                  </a:ext>
+                </a:extLst>
+              </p:cNvPr>
+              <p:cNvSpPr txBox="1"/>
+              <p:nvPr/>
+            </p:nvSpPr>
+            <p:spPr>
+              <a:xfrm>
+                <a:off x="7756548" y="1404069"/>
+                <a:ext cx="436895" cy="385875"/>
+              </a:xfrm>
+              <a:prstGeom prst="rect">
+                <a:avLst/>
+              </a:prstGeom>
+              <a:noFill/>
+            </p:spPr>
+            <p:txBody>
+              <a:bodyPr wrap="square">
+                <a:spAutoFit/>
+              </a:bodyPr>
+              <a:lstStyle/>
+              <a:p>
+                <a14:m>
+                  <m:oMathPara xmlns:m="http://schemas.openxmlformats.org/officeDocument/2006/math">
+                    <m:oMathParaPr>
+                      <m:jc m:val="centerGroup"/>
+                    </m:oMathParaPr>
+                    <m:oMath xmlns:m="http://schemas.openxmlformats.org/officeDocument/2006/math">
+                      <m:sSubSup>
+                        <m:sSubSupPr>
+                          <m:ctrlPr>
+                            <a:rPr lang="en-US" b="1" i="1" smtClean="0"/>
+                          </m:ctrlPr>
+                        </m:sSubSupPr>
+                        <m:e>
+                          <m:r>
+                            <a:rPr lang="en-US" b="1" i="1"/>
+                            <m:t>𝒉</m:t>
+                          </m:r>
+                        </m:e>
+                        <m:sub>
+                          <m:r>
+                            <a:rPr lang="en-US" b="1" i="1" smtClean="0">
+                              <a:latin typeface="Cambria Math" panose="02040503050406030204" pitchFamily="18" charset="0"/>
+                            </a:rPr>
+                            <m:t>𝟏</m:t>
+                          </m:r>
+                        </m:sub>
+                        <m:sup>
+                          <m:r>
+                            <a:rPr lang="en-US" b="1" i="1" smtClean="0">
+                              <a:latin typeface="Cambria Math" panose="02040503050406030204" pitchFamily="18" charset="0"/>
+                            </a:rPr>
+                            <m:t>𝑳</m:t>
+                          </m:r>
+                        </m:sup>
+                      </m:sSubSup>
+                    </m:oMath>
+                  </m:oMathPara>
+                </a14:m>
+                <a:endParaRPr lang="en-US" b="1" dirty="0"/>
+              </a:p>
+            </p:txBody>
+          </p:sp>
+        </mc:Choice>
+        <mc:Fallback>
+          <p:sp>
+            <p:nvSpPr>
+              <p:cNvPr id="25" name="TextBox 24">
+                <a:extLst>
+                  <a:ext uri="{FF2B5EF4-FFF2-40B4-BE49-F238E27FC236}">
+                    <a16:creationId xmlns:a16="http://schemas.microsoft.com/office/drawing/2014/main" id="{8996838B-A8A3-989B-2648-3C1C3119687F}"/>
+                  </a:ext>
+                </a:extLst>
+              </p:cNvPr>
+              <p:cNvSpPr txBox="1">
+                <a:spLocks noRot="1" noChangeAspect="1" noMove="1" noResize="1" noEditPoints="1" noAdjustHandles="1" noChangeArrowheads="1" noChangeShapeType="1" noTextEdit="1"/>
+              </p:cNvSpPr>
+              <p:nvPr/>
+            </p:nvSpPr>
+            <p:spPr>
+              <a:xfrm>
+                <a:off x="7756548" y="1404069"/>
+                <a:ext cx="436895" cy="385875"/>
+              </a:xfrm>
+              <a:prstGeom prst="rect">
+                <a:avLst/>
+              </a:prstGeom>
+              <a:blipFill>
+                <a:blip r:embed="rId13"/>
+                <a:stretch>
+                  <a:fillRect b="-1563"/>
+                </a:stretch>
+              </a:blipFill>
+            </p:spPr>
+            <p:txBody>
+              <a:bodyPr/>
+              <a:lstStyle/>
+              <a:p>
+                <a:r>
+                  <a:rPr lang="en-US">
+                    <a:noFill/>
+                  </a:rPr>
+                  <a:t> </a:t>
+                </a:r>
+              </a:p>
+            </p:txBody>
+          </p:sp>
+        </mc:Fallback>
+      </mc:AlternateContent>
+      <mc:AlternateContent xmlns:mc="http://schemas.openxmlformats.org/markup-compatibility/2006">
+        <mc:Choice xmlns:a14="http://schemas.microsoft.com/office/drawing/2010/main" Requires="a14">
+          <p:sp>
+            <p:nvSpPr>
+              <p:cNvPr id="26" name="TextBox 25">
+                <a:extLst>
+                  <a:ext uri="{FF2B5EF4-FFF2-40B4-BE49-F238E27FC236}">
+                    <a16:creationId xmlns:a16="http://schemas.microsoft.com/office/drawing/2014/main" id="{001B5C94-6180-CB27-EE31-0275806B742C}"/>
+                  </a:ext>
+                </a:extLst>
+              </p:cNvPr>
+              <p:cNvSpPr txBox="1"/>
+              <p:nvPr/>
+            </p:nvSpPr>
+            <p:spPr>
+              <a:xfrm>
+                <a:off x="7846349" y="3599076"/>
+                <a:ext cx="257295" cy="387222"/>
+              </a:xfrm>
+              <a:prstGeom prst="rect">
+                <a:avLst/>
+              </a:prstGeom>
+              <a:noFill/>
+            </p:spPr>
+            <p:txBody>
+              <a:bodyPr wrap="square">
+                <a:spAutoFit/>
+              </a:bodyPr>
+              <a:lstStyle/>
+              <a:p>
+                <a14:m>
+                  <m:oMathPara xmlns:m="http://schemas.openxmlformats.org/officeDocument/2006/math">
+                    <m:oMathParaPr>
+                      <m:jc m:val="centerGroup"/>
+                    </m:oMathParaPr>
+                    <m:oMath xmlns:m="http://schemas.openxmlformats.org/officeDocument/2006/math">
+                      <m:sSubSup>
+                        <m:sSubSupPr>
+                          <m:ctrlPr>
+                            <a:rPr lang="en-US" b="1" i="1" smtClean="0"/>
+                          </m:ctrlPr>
+                        </m:sSubSupPr>
+                        <m:e>
+                          <m:r>
+                            <a:rPr lang="en-US" b="1" i="1"/>
+                            <m:t>𝒉</m:t>
+                          </m:r>
+                        </m:e>
+                        <m:sub>
+                          <m:r>
+                            <a:rPr lang="en-US" b="1" i="1" smtClean="0">
+                              <a:latin typeface="Cambria Math" panose="02040503050406030204" pitchFamily="18" charset="0"/>
+                            </a:rPr>
+                            <m:t>𝟑</m:t>
+                          </m:r>
+                        </m:sub>
+                        <m:sup>
+                          <m:r>
+                            <a:rPr lang="en-US" b="1" i="1" smtClean="0">
+                              <a:latin typeface="Cambria Math" panose="02040503050406030204" pitchFamily="18" charset="0"/>
+                            </a:rPr>
+                            <m:t>𝑳</m:t>
+                          </m:r>
+                        </m:sup>
+                      </m:sSubSup>
+                    </m:oMath>
+                  </m:oMathPara>
+                </a14:m>
+                <a:endParaRPr lang="en-US" b="1" dirty="0"/>
+              </a:p>
+            </p:txBody>
+          </p:sp>
+        </mc:Choice>
+        <mc:Fallback>
+          <p:sp>
+            <p:nvSpPr>
+              <p:cNvPr id="26" name="TextBox 25">
+                <a:extLst>
+                  <a:ext uri="{FF2B5EF4-FFF2-40B4-BE49-F238E27FC236}">
+                    <a16:creationId xmlns:a16="http://schemas.microsoft.com/office/drawing/2014/main" id="{001B5C94-6180-CB27-EE31-0275806B742C}"/>
+                  </a:ext>
+                </a:extLst>
+              </p:cNvPr>
+              <p:cNvSpPr txBox="1">
+                <a:spLocks noRot="1" noChangeAspect="1" noMove="1" noResize="1" noEditPoints="1" noAdjustHandles="1" noChangeArrowheads="1" noChangeShapeType="1" noTextEdit="1"/>
+              </p:cNvSpPr>
+              <p:nvPr/>
+            </p:nvSpPr>
+            <p:spPr>
+              <a:xfrm>
+                <a:off x="7846349" y="3599076"/>
+                <a:ext cx="257295" cy="387222"/>
+              </a:xfrm>
+              <a:prstGeom prst="rect">
+                <a:avLst/>
+              </a:prstGeom>
+              <a:blipFill>
+                <a:blip r:embed="rId14"/>
+                <a:stretch>
+                  <a:fillRect r="-57143" b="-1563"/>
+                </a:stretch>
+              </a:blipFill>
+            </p:spPr>
+            <p:txBody>
+              <a:bodyPr/>
+              <a:lstStyle/>
+              <a:p>
+                <a:r>
+                  <a:rPr lang="en-US">
+                    <a:noFill/>
+                  </a:rPr>
+                  <a:t> </a:t>
+                </a:r>
+              </a:p>
+            </p:txBody>
+          </p:sp>
+        </mc:Fallback>
+      </mc:AlternateContent>
+      <mc:AlternateContent xmlns:mc="http://schemas.openxmlformats.org/markup-compatibility/2006">
+        <mc:Choice xmlns:a14="http://schemas.microsoft.com/office/drawing/2010/main" Requires="a14">
+          <p:sp>
+            <p:nvSpPr>
+              <p:cNvPr id="27" name="TextBox 26">
+                <a:extLst>
+                  <a:ext uri="{FF2B5EF4-FFF2-40B4-BE49-F238E27FC236}">
+                    <a16:creationId xmlns:a16="http://schemas.microsoft.com/office/drawing/2014/main" id="{4411ED79-2885-9DF5-A04E-906A0E3E315B}"/>
+                  </a:ext>
+                </a:extLst>
+              </p:cNvPr>
+              <p:cNvSpPr txBox="1"/>
+              <p:nvPr/>
+            </p:nvSpPr>
+            <p:spPr>
+              <a:xfrm>
+                <a:off x="8539749" y="2083556"/>
+                <a:ext cx="257295" cy="385170"/>
+              </a:xfrm>
+              <a:prstGeom prst="rect">
+                <a:avLst/>
+              </a:prstGeom>
+              <a:noFill/>
+            </p:spPr>
+            <p:txBody>
+              <a:bodyPr wrap="square">
+                <a:spAutoFit/>
+              </a:bodyPr>
+              <a:lstStyle/>
+              <a:p>
+                <a14:m>
+                  <m:oMathPara xmlns:m="http://schemas.openxmlformats.org/officeDocument/2006/math">
+                    <m:oMathParaPr>
+                      <m:jc m:val="centerGroup"/>
+                    </m:oMathParaPr>
+                    <m:oMath xmlns:m="http://schemas.openxmlformats.org/officeDocument/2006/math">
+                      <m:sSubSup>
+                        <m:sSubSupPr>
+                          <m:ctrlPr>
+                            <a:rPr lang="en-US" b="1" i="1" smtClean="0"/>
+                          </m:ctrlPr>
+                        </m:sSubSupPr>
+                        <m:e>
+                          <m:r>
+                            <a:rPr lang="en-US" b="1" i="1"/>
+                            <m:t>𝒉</m:t>
+                          </m:r>
+                        </m:e>
+                        <m:sub>
+                          <m:r>
+                            <a:rPr lang="en-US" b="1" i="1" smtClean="0">
+                              <a:latin typeface="Cambria Math" panose="02040503050406030204" pitchFamily="18" charset="0"/>
+                            </a:rPr>
+                            <m:t>𝟒</m:t>
+                          </m:r>
+                        </m:sub>
+                        <m:sup>
+                          <m:r>
+                            <a:rPr lang="en-US" b="1" i="1" smtClean="0">
+                              <a:latin typeface="Cambria Math" panose="02040503050406030204" pitchFamily="18" charset="0"/>
+                            </a:rPr>
+                            <m:t>𝑳</m:t>
+                          </m:r>
+                        </m:sup>
+                      </m:sSubSup>
+                    </m:oMath>
+                  </m:oMathPara>
+                </a14:m>
+                <a:endParaRPr lang="en-US" b="1" dirty="0"/>
+              </a:p>
+            </p:txBody>
+          </p:sp>
+        </mc:Choice>
+        <mc:Fallback>
+          <p:sp>
+            <p:nvSpPr>
+              <p:cNvPr id="27" name="TextBox 26">
+                <a:extLst>
+                  <a:ext uri="{FF2B5EF4-FFF2-40B4-BE49-F238E27FC236}">
+                    <a16:creationId xmlns:a16="http://schemas.microsoft.com/office/drawing/2014/main" id="{4411ED79-2885-9DF5-A04E-906A0E3E315B}"/>
+                  </a:ext>
+                </a:extLst>
+              </p:cNvPr>
+              <p:cNvSpPr txBox="1">
+                <a:spLocks noRot="1" noChangeAspect="1" noMove="1" noResize="1" noEditPoints="1" noAdjustHandles="1" noChangeArrowheads="1" noChangeShapeType="1" noTextEdit="1"/>
+              </p:cNvSpPr>
+              <p:nvPr/>
+            </p:nvSpPr>
+            <p:spPr>
+              <a:xfrm>
+                <a:off x="8539749" y="2083556"/>
+                <a:ext cx="257295" cy="385170"/>
+              </a:xfrm>
+              <a:prstGeom prst="rect">
+                <a:avLst/>
+              </a:prstGeom>
+              <a:blipFill>
+                <a:blip r:embed="rId15"/>
+                <a:stretch>
+                  <a:fillRect r="-57143" b="-1587"/>
+                </a:stretch>
+              </a:blipFill>
+            </p:spPr>
+            <p:txBody>
+              <a:bodyPr/>
+              <a:lstStyle/>
+              <a:p>
+                <a:r>
+                  <a:rPr lang="en-US">
+                    <a:noFill/>
+                  </a:rPr>
+                  <a:t> </a:t>
+                </a:r>
+              </a:p>
+            </p:txBody>
+          </p:sp>
+        </mc:Fallback>
+      </mc:AlternateContent>
+      <p:sp>
+        <p:nvSpPr>
+          <p:cNvPr id="29" name="Arrow: Right 28">
+            <a:extLst>
+              <a:ext uri="{FF2B5EF4-FFF2-40B4-BE49-F238E27FC236}">
+                <a16:creationId xmlns:a16="http://schemas.microsoft.com/office/drawing/2014/main" id="{ACD6BEE3-85D6-DFCB-16F2-3960C6A5D31E}"/>
+              </a:ext>
+            </a:extLst>
+          </p:cNvPr>
+          <p:cNvSpPr/>
+          <p:nvPr/>
+        </p:nvSpPr>
+        <p:spPr>
+          <a:xfrm>
+            <a:off x="9026656" y="2468726"/>
+            <a:ext cx="412955" cy="584527"/>
+          </a:xfrm>
+          <a:prstGeom prst="rightArrow">
+            <a:avLst/>
+          </a:prstGeom>
+        </p:spPr>
+        <p:style>
+          <a:lnRef idx="2">
+            <a:schemeClr val="accent1">
+              <a:shade val="50000"/>
+            </a:schemeClr>
+          </a:lnRef>
+          <a:fillRef idx="1">
+            <a:schemeClr val="accent1"/>
+          </a:fillRef>
+          <a:effectRef idx="0">
+            <a:schemeClr val="accent1"/>
+          </a:effectRef>
+          <a:fontRef idx="minor">
+            <a:schemeClr val="lt1"/>
+          </a:fontRef>
+        </p:style>
+        <p:txBody>
+          <a:bodyPr rtlCol="0" anchor="ctr"/>
+          <a:lstStyle/>
+          <a:p>
+            <a:pPr algn="ctr"/>
+            <a:endParaRPr lang="en-US"/>
+          </a:p>
+        </p:txBody>
+      </p:sp>
+      <mc:AlternateContent xmlns:mc="http://schemas.openxmlformats.org/markup-compatibility/2006">
+        <mc:Choice xmlns:a14="http://schemas.microsoft.com/office/drawing/2010/main" Requires="a14">
+          <p:sp>
+            <p:nvSpPr>
+              <p:cNvPr id="31" name="TextBox 30">
+                <a:extLst>
+                  <a:ext uri="{FF2B5EF4-FFF2-40B4-BE49-F238E27FC236}">
+                    <a16:creationId xmlns:a16="http://schemas.microsoft.com/office/drawing/2014/main" id="{43CE68CB-E74F-BB00-4C8A-E57CC121C4AF}"/>
+                  </a:ext>
+                </a:extLst>
+              </p:cNvPr>
+              <p:cNvSpPr txBox="1"/>
+              <p:nvPr/>
+            </p:nvSpPr>
+            <p:spPr>
+              <a:xfrm>
+                <a:off x="10407543" y="2056804"/>
+                <a:ext cx="432619" cy="353302"/>
+              </a:xfrm>
+              <a:prstGeom prst="rect">
+                <a:avLst/>
+              </a:prstGeom>
+              <a:noFill/>
+            </p:spPr>
+            <p:txBody>
+              <a:bodyPr wrap="square" rtlCol="0">
+                <a:spAutoFit/>
+              </a:bodyPr>
+              <a:lstStyle/>
+              <a:p>
+                <a14:m>
+                  <m:oMathPara xmlns:m="http://schemas.openxmlformats.org/officeDocument/2006/math">
+                    <m:oMathParaPr>
+                      <m:jc m:val="centerGroup"/>
+                    </m:oMathParaPr>
+                    <m:oMath xmlns:m="http://schemas.openxmlformats.org/officeDocument/2006/math">
+                      <m:sSubSup>
+                        <m:sSubSupPr>
+                          <m:ctrlPr>
+                            <a:rPr lang="en-US" sz="1600" b="1" i="1" smtClean="0">
+                              <a:latin typeface="Cambria Math" panose="02040503050406030204" pitchFamily="18" charset="0"/>
+                            </a:rPr>
+                          </m:ctrlPr>
+                        </m:sSubSupPr>
+                        <m:e>
+                          <m:r>
+                            <a:rPr lang="en-US" sz="1600" b="1" i="1">
+                              <a:latin typeface="Cambria Math" panose="02040503050406030204" pitchFamily="18" charset="0"/>
+                            </a:rPr>
+                            <m:t>𝒉</m:t>
+                          </m:r>
+                        </m:e>
+                        <m:sub>
+                          <m:r>
+                            <a:rPr lang="en-US" sz="1600" b="1" i="1" smtClean="0">
+                              <a:latin typeface="Cambria Math" panose="02040503050406030204" pitchFamily="18" charset="0"/>
+                            </a:rPr>
+                            <m:t>𝟏</m:t>
+                          </m:r>
+                        </m:sub>
+                        <m:sup>
+                          <m:r>
+                            <a:rPr lang="en-US" sz="1600" b="1" i="1" smtClean="0">
+                              <a:latin typeface="Cambria Math" panose="02040503050406030204" pitchFamily="18" charset="0"/>
+                            </a:rPr>
+                            <m:t>𝑳</m:t>
+                          </m:r>
+                        </m:sup>
+                      </m:sSubSup>
+                    </m:oMath>
+                  </m:oMathPara>
+                </a14:m>
+                <a:endParaRPr lang="en-US" b="1" dirty="0"/>
+              </a:p>
+            </p:txBody>
+          </p:sp>
+        </mc:Choice>
+        <mc:Fallback>
+          <p:sp>
+            <p:nvSpPr>
+              <p:cNvPr id="31" name="TextBox 30">
+                <a:extLst>
+                  <a:ext uri="{FF2B5EF4-FFF2-40B4-BE49-F238E27FC236}">
+                    <a16:creationId xmlns:a16="http://schemas.microsoft.com/office/drawing/2014/main" id="{43CE68CB-E74F-BB00-4C8A-E57CC121C4AF}"/>
+                  </a:ext>
+                </a:extLst>
+              </p:cNvPr>
+              <p:cNvSpPr txBox="1">
+                <a:spLocks noRot="1" noChangeAspect="1" noMove="1" noResize="1" noEditPoints="1" noAdjustHandles="1" noChangeArrowheads="1" noChangeShapeType="1" noTextEdit="1"/>
+              </p:cNvSpPr>
+              <p:nvPr/>
+            </p:nvSpPr>
+            <p:spPr>
+              <a:xfrm>
+                <a:off x="10407543" y="2056804"/>
+                <a:ext cx="432619" cy="353302"/>
+              </a:xfrm>
+              <a:prstGeom prst="rect">
+                <a:avLst/>
+              </a:prstGeom>
+              <a:blipFill>
+                <a:blip r:embed="rId16"/>
+                <a:stretch>
+                  <a:fillRect/>
+                </a:stretch>
+              </a:blipFill>
+            </p:spPr>
+            <p:txBody>
+              <a:bodyPr/>
+              <a:lstStyle/>
+              <a:p>
+                <a:r>
+                  <a:rPr lang="en-US">
+                    <a:noFill/>
+                  </a:rPr>
+                  <a:t> </a:t>
+                </a:r>
+              </a:p>
+            </p:txBody>
+          </p:sp>
+        </mc:Fallback>
+      </mc:AlternateContent>
+      <p:cxnSp>
+        <p:nvCxnSpPr>
+          <p:cNvPr id="33" name="Straight Arrow Connector 32">
+            <a:extLst>
+              <a:ext uri="{FF2B5EF4-FFF2-40B4-BE49-F238E27FC236}">
+                <a16:creationId xmlns:a16="http://schemas.microsoft.com/office/drawing/2014/main" id="{4FA02925-1D29-2B16-21BB-F1269EB73746}"/>
+              </a:ext>
+            </a:extLst>
+          </p:cNvPr>
+          <p:cNvCxnSpPr/>
+          <p:nvPr/>
+        </p:nvCxnSpPr>
+        <p:spPr>
+          <a:xfrm>
+            <a:off x="10840162" y="2228203"/>
+            <a:ext cx="648929" cy="0"/>
+          </a:xfrm>
+          <a:prstGeom prst="straightConnector1">
+            <a:avLst/>
+          </a:prstGeom>
+          <a:ln>
+            <a:tailEnd type="triangle"/>
+          </a:ln>
+        </p:spPr>
+        <p:style>
+          <a:lnRef idx="1">
+            <a:schemeClr val="accent1"/>
+          </a:lnRef>
+          <a:fillRef idx="0">
+            <a:schemeClr val="accent1"/>
+          </a:fillRef>
+          <a:effectRef idx="0">
+            <a:schemeClr val="accent1"/>
+          </a:effectRef>
+          <a:fontRef idx="minor">
+            <a:schemeClr val="tx1"/>
+          </a:fontRef>
+        </p:style>
+      </p:cxnSp>
+      <p:cxnSp>
+        <p:nvCxnSpPr>
+          <p:cNvPr id="35" name="Straight Arrow Connector 34">
+            <a:extLst>
+              <a:ext uri="{FF2B5EF4-FFF2-40B4-BE49-F238E27FC236}">
+                <a16:creationId xmlns:a16="http://schemas.microsoft.com/office/drawing/2014/main" id="{CB78BB32-9ACD-8776-2D49-C4DA046C3613}"/>
+              </a:ext>
+            </a:extLst>
+          </p:cNvPr>
+          <p:cNvCxnSpPr>
+            <a:stCxn id="31" idx="1"/>
+          </p:cNvCxnSpPr>
+          <p:nvPr/>
+        </p:nvCxnSpPr>
+        <p:spPr>
+          <a:xfrm flipH="1">
+            <a:off x="9807775" y="2233455"/>
+            <a:ext cx="599768" cy="0"/>
+          </a:xfrm>
+          <a:prstGeom prst="straightConnector1">
+            <a:avLst/>
+          </a:prstGeom>
+          <a:ln>
+            <a:tailEnd type="triangle"/>
+          </a:ln>
+        </p:spPr>
+        <p:style>
+          <a:lnRef idx="1">
+            <a:schemeClr val="accent1"/>
+          </a:lnRef>
+          <a:fillRef idx="0">
+            <a:schemeClr val="accent1"/>
+          </a:fillRef>
+          <a:effectRef idx="0">
+            <a:schemeClr val="accent1"/>
+          </a:effectRef>
+          <a:fontRef idx="minor">
+            <a:schemeClr val="tx1"/>
+          </a:fontRef>
+        </p:style>
+      </p:cxnSp>
+      <mc:AlternateContent xmlns:mc="http://schemas.openxmlformats.org/markup-compatibility/2006">
+        <mc:Choice xmlns:a14="http://schemas.microsoft.com/office/drawing/2010/main" Requires="a14">
+          <p:sp>
+            <p:nvSpPr>
+              <p:cNvPr id="36" name="TextBox 35">
+                <a:extLst>
+                  <a:ext uri="{FF2B5EF4-FFF2-40B4-BE49-F238E27FC236}">
+                    <a16:creationId xmlns:a16="http://schemas.microsoft.com/office/drawing/2014/main" id="{AB54F9FB-E34C-0C7C-A91E-9C6294241EE2}"/>
+                  </a:ext>
+                </a:extLst>
+              </p:cNvPr>
+              <p:cNvSpPr txBox="1"/>
+              <p:nvPr/>
+            </p:nvSpPr>
+            <p:spPr>
+              <a:xfrm>
+                <a:off x="10402995" y="2318898"/>
+                <a:ext cx="432619" cy="353302"/>
+              </a:xfrm>
+              <a:prstGeom prst="rect">
+                <a:avLst/>
+              </a:prstGeom>
+              <a:noFill/>
+            </p:spPr>
+            <p:txBody>
+              <a:bodyPr wrap="square" rtlCol="0">
+                <a:spAutoFit/>
+              </a:bodyPr>
+              <a:lstStyle/>
+              <a:p>
+                <a14:m>
+                  <m:oMathPara xmlns:m="http://schemas.openxmlformats.org/officeDocument/2006/math">
+                    <m:oMathParaPr>
+                      <m:jc m:val="centerGroup"/>
+                    </m:oMathParaPr>
+                    <m:oMath xmlns:m="http://schemas.openxmlformats.org/officeDocument/2006/math">
+                      <m:sSubSup>
+                        <m:sSubSupPr>
+                          <m:ctrlPr>
+                            <a:rPr lang="en-US" sz="1600" b="1" i="1" smtClean="0">
+                              <a:latin typeface="Cambria Math" panose="02040503050406030204" pitchFamily="18" charset="0"/>
+                            </a:rPr>
+                          </m:ctrlPr>
+                        </m:sSubSupPr>
+                        <m:e>
+                          <m:r>
+                            <a:rPr lang="en-US" sz="1600" b="1" i="1">
+                              <a:latin typeface="Cambria Math" panose="02040503050406030204" pitchFamily="18" charset="0"/>
+                            </a:rPr>
+                            <m:t>𝒉</m:t>
+                          </m:r>
+                        </m:e>
+                        <m:sub>
+                          <m:r>
+                            <a:rPr lang="en-US" sz="1600" b="1" i="1" smtClean="0">
+                              <a:latin typeface="Cambria Math" panose="02040503050406030204" pitchFamily="18" charset="0"/>
+                            </a:rPr>
+                            <m:t>𝟐</m:t>
+                          </m:r>
+                        </m:sub>
+                        <m:sup>
+                          <m:r>
+                            <a:rPr lang="en-US" sz="1600" b="1" i="1" smtClean="0">
+                              <a:latin typeface="Cambria Math" panose="02040503050406030204" pitchFamily="18" charset="0"/>
+                            </a:rPr>
+                            <m:t>𝑳</m:t>
+                          </m:r>
+                        </m:sup>
+                      </m:sSubSup>
+                    </m:oMath>
+                  </m:oMathPara>
+                </a14:m>
+                <a:endParaRPr lang="en-US" b="1" dirty="0"/>
+              </a:p>
+            </p:txBody>
+          </p:sp>
+        </mc:Choice>
+        <mc:Fallback>
+          <p:sp>
+            <p:nvSpPr>
+              <p:cNvPr id="36" name="TextBox 35">
+                <a:extLst>
+                  <a:ext uri="{FF2B5EF4-FFF2-40B4-BE49-F238E27FC236}">
+                    <a16:creationId xmlns:a16="http://schemas.microsoft.com/office/drawing/2014/main" id="{AB54F9FB-E34C-0C7C-A91E-9C6294241EE2}"/>
+                  </a:ext>
+                </a:extLst>
+              </p:cNvPr>
+              <p:cNvSpPr txBox="1">
+                <a:spLocks noRot="1" noChangeAspect="1" noMove="1" noResize="1" noEditPoints="1" noAdjustHandles="1" noChangeArrowheads="1" noChangeShapeType="1" noTextEdit="1"/>
+              </p:cNvSpPr>
+              <p:nvPr/>
+            </p:nvSpPr>
+            <p:spPr>
+              <a:xfrm>
+                <a:off x="10402995" y="2318898"/>
+                <a:ext cx="432619" cy="353302"/>
+              </a:xfrm>
+              <a:prstGeom prst="rect">
+                <a:avLst/>
+              </a:prstGeom>
+              <a:blipFill>
+                <a:blip r:embed="rId17"/>
+                <a:stretch>
+                  <a:fillRect/>
+                </a:stretch>
+              </a:blipFill>
+            </p:spPr>
+            <p:txBody>
+              <a:bodyPr/>
+              <a:lstStyle/>
+              <a:p>
+                <a:r>
+                  <a:rPr lang="en-US">
+                    <a:noFill/>
+                  </a:rPr>
+                  <a:t> </a:t>
+                </a:r>
+              </a:p>
+            </p:txBody>
+          </p:sp>
+        </mc:Fallback>
+      </mc:AlternateContent>
+      <p:cxnSp>
+        <p:nvCxnSpPr>
+          <p:cNvPr id="37" name="Straight Arrow Connector 36">
+            <a:extLst>
+              <a:ext uri="{FF2B5EF4-FFF2-40B4-BE49-F238E27FC236}">
+                <a16:creationId xmlns:a16="http://schemas.microsoft.com/office/drawing/2014/main" id="{7BDB488A-DB13-685E-16D9-D0C9F78B741D}"/>
+              </a:ext>
+            </a:extLst>
+          </p:cNvPr>
+          <p:cNvCxnSpPr/>
+          <p:nvPr/>
+        </p:nvCxnSpPr>
+        <p:spPr>
+          <a:xfrm>
+            <a:off x="10835614" y="2490297"/>
+            <a:ext cx="648929" cy="0"/>
+          </a:xfrm>
+          <a:prstGeom prst="straightConnector1">
+            <a:avLst/>
+          </a:prstGeom>
+          <a:ln>
+            <a:tailEnd type="triangle"/>
+          </a:ln>
+        </p:spPr>
+        <p:style>
+          <a:lnRef idx="1">
+            <a:schemeClr val="accent1"/>
+          </a:lnRef>
+          <a:fillRef idx="0">
+            <a:schemeClr val="accent1"/>
+          </a:fillRef>
+          <a:effectRef idx="0">
+            <a:schemeClr val="accent1"/>
+          </a:effectRef>
+          <a:fontRef idx="minor">
+            <a:schemeClr val="tx1"/>
+          </a:fontRef>
+        </p:style>
+      </p:cxnSp>
+      <p:cxnSp>
+        <p:nvCxnSpPr>
+          <p:cNvPr id="38" name="Straight Arrow Connector 37">
+            <a:extLst>
+              <a:ext uri="{FF2B5EF4-FFF2-40B4-BE49-F238E27FC236}">
+                <a16:creationId xmlns:a16="http://schemas.microsoft.com/office/drawing/2014/main" id="{BCF465D9-7ADB-1E75-A710-B1940DBAE079}"/>
+              </a:ext>
+            </a:extLst>
+          </p:cNvPr>
+          <p:cNvCxnSpPr>
+            <a:cxnSpLocks/>
+          </p:cNvCxnSpPr>
+          <p:nvPr/>
+        </p:nvCxnSpPr>
+        <p:spPr>
+          <a:xfrm flipH="1">
+            <a:off x="9803227" y="2490297"/>
+            <a:ext cx="599768" cy="0"/>
+          </a:xfrm>
+          <a:prstGeom prst="straightConnector1">
+            <a:avLst/>
+          </a:prstGeom>
+          <a:ln>
+            <a:tailEnd type="triangle"/>
+          </a:ln>
+        </p:spPr>
+        <p:style>
+          <a:lnRef idx="1">
+            <a:schemeClr val="accent1"/>
+          </a:lnRef>
+          <a:fillRef idx="0">
+            <a:schemeClr val="accent1"/>
+          </a:fillRef>
+          <a:effectRef idx="0">
+            <a:schemeClr val="accent1"/>
+          </a:effectRef>
+          <a:fontRef idx="minor">
+            <a:schemeClr val="tx1"/>
+          </a:fontRef>
+        </p:style>
+      </p:cxnSp>
+      <mc:AlternateContent xmlns:mc="http://schemas.openxmlformats.org/markup-compatibility/2006">
+        <mc:Choice xmlns:a14="http://schemas.microsoft.com/office/drawing/2010/main" Requires="a14">
+          <p:sp>
+            <p:nvSpPr>
+              <p:cNvPr id="48" name="TextBox 47">
+                <a:extLst>
+                  <a:ext uri="{FF2B5EF4-FFF2-40B4-BE49-F238E27FC236}">
+                    <a16:creationId xmlns:a16="http://schemas.microsoft.com/office/drawing/2014/main" id="{BA623BC8-7879-E334-D9A9-BBA2A7D112C8}"/>
+                  </a:ext>
+                </a:extLst>
+              </p:cNvPr>
+              <p:cNvSpPr txBox="1"/>
+              <p:nvPr/>
+            </p:nvSpPr>
+            <p:spPr>
+              <a:xfrm>
+                <a:off x="10412091" y="2580381"/>
+                <a:ext cx="432619" cy="354456"/>
+              </a:xfrm>
+              <a:prstGeom prst="rect">
+                <a:avLst/>
+              </a:prstGeom>
+              <a:noFill/>
+            </p:spPr>
+            <p:txBody>
+              <a:bodyPr wrap="square" rtlCol="0">
+                <a:spAutoFit/>
+              </a:bodyPr>
+              <a:lstStyle/>
+              <a:p>
+                <a14:m>
+                  <m:oMathPara xmlns:m="http://schemas.openxmlformats.org/officeDocument/2006/math">
+                    <m:oMathParaPr>
+                      <m:jc m:val="centerGroup"/>
+                    </m:oMathParaPr>
+                    <m:oMath xmlns:m="http://schemas.openxmlformats.org/officeDocument/2006/math">
+                      <m:sSubSup>
+                        <m:sSubSupPr>
+                          <m:ctrlPr>
+                            <a:rPr lang="en-US" sz="1600" b="1" i="1" smtClean="0">
+                              <a:latin typeface="Cambria Math" panose="02040503050406030204" pitchFamily="18" charset="0"/>
+                            </a:rPr>
+                          </m:ctrlPr>
+                        </m:sSubSupPr>
+                        <m:e>
+                          <m:r>
+                            <a:rPr lang="en-US" sz="1600" b="1" i="1">
+                              <a:latin typeface="Cambria Math" panose="02040503050406030204" pitchFamily="18" charset="0"/>
+                            </a:rPr>
+                            <m:t>𝒉</m:t>
+                          </m:r>
+                        </m:e>
+                        <m:sub>
+                          <m:r>
+                            <a:rPr lang="en-US" sz="1600" b="1" i="1" smtClean="0">
+                              <a:latin typeface="Cambria Math" panose="02040503050406030204" pitchFamily="18" charset="0"/>
+                            </a:rPr>
+                            <m:t>𝟑</m:t>
+                          </m:r>
+                        </m:sub>
+                        <m:sup>
+                          <m:r>
+                            <a:rPr lang="en-US" sz="1600" b="1" i="1" smtClean="0">
+                              <a:latin typeface="Cambria Math" panose="02040503050406030204" pitchFamily="18" charset="0"/>
+                            </a:rPr>
+                            <m:t>𝑳</m:t>
+                          </m:r>
+                        </m:sup>
+                      </m:sSubSup>
+                    </m:oMath>
+                  </m:oMathPara>
+                </a14:m>
+                <a:endParaRPr lang="en-US" b="1" dirty="0"/>
+              </a:p>
+            </p:txBody>
+          </p:sp>
+        </mc:Choice>
+        <mc:Fallback>
+          <p:sp>
+            <p:nvSpPr>
+              <p:cNvPr id="48" name="TextBox 47">
+                <a:extLst>
+                  <a:ext uri="{FF2B5EF4-FFF2-40B4-BE49-F238E27FC236}">
+                    <a16:creationId xmlns:a16="http://schemas.microsoft.com/office/drawing/2014/main" id="{BA623BC8-7879-E334-D9A9-BBA2A7D112C8}"/>
+                  </a:ext>
+                </a:extLst>
+              </p:cNvPr>
+              <p:cNvSpPr txBox="1">
+                <a:spLocks noRot="1" noChangeAspect="1" noMove="1" noResize="1" noEditPoints="1" noAdjustHandles="1" noChangeArrowheads="1" noChangeShapeType="1" noTextEdit="1"/>
+              </p:cNvSpPr>
+              <p:nvPr/>
+            </p:nvSpPr>
+            <p:spPr>
+              <a:xfrm>
+                <a:off x="10412091" y="2580381"/>
+                <a:ext cx="432619" cy="354456"/>
+              </a:xfrm>
+              <a:prstGeom prst="rect">
+                <a:avLst/>
+              </a:prstGeom>
+              <a:blipFill>
+                <a:blip r:embed="rId18"/>
+                <a:stretch>
+                  <a:fillRect/>
+                </a:stretch>
+              </a:blipFill>
+            </p:spPr>
+            <p:txBody>
+              <a:bodyPr/>
+              <a:lstStyle/>
+              <a:p>
+                <a:r>
+                  <a:rPr lang="en-US">
+                    <a:noFill/>
+                  </a:rPr>
+                  <a:t> </a:t>
+                </a:r>
+              </a:p>
+            </p:txBody>
+          </p:sp>
+        </mc:Fallback>
+      </mc:AlternateContent>
+      <p:cxnSp>
+        <p:nvCxnSpPr>
+          <p:cNvPr id="49" name="Straight Arrow Connector 48">
+            <a:extLst>
+              <a:ext uri="{FF2B5EF4-FFF2-40B4-BE49-F238E27FC236}">
+                <a16:creationId xmlns:a16="http://schemas.microsoft.com/office/drawing/2014/main" id="{CA76FC53-E50A-333B-E834-7BD6F614B55B}"/>
+              </a:ext>
+            </a:extLst>
+          </p:cNvPr>
+          <p:cNvCxnSpPr/>
+          <p:nvPr/>
+        </p:nvCxnSpPr>
+        <p:spPr>
+          <a:xfrm>
+            <a:off x="10844710" y="2751780"/>
+            <a:ext cx="648929" cy="0"/>
+          </a:xfrm>
+          <a:prstGeom prst="straightConnector1">
+            <a:avLst/>
+          </a:prstGeom>
+          <a:ln>
+            <a:tailEnd type="triangle"/>
+          </a:ln>
+        </p:spPr>
+        <p:style>
+          <a:lnRef idx="1">
+            <a:schemeClr val="accent1"/>
+          </a:lnRef>
+          <a:fillRef idx="0">
+            <a:schemeClr val="accent1"/>
+          </a:fillRef>
+          <a:effectRef idx="0">
+            <a:schemeClr val="accent1"/>
+          </a:effectRef>
+          <a:fontRef idx="minor">
+            <a:schemeClr val="tx1"/>
+          </a:fontRef>
+        </p:style>
+      </p:cxnSp>
+      <p:cxnSp>
+        <p:nvCxnSpPr>
+          <p:cNvPr id="50" name="Straight Arrow Connector 49">
+            <a:extLst>
+              <a:ext uri="{FF2B5EF4-FFF2-40B4-BE49-F238E27FC236}">
+                <a16:creationId xmlns:a16="http://schemas.microsoft.com/office/drawing/2014/main" id="{BA7204F1-E62F-2F6B-6423-6C15C46C011A}"/>
+              </a:ext>
+            </a:extLst>
+          </p:cNvPr>
+          <p:cNvCxnSpPr>
+            <a:stCxn id="48" idx="1"/>
+          </p:cNvCxnSpPr>
+          <p:nvPr/>
+        </p:nvCxnSpPr>
+        <p:spPr>
+          <a:xfrm flipH="1" flipV="1">
+            <a:off x="9812323" y="2757032"/>
+            <a:ext cx="599768" cy="577"/>
+          </a:xfrm>
+          <a:prstGeom prst="straightConnector1">
+            <a:avLst/>
+          </a:prstGeom>
+          <a:ln>
+            <a:tailEnd type="triangle"/>
+          </a:ln>
+        </p:spPr>
+        <p:style>
+          <a:lnRef idx="1">
+            <a:schemeClr val="accent1"/>
+          </a:lnRef>
+          <a:fillRef idx="0">
+            <a:schemeClr val="accent1"/>
+          </a:fillRef>
+          <a:effectRef idx="0">
+            <a:schemeClr val="accent1"/>
+          </a:effectRef>
+          <a:fontRef idx="minor">
+            <a:schemeClr val="tx1"/>
+          </a:fontRef>
+        </p:style>
+      </p:cxnSp>
+      <mc:AlternateContent xmlns:mc="http://schemas.openxmlformats.org/markup-compatibility/2006">
+        <mc:Choice xmlns:a14="http://schemas.microsoft.com/office/drawing/2010/main" Requires="a14">
+          <p:sp>
+            <p:nvSpPr>
+              <p:cNvPr id="51" name="TextBox 50">
+                <a:extLst>
+                  <a:ext uri="{FF2B5EF4-FFF2-40B4-BE49-F238E27FC236}">
+                    <a16:creationId xmlns:a16="http://schemas.microsoft.com/office/drawing/2014/main" id="{559E6C1C-3F89-19D4-285D-55206E751375}"/>
+                  </a:ext>
+                </a:extLst>
+              </p:cNvPr>
+              <p:cNvSpPr txBox="1"/>
+              <p:nvPr/>
+            </p:nvSpPr>
+            <p:spPr>
+              <a:xfrm>
+                <a:off x="10407543" y="2842475"/>
+                <a:ext cx="432619" cy="352661"/>
+              </a:xfrm>
+              <a:prstGeom prst="rect">
+                <a:avLst/>
+              </a:prstGeom>
+              <a:noFill/>
+            </p:spPr>
+            <p:txBody>
+              <a:bodyPr wrap="square" rtlCol="0">
+                <a:spAutoFit/>
+              </a:bodyPr>
+              <a:lstStyle/>
+              <a:p>
+                <a14:m>
+                  <m:oMathPara xmlns:m="http://schemas.openxmlformats.org/officeDocument/2006/math">
+                    <m:oMathParaPr>
+                      <m:jc m:val="centerGroup"/>
+                    </m:oMathParaPr>
+                    <m:oMath xmlns:m="http://schemas.openxmlformats.org/officeDocument/2006/math">
+                      <m:sSubSup>
+                        <m:sSubSupPr>
+                          <m:ctrlPr>
+                            <a:rPr lang="en-US" sz="1600" b="1" i="1" smtClean="0">
+                              <a:latin typeface="Cambria Math" panose="02040503050406030204" pitchFamily="18" charset="0"/>
+                            </a:rPr>
+                          </m:ctrlPr>
+                        </m:sSubSupPr>
+                        <m:e>
+                          <m:r>
+                            <a:rPr lang="en-US" sz="1600" b="1" i="1">
+                              <a:latin typeface="Cambria Math" panose="02040503050406030204" pitchFamily="18" charset="0"/>
+                            </a:rPr>
+                            <m:t>𝒉</m:t>
+                          </m:r>
+                        </m:e>
+                        <m:sub>
+                          <m:r>
+                            <a:rPr lang="en-US" sz="1600" b="1" i="1" smtClean="0">
+                              <a:latin typeface="Cambria Math" panose="02040503050406030204" pitchFamily="18" charset="0"/>
+                            </a:rPr>
+                            <m:t>𝟒</m:t>
+                          </m:r>
+                        </m:sub>
+                        <m:sup>
+                          <m:r>
+                            <a:rPr lang="en-US" sz="1600" b="1" i="1" smtClean="0">
+                              <a:latin typeface="Cambria Math" panose="02040503050406030204" pitchFamily="18" charset="0"/>
+                            </a:rPr>
+                            <m:t>𝑳</m:t>
+                          </m:r>
+                        </m:sup>
+                      </m:sSubSup>
+                    </m:oMath>
+                  </m:oMathPara>
+                </a14:m>
+                <a:endParaRPr lang="en-US" b="1" dirty="0"/>
+              </a:p>
+            </p:txBody>
+          </p:sp>
+        </mc:Choice>
+        <mc:Fallback>
+          <p:sp>
+            <p:nvSpPr>
+              <p:cNvPr id="51" name="TextBox 50">
+                <a:extLst>
+                  <a:ext uri="{FF2B5EF4-FFF2-40B4-BE49-F238E27FC236}">
+                    <a16:creationId xmlns:a16="http://schemas.microsoft.com/office/drawing/2014/main" id="{559E6C1C-3F89-19D4-285D-55206E751375}"/>
+                  </a:ext>
+                </a:extLst>
+              </p:cNvPr>
+              <p:cNvSpPr txBox="1">
+                <a:spLocks noRot="1" noChangeAspect="1" noMove="1" noResize="1" noEditPoints="1" noAdjustHandles="1" noChangeArrowheads="1" noChangeShapeType="1" noTextEdit="1"/>
+              </p:cNvSpPr>
+              <p:nvPr/>
+            </p:nvSpPr>
+            <p:spPr>
+              <a:xfrm>
+                <a:off x="10407543" y="2842475"/>
+                <a:ext cx="432619" cy="352661"/>
+              </a:xfrm>
+              <a:prstGeom prst="rect">
+                <a:avLst/>
+              </a:prstGeom>
+              <a:blipFill>
+                <a:blip r:embed="rId19"/>
+                <a:stretch>
+                  <a:fillRect/>
+                </a:stretch>
+              </a:blipFill>
+            </p:spPr>
+            <p:txBody>
+              <a:bodyPr/>
+              <a:lstStyle/>
+              <a:p>
+                <a:r>
+                  <a:rPr lang="en-US">
+                    <a:noFill/>
+                  </a:rPr>
+                  <a:t> </a:t>
+                </a:r>
+              </a:p>
+            </p:txBody>
+          </p:sp>
+        </mc:Fallback>
+      </mc:AlternateContent>
+      <p:cxnSp>
+        <p:nvCxnSpPr>
+          <p:cNvPr id="52" name="Straight Arrow Connector 51">
+            <a:extLst>
+              <a:ext uri="{FF2B5EF4-FFF2-40B4-BE49-F238E27FC236}">
+                <a16:creationId xmlns:a16="http://schemas.microsoft.com/office/drawing/2014/main" id="{29F03F26-03D8-E01E-755C-5D7C71DAA0B0}"/>
+              </a:ext>
+            </a:extLst>
+          </p:cNvPr>
+          <p:cNvCxnSpPr/>
+          <p:nvPr/>
+        </p:nvCxnSpPr>
+        <p:spPr>
+          <a:xfrm>
+            <a:off x="10840162" y="3013874"/>
+            <a:ext cx="648929" cy="0"/>
+          </a:xfrm>
+          <a:prstGeom prst="straightConnector1">
+            <a:avLst/>
+          </a:prstGeom>
+          <a:ln>
+            <a:tailEnd type="triangle"/>
+          </a:ln>
+        </p:spPr>
+        <p:style>
+          <a:lnRef idx="1">
+            <a:schemeClr val="accent1"/>
+          </a:lnRef>
+          <a:fillRef idx="0">
+            <a:schemeClr val="accent1"/>
+          </a:fillRef>
+          <a:effectRef idx="0">
+            <a:schemeClr val="accent1"/>
+          </a:effectRef>
+          <a:fontRef idx="minor">
+            <a:schemeClr val="tx1"/>
+          </a:fontRef>
+        </p:style>
+      </p:cxnSp>
+      <p:cxnSp>
+        <p:nvCxnSpPr>
+          <p:cNvPr id="53" name="Straight Arrow Connector 52">
+            <a:extLst>
+              <a:ext uri="{FF2B5EF4-FFF2-40B4-BE49-F238E27FC236}">
+                <a16:creationId xmlns:a16="http://schemas.microsoft.com/office/drawing/2014/main" id="{4B1CC113-20E5-0FD3-8C6B-8E993179F4BF}"/>
+              </a:ext>
+            </a:extLst>
+          </p:cNvPr>
+          <p:cNvCxnSpPr>
+            <a:cxnSpLocks/>
+          </p:cNvCxnSpPr>
+          <p:nvPr/>
+        </p:nvCxnSpPr>
+        <p:spPr>
+          <a:xfrm flipH="1">
+            <a:off x="9807775" y="3013874"/>
+            <a:ext cx="599768" cy="0"/>
+          </a:xfrm>
+          <a:prstGeom prst="straightConnector1">
+            <a:avLst/>
+          </a:prstGeom>
+          <a:ln>
+            <a:tailEnd type="triangle"/>
+          </a:ln>
+        </p:spPr>
+        <p:style>
+          <a:lnRef idx="1">
+            <a:schemeClr val="accent1"/>
+          </a:lnRef>
+          <a:fillRef idx="0">
+            <a:schemeClr val="accent1"/>
+          </a:fillRef>
+          <a:effectRef idx="0">
+            <a:schemeClr val="accent1"/>
+          </a:effectRef>
+          <a:fontRef idx="minor">
+            <a:schemeClr val="tx1"/>
+          </a:fontRef>
+        </p:style>
+      </p:cxnSp>
+      <p:sp>
+        <p:nvSpPr>
+          <p:cNvPr id="54" name="Arrow: Down 53">
+            <a:extLst>
+              <a:ext uri="{FF2B5EF4-FFF2-40B4-BE49-F238E27FC236}">
+                <a16:creationId xmlns:a16="http://schemas.microsoft.com/office/drawing/2014/main" id="{AA474C95-486E-3047-405B-7170AD65794F}"/>
+              </a:ext>
+            </a:extLst>
+          </p:cNvPr>
+          <p:cNvSpPr/>
+          <p:nvPr/>
+        </p:nvSpPr>
+        <p:spPr>
+          <a:xfrm rot="10800000">
+            <a:off x="10491215" y="3285830"/>
+            <a:ext cx="344399" cy="1081549"/>
+          </a:xfrm>
+          <a:prstGeom prst="downArrow">
+            <a:avLst/>
+          </a:prstGeom>
+          <a:solidFill>
+            <a:srgbClr val="FFFF00"/>
+          </a:solidFill>
+          <a:ln>
+            <a:solidFill>
+              <a:srgbClr val="FFC000"/>
+            </a:solidFill>
+          </a:ln>
+        </p:spPr>
+        <p:style>
+          <a:lnRef idx="2">
+            <a:schemeClr val="accent1">
+              <a:shade val="50000"/>
+            </a:schemeClr>
+          </a:lnRef>
+          <a:fillRef idx="1">
+            <a:schemeClr val="accent1"/>
+          </a:fillRef>
+          <a:effectRef idx="0">
+            <a:schemeClr val="accent1"/>
+          </a:effectRef>
+          <a:fontRef idx="minor">
+            <a:schemeClr val="lt1"/>
+          </a:fontRef>
+        </p:style>
+        <p:txBody>
+          <a:bodyPr rtlCol="0" anchor="ctr"/>
+          <a:lstStyle/>
+          <a:p>
+            <a:pPr algn="ctr"/>
+            <a:endParaRPr lang="en-US"/>
+          </a:p>
+        </p:txBody>
+      </p:sp>
+      <p:sp>
+        <p:nvSpPr>
+          <p:cNvPr id="55" name="TextBox 54">
+            <a:extLst>
+              <a:ext uri="{FF2B5EF4-FFF2-40B4-BE49-F238E27FC236}">
+                <a16:creationId xmlns:a16="http://schemas.microsoft.com/office/drawing/2014/main" id="{A0DB16F0-56EF-7DAF-1468-6C8D9927E593}"/>
+              </a:ext>
+            </a:extLst>
+          </p:cNvPr>
+          <p:cNvSpPr txBox="1"/>
+          <p:nvPr/>
+        </p:nvSpPr>
+        <p:spPr>
+          <a:xfrm>
+            <a:off x="9114503" y="4463845"/>
+            <a:ext cx="2911083" cy="1200329"/>
+          </a:xfrm>
+          <a:prstGeom prst="rect">
+            <a:avLst/>
+          </a:prstGeom>
+          <a:noFill/>
+        </p:spPr>
+        <p:txBody>
+          <a:bodyPr wrap="square" rtlCol="0">
+            <a:spAutoFit/>
+          </a:bodyPr>
+          <a:lstStyle/>
+          <a:p>
+            <a:r>
+              <a:rPr lang="en-US" b="1" dirty="0">
+                <a:highlight>
+                  <a:srgbClr val="FFFF00"/>
+                </a:highlight>
+              </a:rPr>
+              <a:t>Final learned representation for the nodes A,B,C,D. This can be used for the downstream tasks.</a:t>
+            </a:r>
+          </a:p>
+        </p:txBody>
+      </p:sp>
+      <mc:AlternateContent xmlns:mc="http://schemas.openxmlformats.org/markup-compatibility/2006">
+        <mc:Choice xmlns:a14="http://schemas.microsoft.com/office/drawing/2010/main" Requires="a14">
+          <p:sp>
+            <p:nvSpPr>
+              <p:cNvPr id="56" name="TextBox 55">
+                <a:extLst>
+                  <a:ext uri="{FF2B5EF4-FFF2-40B4-BE49-F238E27FC236}">
+                    <a16:creationId xmlns:a16="http://schemas.microsoft.com/office/drawing/2014/main" id="{E9E4F774-1218-3EE6-57D5-5DCED01A5700}"/>
+                  </a:ext>
+                </a:extLst>
+              </p:cNvPr>
+              <p:cNvSpPr txBox="1"/>
+              <p:nvPr/>
+            </p:nvSpPr>
+            <p:spPr>
+              <a:xfrm>
+                <a:off x="505196" y="5231637"/>
+                <a:ext cx="6560654" cy="1225785"/>
+              </a:xfrm>
+              <a:prstGeom prst="rect">
+                <a:avLst/>
+              </a:prstGeom>
+              <a:noFill/>
+            </p:spPr>
+            <p:txBody>
+              <a:bodyPr wrap="square" rtlCol="0">
+                <a:spAutoFit/>
+              </a:bodyPr>
+              <a:lstStyle/>
+              <a:p>
+                <a:r>
+                  <a:rPr lang="en-US" b="1" dirty="0"/>
+                  <a:t>Where </a:t>
+                </a:r>
+                <a14:m>
+                  <m:oMath xmlns:m="http://schemas.openxmlformats.org/officeDocument/2006/math">
+                    <m:sSubSup>
+                      <m:sSubSupPr>
+                        <m:ctrlPr>
+                          <a:rPr lang="en-US" b="1" i="1" smtClean="0">
+                            <a:latin typeface="Cambria Math" panose="02040503050406030204" pitchFamily="18" charset="0"/>
+                          </a:rPr>
+                        </m:ctrlPr>
+                      </m:sSubSupPr>
+                      <m:e>
+                        <m:r>
+                          <a:rPr lang="en-US" b="1" i="1">
+                            <a:latin typeface="Cambria Math" panose="02040503050406030204" pitchFamily="18" charset="0"/>
+                          </a:rPr>
+                          <m:t>𝒉</m:t>
+                        </m:r>
+                      </m:e>
+                      <m:sub>
+                        <m:r>
+                          <a:rPr lang="en-US" b="1" i="1" smtClean="0">
+                            <a:latin typeface="Cambria Math" panose="02040503050406030204" pitchFamily="18" charset="0"/>
+                          </a:rPr>
+                          <m:t>𝒊</m:t>
+                        </m:r>
+                      </m:sub>
+                      <m:sup>
+                        <m:r>
+                          <a:rPr lang="en-US" b="1" i="1" smtClean="0">
+                            <a:latin typeface="Cambria Math" panose="02040503050406030204" pitchFamily="18" charset="0"/>
+                          </a:rPr>
+                          <m:t>𝒍</m:t>
+                        </m:r>
+                      </m:sup>
+                    </m:sSubSup>
+                  </m:oMath>
+                </a14:m>
+                <a:r>
+                  <a:rPr lang="en-US" b="1" dirty="0"/>
+                  <a:t> represents the embedding h of node </a:t>
+                </a:r>
+                <a:r>
+                  <a:rPr lang="en-US" b="1" dirty="0" err="1"/>
+                  <a:t>i</a:t>
+                </a:r>
+                <a:r>
+                  <a:rPr lang="en-US" b="1" dirty="0"/>
+                  <a:t> in the </a:t>
+                </a:r>
+                <a14:m>
+                  <m:oMath xmlns:m="http://schemas.openxmlformats.org/officeDocument/2006/math">
+                    <m:sSup>
+                      <m:sSupPr>
+                        <m:ctrlPr>
+                          <a:rPr lang="en-US" i="1"/>
+                        </m:ctrlPr>
+                      </m:sSupPr>
+                      <m:e>
+                        <m:r>
+                          <a:rPr lang="en-US" i="1"/>
+                          <m:t>𝑙</m:t>
+                        </m:r>
+                      </m:e>
+                      <m:sup>
+                        <m:r>
+                          <a:rPr lang="en-US" i="1"/>
+                          <m:t>𝑡h</m:t>
+                        </m:r>
+                      </m:sup>
+                    </m:sSup>
+                  </m:oMath>
+                </a14:m>
+                <a:r>
+                  <a:rPr lang="en-US" dirty="0"/>
+                  <a:t> </a:t>
+                </a:r>
+                <a:r>
+                  <a:rPr lang="en-US" b="1" dirty="0"/>
+                  <a:t>layer.</a:t>
+                </a:r>
+                <a:endParaRPr lang="en-US" b="1" i="1" dirty="0"/>
+              </a:p>
+              <a:p>
+                <a:r>
+                  <a:rPr lang="en-US" b="1" i="1" dirty="0" err="1"/>
+                  <a:t>i</a:t>
+                </a:r>
+                <a:r>
+                  <a:rPr lang="en-US" b="1" i="1" dirty="0"/>
+                  <a:t> = 1,2,3,4</a:t>
+                </a:r>
+              </a:p>
+              <a:p>
+                <a:r>
+                  <a:rPr lang="en-US" b="1" i="1" dirty="0"/>
+                  <a:t>l = 1,2,3. . . L</a:t>
+                </a:r>
+                <a:endParaRPr lang="en-US" b="1" dirty="0"/>
+              </a:p>
+              <a:p>
+                <a:endParaRPr lang="en-US" dirty="0"/>
+              </a:p>
+            </p:txBody>
+          </p:sp>
+        </mc:Choice>
+        <mc:Fallback>
+          <p:sp>
+            <p:nvSpPr>
+              <p:cNvPr id="56" name="TextBox 55">
+                <a:extLst>
+                  <a:ext uri="{FF2B5EF4-FFF2-40B4-BE49-F238E27FC236}">
+                    <a16:creationId xmlns:a16="http://schemas.microsoft.com/office/drawing/2014/main" id="{E9E4F774-1218-3EE6-57D5-5DCED01A5700}"/>
+                  </a:ext>
+                </a:extLst>
+              </p:cNvPr>
+              <p:cNvSpPr txBox="1">
+                <a:spLocks noRot="1" noChangeAspect="1" noMove="1" noResize="1" noEditPoints="1" noAdjustHandles="1" noChangeArrowheads="1" noChangeShapeType="1" noTextEdit="1"/>
+              </p:cNvSpPr>
+              <p:nvPr/>
+            </p:nvSpPr>
+            <p:spPr>
+              <a:xfrm>
+                <a:off x="505196" y="5231637"/>
+                <a:ext cx="6560654" cy="1225785"/>
+              </a:xfrm>
+              <a:prstGeom prst="rect">
+                <a:avLst/>
+              </a:prstGeom>
+              <a:blipFill>
+                <a:blip r:embed="rId20"/>
+                <a:stretch>
+                  <a:fillRect l="-836"/>
+                </a:stretch>
+              </a:blipFill>
+            </p:spPr>
+            <p:txBody>
+              <a:bodyPr/>
+              <a:lstStyle/>
+              <a:p>
+                <a:r>
+                  <a:rPr lang="en-US">
+                    <a:noFill/>
+                  </a:rPr>
+                  <a:t> </a:t>
+                </a:r>
+              </a:p>
+            </p:txBody>
+          </p:sp>
+        </mc:Fallback>
+      </mc:AlternateContent>
+    </p:spTree>
+    <p:extLst>
+      <p:ext uri="{BB962C8B-B14F-4D97-AF65-F5344CB8AC3E}">
+        <p14:creationId xmlns:p14="http://schemas.microsoft.com/office/powerpoint/2010/main" val="1255124965"/>
+      </p:ext>
+    </p:extLst>
+  </p:cSld>
+  <p:clrMapOvr>
+    <a:masterClrMapping/>
+  </p:clrMapOvr>
+  <p:timing>
+    <p:tnLst>
+      <p:par>
+        <p:cTn id="1" dur="indefinite" restart="never" nodeType="tmRoot">
+          <p:childTnLst>
+            <p:seq concurrent="1" nextAc="seek">
+              <p:cTn id="2" dur="indefinite" nodeType="mainSeq">
+                <p:childTnLst>
+                  <p:par>
+                    <p:cTn id="3" fill="hold">
+                      <p:stCondLst>
+                        <p:cond delay="indefinite"/>
+                      </p:stCondLst>
+                      <p:childTnLst>
+                        <p:par>
+                          <p:cTn id="4" fill="hold">
+                            <p:stCondLst>
+                              <p:cond delay="0"/>
+                            </p:stCondLst>
+                            <p:childTnLst>
+                              <p:par>
+                                <p:cTn id="5" presetID="1" presetClass="entr" presetSubtype="0" fill="hold" nodeType="clickEffect">
+                                  <p:stCondLst>
+                                    <p:cond delay="0"/>
+                                  </p:stCondLst>
+                                  <p:childTnLst>
+                                    <p:set>
+                                      <p:cBhvr>
+                                        <p:cTn id="6" dur="1" fill="hold">
+                                          <p:stCondLst>
+                                            <p:cond delay="0"/>
+                                          </p:stCondLst>
+                                        </p:cTn>
+                                        <p:tgtEl>
+                                          <p:spTgt spid="3"/>
+                                        </p:tgtEl>
+                                        <p:attrNameLst>
+                                          <p:attrName>style.visibility</p:attrName>
+                                        </p:attrNameLst>
+                                      </p:cBhvr>
+                                      <p:to>
+                                        <p:strVal val="visible"/>
+                                      </p:to>
+                                    </p:set>
+                                  </p:childTnLst>
+                                </p:cTn>
+                              </p:par>
+                              <p:par>
+                                <p:cTn id="7" presetID="1" presetClass="entr" presetSubtype="0" fill="hold" grpId="0" nodeType="withEffect">
+                                  <p:stCondLst>
+                                    <p:cond delay="0"/>
+                                  </p:stCondLst>
+                                  <p:childTnLst>
+                                    <p:set>
+                                      <p:cBhvr>
+                                        <p:cTn id="8" dur="1" fill="hold">
+                                          <p:stCondLst>
+                                            <p:cond delay="0"/>
+                                          </p:stCondLst>
+                                        </p:cTn>
+                                        <p:tgtEl>
+                                          <p:spTgt spid="4"/>
+                                        </p:tgtEl>
+                                        <p:attrNameLst>
+                                          <p:attrName>style.visibility</p:attrName>
+                                        </p:attrNameLst>
+                                      </p:cBhvr>
+                                      <p:to>
+                                        <p:strVal val="visible"/>
+                                      </p:to>
+                                    </p:set>
+                                  </p:childTnLst>
+                                </p:cTn>
+                              </p:par>
+                              <p:par>
+                                <p:cTn id="9" presetID="1" presetClass="entr" presetSubtype="0" fill="hold" grpId="0" nodeType="withEffect">
+                                  <p:stCondLst>
+                                    <p:cond delay="0"/>
+                                  </p:stCondLst>
+                                  <p:childTnLst>
+                                    <p:set>
+                                      <p:cBhvr>
+                                        <p:cTn id="10" dur="1" fill="hold">
+                                          <p:stCondLst>
+                                            <p:cond delay="0"/>
+                                          </p:stCondLst>
+                                        </p:cTn>
+                                        <p:tgtEl>
+                                          <p:spTgt spid="5"/>
+                                        </p:tgtEl>
+                                        <p:attrNameLst>
+                                          <p:attrName>style.visibility</p:attrName>
+                                        </p:attrNameLst>
+                                      </p:cBhvr>
+                                      <p:to>
+                                        <p:strVal val="visible"/>
+                                      </p:to>
+                                    </p:set>
+                                  </p:childTnLst>
+                                </p:cTn>
+                              </p:par>
+                              <p:par>
+                                <p:cTn id="11" presetID="1" presetClass="entr" presetSubtype="0" fill="hold" grpId="0" nodeType="withEffect">
+                                  <p:stCondLst>
+                                    <p:cond delay="0"/>
+                                  </p:stCondLst>
+                                  <p:childTnLst>
+                                    <p:set>
+                                      <p:cBhvr>
+                                        <p:cTn id="12" dur="1" fill="hold">
+                                          <p:stCondLst>
+                                            <p:cond delay="0"/>
+                                          </p:stCondLst>
+                                        </p:cTn>
+                                        <p:tgtEl>
+                                          <p:spTgt spid="6"/>
+                                        </p:tgtEl>
+                                        <p:attrNameLst>
+                                          <p:attrName>style.visibility</p:attrName>
+                                        </p:attrNameLst>
+                                      </p:cBhvr>
+                                      <p:to>
+                                        <p:strVal val="visible"/>
+                                      </p:to>
+                                    </p:set>
+                                  </p:childTnLst>
+                                </p:cTn>
+                              </p:par>
+                              <p:par>
+                                <p:cTn id="13" presetID="1" presetClass="entr" presetSubtype="0" fill="hold" grpId="0" nodeType="withEffect">
+                                  <p:stCondLst>
+                                    <p:cond delay="0"/>
+                                  </p:stCondLst>
+                                  <p:childTnLst>
+                                    <p:set>
+                                      <p:cBhvr>
+                                        <p:cTn id="14" dur="1" fill="hold">
+                                          <p:stCondLst>
+                                            <p:cond delay="0"/>
+                                          </p:stCondLst>
+                                        </p:cTn>
+                                        <p:tgtEl>
+                                          <p:spTgt spid="7"/>
+                                        </p:tgtEl>
+                                        <p:attrNameLst>
+                                          <p:attrName>style.visibility</p:attrName>
+                                        </p:attrNameLst>
+                                      </p:cBhvr>
+                                      <p:to>
+                                        <p:strVal val="visible"/>
+                                      </p:to>
+                                    </p:set>
+                                  </p:childTnLst>
+                                </p:cTn>
+                              </p:par>
+                            </p:childTnLst>
+                          </p:cTn>
+                        </p:par>
+                      </p:childTnLst>
+                    </p:cTn>
+                  </p:par>
+                  <p:par>
+                    <p:cTn id="15" fill="hold">
+                      <p:stCondLst>
+                        <p:cond delay="indefinite"/>
+                      </p:stCondLst>
+                      <p:childTnLst>
+                        <p:par>
+                          <p:cTn id="16" fill="hold">
+                            <p:stCondLst>
+                              <p:cond delay="0"/>
+                            </p:stCondLst>
+                            <p:childTnLst>
+                              <p:par>
+                                <p:cTn id="17" presetID="1" presetClass="entr" presetSubtype="0" fill="hold" nodeType="clickEffect">
+                                  <p:stCondLst>
+                                    <p:cond delay="0"/>
+                                  </p:stCondLst>
+                                  <p:childTnLst>
+                                    <p:set>
+                                      <p:cBhvr>
+                                        <p:cTn id="18" dur="1" fill="hold">
+                                          <p:stCondLst>
+                                            <p:cond delay="0"/>
+                                          </p:stCondLst>
+                                        </p:cTn>
+                                        <p:tgtEl>
+                                          <p:spTgt spid="11"/>
+                                        </p:tgtEl>
+                                        <p:attrNameLst>
+                                          <p:attrName>style.visibility</p:attrName>
+                                        </p:attrNameLst>
+                                      </p:cBhvr>
+                                      <p:to>
+                                        <p:strVal val="visible"/>
+                                      </p:to>
+                                    </p:set>
+                                  </p:childTnLst>
+                                </p:cTn>
+                              </p:par>
+                              <p:par>
+                                <p:cTn id="19" presetID="1" presetClass="entr" presetSubtype="0" fill="hold" grpId="0" nodeType="withEffect">
+                                  <p:stCondLst>
+                                    <p:cond delay="0"/>
+                                  </p:stCondLst>
+                                  <p:childTnLst>
+                                    <p:set>
+                                      <p:cBhvr>
+                                        <p:cTn id="20" dur="1" fill="hold">
+                                          <p:stCondLst>
+                                            <p:cond delay="0"/>
+                                          </p:stCondLst>
+                                        </p:cTn>
+                                        <p:tgtEl>
+                                          <p:spTgt spid="12"/>
+                                        </p:tgtEl>
+                                        <p:attrNameLst>
+                                          <p:attrName>style.visibility</p:attrName>
+                                        </p:attrNameLst>
+                                      </p:cBhvr>
+                                      <p:to>
+                                        <p:strVal val="visible"/>
+                                      </p:to>
+                                    </p:set>
+                                  </p:childTnLst>
+                                </p:cTn>
+                              </p:par>
+                              <p:par>
+                                <p:cTn id="21" presetID="1" presetClass="entr" presetSubtype="0" fill="hold" grpId="0" nodeType="withEffect">
+                                  <p:stCondLst>
+                                    <p:cond delay="0"/>
+                                  </p:stCondLst>
+                                  <p:childTnLst>
+                                    <p:set>
+                                      <p:cBhvr>
+                                        <p:cTn id="22" dur="1" fill="hold">
+                                          <p:stCondLst>
+                                            <p:cond delay="0"/>
+                                          </p:stCondLst>
+                                        </p:cTn>
+                                        <p:tgtEl>
+                                          <p:spTgt spid="15"/>
+                                        </p:tgtEl>
+                                        <p:attrNameLst>
+                                          <p:attrName>style.visibility</p:attrName>
+                                        </p:attrNameLst>
+                                      </p:cBhvr>
+                                      <p:to>
+                                        <p:strVal val="visible"/>
+                                      </p:to>
+                                    </p:set>
+                                  </p:childTnLst>
+                                </p:cTn>
+                              </p:par>
+                              <p:par>
+                                <p:cTn id="23" presetID="1" presetClass="entr" presetSubtype="0" fill="hold" grpId="0" nodeType="withEffect">
+                                  <p:stCondLst>
+                                    <p:cond delay="0"/>
+                                  </p:stCondLst>
+                                  <p:childTnLst>
+                                    <p:set>
+                                      <p:cBhvr>
+                                        <p:cTn id="24" dur="1" fill="hold">
+                                          <p:stCondLst>
+                                            <p:cond delay="0"/>
+                                          </p:stCondLst>
+                                        </p:cTn>
+                                        <p:tgtEl>
+                                          <p:spTgt spid="16"/>
+                                        </p:tgtEl>
+                                        <p:attrNameLst>
+                                          <p:attrName>style.visibility</p:attrName>
+                                        </p:attrNameLst>
+                                      </p:cBhvr>
+                                      <p:to>
+                                        <p:strVal val="visible"/>
+                                      </p:to>
+                                    </p:set>
+                                  </p:childTnLst>
+                                </p:cTn>
+                              </p:par>
+                              <p:par>
+                                <p:cTn id="25" presetID="1" presetClass="entr" presetSubtype="0" fill="hold" grpId="0" nodeType="withEffect">
+                                  <p:stCondLst>
+                                    <p:cond delay="0"/>
+                                  </p:stCondLst>
+                                  <p:childTnLst>
+                                    <p:set>
+                                      <p:cBhvr>
+                                        <p:cTn id="26" dur="1" fill="hold">
+                                          <p:stCondLst>
+                                            <p:cond delay="0"/>
+                                          </p:stCondLst>
+                                        </p:cTn>
+                                        <p:tgtEl>
+                                          <p:spTgt spid="17"/>
+                                        </p:tgtEl>
+                                        <p:attrNameLst>
+                                          <p:attrName>style.visibility</p:attrName>
+                                        </p:attrNameLst>
+                                      </p:cBhvr>
+                                      <p:to>
+                                        <p:strVal val="visible"/>
+                                      </p:to>
+                                    </p:set>
+                                  </p:childTnLst>
+                                </p:cTn>
+                              </p:par>
+                              <p:par>
+                                <p:cTn id="27" presetID="1" presetClass="entr" presetSubtype="0" fill="hold" grpId="0" nodeType="withEffect">
+                                  <p:stCondLst>
+                                    <p:cond delay="0"/>
+                                  </p:stCondLst>
+                                  <p:childTnLst>
+                                    <p:set>
+                                      <p:cBhvr>
+                                        <p:cTn id="28" dur="1" fill="hold">
+                                          <p:stCondLst>
+                                            <p:cond delay="0"/>
+                                          </p:stCondLst>
+                                        </p:cTn>
+                                        <p:tgtEl>
+                                          <p:spTgt spid="18"/>
+                                        </p:tgtEl>
+                                        <p:attrNameLst>
+                                          <p:attrName>style.visibility</p:attrName>
+                                        </p:attrNameLst>
+                                      </p:cBhvr>
+                                      <p:to>
+                                        <p:strVal val="visible"/>
+                                      </p:to>
+                                    </p:set>
+                                  </p:childTnLst>
+                                </p:cTn>
+                              </p:par>
+                              <p:par>
+                                <p:cTn id="29" presetID="1" presetClass="entr" presetSubtype="0" fill="hold" grpId="0" nodeType="withEffect">
+                                  <p:stCondLst>
+                                    <p:cond delay="0"/>
+                                  </p:stCondLst>
+                                  <p:childTnLst>
+                                    <p:set>
+                                      <p:cBhvr>
+                                        <p:cTn id="30" dur="1" fill="hold">
+                                          <p:stCondLst>
+                                            <p:cond delay="0"/>
+                                          </p:stCondLst>
+                                        </p:cTn>
+                                        <p:tgtEl>
+                                          <p:spTgt spid="56"/>
+                                        </p:tgtEl>
+                                        <p:attrNameLst>
+                                          <p:attrName>style.visibility</p:attrName>
+                                        </p:attrNameLst>
+                                      </p:cBhvr>
+                                      <p:to>
+                                        <p:strVal val="visible"/>
+                                      </p:to>
+                                    </p:set>
+                                  </p:childTnLst>
+                                </p:cTn>
+                              </p:par>
+                            </p:childTnLst>
+                          </p:cTn>
+                        </p:par>
+                      </p:childTnLst>
+                    </p:cTn>
+                  </p:par>
+                  <p:par>
+                    <p:cTn id="31" fill="hold">
+                      <p:stCondLst>
+                        <p:cond delay="indefinite"/>
+                      </p:stCondLst>
+                      <p:childTnLst>
+                        <p:par>
+                          <p:cTn id="32" fill="hold">
+                            <p:stCondLst>
+                              <p:cond delay="0"/>
+                            </p:stCondLst>
+                            <p:childTnLst>
+                              <p:par>
+                                <p:cTn id="33" presetID="1" presetClass="entr" presetSubtype="0" fill="hold" grpId="0" nodeType="clickEffect">
+                                  <p:stCondLst>
+                                    <p:cond delay="0"/>
+                                  </p:stCondLst>
+                                  <p:childTnLst>
+                                    <p:set>
+                                      <p:cBhvr>
+                                        <p:cTn id="34" dur="1" fill="hold">
+                                          <p:stCondLst>
+                                            <p:cond delay="0"/>
+                                          </p:stCondLst>
+                                        </p:cTn>
+                                        <p:tgtEl>
+                                          <p:spTgt spid="19"/>
+                                        </p:tgtEl>
+                                        <p:attrNameLst>
+                                          <p:attrName>style.visibility</p:attrName>
+                                        </p:attrNameLst>
+                                      </p:cBhvr>
+                                      <p:to>
+                                        <p:strVal val="visible"/>
+                                      </p:to>
+                                    </p:set>
+                                  </p:childTnLst>
+                                </p:cTn>
+                              </p:par>
+                              <p:par>
+                                <p:cTn id="35" presetID="1" presetClass="entr" presetSubtype="0" fill="hold" grpId="0" nodeType="withEffect">
+                                  <p:stCondLst>
+                                    <p:cond delay="0"/>
+                                  </p:stCondLst>
+                                  <p:childTnLst>
+                                    <p:set>
+                                      <p:cBhvr>
+                                        <p:cTn id="36" dur="1" fill="hold">
+                                          <p:stCondLst>
+                                            <p:cond delay="0"/>
+                                          </p:stCondLst>
+                                        </p:cTn>
+                                        <p:tgtEl>
+                                          <p:spTgt spid="22"/>
+                                        </p:tgtEl>
+                                        <p:attrNameLst>
+                                          <p:attrName>style.visibility</p:attrName>
+                                        </p:attrNameLst>
+                                      </p:cBhvr>
+                                      <p:to>
+                                        <p:strVal val="visible"/>
+                                      </p:to>
+                                    </p:set>
+                                  </p:childTnLst>
+                                </p:cTn>
+                              </p:par>
+                              <p:par>
+                                <p:cTn id="37" presetID="1" presetClass="entr" presetSubtype="0" fill="hold" nodeType="withEffect">
+                                  <p:stCondLst>
+                                    <p:cond delay="0"/>
+                                  </p:stCondLst>
+                                  <p:childTnLst>
+                                    <p:set>
+                                      <p:cBhvr>
+                                        <p:cTn id="38" dur="1" fill="hold">
+                                          <p:stCondLst>
+                                            <p:cond delay="0"/>
+                                          </p:stCondLst>
+                                        </p:cTn>
+                                        <p:tgtEl>
+                                          <p:spTgt spid="23"/>
+                                        </p:tgtEl>
+                                        <p:attrNameLst>
+                                          <p:attrName>style.visibility</p:attrName>
+                                        </p:attrNameLst>
+                                      </p:cBhvr>
+                                      <p:to>
+                                        <p:strVal val="visible"/>
+                                      </p:to>
+                                    </p:set>
+                                  </p:childTnLst>
+                                </p:cTn>
+                              </p:par>
+                              <p:par>
+                                <p:cTn id="39" presetID="1" presetClass="entr" presetSubtype="0" fill="hold" grpId="0" nodeType="withEffect">
+                                  <p:stCondLst>
+                                    <p:cond delay="0"/>
+                                  </p:stCondLst>
+                                  <p:childTnLst>
+                                    <p:set>
+                                      <p:cBhvr>
+                                        <p:cTn id="40" dur="1" fill="hold">
+                                          <p:stCondLst>
+                                            <p:cond delay="0"/>
+                                          </p:stCondLst>
+                                        </p:cTn>
+                                        <p:tgtEl>
+                                          <p:spTgt spid="24"/>
+                                        </p:tgtEl>
+                                        <p:attrNameLst>
+                                          <p:attrName>style.visibility</p:attrName>
+                                        </p:attrNameLst>
+                                      </p:cBhvr>
+                                      <p:to>
+                                        <p:strVal val="visible"/>
+                                      </p:to>
+                                    </p:set>
+                                  </p:childTnLst>
+                                </p:cTn>
+                              </p:par>
+                              <p:par>
+                                <p:cTn id="41" presetID="1" presetClass="entr" presetSubtype="0" fill="hold" grpId="0" nodeType="withEffect">
+                                  <p:stCondLst>
+                                    <p:cond delay="0"/>
+                                  </p:stCondLst>
+                                  <p:childTnLst>
+                                    <p:set>
+                                      <p:cBhvr>
+                                        <p:cTn id="42" dur="1" fill="hold">
+                                          <p:stCondLst>
+                                            <p:cond delay="0"/>
+                                          </p:stCondLst>
+                                        </p:cTn>
+                                        <p:tgtEl>
+                                          <p:spTgt spid="25"/>
+                                        </p:tgtEl>
+                                        <p:attrNameLst>
+                                          <p:attrName>style.visibility</p:attrName>
+                                        </p:attrNameLst>
+                                      </p:cBhvr>
+                                      <p:to>
+                                        <p:strVal val="visible"/>
+                                      </p:to>
+                                    </p:set>
+                                  </p:childTnLst>
+                                </p:cTn>
+                              </p:par>
+                              <p:par>
+                                <p:cTn id="43" presetID="1" presetClass="entr" presetSubtype="0" fill="hold" grpId="0" nodeType="withEffect">
+                                  <p:stCondLst>
+                                    <p:cond delay="0"/>
+                                  </p:stCondLst>
+                                  <p:childTnLst>
+                                    <p:set>
+                                      <p:cBhvr>
+                                        <p:cTn id="44" dur="1" fill="hold">
+                                          <p:stCondLst>
+                                            <p:cond delay="0"/>
+                                          </p:stCondLst>
+                                        </p:cTn>
+                                        <p:tgtEl>
+                                          <p:spTgt spid="26"/>
+                                        </p:tgtEl>
+                                        <p:attrNameLst>
+                                          <p:attrName>style.visibility</p:attrName>
+                                        </p:attrNameLst>
+                                      </p:cBhvr>
+                                      <p:to>
+                                        <p:strVal val="visible"/>
+                                      </p:to>
+                                    </p:set>
+                                  </p:childTnLst>
+                                </p:cTn>
+                              </p:par>
+                              <p:par>
+                                <p:cTn id="45" presetID="1" presetClass="entr" presetSubtype="0" fill="hold" grpId="0" nodeType="withEffect">
+                                  <p:stCondLst>
+                                    <p:cond delay="0"/>
+                                  </p:stCondLst>
+                                  <p:childTnLst>
+                                    <p:set>
+                                      <p:cBhvr>
+                                        <p:cTn id="46" dur="1" fill="hold">
+                                          <p:stCondLst>
+                                            <p:cond delay="0"/>
+                                          </p:stCondLst>
+                                        </p:cTn>
+                                        <p:tgtEl>
+                                          <p:spTgt spid="27"/>
+                                        </p:tgtEl>
+                                        <p:attrNameLst>
+                                          <p:attrName>style.visibility</p:attrName>
+                                        </p:attrNameLst>
+                                      </p:cBhvr>
+                                      <p:to>
+                                        <p:strVal val="visible"/>
+                                      </p:to>
+                                    </p:set>
+                                  </p:childTnLst>
+                                </p:cTn>
+                              </p:par>
+                            </p:childTnLst>
+                          </p:cTn>
+                        </p:par>
+                      </p:childTnLst>
+                    </p:cTn>
+                  </p:par>
+                  <p:par>
+                    <p:cTn id="47" fill="hold">
+                      <p:stCondLst>
+                        <p:cond delay="indefinite"/>
+                      </p:stCondLst>
+                      <p:childTnLst>
+                        <p:par>
+                          <p:cTn id="48" fill="hold">
+                            <p:stCondLst>
+                              <p:cond delay="0"/>
+                            </p:stCondLst>
+                            <p:childTnLst>
+                              <p:par>
+                                <p:cTn id="49" presetID="1" presetClass="entr" presetSubtype="0" fill="hold" grpId="0" nodeType="clickEffect">
+                                  <p:stCondLst>
+                                    <p:cond delay="0"/>
+                                  </p:stCondLst>
+                                  <p:childTnLst>
+                                    <p:set>
+                                      <p:cBhvr>
+                                        <p:cTn id="50" dur="1" fill="hold">
+                                          <p:stCondLst>
+                                            <p:cond delay="0"/>
+                                          </p:stCondLst>
+                                        </p:cTn>
+                                        <p:tgtEl>
+                                          <p:spTgt spid="29"/>
+                                        </p:tgtEl>
+                                        <p:attrNameLst>
+                                          <p:attrName>style.visibility</p:attrName>
+                                        </p:attrNameLst>
+                                      </p:cBhvr>
+                                      <p:to>
+                                        <p:strVal val="visible"/>
+                                      </p:to>
+                                    </p:set>
+                                  </p:childTnLst>
+                                </p:cTn>
+                              </p:par>
+                              <p:par>
+                                <p:cTn id="51" presetID="1" presetClass="entr" presetSubtype="0" fill="hold" grpId="0" nodeType="withEffect">
+                                  <p:stCondLst>
+                                    <p:cond delay="0"/>
+                                  </p:stCondLst>
+                                  <p:childTnLst>
+                                    <p:set>
+                                      <p:cBhvr>
+                                        <p:cTn id="52" dur="1" fill="hold">
+                                          <p:stCondLst>
+                                            <p:cond delay="0"/>
+                                          </p:stCondLst>
+                                        </p:cTn>
+                                        <p:tgtEl>
+                                          <p:spTgt spid="31"/>
+                                        </p:tgtEl>
+                                        <p:attrNameLst>
+                                          <p:attrName>style.visibility</p:attrName>
+                                        </p:attrNameLst>
+                                      </p:cBhvr>
+                                      <p:to>
+                                        <p:strVal val="visible"/>
+                                      </p:to>
+                                    </p:set>
+                                  </p:childTnLst>
+                                </p:cTn>
+                              </p:par>
+                              <p:par>
+                                <p:cTn id="53" presetID="1" presetClass="entr" presetSubtype="0" fill="hold" nodeType="withEffect">
+                                  <p:stCondLst>
+                                    <p:cond delay="0"/>
+                                  </p:stCondLst>
+                                  <p:childTnLst>
+                                    <p:set>
+                                      <p:cBhvr>
+                                        <p:cTn id="54" dur="1" fill="hold">
+                                          <p:stCondLst>
+                                            <p:cond delay="0"/>
+                                          </p:stCondLst>
+                                        </p:cTn>
+                                        <p:tgtEl>
+                                          <p:spTgt spid="33"/>
+                                        </p:tgtEl>
+                                        <p:attrNameLst>
+                                          <p:attrName>style.visibility</p:attrName>
+                                        </p:attrNameLst>
+                                      </p:cBhvr>
+                                      <p:to>
+                                        <p:strVal val="visible"/>
+                                      </p:to>
+                                    </p:set>
+                                  </p:childTnLst>
+                                </p:cTn>
+                              </p:par>
+                              <p:par>
+                                <p:cTn id="55" presetID="1" presetClass="entr" presetSubtype="0" fill="hold" nodeType="withEffect">
+                                  <p:stCondLst>
+                                    <p:cond delay="0"/>
+                                  </p:stCondLst>
+                                  <p:childTnLst>
+                                    <p:set>
+                                      <p:cBhvr>
+                                        <p:cTn id="56" dur="1" fill="hold">
+                                          <p:stCondLst>
+                                            <p:cond delay="0"/>
+                                          </p:stCondLst>
+                                        </p:cTn>
+                                        <p:tgtEl>
+                                          <p:spTgt spid="35"/>
+                                        </p:tgtEl>
+                                        <p:attrNameLst>
+                                          <p:attrName>style.visibility</p:attrName>
+                                        </p:attrNameLst>
+                                      </p:cBhvr>
+                                      <p:to>
+                                        <p:strVal val="visible"/>
+                                      </p:to>
+                                    </p:set>
+                                  </p:childTnLst>
+                                </p:cTn>
+                              </p:par>
+                              <p:par>
+                                <p:cTn id="57" presetID="1" presetClass="entr" presetSubtype="0" fill="hold" grpId="0" nodeType="withEffect">
+                                  <p:stCondLst>
+                                    <p:cond delay="0"/>
+                                  </p:stCondLst>
+                                  <p:childTnLst>
+                                    <p:set>
+                                      <p:cBhvr>
+                                        <p:cTn id="58" dur="1" fill="hold">
+                                          <p:stCondLst>
+                                            <p:cond delay="0"/>
+                                          </p:stCondLst>
+                                        </p:cTn>
+                                        <p:tgtEl>
+                                          <p:spTgt spid="36"/>
+                                        </p:tgtEl>
+                                        <p:attrNameLst>
+                                          <p:attrName>style.visibility</p:attrName>
+                                        </p:attrNameLst>
+                                      </p:cBhvr>
+                                      <p:to>
+                                        <p:strVal val="visible"/>
+                                      </p:to>
+                                    </p:set>
+                                  </p:childTnLst>
+                                </p:cTn>
+                              </p:par>
+                              <p:par>
+                                <p:cTn id="59" presetID="1" presetClass="entr" presetSubtype="0" fill="hold" nodeType="withEffect">
+                                  <p:stCondLst>
+                                    <p:cond delay="0"/>
+                                  </p:stCondLst>
+                                  <p:childTnLst>
+                                    <p:set>
+                                      <p:cBhvr>
+                                        <p:cTn id="60" dur="1" fill="hold">
+                                          <p:stCondLst>
+                                            <p:cond delay="0"/>
+                                          </p:stCondLst>
+                                        </p:cTn>
+                                        <p:tgtEl>
+                                          <p:spTgt spid="37"/>
+                                        </p:tgtEl>
+                                        <p:attrNameLst>
+                                          <p:attrName>style.visibility</p:attrName>
+                                        </p:attrNameLst>
+                                      </p:cBhvr>
+                                      <p:to>
+                                        <p:strVal val="visible"/>
+                                      </p:to>
+                                    </p:set>
+                                  </p:childTnLst>
+                                </p:cTn>
+                              </p:par>
+                              <p:par>
+                                <p:cTn id="61" presetID="1" presetClass="entr" presetSubtype="0" fill="hold" nodeType="withEffect">
+                                  <p:stCondLst>
+                                    <p:cond delay="0"/>
+                                  </p:stCondLst>
+                                  <p:childTnLst>
+                                    <p:set>
+                                      <p:cBhvr>
+                                        <p:cTn id="62" dur="1" fill="hold">
+                                          <p:stCondLst>
+                                            <p:cond delay="0"/>
+                                          </p:stCondLst>
+                                        </p:cTn>
+                                        <p:tgtEl>
+                                          <p:spTgt spid="38"/>
+                                        </p:tgtEl>
+                                        <p:attrNameLst>
+                                          <p:attrName>style.visibility</p:attrName>
+                                        </p:attrNameLst>
+                                      </p:cBhvr>
+                                      <p:to>
+                                        <p:strVal val="visible"/>
+                                      </p:to>
+                                    </p:set>
+                                  </p:childTnLst>
+                                </p:cTn>
+                              </p:par>
+                              <p:par>
+                                <p:cTn id="63" presetID="1" presetClass="entr" presetSubtype="0" fill="hold" grpId="0" nodeType="withEffect">
+                                  <p:stCondLst>
+                                    <p:cond delay="0"/>
+                                  </p:stCondLst>
+                                  <p:childTnLst>
+                                    <p:set>
+                                      <p:cBhvr>
+                                        <p:cTn id="64" dur="1" fill="hold">
+                                          <p:stCondLst>
+                                            <p:cond delay="0"/>
+                                          </p:stCondLst>
+                                        </p:cTn>
+                                        <p:tgtEl>
+                                          <p:spTgt spid="48"/>
+                                        </p:tgtEl>
+                                        <p:attrNameLst>
+                                          <p:attrName>style.visibility</p:attrName>
+                                        </p:attrNameLst>
+                                      </p:cBhvr>
+                                      <p:to>
+                                        <p:strVal val="visible"/>
+                                      </p:to>
+                                    </p:set>
+                                  </p:childTnLst>
+                                </p:cTn>
+                              </p:par>
+                              <p:par>
+                                <p:cTn id="65" presetID="1" presetClass="entr" presetSubtype="0" fill="hold" nodeType="withEffect">
+                                  <p:stCondLst>
+                                    <p:cond delay="0"/>
+                                  </p:stCondLst>
+                                  <p:childTnLst>
+                                    <p:set>
+                                      <p:cBhvr>
+                                        <p:cTn id="66" dur="1" fill="hold">
+                                          <p:stCondLst>
+                                            <p:cond delay="0"/>
+                                          </p:stCondLst>
+                                        </p:cTn>
+                                        <p:tgtEl>
+                                          <p:spTgt spid="49"/>
+                                        </p:tgtEl>
+                                        <p:attrNameLst>
+                                          <p:attrName>style.visibility</p:attrName>
+                                        </p:attrNameLst>
+                                      </p:cBhvr>
+                                      <p:to>
+                                        <p:strVal val="visible"/>
+                                      </p:to>
+                                    </p:set>
+                                  </p:childTnLst>
+                                </p:cTn>
+                              </p:par>
+                              <p:par>
+                                <p:cTn id="67" presetID="1" presetClass="entr" presetSubtype="0" fill="hold" nodeType="withEffect">
+                                  <p:stCondLst>
+                                    <p:cond delay="0"/>
+                                  </p:stCondLst>
+                                  <p:childTnLst>
+                                    <p:set>
+                                      <p:cBhvr>
+                                        <p:cTn id="68" dur="1" fill="hold">
+                                          <p:stCondLst>
+                                            <p:cond delay="0"/>
+                                          </p:stCondLst>
+                                        </p:cTn>
+                                        <p:tgtEl>
+                                          <p:spTgt spid="50"/>
+                                        </p:tgtEl>
+                                        <p:attrNameLst>
+                                          <p:attrName>style.visibility</p:attrName>
+                                        </p:attrNameLst>
+                                      </p:cBhvr>
+                                      <p:to>
+                                        <p:strVal val="visible"/>
+                                      </p:to>
+                                    </p:set>
+                                  </p:childTnLst>
+                                </p:cTn>
+                              </p:par>
+                              <p:par>
+                                <p:cTn id="69" presetID="1" presetClass="entr" presetSubtype="0" fill="hold" grpId="0" nodeType="withEffect">
+                                  <p:stCondLst>
+                                    <p:cond delay="0"/>
+                                  </p:stCondLst>
+                                  <p:childTnLst>
+                                    <p:set>
+                                      <p:cBhvr>
+                                        <p:cTn id="70" dur="1" fill="hold">
+                                          <p:stCondLst>
+                                            <p:cond delay="0"/>
+                                          </p:stCondLst>
+                                        </p:cTn>
+                                        <p:tgtEl>
+                                          <p:spTgt spid="51"/>
+                                        </p:tgtEl>
+                                        <p:attrNameLst>
+                                          <p:attrName>style.visibility</p:attrName>
+                                        </p:attrNameLst>
+                                      </p:cBhvr>
+                                      <p:to>
+                                        <p:strVal val="visible"/>
+                                      </p:to>
+                                    </p:set>
+                                  </p:childTnLst>
+                                </p:cTn>
+                              </p:par>
+                              <p:par>
+                                <p:cTn id="71" presetID="1" presetClass="entr" presetSubtype="0" fill="hold" nodeType="withEffect">
+                                  <p:stCondLst>
+                                    <p:cond delay="0"/>
+                                  </p:stCondLst>
+                                  <p:childTnLst>
+                                    <p:set>
+                                      <p:cBhvr>
+                                        <p:cTn id="72" dur="1" fill="hold">
+                                          <p:stCondLst>
+                                            <p:cond delay="0"/>
+                                          </p:stCondLst>
+                                        </p:cTn>
+                                        <p:tgtEl>
+                                          <p:spTgt spid="52"/>
+                                        </p:tgtEl>
+                                        <p:attrNameLst>
+                                          <p:attrName>style.visibility</p:attrName>
+                                        </p:attrNameLst>
+                                      </p:cBhvr>
+                                      <p:to>
+                                        <p:strVal val="visible"/>
+                                      </p:to>
+                                    </p:set>
+                                  </p:childTnLst>
+                                </p:cTn>
+                              </p:par>
+                              <p:par>
+                                <p:cTn id="73" presetID="1" presetClass="entr" presetSubtype="0" fill="hold" nodeType="withEffect">
+                                  <p:stCondLst>
+                                    <p:cond delay="0"/>
+                                  </p:stCondLst>
+                                  <p:childTnLst>
+                                    <p:set>
+                                      <p:cBhvr>
+                                        <p:cTn id="74" dur="1" fill="hold">
+                                          <p:stCondLst>
+                                            <p:cond delay="0"/>
+                                          </p:stCondLst>
+                                        </p:cTn>
+                                        <p:tgtEl>
+                                          <p:spTgt spid="53"/>
+                                        </p:tgtEl>
+                                        <p:attrNameLst>
+                                          <p:attrName>style.visibility</p:attrName>
+                                        </p:attrNameLst>
+                                      </p:cBhvr>
+                                      <p:to>
+                                        <p:strVal val="visible"/>
+                                      </p:to>
+                                    </p:set>
+                                  </p:childTnLst>
+                                </p:cTn>
+                              </p:par>
+                              <p:par>
+                                <p:cTn id="75" presetID="1" presetClass="entr" presetSubtype="0" fill="hold" grpId="0" nodeType="withEffect">
+                                  <p:stCondLst>
+                                    <p:cond delay="0"/>
+                                  </p:stCondLst>
+                                  <p:childTnLst>
+                                    <p:set>
+                                      <p:cBhvr>
+                                        <p:cTn id="76" dur="1" fill="hold">
+                                          <p:stCondLst>
+                                            <p:cond delay="0"/>
+                                          </p:stCondLst>
+                                        </p:cTn>
+                                        <p:tgtEl>
+                                          <p:spTgt spid="54"/>
+                                        </p:tgtEl>
+                                        <p:attrNameLst>
+                                          <p:attrName>style.visibility</p:attrName>
+                                        </p:attrNameLst>
+                                      </p:cBhvr>
+                                      <p:to>
+                                        <p:strVal val="visible"/>
+                                      </p:to>
+                                    </p:set>
+                                  </p:childTnLst>
+                                </p:cTn>
+                              </p:par>
+                              <p:par>
+                                <p:cTn id="77" presetID="1" presetClass="entr" presetSubtype="0" fill="hold" grpId="0" nodeType="withEffect">
+                                  <p:stCondLst>
+                                    <p:cond delay="0"/>
+                                  </p:stCondLst>
+                                  <p:childTnLst>
+                                    <p:set>
+                                      <p:cBhvr>
+                                        <p:cTn id="78" dur="1" fill="hold">
+                                          <p:stCondLst>
+                                            <p:cond delay="0"/>
+                                          </p:stCondLst>
+                                        </p:cTn>
+                                        <p:tgtEl>
+                                          <p:spTgt spid="55"/>
+                                        </p:tgtEl>
+                                        <p:attrNameLst>
+                                          <p:attrName>style.visibility</p:attrName>
+                                        </p:attrNameLst>
+                                      </p:cBhvr>
+                                      <p:to>
+                                        <p:strVal val="visible"/>
+                                      </p:to>
+                                    </p:set>
+                                  </p:childTnLst>
+                                </p:cTn>
+                              </p:par>
+                            </p:childTnLst>
+                          </p:cTn>
+                        </p:par>
+                      </p:childTnLst>
+                    </p:cTn>
+                  </p:par>
+                </p:childTnLst>
+              </p:cTn>
+              <p:prevCondLst>
+                <p:cond evt="onPrev" delay="0">
+                  <p:tgtEl>
+                    <p:sldTgt/>
+                  </p:tgtEl>
+                </p:cond>
+              </p:prevCondLst>
+              <p:nextCondLst>
+                <p:cond evt="onNext" delay="0">
+                  <p:tgtEl>
+                    <p:sldTgt/>
+                  </p:tgtEl>
+                </p:cond>
+              </p:nextCondLst>
+            </p:seq>
+          </p:childTnLst>
+        </p:cTn>
+      </p:par>
+    </p:tnLst>
+    <p:bldLst>
+      <p:bldP spid="4" grpId="0"/>
+      <p:bldP spid="5" grpId="0"/>
+      <p:bldP spid="6" grpId="0"/>
+      <p:bldP spid="7" grpId="0"/>
+      <p:bldP spid="12" grpId="0"/>
+      <p:bldP spid="15" grpId="0"/>
+      <p:bldP spid="16" grpId="0"/>
+      <p:bldP spid="17" grpId="0"/>
+      <p:bldP spid="18" grpId="0" animBg="1"/>
+      <p:bldP spid="19" grpId="0"/>
+      <p:bldP spid="22" grpId="0" animBg="1"/>
+      <p:bldP spid="24" grpId="0"/>
+      <p:bldP spid="25" grpId="0"/>
+      <p:bldP spid="26" grpId="0"/>
+      <p:bldP spid="27" grpId="0"/>
+      <p:bldP spid="29" grpId="0" animBg="1"/>
+      <p:bldP spid="31" grpId="0"/>
+      <p:bldP spid="36" grpId="0"/>
+      <p:bldP spid="48" grpId="0"/>
+      <p:bldP spid="51" grpId="0"/>
+      <p:bldP spid="54" grpId="0" animBg="1"/>
+      <p:bldP spid="55" grpId="0"/>
+      <p:bldP spid="56" grpId="0"/>
+    </p:bldLst>
+  </p:timing>
+</p:sld>
+</file>
+
+<file path=ppt/slides/slide26.xml><?xml version="1.0" encoding="utf-8"?>
+<p:sld xmlns:a="http://schemas.openxmlformats.org/drawingml/2006/main" xmlns:r="http://schemas.openxmlformats.org/officeDocument/2006/relationships" xmlns:p="http://schemas.openxmlformats.org/presentationml/2006/main">
+  <p:cSld>
+    <p:spTree>
+      <p:nvGrpSpPr>
+        <p:cNvPr id="1" name=""/>
+        <p:cNvGrpSpPr/>
+        <p:nvPr/>
+      </p:nvGrpSpPr>
+      <p:grpSpPr>
+        <a:xfrm>
+          <a:off x="0" y="0"/>
+          <a:ext cx="0" cy="0"/>
+          <a:chOff x="0" y="0"/>
+          <a:chExt cx="0" cy="0"/>
+        </a:xfrm>
+      </p:grpSpPr>
+      <p:sp>
+        <p:nvSpPr>
+          <p:cNvPr id="2" name="TextBox 1">
+            <a:extLst>
+              <a:ext uri="{FF2B5EF4-FFF2-40B4-BE49-F238E27FC236}">
+                <a16:creationId xmlns:a16="http://schemas.microsoft.com/office/drawing/2014/main" id="{5814FDB0-4A6B-4379-880C-8A3ED8E1D0C9}"/>
+              </a:ext>
+            </a:extLst>
+          </p:cNvPr>
+          <p:cNvSpPr txBox="1"/>
+          <p:nvPr/>
+        </p:nvSpPr>
+        <p:spPr>
+          <a:xfrm>
+            <a:off x="226142" y="245806"/>
+            <a:ext cx="6774426" cy="461665"/>
+          </a:xfrm>
+          <a:prstGeom prst="rect">
+            <a:avLst/>
+          </a:prstGeom>
+          <a:noFill/>
+        </p:spPr>
+        <p:txBody>
+          <a:bodyPr wrap="square" rtlCol="0">
+            <a:spAutoFit/>
+          </a:bodyPr>
+          <a:lstStyle/>
+          <a:p>
+            <a:r>
+              <a:rPr lang="en-US" sz="2400" b="1" dirty="0"/>
+              <a:t>Graph Neural Networks as an End to End Solution</a:t>
+            </a:r>
+          </a:p>
+        </p:txBody>
+      </p:sp>
+      <p:pic>
+        <p:nvPicPr>
+          <p:cNvPr id="3" name="Picture 2">
+            <a:extLst>
+              <a:ext uri="{FF2B5EF4-FFF2-40B4-BE49-F238E27FC236}">
+                <a16:creationId xmlns:a16="http://schemas.microsoft.com/office/drawing/2014/main" id="{A27C4737-B91A-A825-C81E-B66EC6B685EF}"/>
+              </a:ext>
+            </a:extLst>
+          </p:cNvPr>
+          <p:cNvPicPr>
+            <a:picLocks noChangeAspect="1"/>
+          </p:cNvPicPr>
+          <p:nvPr/>
+        </p:nvPicPr>
+        <p:blipFill>
+          <a:blip r:embed="rId2"/>
+          <a:stretch>
+            <a:fillRect/>
+          </a:stretch>
+        </p:blipFill>
+        <p:spPr>
+          <a:xfrm>
+            <a:off x="444108" y="2606152"/>
+            <a:ext cx="1736615" cy="1861167"/>
+          </a:xfrm>
+          <a:prstGeom prst="rect">
+            <a:avLst/>
+          </a:prstGeom>
+        </p:spPr>
+      </p:pic>
+      <mc:AlternateContent xmlns:mc="http://schemas.openxmlformats.org/markup-compatibility/2006">
+        <mc:Choice xmlns:a14="http://schemas.microsoft.com/office/drawing/2010/main" Requires="a14">
+          <p:sp>
+            <p:nvSpPr>
+              <p:cNvPr id="4" name="TextBox 3">
+                <a:extLst>
+                  <a:ext uri="{FF2B5EF4-FFF2-40B4-BE49-F238E27FC236}">
+                    <a16:creationId xmlns:a16="http://schemas.microsoft.com/office/drawing/2014/main" id="{EE25A815-3F76-EC73-9F40-9385B4F8CA0E}"/>
+                  </a:ext>
+                </a:extLst>
+              </p:cNvPr>
+              <p:cNvSpPr txBox="1"/>
+              <p:nvPr/>
+            </p:nvSpPr>
+            <p:spPr>
+              <a:xfrm>
+                <a:off x="226142" y="2930869"/>
+                <a:ext cx="257295" cy="369332"/>
+              </a:xfrm>
+              <a:prstGeom prst="rect">
+                <a:avLst/>
+              </a:prstGeom>
+              <a:noFill/>
+            </p:spPr>
+            <p:txBody>
+              <a:bodyPr wrap="square">
+                <a:spAutoFit/>
+              </a:bodyPr>
+              <a:lstStyle/>
+              <a:p>
+                <a:pPr/>
+                <a14:m>
+                  <m:oMathPara xmlns:m="http://schemas.openxmlformats.org/officeDocument/2006/math">
+                    <m:oMathParaPr>
+                      <m:jc m:val="centerGroup"/>
+                    </m:oMathParaPr>
+                    <m:oMath xmlns:m="http://schemas.openxmlformats.org/officeDocument/2006/math">
+                      <m:sSub>
+                        <m:sSubPr>
+                          <m:ctrlPr>
+                            <a:rPr lang="en-US" b="1" i="1" smtClean="0">
+                              <a:solidFill>
+                                <a:srgbClr val="836967"/>
+                              </a:solidFill>
+                              <a:latin typeface="Cambria Math" panose="02040503050406030204" pitchFamily="18" charset="0"/>
+                            </a:rPr>
+                          </m:ctrlPr>
+                        </m:sSubPr>
+                        <m:e>
+                          <m:r>
+                            <a:rPr lang="en-US" b="1" i="1">
+                              <a:latin typeface="Cambria Math" panose="02040503050406030204" pitchFamily="18" charset="0"/>
+                            </a:rPr>
+                            <m:t>𝒙</m:t>
+                          </m:r>
+                        </m:e>
+                        <m:sub>
+                          <m:r>
+                            <a:rPr lang="en-US" b="1" i="1" smtClean="0">
+                              <a:latin typeface="Cambria Math" panose="02040503050406030204" pitchFamily="18" charset="0"/>
+                            </a:rPr>
+                            <m:t>𝟐</m:t>
+                          </m:r>
+                        </m:sub>
+                      </m:sSub>
+                    </m:oMath>
+                  </m:oMathPara>
+                </a14:m>
+                <a:endParaRPr lang="en-US" sz="2000" b="1" i="1" dirty="0"/>
+              </a:p>
+            </p:txBody>
+          </p:sp>
+        </mc:Choice>
+        <mc:Fallback>
+          <p:sp>
+            <p:nvSpPr>
+              <p:cNvPr id="4" name="TextBox 3">
+                <a:extLst>
+                  <a:ext uri="{FF2B5EF4-FFF2-40B4-BE49-F238E27FC236}">
+                    <a16:creationId xmlns:a16="http://schemas.microsoft.com/office/drawing/2014/main" id="{EE25A815-3F76-EC73-9F40-9385B4F8CA0E}"/>
+                  </a:ext>
+                </a:extLst>
+              </p:cNvPr>
+              <p:cNvSpPr txBox="1">
+                <a:spLocks noRot="1" noChangeAspect="1" noMove="1" noResize="1" noEditPoints="1" noAdjustHandles="1" noChangeArrowheads="1" noChangeShapeType="1" noTextEdit="1"/>
+              </p:cNvSpPr>
+              <p:nvPr/>
+            </p:nvSpPr>
+            <p:spPr>
+              <a:xfrm>
+                <a:off x="226142" y="2930869"/>
+                <a:ext cx="257295" cy="369332"/>
+              </a:xfrm>
+              <a:prstGeom prst="rect">
+                <a:avLst/>
+              </a:prstGeom>
+              <a:blipFill>
+                <a:blip r:embed="rId3"/>
+                <a:stretch>
+                  <a:fillRect r="-52381" b="-1667"/>
+                </a:stretch>
+              </a:blipFill>
+            </p:spPr>
+            <p:txBody>
+              <a:bodyPr/>
+              <a:lstStyle/>
+              <a:p>
+                <a:r>
+                  <a:rPr lang="en-US">
+                    <a:noFill/>
+                  </a:rPr>
+                  <a:t> </a:t>
+                </a:r>
+              </a:p>
+            </p:txBody>
+          </p:sp>
+        </mc:Fallback>
+      </mc:AlternateContent>
+      <mc:AlternateContent xmlns:mc="http://schemas.openxmlformats.org/markup-compatibility/2006">
+        <mc:Choice xmlns:a14="http://schemas.microsoft.com/office/drawing/2010/main" Requires="a14">
+          <p:sp>
+            <p:nvSpPr>
+              <p:cNvPr id="5" name="TextBox 4">
+                <a:extLst>
+                  <a:ext uri="{FF2B5EF4-FFF2-40B4-BE49-F238E27FC236}">
+                    <a16:creationId xmlns:a16="http://schemas.microsoft.com/office/drawing/2014/main" id="{ABCB0795-2821-1C8D-F64B-1B3267C87C2C}"/>
+                  </a:ext>
+                </a:extLst>
+              </p:cNvPr>
+              <p:cNvSpPr txBox="1"/>
+              <p:nvPr/>
+            </p:nvSpPr>
+            <p:spPr>
+              <a:xfrm>
+                <a:off x="1093967" y="4310509"/>
+                <a:ext cx="436895" cy="369332"/>
+              </a:xfrm>
+              <a:prstGeom prst="rect">
+                <a:avLst/>
+              </a:prstGeom>
+              <a:noFill/>
+            </p:spPr>
+            <p:txBody>
+              <a:bodyPr wrap="square">
+                <a:spAutoFit/>
+              </a:bodyPr>
+              <a:lstStyle/>
+              <a:p>
+                <a:pPr/>
+                <a14:m>
+                  <m:oMathPara xmlns:m="http://schemas.openxmlformats.org/officeDocument/2006/math">
+                    <m:oMathParaPr>
+                      <m:jc m:val="centerGroup"/>
+                    </m:oMathParaPr>
+                    <m:oMath xmlns:m="http://schemas.openxmlformats.org/officeDocument/2006/math">
+                      <m:sSub>
+                        <m:sSubPr>
+                          <m:ctrlPr>
+                            <a:rPr lang="en-US" b="1" i="1" smtClean="0">
+                              <a:solidFill>
+                                <a:srgbClr val="836967"/>
+                              </a:solidFill>
+                              <a:latin typeface="Cambria Math" panose="02040503050406030204" pitchFamily="18" charset="0"/>
+                            </a:rPr>
+                          </m:ctrlPr>
+                        </m:sSubPr>
+                        <m:e>
+                          <m:r>
+                            <a:rPr lang="en-US" b="1" i="1">
+                              <a:latin typeface="Cambria Math" panose="02040503050406030204" pitchFamily="18" charset="0"/>
+                            </a:rPr>
+                            <m:t>𝒙</m:t>
+                          </m:r>
+                        </m:e>
+                        <m:sub>
+                          <m:r>
+                            <a:rPr lang="en-US" b="1" i="1" smtClean="0">
+                              <a:latin typeface="Cambria Math" panose="02040503050406030204" pitchFamily="18" charset="0"/>
+                            </a:rPr>
+                            <m:t>𝟑</m:t>
+                          </m:r>
+                        </m:sub>
+                      </m:sSub>
+                    </m:oMath>
+                  </m:oMathPara>
+                </a14:m>
+                <a:endParaRPr lang="en-US" sz="2000" b="1" i="1" dirty="0"/>
+              </a:p>
+            </p:txBody>
+          </p:sp>
+        </mc:Choice>
+        <mc:Fallback>
+          <p:sp>
+            <p:nvSpPr>
+              <p:cNvPr id="5" name="TextBox 4">
+                <a:extLst>
+                  <a:ext uri="{FF2B5EF4-FFF2-40B4-BE49-F238E27FC236}">
+                    <a16:creationId xmlns:a16="http://schemas.microsoft.com/office/drawing/2014/main" id="{ABCB0795-2821-1C8D-F64B-1B3267C87C2C}"/>
+                  </a:ext>
+                </a:extLst>
+              </p:cNvPr>
+              <p:cNvSpPr txBox="1">
+                <a:spLocks noRot="1" noChangeAspect="1" noMove="1" noResize="1" noEditPoints="1" noAdjustHandles="1" noChangeArrowheads="1" noChangeShapeType="1" noTextEdit="1"/>
+              </p:cNvSpPr>
+              <p:nvPr/>
+            </p:nvSpPr>
+            <p:spPr>
+              <a:xfrm>
+                <a:off x="1093967" y="4310509"/>
+                <a:ext cx="436895" cy="369332"/>
+              </a:xfrm>
+              <a:prstGeom prst="rect">
+                <a:avLst/>
+              </a:prstGeom>
+              <a:blipFill>
+                <a:blip r:embed="rId4"/>
+                <a:stretch>
+                  <a:fillRect b="-1639"/>
+                </a:stretch>
+              </a:blipFill>
+            </p:spPr>
+            <p:txBody>
+              <a:bodyPr/>
+              <a:lstStyle/>
+              <a:p>
+                <a:r>
+                  <a:rPr lang="en-US">
+                    <a:noFill/>
+                  </a:rPr>
+                  <a:t> </a:t>
+                </a:r>
+              </a:p>
+            </p:txBody>
+          </p:sp>
+        </mc:Fallback>
+      </mc:AlternateContent>
+      <mc:AlternateContent xmlns:mc="http://schemas.openxmlformats.org/markup-compatibility/2006">
+        <mc:Choice xmlns:a14="http://schemas.microsoft.com/office/drawing/2010/main" Requires="a14">
+          <p:sp>
+            <p:nvSpPr>
+              <p:cNvPr id="6" name="TextBox 5">
+                <a:extLst>
+                  <a:ext uri="{FF2B5EF4-FFF2-40B4-BE49-F238E27FC236}">
+                    <a16:creationId xmlns:a16="http://schemas.microsoft.com/office/drawing/2014/main" id="{ECB4B5F2-9313-97DF-2591-C3FAB2C54BE8}"/>
+                  </a:ext>
+                </a:extLst>
+              </p:cNvPr>
+              <p:cNvSpPr txBox="1"/>
+              <p:nvPr/>
+            </p:nvSpPr>
+            <p:spPr>
+              <a:xfrm>
+                <a:off x="1743828" y="2887016"/>
+                <a:ext cx="436895" cy="369332"/>
+              </a:xfrm>
+              <a:prstGeom prst="rect">
+                <a:avLst/>
+              </a:prstGeom>
+              <a:noFill/>
+            </p:spPr>
+            <p:txBody>
+              <a:bodyPr wrap="square">
+                <a:spAutoFit/>
+              </a:bodyPr>
+              <a:lstStyle/>
+              <a:p>
+                <a:pPr/>
+                <a14:m>
+                  <m:oMathPara xmlns:m="http://schemas.openxmlformats.org/officeDocument/2006/math">
+                    <m:oMathParaPr>
+                      <m:jc m:val="centerGroup"/>
+                    </m:oMathParaPr>
+                    <m:oMath xmlns:m="http://schemas.openxmlformats.org/officeDocument/2006/math">
+                      <m:sSub>
+                        <m:sSubPr>
+                          <m:ctrlPr>
+                            <a:rPr lang="en-US" b="1" i="1" smtClean="0">
+                              <a:solidFill>
+                                <a:srgbClr val="836967"/>
+                              </a:solidFill>
+                              <a:latin typeface="Cambria Math" panose="02040503050406030204" pitchFamily="18" charset="0"/>
+                            </a:rPr>
+                          </m:ctrlPr>
+                        </m:sSubPr>
+                        <m:e>
+                          <m:r>
+                            <a:rPr lang="en-US" b="1" i="1">
+                              <a:latin typeface="Cambria Math" panose="02040503050406030204" pitchFamily="18" charset="0"/>
+                            </a:rPr>
+                            <m:t>𝒙</m:t>
+                          </m:r>
+                        </m:e>
+                        <m:sub>
+                          <m:r>
+                            <a:rPr lang="en-US" b="1" i="1" smtClean="0">
+                              <a:latin typeface="Cambria Math" panose="02040503050406030204" pitchFamily="18" charset="0"/>
+                            </a:rPr>
+                            <m:t>𝟒</m:t>
+                          </m:r>
+                        </m:sub>
+                      </m:sSub>
+                    </m:oMath>
+                  </m:oMathPara>
+                </a14:m>
+                <a:endParaRPr lang="en-US" sz="2000" b="1" i="1" dirty="0"/>
+              </a:p>
+            </p:txBody>
+          </p:sp>
+        </mc:Choice>
+        <mc:Fallback>
+          <p:sp>
+            <p:nvSpPr>
+              <p:cNvPr id="6" name="TextBox 5">
+                <a:extLst>
+                  <a:ext uri="{FF2B5EF4-FFF2-40B4-BE49-F238E27FC236}">
+                    <a16:creationId xmlns:a16="http://schemas.microsoft.com/office/drawing/2014/main" id="{ECB4B5F2-9313-97DF-2591-C3FAB2C54BE8}"/>
+                  </a:ext>
+                </a:extLst>
+              </p:cNvPr>
+              <p:cNvSpPr txBox="1">
+                <a:spLocks noRot="1" noChangeAspect="1" noMove="1" noResize="1" noEditPoints="1" noAdjustHandles="1" noChangeArrowheads="1" noChangeShapeType="1" noTextEdit="1"/>
+              </p:cNvSpPr>
+              <p:nvPr/>
+            </p:nvSpPr>
+            <p:spPr>
+              <a:xfrm>
+                <a:off x="1743828" y="2887016"/>
+                <a:ext cx="436895" cy="369332"/>
+              </a:xfrm>
+              <a:prstGeom prst="rect">
+                <a:avLst/>
+              </a:prstGeom>
+              <a:blipFill>
+                <a:blip r:embed="rId5"/>
+                <a:stretch>
+                  <a:fillRect b="-1667"/>
+                </a:stretch>
+              </a:blipFill>
+            </p:spPr>
+            <p:txBody>
+              <a:bodyPr/>
+              <a:lstStyle/>
+              <a:p>
+                <a:r>
+                  <a:rPr lang="en-US">
+                    <a:noFill/>
+                  </a:rPr>
+                  <a:t> </a:t>
+                </a:r>
+              </a:p>
+            </p:txBody>
+          </p:sp>
+        </mc:Fallback>
+      </mc:AlternateContent>
+      <mc:AlternateContent xmlns:mc="http://schemas.openxmlformats.org/markup-compatibility/2006">
+        <mc:Choice xmlns:a14="http://schemas.microsoft.com/office/drawing/2010/main" Requires="a14">
+          <p:sp>
+            <p:nvSpPr>
+              <p:cNvPr id="7" name="TextBox 6">
+                <a:extLst>
+                  <a:ext uri="{FF2B5EF4-FFF2-40B4-BE49-F238E27FC236}">
+                    <a16:creationId xmlns:a16="http://schemas.microsoft.com/office/drawing/2014/main" id="{46F3DB8A-86A4-D216-D152-A6E2791D8864}"/>
+                  </a:ext>
+                </a:extLst>
+              </p:cNvPr>
+              <p:cNvSpPr txBox="1"/>
+              <p:nvPr/>
+            </p:nvSpPr>
+            <p:spPr>
+              <a:xfrm>
+                <a:off x="1222615" y="2236820"/>
+                <a:ext cx="436895" cy="369332"/>
+              </a:xfrm>
+              <a:prstGeom prst="rect">
+                <a:avLst/>
+              </a:prstGeom>
+              <a:noFill/>
+            </p:spPr>
+            <p:txBody>
+              <a:bodyPr wrap="square">
+                <a:spAutoFit/>
+              </a:bodyPr>
+              <a:lstStyle/>
+              <a:p>
+                <a:pPr/>
+                <a14:m>
+                  <m:oMathPara xmlns:m="http://schemas.openxmlformats.org/officeDocument/2006/math">
+                    <m:oMathParaPr>
+                      <m:jc m:val="centerGroup"/>
+                    </m:oMathParaPr>
+                    <m:oMath xmlns:m="http://schemas.openxmlformats.org/officeDocument/2006/math">
+                      <m:sSub>
+                        <m:sSubPr>
+                          <m:ctrlPr>
+                            <a:rPr lang="en-US" b="1" i="1" smtClean="0">
+                              <a:solidFill>
+                                <a:srgbClr val="836967"/>
+                              </a:solidFill>
+                              <a:latin typeface="Cambria Math" panose="02040503050406030204" pitchFamily="18" charset="0"/>
+                            </a:rPr>
+                          </m:ctrlPr>
+                        </m:sSubPr>
+                        <m:e>
+                          <m:r>
+                            <a:rPr lang="en-US" b="1" i="1">
+                              <a:latin typeface="Cambria Math" panose="02040503050406030204" pitchFamily="18" charset="0"/>
+                            </a:rPr>
+                            <m:t>𝒙</m:t>
+                          </m:r>
+                        </m:e>
+                        <m:sub>
+                          <m:r>
+                            <a:rPr lang="en-US" b="1" i="1" smtClean="0">
+                              <a:latin typeface="Cambria Math" panose="02040503050406030204" pitchFamily="18" charset="0"/>
+                            </a:rPr>
+                            <m:t>𝟏</m:t>
+                          </m:r>
+                        </m:sub>
+                      </m:sSub>
+                    </m:oMath>
+                  </m:oMathPara>
+                </a14:m>
+                <a:endParaRPr lang="en-US" sz="2000" b="1" i="1" dirty="0"/>
+              </a:p>
+            </p:txBody>
+          </p:sp>
+        </mc:Choice>
+        <mc:Fallback>
+          <p:sp>
+            <p:nvSpPr>
+              <p:cNvPr id="7" name="TextBox 6">
+                <a:extLst>
+                  <a:ext uri="{FF2B5EF4-FFF2-40B4-BE49-F238E27FC236}">
+                    <a16:creationId xmlns:a16="http://schemas.microsoft.com/office/drawing/2014/main" id="{46F3DB8A-86A4-D216-D152-A6E2791D8864}"/>
+                  </a:ext>
+                </a:extLst>
+              </p:cNvPr>
+              <p:cNvSpPr txBox="1">
+                <a:spLocks noRot="1" noChangeAspect="1" noMove="1" noResize="1" noEditPoints="1" noAdjustHandles="1" noChangeArrowheads="1" noChangeShapeType="1" noTextEdit="1"/>
+              </p:cNvSpPr>
+              <p:nvPr/>
+            </p:nvSpPr>
+            <p:spPr>
+              <a:xfrm>
+                <a:off x="1222615" y="2236820"/>
+                <a:ext cx="436895" cy="369332"/>
+              </a:xfrm>
+              <a:prstGeom prst="rect">
+                <a:avLst/>
+              </a:prstGeom>
+              <a:blipFill>
+                <a:blip r:embed="rId6"/>
+                <a:stretch>
+                  <a:fillRect/>
+                </a:stretch>
+              </a:blipFill>
+            </p:spPr>
+            <p:txBody>
+              <a:bodyPr/>
+              <a:lstStyle/>
+              <a:p>
+                <a:r>
+                  <a:rPr lang="en-US">
+                    <a:noFill/>
+                  </a:rPr>
+                  <a:t> </a:t>
+                </a:r>
+              </a:p>
+            </p:txBody>
+          </p:sp>
+        </mc:Fallback>
+      </mc:AlternateContent>
+      <p:sp>
+        <p:nvSpPr>
+          <p:cNvPr id="8" name="Rectangle 7">
+            <a:extLst>
+              <a:ext uri="{FF2B5EF4-FFF2-40B4-BE49-F238E27FC236}">
+                <a16:creationId xmlns:a16="http://schemas.microsoft.com/office/drawing/2014/main" id="{BE222C32-86BB-1739-3646-418BE2C38859}"/>
+              </a:ext>
+            </a:extLst>
+          </p:cNvPr>
+          <p:cNvSpPr/>
+          <p:nvPr/>
+        </p:nvSpPr>
+        <p:spPr>
+          <a:xfrm>
+            <a:off x="2505137" y="1907314"/>
+            <a:ext cx="907417" cy="3490596"/>
+          </a:xfrm>
+          <a:prstGeom prst="rect">
+            <a:avLst/>
+          </a:prstGeom>
+        </p:spPr>
+        <p:style>
+          <a:lnRef idx="2">
+            <a:schemeClr val="accent1">
+              <a:shade val="50000"/>
+            </a:schemeClr>
+          </a:lnRef>
+          <a:fillRef idx="1">
+            <a:schemeClr val="accent1"/>
+          </a:fillRef>
+          <a:effectRef idx="0">
+            <a:schemeClr val="accent1"/>
+          </a:effectRef>
+          <a:fontRef idx="minor">
+            <a:schemeClr val="lt1"/>
+          </a:fontRef>
+        </p:style>
+        <p:txBody>
+          <a:bodyPr rtlCol="0" anchor="ctr"/>
+          <a:lstStyle/>
+          <a:p>
+            <a:pPr algn="ctr"/>
+            <a:r>
+              <a:rPr lang="en-US" b="1" dirty="0"/>
+              <a:t>GNN</a:t>
+            </a:r>
+          </a:p>
+          <a:p>
+            <a:pPr algn="ctr"/>
+            <a:r>
+              <a:rPr lang="en-US" b="1" dirty="0"/>
+              <a:t>Layers</a:t>
+            </a:r>
+          </a:p>
+        </p:txBody>
+      </p:sp>
+      <p:sp>
+        <p:nvSpPr>
+          <p:cNvPr id="9" name="Arrow: Right 8">
+            <a:extLst>
+              <a:ext uri="{FF2B5EF4-FFF2-40B4-BE49-F238E27FC236}">
+                <a16:creationId xmlns:a16="http://schemas.microsoft.com/office/drawing/2014/main" id="{2AE9C1D6-4159-4EB7-5C7E-EB53721F7E6A}"/>
+              </a:ext>
+            </a:extLst>
+          </p:cNvPr>
+          <p:cNvSpPr/>
+          <p:nvPr/>
+        </p:nvSpPr>
+        <p:spPr>
+          <a:xfrm>
+            <a:off x="3480443" y="3206146"/>
+            <a:ext cx="412955" cy="584527"/>
+          </a:xfrm>
+          <a:prstGeom prst="rightArrow">
+            <a:avLst/>
+          </a:prstGeom>
+        </p:spPr>
+        <p:style>
+          <a:lnRef idx="2">
+            <a:schemeClr val="accent1">
+              <a:shade val="50000"/>
+            </a:schemeClr>
+          </a:lnRef>
+          <a:fillRef idx="1">
+            <a:schemeClr val="accent1"/>
+          </a:fillRef>
+          <a:effectRef idx="0">
+            <a:schemeClr val="accent1"/>
+          </a:effectRef>
+          <a:fontRef idx="minor">
+            <a:schemeClr val="lt1"/>
+          </a:fontRef>
+        </p:style>
+        <p:txBody>
+          <a:bodyPr rtlCol="0" anchor="ctr"/>
+          <a:lstStyle/>
+          <a:p>
+            <a:pPr algn="ctr"/>
+            <a:endParaRPr lang="en-US"/>
+          </a:p>
+        </p:txBody>
+      </p:sp>
+      <mc:AlternateContent xmlns:mc="http://schemas.openxmlformats.org/markup-compatibility/2006">
+        <mc:Choice xmlns:a14="http://schemas.microsoft.com/office/drawing/2010/main" Requires="a14">
+          <p:sp>
+            <p:nvSpPr>
+              <p:cNvPr id="10" name="TextBox 9">
+                <a:extLst>
+                  <a:ext uri="{FF2B5EF4-FFF2-40B4-BE49-F238E27FC236}">
+                    <a16:creationId xmlns:a16="http://schemas.microsoft.com/office/drawing/2014/main" id="{59494C76-539B-5494-BE11-846F13DA5567}"/>
+                  </a:ext>
+                </a:extLst>
+              </p:cNvPr>
+              <p:cNvSpPr txBox="1"/>
+              <p:nvPr/>
+            </p:nvSpPr>
+            <p:spPr>
+              <a:xfrm>
+                <a:off x="4861330" y="2794224"/>
+                <a:ext cx="432619" cy="353302"/>
+              </a:xfrm>
+              <a:prstGeom prst="rect">
+                <a:avLst/>
+              </a:prstGeom>
+              <a:noFill/>
+            </p:spPr>
+            <p:txBody>
+              <a:bodyPr wrap="square" rtlCol="0">
+                <a:spAutoFit/>
+              </a:bodyPr>
+              <a:lstStyle/>
+              <a:p>
+                <a14:m>
+                  <m:oMathPara xmlns:m="http://schemas.openxmlformats.org/officeDocument/2006/math">
+                    <m:oMathParaPr>
+                      <m:jc m:val="centerGroup"/>
+                    </m:oMathParaPr>
+                    <m:oMath xmlns:m="http://schemas.openxmlformats.org/officeDocument/2006/math">
+                      <m:sSubSup>
+                        <m:sSubSupPr>
+                          <m:ctrlPr>
+                            <a:rPr lang="en-US" sz="1600" b="1" i="1" smtClean="0">
+                              <a:latin typeface="Cambria Math" panose="02040503050406030204" pitchFamily="18" charset="0"/>
+                            </a:rPr>
+                          </m:ctrlPr>
+                        </m:sSubSupPr>
+                        <m:e>
+                          <m:r>
+                            <a:rPr lang="en-US" sz="1600" b="1" i="1">
+                              <a:latin typeface="Cambria Math" panose="02040503050406030204" pitchFamily="18" charset="0"/>
+                            </a:rPr>
+                            <m:t>𝒉</m:t>
+                          </m:r>
+                        </m:e>
+                        <m:sub>
+                          <m:r>
+                            <a:rPr lang="en-US" sz="1600" b="1" i="1" smtClean="0">
+                              <a:latin typeface="Cambria Math" panose="02040503050406030204" pitchFamily="18" charset="0"/>
+                            </a:rPr>
+                            <m:t>𝟏</m:t>
+                          </m:r>
+                        </m:sub>
+                        <m:sup>
+                          <m:r>
+                            <a:rPr lang="en-US" sz="1600" b="1" i="1" smtClean="0">
+                              <a:latin typeface="Cambria Math" panose="02040503050406030204" pitchFamily="18" charset="0"/>
+                            </a:rPr>
+                            <m:t>𝑳</m:t>
+                          </m:r>
+                        </m:sup>
+                      </m:sSubSup>
+                    </m:oMath>
+                  </m:oMathPara>
+                </a14:m>
+                <a:endParaRPr lang="en-US" b="1" dirty="0"/>
+              </a:p>
+            </p:txBody>
+          </p:sp>
+        </mc:Choice>
+        <mc:Fallback>
+          <p:sp>
+            <p:nvSpPr>
+              <p:cNvPr id="10" name="TextBox 9">
+                <a:extLst>
+                  <a:ext uri="{FF2B5EF4-FFF2-40B4-BE49-F238E27FC236}">
+                    <a16:creationId xmlns:a16="http://schemas.microsoft.com/office/drawing/2014/main" id="{59494C76-539B-5494-BE11-846F13DA5567}"/>
+                  </a:ext>
+                </a:extLst>
+              </p:cNvPr>
+              <p:cNvSpPr txBox="1">
+                <a:spLocks noRot="1" noChangeAspect="1" noMove="1" noResize="1" noEditPoints="1" noAdjustHandles="1" noChangeArrowheads="1" noChangeShapeType="1" noTextEdit="1"/>
+              </p:cNvSpPr>
+              <p:nvPr/>
+            </p:nvSpPr>
+            <p:spPr>
+              <a:xfrm>
+                <a:off x="4861330" y="2794224"/>
+                <a:ext cx="432619" cy="353302"/>
+              </a:xfrm>
+              <a:prstGeom prst="rect">
+                <a:avLst/>
+              </a:prstGeom>
+              <a:blipFill>
+                <a:blip r:embed="rId7"/>
+                <a:stretch>
+                  <a:fillRect/>
+                </a:stretch>
+              </a:blipFill>
+            </p:spPr>
+            <p:txBody>
+              <a:bodyPr/>
+              <a:lstStyle/>
+              <a:p>
+                <a:r>
+                  <a:rPr lang="en-US">
+                    <a:noFill/>
+                  </a:rPr>
+                  <a:t> </a:t>
+                </a:r>
+              </a:p>
+            </p:txBody>
+          </p:sp>
+        </mc:Fallback>
+      </mc:AlternateContent>
+      <p:cxnSp>
+        <p:nvCxnSpPr>
+          <p:cNvPr id="11" name="Straight Arrow Connector 10">
+            <a:extLst>
+              <a:ext uri="{FF2B5EF4-FFF2-40B4-BE49-F238E27FC236}">
+                <a16:creationId xmlns:a16="http://schemas.microsoft.com/office/drawing/2014/main" id="{FD605B7D-C323-EBE1-3F34-C105F7ADC125}"/>
+              </a:ext>
+            </a:extLst>
+          </p:cNvPr>
+          <p:cNvCxnSpPr/>
+          <p:nvPr/>
+        </p:nvCxnSpPr>
+        <p:spPr>
+          <a:xfrm>
+            <a:off x="5293949" y="2965623"/>
+            <a:ext cx="648929" cy="0"/>
+          </a:xfrm>
+          <a:prstGeom prst="straightConnector1">
+            <a:avLst/>
+          </a:prstGeom>
+          <a:ln>
+            <a:tailEnd type="triangle"/>
+          </a:ln>
+        </p:spPr>
+        <p:style>
+          <a:lnRef idx="1">
+            <a:schemeClr val="accent1"/>
+          </a:lnRef>
+          <a:fillRef idx="0">
+            <a:schemeClr val="accent1"/>
+          </a:fillRef>
+          <a:effectRef idx="0">
+            <a:schemeClr val="accent1"/>
+          </a:effectRef>
+          <a:fontRef idx="minor">
+            <a:schemeClr val="tx1"/>
+          </a:fontRef>
+        </p:style>
+      </p:cxnSp>
+      <p:cxnSp>
+        <p:nvCxnSpPr>
+          <p:cNvPr id="12" name="Straight Arrow Connector 11">
+            <a:extLst>
+              <a:ext uri="{FF2B5EF4-FFF2-40B4-BE49-F238E27FC236}">
+                <a16:creationId xmlns:a16="http://schemas.microsoft.com/office/drawing/2014/main" id="{7F38D0B3-3DA8-11EB-679D-D06159DDC995}"/>
+              </a:ext>
+            </a:extLst>
+          </p:cNvPr>
+          <p:cNvCxnSpPr>
+            <a:stCxn id="10" idx="1"/>
+          </p:cNvCxnSpPr>
+          <p:nvPr/>
+        </p:nvCxnSpPr>
+        <p:spPr>
+          <a:xfrm flipH="1">
+            <a:off x="4261562" y="2970875"/>
+            <a:ext cx="599768" cy="0"/>
+          </a:xfrm>
+          <a:prstGeom prst="straightConnector1">
+            <a:avLst/>
+          </a:prstGeom>
+          <a:ln>
+            <a:tailEnd type="triangle"/>
+          </a:ln>
+        </p:spPr>
+        <p:style>
+          <a:lnRef idx="1">
+            <a:schemeClr val="accent1"/>
+          </a:lnRef>
+          <a:fillRef idx="0">
+            <a:schemeClr val="accent1"/>
+          </a:fillRef>
+          <a:effectRef idx="0">
+            <a:schemeClr val="accent1"/>
+          </a:effectRef>
+          <a:fontRef idx="minor">
+            <a:schemeClr val="tx1"/>
+          </a:fontRef>
+        </p:style>
+      </p:cxnSp>
+      <mc:AlternateContent xmlns:mc="http://schemas.openxmlformats.org/markup-compatibility/2006">
+        <mc:Choice xmlns:a14="http://schemas.microsoft.com/office/drawing/2010/main" Requires="a14">
+          <p:sp>
+            <p:nvSpPr>
+              <p:cNvPr id="13" name="TextBox 12">
+                <a:extLst>
+                  <a:ext uri="{FF2B5EF4-FFF2-40B4-BE49-F238E27FC236}">
+                    <a16:creationId xmlns:a16="http://schemas.microsoft.com/office/drawing/2014/main" id="{D583BE21-D3AE-4EF0-1B94-E556422385CB}"/>
+                  </a:ext>
+                </a:extLst>
+              </p:cNvPr>
+              <p:cNvSpPr txBox="1"/>
+              <p:nvPr/>
+            </p:nvSpPr>
+            <p:spPr>
+              <a:xfrm>
+                <a:off x="4856782" y="3056318"/>
+                <a:ext cx="432619" cy="353302"/>
+              </a:xfrm>
+              <a:prstGeom prst="rect">
+                <a:avLst/>
+              </a:prstGeom>
+              <a:noFill/>
+            </p:spPr>
+            <p:txBody>
+              <a:bodyPr wrap="square" rtlCol="0">
+                <a:spAutoFit/>
+              </a:bodyPr>
+              <a:lstStyle/>
+              <a:p>
+                <a14:m>
+                  <m:oMathPara xmlns:m="http://schemas.openxmlformats.org/officeDocument/2006/math">
+                    <m:oMathParaPr>
+                      <m:jc m:val="centerGroup"/>
+                    </m:oMathParaPr>
+                    <m:oMath xmlns:m="http://schemas.openxmlformats.org/officeDocument/2006/math">
+                      <m:sSubSup>
+                        <m:sSubSupPr>
+                          <m:ctrlPr>
+                            <a:rPr lang="en-US" sz="1600" b="1" i="1" smtClean="0">
+                              <a:latin typeface="Cambria Math" panose="02040503050406030204" pitchFamily="18" charset="0"/>
+                            </a:rPr>
+                          </m:ctrlPr>
+                        </m:sSubSupPr>
+                        <m:e>
+                          <m:r>
+                            <a:rPr lang="en-US" sz="1600" b="1" i="1">
+                              <a:latin typeface="Cambria Math" panose="02040503050406030204" pitchFamily="18" charset="0"/>
+                            </a:rPr>
+                            <m:t>𝒉</m:t>
+                          </m:r>
+                        </m:e>
+                        <m:sub>
+                          <m:r>
+                            <a:rPr lang="en-US" sz="1600" b="1" i="1" smtClean="0">
+                              <a:latin typeface="Cambria Math" panose="02040503050406030204" pitchFamily="18" charset="0"/>
+                            </a:rPr>
+                            <m:t>𝟐</m:t>
+                          </m:r>
+                        </m:sub>
+                        <m:sup>
+                          <m:r>
+                            <a:rPr lang="en-US" sz="1600" b="1" i="1" smtClean="0">
+                              <a:latin typeface="Cambria Math" panose="02040503050406030204" pitchFamily="18" charset="0"/>
+                            </a:rPr>
+                            <m:t>𝑳</m:t>
+                          </m:r>
+                        </m:sup>
+                      </m:sSubSup>
+                    </m:oMath>
+                  </m:oMathPara>
+                </a14:m>
+                <a:endParaRPr lang="en-US" b="1" dirty="0"/>
+              </a:p>
+            </p:txBody>
+          </p:sp>
+        </mc:Choice>
+        <mc:Fallback>
+          <p:sp>
+            <p:nvSpPr>
+              <p:cNvPr id="13" name="TextBox 12">
+                <a:extLst>
+                  <a:ext uri="{FF2B5EF4-FFF2-40B4-BE49-F238E27FC236}">
+                    <a16:creationId xmlns:a16="http://schemas.microsoft.com/office/drawing/2014/main" id="{D583BE21-D3AE-4EF0-1B94-E556422385CB}"/>
+                  </a:ext>
+                </a:extLst>
+              </p:cNvPr>
+              <p:cNvSpPr txBox="1">
+                <a:spLocks noRot="1" noChangeAspect="1" noMove="1" noResize="1" noEditPoints="1" noAdjustHandles="1" noChangeArrowheads="1" noChangeShapeType="1" noTextEdit="1"/>
+              </p:cNvSpPr>
+              <p:nvPr/>
+            </p:nvSpPr>
+            <p:spPr>
+              <a:xfrm>
+                <a:off x="4856782" y="3056318"/>
+                <a:ext cx="432619" cy="353302"/>
+              </a:xfrm>
+              <a:prstGeom prst="rect">
+                <a:avLst/>
+              </a:prstGeom>
+              <a:blipFill>
+                <a:blip r:embed="rId8"/>
+                <a:stretch>
+                  <a:fillRect/>
+                </a:stretch>
+              </a:blipFill>
+            </p:spPr>
+            <p:txBody>
+              <a:bodyPr/>
+              <a:lstStyle/>
+              <a:p>
+                <a:r>
+                  <a:rPr lang="en-US">
+                    <a:noFill/>
+                  </a:rPr>
+                  <a:t> </a:t>
+                </a:r>
+              </a:p>
+            </p:txBody>
+          </p:sp>
+        </mc:Fallback>
+      </mc:AlternateContent>
+      <p:cxnSp>
+        <p:nvCxnSpPr>
+          <p:cNvPr id="14" name="Straight Arrow Connector 13">
+            <a:extLst>
+              <a:ext uri="{FF2B5EF4-FFF2-40B4-BE49-F238E27FC236}">
+                <a16:creationId xmlns:a16="http://schemas.microsoft.com/office/drawing/2014/main" id="{A0C9F283-1FDB-40E9-DC17-37E4D538FC4E}"/>
+              </a:ext>
+            </a:extLst>
+          </p:cNvPr>
+          <p:cNvCxnSpPr/>
+          <p:nvPr/>
+        </p:nvCxnSpPr>
+        <p:spPr>
+          <a:xfrm>
+            <a:off x="5289401" y="3227717"/>
+            <a:ext cx="648929" cy="0"/>
+          </a:xfrm>
+          <a:prstGeom prst="straightConnector1">
+            <a:avLst/>
+          </a:prstGeom>
+          <a:ln>
+            <a:tailEnd type="triangle"/>
+          </a:ln>
+        </p:spPr>
+        <p:style>
+          <a:lnRef idx="1">
+            <a:schemeClr val="accent1"/>
+          </a:lnRef>
+          <a:fillRef idx="0">
+            <a:schemeClr val="accent1"/>
+          </a:fillRef>
+          <a:effectRef idx="0">
+            <a:schemeClr val="accent1"/>
+          </a:effectRef>
+          <a:fontRef idx="minor">
+            <a:schemeClr val="tx1"/>
+          </a:fontRef>
+        </p:style>
+      </p:cxnSp>
+      <p:cxnSp>
+        <p:nvCxnSpPr>
+          <p:cNvPr id="15" name="Straight Arrow Connector 14">
+            <a:extLst>
+              <a:ext uri="{FF2B5EF4-FFF2-40B4-BE49-F238E27FC236}">
+                <a16:creationId xmlns:a16="http://schemas.microsoft.com/office/drawing/2014/main" id="{3E5CF796-CEF0-28F5-9278-C521E6672847}"/>
+              </a:ext>
+            </a:extLst>
+          </p:cNvPr>
+          <p:cNvCxnSpPr>
+            <a:cxnSpLocks/>
+          </p:cNvCxnSpPr>
+          <p:nvPr/>
+        </p:nvCxnSpPr>
+        <p:spPr>
+          <a:xfrm flipH="1">
+            <a:off x="4257014" y="3227717"/>
+            <a:ext cx="599768" cy="0"/>
+          </a:xfrm>
+          <a:prstGeom prst="straightConnector1">
+            <a:avLst/>
+          </a:prstGeom>
+          <a:ln>
+            <a:tailEnd type="triangle"/>
+          </a:ln>
+        </p:spPr>
+        <p:style>
+          <a:lnRef idx="1">
+            <a:schemeClr val="accent1"/>
+          </a:lnRef>
+          <a:fillRef idx="0">
+            <a:schemeClr val="accent1"/>
+          </a:fillRef>
+          <a:effectRef idx="0">
+            <a:schemeClr val="accent1"/>
+          </a:effectRef>
+          <a:fontRef idx="minor">
+            <a:schemeClr val="tx1"/>
+          </a:fontRef>
+        </p:style>
+      </p:cxnSp>
+      <mc:AlternateContent xmlns:mc="http://schemas.openxmlformats.org/markup-compatibility/2006">
+        <mc:Choice xmlns:a14="http://schemas.microsoft.com/office/drawing/2010/main" Requires="a14">
+          <p:sp>
+            <p:nvSpPr>
+              <p:cNvPr id="16" name="TextBox 15">
+                <a:extLst>
+                  <a:ext uri="{FF2B5EF4-FFF2-40B4-BE49-F238E27FC236}">
+                    <a16:creationId xmlns:a16="http://schemas.microsoft.com/office/drawing/2014/main" id="{D61755C2-5F81-B9F3-8326-40FD73E48C17}"/>
+                  </a:ext>
+                </a:extLst>
+              </p:cNvPr>
+              <p:cNvSpPr txBox="1"/>
+              <p:nvPr/>
+            </p:nvSpPr>
+            <p:spPr>
+              <a:xfrm>
+                <a:off x="4865878" y="3317801"/>
+                <a:ext cx="432619" cy="354456"/>
+              </a:xfrm>
+              <a:prstGeom prst="rect">
+                <a:avLst/>
+              </a:prstGeom>
+              <a:noFill/>
+            </p:spPr>
+            <p:txBody>
+              <a:bodyPr wrap="square" rtlCol="0">
+                <a:spAutoFit/>
+              </a:bodyPr>
+              <a:lstStyle/>
+              <a:p>
+                <a14:m>
+                  <m:oMathPara xmlns:m="http://schemas.openxmlformats.org/officeDocument/2006/math">
+                    <m:oMathParaPr>
+                      <m:jc m:val="centerGroup"/>
+                    </m:oMathParaPr>
+                    <m:oMath xmlns:m="http://schemas.openxmlformats.org/officeDocument/2006/math">
+                      <m:sSubSup>
+                        <m:sSubSupPr>
+                          <m:ctrlPr>
+                            <a:rPr lang="en-US" sz="1600" b="1" i="1" smtClean="0">
+                              <a:latin typeface="Cambria Math" panose="02040503050406030204" pitchFamily="18" charset="0"/>
+                            </a:rPr>
+                          </m:ctrlPr>
+                        </m:sSubSupPr>
+                        <m:e>
+                          <m:r>
+                            <a:rPr lang="en-US" sz="1600" b="1" i="1">
+                              <a:latin typeface="Cambria Math" panose="02040503050406030204" pitchFamily="18" charset="0"/>
+                            </a:rPr>
+                            <m:t>𝒉</m:t>
+                          </m:r>
+                        </m:e>
+                        <m:sub>
+                          <m:r>
+                            <a:rPr lang="en-US" sz="1600" b="1" i="1" smtClean="0">
+                              <a:latin typeface="Cambria Math" panose="02040503050406030204" pitchFamily="18" charset="0"/>
+                            </a:rPr>
+                            <m:t>𝟑</m:t>
+                          </m:r>
+                        </m:sub>
+                        <m:sup>
+                          <m:r>
+                            <a:rPr lang="en-US" sz="1600" b="1" i="1" smtClean="0">
+                              <a:latin typeface="Cambria Math" panose="02040503050406030204" pitchFamily="18" charset="0"/>
+                            </a:rPr>
+                            <m:t>𝑳</m:t>
+                          </m:r>
+                        </m:sup>
+                      </m:sSubSup>
+                    </m:oMath>
+                  </m:oMathPara>
+                </a14:m>
+                <a:endParaRPr lang="en-US" b="1" dirty="0"/>
+              </a:p>
+            </p:txBody>
+          </p:sp>
+        </mc:Choice>
+        <mc:Fallback>
+          <p:sp>
+            <p:nvSpPr>
+              <p:cNvPr id="16" name="TextBox 15">
+                <a:extLst>
+                  <a:ext uri="{FF2B5EF4-FFF2-40B4-BE49-F238E27FC236}">
+                    <a16:creationId xmlns:a16="http://schemas.microsoft.com/office/drawing/2014/main" id="{D61755C2-5F81-B9F3-8326-40FD73E48C17}"/>
+                  </a:ext>
+                </a:extLst>
+              </p:cNvPr>
+              <p:cNvSpPr txBox="1">
+                <a:spLocks noRot="1" noChangeAspect="1" noMove="1" noResize="1" noEditPoints="1" noAdjustHandles="1" noChangeArrowheads="1" noChangeShapeType="1" noTextEdit="1"/>
+              </p:cNvSpPr>
+              <p:nvPr/>
+            </p:nvSpPr>
+            <p:spPr>
+              <a:xfrm>
+                <a:off x="4865878" y="3317801"/>
+                <a:ext cx="432619" cy="354456"/>
+              </a:xfrm>
+              <a:prstGeom prst="rect">
+                <a:avLst/>
+              </a:prstGeom>
+              <a:blipFill>
+                <a:blip r:embed="rId9"/>
+                <a:stretch>
+                  <a:fillRect/>
+                </a:stretch>
+              </a:blipFill>
+            </p:spPr>
+            <p:txBody>
+              <a:bodyPr/>
+              <a:lstStyle/>
+              <a:p>
+                <a:r>
+                  <a:rPr lang="en-US">
+                    <a:noFill/>
+                  </a:rPr>
+                  <a:t> </a:t>
+                </a:r>
+              </a:p>
+            </p:txBody>
+          </p:sp>
+        </mc:Fallback>
+      </mc:AlternateContent>
+      <p:cxnSp>
+        <p:nvCxnSpPr>
+          <p:cNvPr id="17" name="Straight Arrow Connector 16">
+            <a:extLst>
+              <a:ext uri="{FF2B5EF4-FFF2-40B4-BE49-F238E27FC236}">
+                <a16:creationId xmlns:a16="http://schemas.microsoft.com/office/drawing/2014/main" id="{25BEEA5C-7624-4DAA-355A-2792D9723B58}"/>
+              </a:ext>
+            </a:extLst>
+          </p:cNvPr>
+          <p:cNvCxnSpPr/>
+          <p:nvPr/>
+        </p:nvCxnSpPr>
+        <p:spPr>
+          <a:xfrm>
+            <a:off x="5298497" y="3489200"/>
+            <a:ext cx="648929" cy="0"/>
+          </a:xfrm>
+          <a:prstGeom prst="straightConnector1">
+            <a:avLst/>
+          </a:prstGeom>
+          <a:ln>
+            <a:tailEnd type="triangle"/>
+          </a:ln>
+        </p:spPr>
+        <p:style>
+          <a:lnRef idx="1">
+            <a:schemeClr val="accent1"/>
+          </a:lnRef>
+          <a:fillRef idx="0">
+            <a:schemeClr val="accent1"/>
+          </a:fillRef>
+          <a:effectRef idx="0">
+            <a:schemeClr val="accent1"/>
+          </a:effectRef>
+          <a:fontRef idx="minor">
+            <a:schemeClr val="tx1"/>
+          </a:fontRef>
+        </p:style>
+      </p:cxnSp>
+      <p:cxnSp>
+        <p:nvCxnSpPr>
+          <p:cNvPr id="18" name="Straight Arrow Connector 17">
+            <a:extLst>
+              <a:ext uri="{FF2B5EF4-FFF2-40B4-BE49-F238E27FC236}">
+                <a16:creationId xmlns:a16="http://schemas.microsoft.com/office/drawing/2014/main" id="{B4BBD129-F5D6-4B76-EBF8-FBA868E35A6D}"/>
+              </a:ext>
+            </a:extLst>
+          </p:cNvPr>
+          <p:cNvCxnSpPr>
+            <a:stCxn id="16" idx="1"/>
+          </p:cNvCxnSpPr>
+          <p:nvPr/>
+        </p:nvCxnSpPr>
+        <p:spPr>
+          <a:xfrm flipH="1" flipV="1">
+            <a:off x="4266110" y="3494452"/>
+            <a:ext cx="599768" cy="577"/>
+          </a:xfrm>
+          <a:prstGeom prst="straightConnector1">
+            <a:avLst/>
+          </a:prstGeom>
+          <a:ln>
+            <a:tailEnd type="triangle"/>
+          </a:ln>
+        </p:spPr>
+        <p:style>
+          <a:lnRef idx="1">
+            <a:schemeClr val="accent1"/>
+          </a:lnRef>
+          <a:fillRef idx="0">
+            <a:schemeClr val="accent1"/>
+          </a:fillRef>
+          <a:effectRef idx="0">
+            <a:schemeClr val="accent1"/>
+          </a:effectRef>
+          <a:fontRef idx="minor">
+            <a:schemeClr val="tx1"/>
+          </a:fontRef>
+        </p:style>
+      </p:cxnSp>
+      <mc:AlternateContent xmlns:mc="http://schemas.openxmlformats.org/markup-compatibility/2006">
+        <mc:Choice xmlns:a14="http://schemas.microsoft.com/office/drawing/2010/main" Requires="a14">
+          <p:sp>
+            <p:nvSpPr>
+              <p:cNvPr id="19" name="TextBox 18">
+                <a:extLst>
+                  <a:ext uri="{FF2B5EF4-FFF2-40B4-BE49-F238E27FC236}">
+                    <a16:creationId xmlns:a16="http://schemas.microsoft.com/office/drawing/2014/main" id="{A8FF4D64-6C28-1492-5BC1-63BD06DB6D35}"/>
+                  </a:ext>
+                </a:extLst>
+              </p:cNvPr>
+              <p:cNvSpPr txBox="1"/>
+              <p:nvPr/>
+            </p:nvSpPr>
+            <p:spPr>
+              <a:xfrm>
+                <a:off x="4861330" y="3579895"/>
+                <a:ext cx="432619" cy="352661"/>
+              </a:xfrm>
+              <a:prstGeom prst="rect">
+                <a:avLst/>
+              </a:prstGeom>
+              <a:noFill/>
+            </p:spPr>
+            <p:txBody>
+              <a:bodyPr wrap="square" rtlCol="0">
+                <a:spAutoFit/>
+              </a:bodyPr>
+              <a:lstStyle/>
+              <a:p>
+                <a14:m>
+                  <m:oMathPara xmlns:m="http://schemas.openxmlformats.org/officeDocument/2006/math">
+                    <m:oMathParaPr>
+                      <m:jc m:val="centerGroup"/>
+                    </m:oMathParaPr>
+                    <m:oMath xmlns:m="http://schemas.openxmlformats.org/officeDocument/2006/math">
+                      <m:sSubSup>
+                        <m:sSubSupPr>
+                          <m:ctrlPr>
+                            <a:rPr lang="en-US" sz="1600" b="1" i="1" smtClean="0">
+                              <a:latin typeface="Cambria Math" panose="02040503050406030204" pitchFamily="18" charset="0"/>
+                            </a:rPr>
+                          </m:ctrlPr>
+                        </m:sSubSupPr>
+                        <m:e>
+                          <m:r>
+                            <a:rPr lang="en-US" sz="1600" b="1" i="1">
+                              <a:latin typeface="Cambria Math" panose="02040503050406030204" pitchFamily="18" charset="0"/>
+                            </a:rPr>
+                            <m:t>𝒉</m:t>
+                          </m:r>
+                        </m:e>
+                        <m:sub>
+                          <m:r>
+                            <a:rPr lang="en-US" sz="1600" b="1" i="1" smtClean="0">
+                              <a:latin typeface="Cambria Math" panose="02040503050406030204" pitchFamily="18" charset="0"/>
+                            </a:rPr>
+                            <m:t>𝟒</m:t>
+                          </m:r>
+                        </m:sub>
+                        <m:sup>
+                          <m:r>
+                            <a:rPr lang="en-US" sz="1600" b="1" i="1" smtClean="0">
+                              <a:latin typeface="Cambria Math" panose="02040503050406030204" pitchFamily="18" charset="0"/>
+                            </a:rPr>
+                            <m:t>𝑳</m:t>
+                          </m:r>
+                        </m:sup>
+                      </m:sSubSup>
+                    </m:oMath>
+                  </m:oMathPara>
+                </a14:m>
+                <a:endParaRPr lang="en-US" b="1" dirty="0"/>
+              </a:p>
+            </p:txBody>
+          </p:sp>
+        </mc:Choice>
+        <mc:Fallback>
+          <p:sp>
+            <p:nvSpPr>
+              <p:cNvPr id="19" name="TextBox 18">
+                <a:extLst>
+                  <a:ext uri="{FF2B5EF4-FFF2-40B4-BE49-F238E27FC236}">
+                    <a16:creationId xmlns:a16="http://schemas.microsoft.com/office/drawing/2014/main" id="{A8FF4D64-6C28-1492-5BC1-63BD06DB6D35}"/>
+                  </a:ext>
+                </a:extLst>
+              </p:cNvPr>
+              <p:cNvSpPr txBox="1">
+                <a:spLocks noRot="1" noChangeAspect="1" noMove="1" noResize="1" noEditPoints="1" noAdjustHandles="1" noChangeArrowheads="1" noChangeShapeType="1" noTextEdit="1"/>
+              </p:cNvSpPr>
+              <p:nvPr/>
+            </p:nvSpPr>
+            <p:spPr>
+              <a:xfrm>
+                <a:off x="4861330" y="3579895"/>
+                <a:ext cx="432619" cy="352661"/>
+              </a:xfrm>
+              <a:prstGeom prst="rect">
+                <a:avLst/>
+              </a:prstGeom>
+              <a:blipFill>
+                <a:blip r:embed="rId10"/>
+                <a:stretch>
+                  <a:fillRect/>
+                </a:stretch>
+              </a:blipFill>
+            </p:spPr>
+            <p:txBody>
+              <a:bodyPr/>
+              <a:lstStyle/>
+              <a:p>
+                <a:r>
+                  <a:rPr lang="en-US">
+                    <a:noFill/>
+                  </a:rPr>
+                  <a:t> </a:t>
+                </a:r>
+              </a:p>
+            </p:txBody>
+          </p:sp>
+        </mc:Fallback>
+      </mc:AlternateContent>
+      <p:cxnSp>
+        <p:nvCxnSpPr>
+          <p:cNvPr id="20" name="Straight Arrow Connector 19">
+            <a:extLst>
+              <a:ext uri="{FF2B5EF4-FFF2-40B4-BE49-F238E27FC236}">
+                <a16:creationId xmlns:a16="http://schemas.microsoft.com/office/drawing/2014/main" id="{B85D6D73-E459-94BC-B916-DCC2A9B8B502}"/>
+              </a:ext>
+            </a:extLst>
+          </p:cNvPr>
+          <p:cNvCxnSpPr/>
+          <p:nvPr/>
+        </p:nvCxnSpPr>
+        <p:spPr>
+          <a:xfrm>
+            <a:off x="5293949" y="3751294"/>
+            <a:ext cx="648929" cy="0"/>
+          </a:xfrm>
+          <a:prstGeom prst="straightConnector1">
+            <a:avLst/>
+          </a:prstGeom>
+          <a:ln>
+            <a:tailEnd type="triangle"/>
+          </a:ln>
+        </p:spPr>
+        <p:style>
+          <a:lnRef idx="1">
+            <a:schemeClr val="accent1"/>
+          </a:lnRef>
+          <a:fillRef idx="0">
+            <a:schemeClr val="accent1"/>
+          </a:fillRef>
+          <a:effectRef idx="0">
+            <a:schemeClr val="accent1"/>
+          </a:effectRef>
+          <a:fontRef idx="minor">
+            <a:schemeClr val="tx1"/>
+          </a:fontRef>
+        </p:style>
+      </p:cxnSp>
+      <p:cxnSp>
+        <p:nvCxnSpPr>
+          <p:cNvPr id="21" name="Straight Arrow Connector 20">
+            <a:extLst>
+              <a:ext uri="{FF2B5EF4-FFF2-40B4-BE49-F238E27FC236}">
+                <a16:creationId xmlns:a16="http://schemas.microsoft.com/office/drawing/2014/main" id="{C9C06495-4963-9912-89D3-210C95A7FE4B}"/>
+              </a:ext>
+            </a:extLst>
+          </p:cNvPr>
+          <p:cNvCxnSpPr>
+            <a:cxnSpLocks/>
+          </p:cNvCxnSpPr>
+          <p:nvPr/>
+        </p:nvCxnSpPr>
+        <p:spPr>
+          <a:xfrm flipH="1">
+            <a:off x="4261562" y="3751294"/>
+            <a:ext cx="599768" cy="0"/>
+          </a:xfrm>
+          <a:prstGeom prst="straightConnector1">
+            <a:avLst/>
+          </a:prstGeom>
+          <a:ln>
+            <a:tailEnd type="triangle"/>
+          </a:ln>
+        </p:spPr>
+        <p:style>
+          <a:lnRef idx="1">
+            <a:schemeClr val="accent1"/>
+          </a:lnRef>
+          <a:fillRef idx="0">
+            <a:schemeClr val="accent1"/>
+          </a:fillRef>
+          <a:effectRef idx="0">
+            <a:schemeClr val="accent1"/>
+          </a:effectRef>
+          <a:fontRef idx="minor">
+            <a:schemeClr val="tx1"/>
+          </a:fontRef>
+        </p:style>
+      </p:cxnSp>
+      <p:pic>
+        <p:nvPicPr>
+          <p:cNvPr id="22" name="Picture 4" descr="Deep feed-forward neural network with two hidden layers (blue balls).... |  Download Scientific Diagram">
+            <a:extLst>
+              <a:ext uri="{FF2B5EF4-FFF2-40B4-BE49-F238E27FC236}">
+                <a16:creationId xmlns:a16="http://schemas.microsoft.com/office/drawing/2014/main" id="{35336384-56F8-93E0-F3B9-4FE39F84C535}"/>
+              </a:ext>
+            </a:extLst>
+          </p:cNvPr>
+          <p:cNvPicPr>
+            <a:picLocks noChangeAspect="1" noChangeArrowheads="1"/>
+          </p:cNvPicPr>
+          <p:nvPr/>
+        </p:nvPicPr>
+        <p:blipFill>
+          <a:blip r:embed="rId11">
+            <a:extLst>
+              <a:ext uri="{28A0092B-C50C-407E-A947-70E740481C1C}">
+                <a14:useLocalDpi xmlns:a14="http://schemas.microsoft.com/office/drawing/2010/main" val="0"/>
+              </a:ext>
+            </a:extLst>
+          </a:blip>
+          <a:srcRect/>
+          <a:stretch>
+            <a:fillRect/>
+          </a:stretch>
+        </p:blipFill>
+        <p:spPr bwMode="auto">
+          <a:xfrm>
+            <a:off x="7205955" y="2600650"/>
+            <a:ext cx="2774632" cy="1602483"/>
+          </a:xfrm>
+          <a:prstGeom prst="rect">
+            <a:avLst/>
+          </a:prstGeom>
+          <a:noFill/>
+          <a:extLst>
+            <a:ext uri="{909E8E84-426E-40DD-AFC4-6F175D3DCCD1}">
+              <a14:hiddenFill xmlns:a14="http://schemas.microsoft.com/office/drawing/2010/main">
+                <a:solidFill>
+                  <a:srgbClr val="FFFFFF"/>
+                </a:solidFill>
+              </a14:hiddenFill>
+            </a:ext>
+          </a:extLst>
+        </p:spPr>
+      </p:pic>
+      <p:sp>
+        <p:nvSpPr>
+          <p:cNvPr id="23" name="TextBox 22">
+            <a:extLst>
+              <a:ext uri="{FF2B5EF4-FFF2-40B4-BE49-F238E27FC236}">
+                <a16:creationId xmlns:a16="http://schemas.microsoft.com/office/drawing/2014/main" id="{9B76B255-B766-3CF8-2456-8945BE41E08F}"/>
+              </a:ext>
+            </a:extLst>
+          </p:cNvPr>
+          <p:cNvSpPr txBox="1"/>
+          <p:nvPr/>
+        </p:nvSpPr>
+        <p:spPr>
+          <a:xfrm>
+            <a:off x="226142" y="1520464"/>
+            <a:ext cx="1736615" cy="369332"/>
+          </a:xfrm>
+          <a:prstGeom prst="rect">
+            <a:avLst/>
+          </a:prstGeom>
+          <a:noFill/>
+        </p:spPr>
+        <p:txBody>
+          <a:bodyPr wrap="square" rtlCol="0">
+            <a:spAutoFit/>
+          </a:bodyPr>
+          <a:lstStyle/>
+          <a:p>
+            <a:r>
+              <a:rPr lang="en-US" b="1" dirty="0"/>
+              <a:t>Input Graph</a:t>
+            </a:r>
+          </a:p>
+        </p:txBody>
+      </p:sp>
+      <p:sp>
+        <p:nvSpPr>
+          <p:cNvPr id="24" name="TextBox 23">
+            <a:extLst>
+              <a:ext uri="{FF2B5EF4-FFF2-40B4-BE49-F238E27FC236}">
+                <a16:creationId xmlns:a16="http://schemas.microsoft.com/office/drawing/2014/main" id="{A258B62C-E7FB-8570-FE7A-B74E5ABFD9C0}"/>
+              </a:ext>
+            </a:extLst>
+          </p:cNvPr>
+          <p:cNvSpPr txBox="1"/>
+          <p:nvPr/>
+        </p:nvSpPr>
+        <p:spPr>
+          <a:xfrm>
+            <a:off x="3582814" y="1520464"/>
+            <a:ext cx="2513186" cy="369332"/>
+          </a:xfrm>
+          <a:prstGeom prst="rect">
+            <a:avLst/>
+          </a:prstGeom>
+          <a:noFill/>
+        </p:spPr>
+        <p:txBody>
+          <a:bodyPr wrap="square" rtlCol="0">
+            <a:spAutoFit/>
+          </a:bodyPr>
+          <a:lstStyle/>
+          <a:p>
+            <a:r>
+              <a:rPr lang="en-US" b="1" dirty="0"/>
+              <a:t>Learned representations</a:t>
+            </a:r>
+          </a:p>
+        </p:txBody>
+      </p:sp>
+      <p:sp>
+        <p:nvSpPr>
+          <p:cNvPr id="25" name="TextBox 24">
+            <a:extLst>
+              <a:ext uri="{FF2B5EF4-FFF2-40B4-BE49-F238E27FC236}">
+                <a16:creationId xmlns:a16="http://schemas.microsoft.com/office/drawing/2014/main" id="{D22DE1C0-5B94-C5A3-8900-F4F020E178FD}"/>
+              </a:ext>
+            </a:extLst>
+          </p:cNvPr>
+          <p:cNvSpPr txBox="1"/>
+          <p:nvPr/>
+        </p:nvSpPr>
+        <p:spPr>
+          <a:xfrm>
+            <a:off x="6435013" y="1520464"/>
+            <a:ext cx="5938684" cy="923330"/>
+          </a:xfrm>
+          <a:prstGeom prst="rect">
+            <a:avLst/>
+          </a:prstGeom>
+          <a:noFill/>
+        </p:spPr>
+        <p:txBody>
+          <a:bodyPr wrap="square" rtlCol="0">
+            <a:spAutoFit/>
+          </a:bodyPr>
+          <a:lstStyle/>
+          <a:p>
+            <a:r>
+              <a:rPr lang="en-US" b="1" dirty="0"/>
+              <a:t>Multilayer Perceptron(MLP)/RNN/Transformer/Autoencoders for downstream tasks like node classification, link prediction etc..</a:t>
+            </a:r>
+          </a:p>
+        </p:txBody>
+      </p:sp>
+      <p:sp>
+        <p:nvSpPr>
+          <p:cNvPr id="26" name="Arrow: Right 25">
+            <a:extLst>
+              <a:ext uri="{FF2B5EF4-FFF2-40B4-BE49-F238E27FC236}">
+                <a16:creationId xmlns:a16="http://schemas.microsoft.com/office/drawing/2014/main" id="{833E2E46-1451-0BC9-2E3E-E633F040DAB3}"/>
+              </a:ext>
+            </a:extLst>
+          </p:cNvPr>
+          <p:cNvSpPr/>
+          <p:nvPr/>
+        </p:nvSpPr>
+        <p:spPr>
+          <a:xfrm>
+            <a:off x="6435013" y="3025537"/>
+            <a:ext cx="412955" cy="584527"/>
+          </a:xfrm>
+          <a:prstGeom prst="rightArrow">
+            <a:avLst/>
+          </a:prstGeom>
+        </p:spPr>
+        <p:style>
+          <a:lnRef idx="2">
+            <a:schemeClr val="accent1">
+              <a:shade val="50000"/>
+            </a:schemeClr>
+          </a:lnRef>
+          <a:fillRef idx="1">
+            <a:schemeClr val="accent1"/>
+          </a:fillRef>
+          <a:effectRef idx="0">
+            <a:schemeClr val="accent1"/>
+          </a:effectRef>
+          <a:fontRef idx="minor">
+            <a:schemeClr val="lt1"/>
+          </a:fontRef>
+        </p:style>
+        <p:txBody>
+          <a:bodyPr rtlCol="0" anchor="ctr"/>
+          <a:lstStyle/>
+          <a:p>
+            <a:pPr algn="ctr"/>
+            <a:endParaRPr lang="en-US"/>
+          </a:p>
+        </p:txBody>
+      </p:sp>
+    </p:spTree>
+    <p:extLst>
+      <p:ext uri="{BB962C8B-B14F-4D97-AF65-F5344CB8AC3E}">
+        <p14:creationId xmlns:p14="http://schemas.microsoft.com/office/powerpoint/2010/main" val="3306762411"/>
+      </p:ext>
+    </p:extLst>
+  </p:cSld>
+  <p:clrMapOvr>
+    <a:masterClrMapping/>
+  </p:clrMapOvr>
+  <p:timing>
+    <p:tnLst>
+      <p:par>
+        <p:cTn id="1" dur="indefinite" restart="never" nodeType="tmRoot">
+          <p:childTnLst>
+            <p:seq concurrent="1" nextAc="seek">
+              <p:cTn id="2" dur="indefinite" nodeType="mainSeq">
+                <p:childTnLst>
+                  <p:par>
+                    <p:cTn id="3" fill="hold">
+                      <p:stCondLst>
+                        <p:cond delay="indefinite"/>
+                      </p:stCondLst>
+                      <p:childTnLst>
+                        <p:par>
+                          <p:cTn id="4" fill="hold">
+                            <p:stCondLst>
+                              <p:cond delay="0"/>
+                            </p:stCondLst>
+                            <p:childTnLst>
+                              <p:par>
+                                <p:cTn id="5" presetID="1" presetClass="entr" presetSubtype="0" fill="hold" nodeType="clickEffect">
+                                  <p:stCondLst>
+                                    <p:cond delay="0"/>
+                                  </p:stCondLst>
+                                  <p:childTnLst>
+                                    <p:set>
+                                      <p:cBhvr>
+                                        <p:cTn id="6" dur="1" fill="hold">
+                                          <p:stCondLst>
+                                            <p:cond delay="0"/>
+                                          </p:stCondLst>
+                                        </p:cTn>
+                                        <p:tgtEl>
+                                          <p:spTgt spid="3"/>
+                                        </p:tgtEl>
+                                        <p:attrNameLst>
+                                          <p:attrName>style.visibility</p:attrName>
+                                        </p:attrNameLst>
+                                      </p:cBhvr>
+                                      <p:to>
+                                        <p:strVal val="visible"/>
+                                      </p:to>
+                                    </p:set>
+                                  </p:childTnLst>
+                                </p:cTn>
+                              </p:par>
+                              <p:par>
+                                <p:cTn id="7" presetID="1" presetClass="entr" presetSubtype="0" fill="hold" grpId="0" nodeType="withEffect">
+                                  <p:stCondLst>
+                                    <p:cond delay="0"/>
+                                  </p:stCondLst>
+                                  <p:childTnLst>
+                                    <p:set>
+                                      <p:cBhvr>
+                                        <p:cTn id="8" dur="1" fill="hold">
+                                          <p:stCondLst>
+                                            <p:cond delay="0"/>
+                                          </p:stCondLst>
+                                        </p:cTn>
+                                        <p:tgtEl>
+                                          <p:spTgt spid="4"/>
+                                        </p:tgtEl>
+                                        <p:attrNameLst>
+                                          <p:attrName>style.visibility</p:attrName>
+                                        </p:attrNameLst>
+                                      </p:cBhvr>
+                                      <p:to>
+                                        <p:strVal val="visible"/>
+                                      </p:to>
+                                    </p:set>
+                                  </p:childTnLst>
+                                </p:cTn>
+                              </p:par>
+                              <p:par>
+                                <p:cTn id="9" presetID="1" presetClass="entr" presetSubtype="0" fill="hold" grpId="0" nodeType="withEffect">
+                                  <p:stCondLst>
+                                    <p:cond delay="0"/>
+                                  </p:stCondLst>
+                                  <p:childTnLst>
+                                    <p:set>
+                                      <p:cBhvr>
+                                        <p:cTn id="10" dur="1" fill="hold">
+                                          <p:stCondLst>
+                                            <p:cond delay="0"/>
+                                          </p:stCondLst>
+                                        </p:cTn>
+                                        <p:tgtEl>
+                                          <p:spTgt spid="5"/>
+                                        </p:tgtEl>
+                                        <p:attrNameLst>
+                                          <p:attrName>style.visibility</p:attrName>
+                                        </p:attrNameLst>
+                                      </p:cBhvr>
+                                      <p:to>
+                                        <p:strVal val="visible"/>
+                                      </p:to>
+                                    </p:set>
+                                  </p:childTnLst>
+                                </p:cTn>
+                              </p:par>
+                              <p:par>
+                                <p:cTn id="11" presetID="1" presetClass="entr" presetSubtype="0" fill="hold" grpId="0" nodeType="withEffect">
+                                  <p:stCondLst>
+                                    <p:cond delay="0"/>
+                                  </p:stCondLst>
+                                  <p:childTnLst>
+                                    <p:set>
+                                      <p:cBhvr>
+                                        <p:cTn id="12" dur="1" fill="hold">
+                                          <p:stCondLst>
+                                            <p:cond delay="0"/>
+                                          </p:stCondLst>
+                                        </p:cTn>
+                                        <p:tgtEl>
+                                          <p:spTgt spid="6"/>
+                                        </p:tgtEl>
+                                        <p:attrNameLst>
+                                          <p:attrName>style.visibility</p:attrName>
+                                        </p:attrNameLst>
+                                      </p:cBhvr>
+                                      <p:to>
+                                        <p:strVal val="visible"/>
+                                      </p:to>
+                                    </p:set>
+                                  </p:childTnLst>
+                                </p:cTn>
+                              </p:par>
+                              <p:par>
+                                <p:cTn id="13" presetID="1" presetClass="entr" presetSubtype="0" fill="hold" grpId="0" nodeType="withEffect">
+                                  <p:stCondLst>
+                                    <p:cond delay="0"/>
+                                  </p:stCondLst>
+                                  <p:childTnLst>
+                                    <p:set>
+                                      <p:cBhvr>
+                                        <p:cTn id="14" dur="1" fill="hold">
+                                          <p:stCondLst>
+                                            <p:cond delay="0"/>
+                                          </p:stCondLst>
+                                        </p:cTn>
+                                        <p:tgtEl>
+                                          <p:spTgt spid="7"/>
+                                        </p:tgtEl>
+                                        <p:attrNameLst>
+                                          <p:attrName>style.visibility</p:attrName>
+                                        </p:attrNameLst>
+                                      </p:cBhvr>
+                                      <p:to>
+                                        <p:strVal val="visible"/>
+                                      </p:to>
+                                    </p:set>
+                                  </p:childTnLst>
+                                </p:cTn>
+                              </p:par>
+                              <p:par>
+                                <p:cTn id="15" presetID="1" presetClass="entr" presetSubtype="0" fill="hold" grpId="0" nodeType="withEffect">
+                                  <p:stCondLst>
+                                    <p:cond delay="0"/>
+                                  </p:stCondLst>
+                                  <p:childTnLst>
+                                    <p:set>
+                                      <p:cBhvr>
+                                        <p:cTn id="16" dur="1" fill="hold">
+                                          <p:stCondLst>
+                                            <p:cond delay="0"/>
+                                          </p:stCondLst>
+                                        </p:cTn>
+                                        <p:tgtEl>
+                                          <p:spTgt spid="23"/>
+                                        </p:tgtEl>
+                                        <p:attrNameLst>
+                                          <p:attrName>style.visibility</p:attrName>
+                                        </p:attrNameLst>
+                                      </p:cBhvr>
+                                      <p:to>
+                                        <p:strVal val="visible"/>
+                                      </p:to>
+                                    </p:set>
+                                  </p:childTnLst>
+                                </p:cTn>
+                              </p:par>
+                            </p:childTnLst>
+                          </p:cTn>
+                        </p:par>
+                      </p:childTnLst>
+                    </p:cTn>
+                  </p:par>
+                  <p:par>
+                    <p:cTn id="17" fill="hold">
+                      <p:stCondLst>
+                        <p:cond delay="indefinite"/>
+                      </p:stCondLst>
+                      <p:childTnLst>
+                        <p:par>
+                          <p:cTn id="18" fill="hold">
+                            <p:stCondLst>
+                              <p:cond delay="0"/>
+                            </p:stCondLst>
+                            <p:childTnLst>
+                              <p:par>
+                                <p:cTn id="19" presetID="1" presetClass="entr" presetSubtype="0" fill="hold" grpId="0" nodeType="clickEffect">
+                                  <p:stCondLst>
+                                    <p:cond delay="0"/>
+                                  </p:stCondLst>
+                                  <p:childTnLst>
+                                    <p:set>
+                                      <p:cBhvr>
+                                        <p:cTn id="20" dur="1" fill="hold">
+                                          <p:stCondLst>
+                                            <p:cond delay="0"/>
+                                          </p:stCondLst>
+                                        </p:cTn>
+                                        <p:tgtEl>
+                                          <p:spTgt spid="8"/>
+                                        </p:tgtEl>
+                                        <p:attrNameLst>
+                                          <p:attrName>style.visibility</p:attrName>
+                                        </p:attrNameLst>
+                                      </p:cBhvr>
+                                      <p:to>
+                                        <p:strVal val="visible"/>
+                                      </p:to>
+                                    </p:set>
+                                  </p:childTnLst>
+                                </p:cTn>
+                              </p:par>
+                              <p:par>
+                                <p:cTn id="21" presetID="1" presetClass="entr" presetSubtype="0" fill="hold" grpId="0" nodeType="withEffect">
+                                  <p:stCondLst>
+                                    <p:cond delay="0"/>
+                                  </p:stCondLst>
+                                  <p:childTnLst>
+                                    <p:set>
+                                      <p:cBhvr>
+                                        <p:cTn id="22" dur="1" fill="hold">
+                                          <p:stCondLst>
+                                            <p:cond delay="0"/>
+                                          </p:stCondLst>
+                                        </p:cTn>
+                                        <p:tgtEl>
+                                          <p:spTgt spid="9"/>
+                                        </p:tgtEl>
+                                        <p:attrNameLst>
+                                          <p:attrName>style.visibility</p:attrName>
+                                        </p:attrNameLst>
+                                      </p:cBhvr>
+                                      <p:to>
+                                        <p:strVal val="visible"/>
+                                      </p:to>
+                                    </p:set>
+                                  </p:childTnLst>
+                                </p:cTn>
+                              </p:par>
+                              <p:par>
+                                <p:cTn id="23" presetID="1" presetClass="entr" presetSubtype="0" fill="hold" grpId="0" nodeType="withEffect">
+                                  <p:stCondLst>
+                                    <p:cond delay="0"/>
+                                  </p:stCondLst>
+                                  <p:childTnLst>
+                                    <p:set>
+                                      <p:cBhvr>
+                                        <p:cTn id="24" dur="1" fill="hold">
+                                          <p:stCondLst>
+                                            <p:cond delay="0"/>
+                                          </p:stCondLst>
+                                        </p:cTn>
+                                        <p:tgtEl>
+                                          <p:spTgt spid="10"/>
+                                        </p:tgtEl>
+                                        <p:attrNameLst>
+                                          <p:attrName>style.visibility</p:attrName>
+                                        </p:attrNameLst>
+                                      </p:cBhvr>
+                                      <p:to>
+                                        <p:strVal val="visible"/>
+                                      </p:to>
+                                    </p:set>
+                                  </p:childTnLst>
+                                </p:cTn>
+                              </p:par>
+                              <p:par>
+                                <p:cTn id="25" presetID="1" presetClass="entr" presetSubtype="0" fill="hold" nodeType="withEffect">
+                                  <p:stCondLst>
+                                    <p:cond delay="0"/>
+                                  </p:stCondLst>
+                                  <p:childTnLst>
+                                    <p:set>
+                                      <p:cBhvr>
+                                        <p:cTn id="26" dur="1" fill="hold">
+                                          <p:stCondLst>
+                                            <p:cond delay="0"/>
+                                          </p:stCondLst>
+                                        </p:cTn>
+                                        <p:tgtEl>
+                                          <p:spTgt spid="11"/>
+                                        </p:tgtEl>
+                                        <p:attrNameLst>
+                                          <p:attrName>style.visibility</p:attrName>
+                                        </p:attrNameLst>
+                                      </p:cBhvr>
+                                      <p:to>
+                                        <p:strVal val="visible"/>
+                                      </p:to>
+                                    </p:set>
+                                  </p:childTnLst>
+                                </p:cTn>
+                              </p:par>
+                              <p:par>
+                                <p:cTn id="27" presetID="1" presetClass="entr" presetSubtype="0" fill="hold" nodeType="withEffect">
+                                  <p:stCondLst>
+                                    <p:cond delay="0"/>
+                                  </p:stCondLst>
+                                  <p:childTnLst>
+                                    <p:set>
+                                      <p:cBhvr>
+                                        <p:cTn id="28" dur="1" fill="hold">
+                                          <p:stCondLst>
+                                            <p:cond delay="0"/>
+                                          </p:stCondLst>
+                                        </p:cTn>
+                                        <p:tgtEl>
+                                          <p:spTgt spid="12"/>
+                                        </p:tgtEl>
+                                        <p:attrNameLst>
+                                          <p:attrName>style.visibility</p:attrName>
+                                        </p:attrNameLst>
+                                      </p:cBhvr>
+                                      <p:to>
+                                        <p:strVal val="visible"/>
+                                      </p:to>
+                                    </p:set>
+                                  </p:childTnLst>
+                                </p:cTn>
+                              </p:par>
+                              <p:par>
+                                <p:cTn id="29" presetID="1" presetClass="entr" presetSubtype="0" fill="hold" grpId="0" nodeType="withEffect">
+                                  <p:stCondLst>
+                                    <p:cond delay="0"/>
+                                  </p:stCondLst>
+                                  <p:childTnLst>
+                                    <p:set>
+                                      <p:cBhvr>
+                                        <p:cTn id="30" dur="1" fill="hold">
+                                          <p:stCondLst>
+                                            <p:cond delay="0"/>
+                                          </p:stCondLst>
+                                        </p:cTn>
+                                        <p:tgtEl>
+                                          <p:spTgt spid="13"/>
+                                        </p:tgtEl>
+                                        <p:attrNameLst>
+                                          <p:attrName>style.visibility</p:attrName>
+                                        </p:attrNameLst>
+                                      </p:cBhvr>
+                                      <p:to>
+                                        <p:strVal val="visible"/>
+                                      </p:to>
+                                    </p:set>
+                                  </p:childTnLst>
+                                </p:cTn>
+                              </p:par>
+                              <p:par>
+                                <p:cTn id="31" presetID="1" presetClass="entr" presetSubtype="0" fill="hold" nodeType="withEffect">
+                                  <p:stCondLst>
+                                    <p:cond delay="0"/>
+                                  </p:stCondLst>
+                                  <p:childTnLst>
+                                    <p:set>
+                                      <p:cBhvr>
+                                        <p:cTn id="32" dur="1" fill="hold">
+                                          <p:stCondLst>
+                                            <p:cond delay="0"/>
+                                          </p:stCondLst>
+                                        </p:cTn>
+                                        <p:tgtEl>
+                                          <p:spTgt spid="14"/>
+                                        </p:tgtEl>
+                                        <p:attrNameLst>
+                                          <p:attrName>style.visibility</p:attrName>
+                                        </p:attrNameLst>
+                                      </p:cBhvr>
+                                      <p:to>
+                                        <p:strVal val="visible"/>
+                                      </p:to>
+                                    </p:set>
+                                  </p:childTnLst>
+                                </p:cTn>
+                              </p:par>
+                              <p:par>
+                                <p:cTn id="33" presetID="1" presetClass="entr" presetSubtype="0" fill="hold" nodeType="withEffect">
+                                  <p:stCondLst>
+                                    <p:cond delay="0"/>
+                                  </p:stCondLst>
+                                  <p:childTnLst>
+                                    <p:set>
+                                      <p:cBhvr>
+                                        <p:cTn id="34" dur="1" fill="hold">
+                                          <p:stCondLst>
+                                            <p:cond delay="0"/>
+                                          </p:stCondLst>
+                                        </p:cTn>
+                                        <p:tgtEl>
+                                          <p:spTgt spid="15"/>
+                                        </p:tgtEl>
+                                        <p:attrNameLst>
+                                          <p:attrName>style.visibility</p:attrName>
+                                        </p:attrNameLst>
+                                      </p:cBhvr>
+                                      <p:to>
+                                        <p:strVal val="visible"/>
+                                      </p:to>
+                                    </p:set>
+                                  </p:childTnLst>
+                                </p:cTn>
+                              </p:par>
+                              <p:par>
+                                <p:cTn id="35" presetID="1" presetClass="entr" presetSubtype="0" fill="hold" grpId="0" nodeType="withEffect">
+                                  <p:stCondLst>
+                                    <p:cond delay="0"/>
+                                  </p:stCondLst>
+                                  <p:childTnLst>
+                                    <p:set>
+                                      <p:cBhvr>
+                                        <p:cTn id="36" dur="1" fill="hold">
+                                          <p:stCondLst>
+                                            <p:cond delay="0"/>
+                                          </p:stCondLst>
+                                        </p:cTn>
+                                        <p:tgtEl>
+                                          <p:spTgt spid="16"/>
+                                        </p:tgtEl>
+                                        <p:attrNameLst>
+                                          <p:attrName>style.visibility</p:attrName>
+                                        </p:attrNameLst>
+                                      </p:cBhvr>
+                                      <p:to>
+                                        <p:strVal val="visible"/>
+                                      </p:to>
+                                    </p:set>
+                                  </p:childTnLst>
+                                </p:cTn>
+                              </p:par>
+                              <p:par>
+                                <p:cTn id="37" presetID="1" presetClass="entr" presetSubtype="0" fill="hold" nodeType="withEffect">
+                                  <p:stCondLst>
+                                    <p:cond delay="0"/>
+                                  </p:stCondLst>
+                                  <p:childTnLst>
+                                    <p:set>
+                                      <p:cBhvr>
+                                        <p:cTn id="38" dur="1" fill="hold">
+                                          <p:stCondLst>
+                                            <p:cond delay="0"/>
+                                          </p:stCondLst>
+                                        </p:cTn>
+                                        <p:tgtEl>
+                                          <p:spTgt spid="17"/>
+                                        </p:tgtEl>
+                                        <p:attrNameLst>
+                                          <p:attrName>style.visibility</p:attrName>
+                                        </p:attrNameLst>
+                                      </p:cBhvr>
+                                      <p:to>
+                                        <p:strVal val="visible"/>
+                                      </p:to>
+                                    </p:set>
+                                  </p:childTnLst>
+                                </p:cTn>
+                              </p:par>
+                              <p:par>
+                                <p:cTn id="39" presetID="1" presetClass="entr" presetSubtype="0" fill="hold" nodeType="withEffect">
+                                  <p:stCondLst>
+                                    <p:cond delay="0"/>
+                                  </p:stCondLst>
+                                  <p:childTnLst>
+                                    <p:set>
+                                      <p:cBhvr>
+                                        <p:cTn id="40" dur="1" fill="hold">
+                                          <p:stCondLst>
+                                            <p:cond delay="0"/>
+                                          </p:stCondLst>
+                                        </p:cTn>
+                                        <p:tgtEl>
+                                          <p:spTgt spid="18"/>
+                                        </p:tgtEl>
+                                        <p:attrNameLst>
+                                          <p:attrName>style.visibility</p:attrName>
+                                        </p:attrNameLst>
+                                      </p:cBhvr>
+                                      <p:to>
+                                        <p:strVal val="visible"/>
+                                      </p:to>
+                                    </p:set>
+                                  </p:childTnLst>
+                                </p:cTn>
+                              </p:par>
+                              <p:par>
+                                <p:cTn id="41" presetID="1" presetClass="entr" presetSubtype="0" fill="hold" grpId="0" nodeType="withEffect">
+                                  <p:stCondLst>
+                                    <p:cond delay="0"/>
+                                  </p:stCondLst>
+                                  <p:childTnLst>
+                                    <p:set>
+                                      <p:cBhvr>
+                                        <p:cTn id="42" dur="1" fill="hold">
+                                          <p:stCondLst>
+                                            <p:cond delay="0"/>
+                                          </p:stCondLst>
+                                        </p:cTn>
+                                        <p:tgtEl>
+                                          <p:spTgt spid="19"/>
+                                        </p:tgtEl>
+                                        <p:attrNameLst>
+                                          <p:attrName>style.visibility</p:attrName>
+                                        </p:attrNameLst>
+                                      </p:cBhvr>
+                                      <p:to>
+                                        <p:strVal val="visible"/>
+                                      </p:to>
+                                    </p:set>
+                                  </p:childTnLst>
+                                </p:cTn>
+                              </p:par>
+                              <p:par>
+                                <p:cTn id="43" presetID="1" presetClass="entr" presetSubtype="0" fill="hold" nodeType="withEffect">
+                                  <p:stCondLst>
+                                    <p:cond delay="0"/>
+                                  </p:stCondLst>
+                                  <p:childTnLst>
+                                    <p:set>
+                                      <p:cBhvr>
+                                        <p:cTn id="44" dur="1" fill="hold">
+                                          <p:stCondLst>
+                                            <p:cond delay="0"/>
+                                          </p:stCondLst>
+                                        </p:cTn>
+                                        <p:tgtEl>
+                                          <p:spTgt spid="20"/>
+                                        </p:tgtEl>
+                                        <p:attrNameLst>
+                                          <p:attrName>style.visibility</p:attrName>
+                                        </p:attrNameLst>
+                                      </p:cBhvr>
+                                      <p:to>
+                                        <p:strVal val="visible"/>
+                                      </p:to>
+                                    </p:set>
+                                  </p:childTnLst>
+                                </p:cTn>
+                              </p:par>
+                              <p:par>
+                                <p:cTn id="45" presetID="1" presetClass="entr" presetSubtype="0" fill="hold" nodeType="withEffect">
+                                  <p:stCondLst>
+                                    <p:cond delay="0"/>
+                                  </p:stCondLst>
+                                  <p:childTnLst>
+                                    <p:set>
+                                      <p:cBhvr>
+                                        <p:cTn id="46" dur="1" fill="hold">
+                                          <p:stCondLst>
+                                            <p:cond delay="0"/>
+                                          </p:stCondLst>
+                                        </p:cTn>
+                                        <p:tgtEl>
+                                          <p:spTgt spid="21"/>
+                                        </p:tgtEl>
+                                        <p:attrNameLst>
+                                          <p:attrName>style.visibility</p:attrName>
+                                        </p:attrNameLst>
+                                      </p:cBhvr>
+                                      <p:to>
+                                        <p:strVal val="visible"/>
+                                      </p:to>
+                                    </p:set>
+                                  </p:childTnLst>
+                                </p:cTn>
+                              </p:par>
+                              <p:par>
+                                <p:cTn id="47" presetID="1" presetClass="entr" presetSubtype="0" fill="hold" grpId="0" nodeType="withEffect">
+                                  <p:stCondLst>
+                                    <p:cond delay="0"/>
+                                  </p:stCondLst>
+                                  <p:childTnLst>
+                                    <p:set>
+                                      <p:cBhvr>
+                                        <p:cTn id="48" dur="1" fill="hold">
+                                          <p:stCondLst>
+                                            <p:cond delay="0"/>
+                                          </p:stCondLst>
+                                        </p:cTn>
+                                        <p:tgtEl>
+                                          <p:spTgt spid="24"/>
+                                        </p:tgtEl>
+                                        <p:attrNameLst>
+                                          <p:attrName>style.visibility</p:attrName>
+                                        </p:attrNameLst>
+                                      </p:cBhvr>
+                                      <p:to>
+                                        <p:strVal val="visible"/>
+                                      </p:to>
+                                    </p:set>
+                                  </p:childTnLst>
+                                </p:cTn>
+                              </p:par>
+                            </p:childTnLst>
+                          </p:cTn>
+                        </p:par>
+                      </p:childTnLst>
+                    </p:cTn>
+                  </p:par>
+                  <p:par>
+                    <p:cTn id="49" fill="hold">
+                      <p:stCondLst>
+                        <p:cond delay="indefinite"/>
+                      </p:stCondLst>
+                      <p:childTnLst>
+                        <p:par>
+                          <p:cTn id="50" fill="hold">
+                            <p:stCondLst>
+                              <p:cond delay="0"/>
+                            </p:stCondLst>
+                            <p:childTnLst>
+                              <p:par>
+                                <p:cTn id="51" presetID="1" presetClass="entr" presetSubtype="0" fill="hold" nodeType="clickEffect">
+                                  <p:stCondLst>
+                                    <p:cond delay="0"/>
+                                  </p:stCondLst>
+                                  <p:childTnLst>
+                                    <p:set>
+                                      <p:cBhvr>
+                                        <p:cTn id="52" dur="1" fill="hold">
+                                          <p:stCondLst>
+                                            <p:cond delay="0"/>
+                                          </p:stCondLst>
+                                        </p:cTn>
+                                        <p:tgtEl>
+                                          <p:spTgt spid="22"/>
+                                        </p:tgtEl>
+                                        <p:attrNameLst>
+                                          <p:attrName>style.visibility</p:attrName>
+                                        </p:attrNameLst>
+                                      </p:cBhvr>
+                                      <p:to>
+                                        <p:strVal val="visible"/>
+                                      </p:to>
+                                    </p:set>
+                                  </p:childTnLst>
+                                </p:cTn>
+                              </p:par>
+                              <p:par>
+                                <p:cTn id="53" presetID="1" presetClass="entr" presetSubtype="0" fill="hold" grpId="0" nodeType="withEffect">
+                                  <p:stCondLst>
+                                    <p:cond delay="0"/>
+                                  </p:stCondLst>
+                                  <p:childTnLst>
+                                    <p:set>
+                                      <p:cBhvr>
+                                        <p:cTn id="54" dur="1" fill="hold">
+                                          <p:stCondLst>
+                                            <p:cond delay="0"/>
+                                          </p:stCondLst>
+                                        </p:cTn>
+                                        <p:tgtEl>
+                                          <p:spTgt spid="26"/>
+                                        </p:tgtEl>
+                                        <p:attrNameLst>
+                                          <p:attrName>style.visibility</p:attrName>
+                                        </p:attrNameLst>
+                                      </p:cBhvr>
+                                      <p:to>
+                                        <p:strVal val="visible"/>
+                                      </p:to>
+                                    </p:set>
+                                  </p:childTnLst>
+                                </p:cTn>
+                              </p:par>
+                              <p:par>
+                                <p:cTn id="55" presetID="1" presetClass="entr" presetSubtype="0" fill="hold" grpId="0" nodeType="withEffect">
+                                  <p:stCondLst>
+                                    <p:cond delay="0"/>
+                                  </p:stCondLst>
+                                  <p:childTnLst>
+                                    <p:set>
+                                      <p:cBhvr>
+                                        <p:cTn id="56" dur="1" fill="hold">
+                                          <p:stCondLst>
+                                            <p:cond delay="0"/>
+                                          </p:stCondLst>
+                                        </p:cTn>
+                                        <p:tgtEl>
+                                          <p:spTgt spid="25"/>
+                                        </p:tgtEl>
+                                        <p:attrNameLst>
+                                          <p:attrName>style.visibility</p:attrName>
+                                        </p:attrNameLst>
+                                      </p:cBhvr>
+                                      <p:to>
+                                        <p:strVal val="visible"/>
+                                      </p:to>
+                                    </p:set>
+                                  </p:childTnLst>
+                                </p:cTn>
+                              </p:par>
+                            </p:childTnLst>
+                          </p:cTn>
+                        </p:par>
+                      </p:childTnLst>
+                    </p:cTn>
+                  </p:par>
+                </p:childTnLst>
+              </p:cTn>
+              <p:prevCondLst>
+                <p:cond evt="onPrev" delay="0">
+                  <p:tgtEl>
+                    <p:sldTgt/>
+                  </p:tgtEl>
+                </p:cond>
+              </p:prevCondLst>
+              <p:nextCondLst>
+                <p:cond evt="onNext" delay="0">
+                  <p:tgtEl>
+                    <p:sldTgt/>
+                  </p:tgtEl>
+                </p:cond>
+              </p:nextCondLst>
+            </p:seq>
+          </p:childTnLst>
+        </p:cTn>
+      </p:par>
+    </p:tnLst>
+    <p:bldLst>
+      <p:bldP spid="4" grpId="0"/>
+      <p:bldP spid="5" grpId="0"/>
+      <p:bldP spid="6" grpId="0"/>
+      <p:bldP spid="7" grpId="0"/>
+      <p:bldP spid="8" grpId="0" animBg="1"/>
+      <p:bldP spid="9" grpId="0" animBg="1"/>
+      <p:bldP spid="10" grpId="0"/>
+      <p:bldP spid="13" grpId="0"/>
+      <p:bldP spid="16" grpId="0"/>
+      <p:bldP spid="19" grpId="0"/>
+      <p:bldP spid="23" grpId="0"/>
+      <p:bldP spid="24" grpId="0"/>
+      <p:bldP spid="25" grpId="0"/>
+      <p:bldP spid="26" grpId="0" animBg="1"/>
+    </p:bldLst>
+  </p:timing>
+</p:sld>
+</file>
+
+<file path=ppt/slides/slide27.xml><?xml version="1.0" encoding="utf-8"?>
+<p:sld xmlns:a="http://schemas.openxmlformats.org/drawingml/2006/main" xmlns:r="http://schemas.openxmlformats.org/officeDocument/2006/relationships" xmlns:p="http://schemas.openxmlformats.org/presentationml/2006/main">
+  <p:cSld>
+    <p:spTree>
+      <p:nvGrpSpPr>
+        <p:cNvPr id="1" name=""/>
+        <p:cNvGrpSpPr/>
+        <p:nvPr/>
+      </p:nvGrpSpPr>
+      <p:grpSpPr>
+        <a:xfrm>
+          <a:off x="0" y="0"/>
+          <a:ext cx="0" cy="0"/>
+          <a:chOff x="0" y="0"/>
+          <a:chExt cx="0" cy="0"/>
+        </a:xfrm>
+      </p:grpSpPr>
+      <p:sp>
+        <p:nvSpPr>
+          <p:cNvPr id="2" name="TextBox 1">
+            <a:extLst>
+              <a:ext uri="{FF2B5EF4-FFF2-40B4-BE49-F238E27FC236}">
+                <a16:creationId xmlns:a16="http://schemas.microsoft.com/office/drawing/2014/main" id="{74993479-491D-0FB7-EF69-04E5E21F437C}"/>
+              </a:ext>
+            </a:extLst>
+          </p:cNvPr>
+          <p:cNvSpPr txBox="1"/>
+          <p:nvPr/>
+        </p:nvSpPr>
+        <p:spPr>
+          <a:xfrm>
+            <a:off x="285135" y="226142"/>
+            <a:ext cx="8947355" cy="369332"/>
+          </a:xfrm>
+          <a:prstGeom prst="rect">
+            <a:avLst/>
+          </a:prstGeom>
+          <a:noFill/>
+        </p:spPr>
+        <p:txBody>
+          <a:bodyPr wrap="square" rtlCol="0">
+            <a:spAutoFit/>
+          </a:bodyPr>
+          <a:lstStyle/>
+          <a:p>
+            <a:r>
+              <a:rPr lang="en-US" b="1" dirty="0"/>
+              <a:t>Achieving GNN layer operation using Adjacency Matrix (a simple approach)</a:t>
+            </a:r>
+          </a:p>
+        </p:txBody>
+      </p:sp>
+      <p:pic>
+        <p:nvPicPr>
+          <p:cNvPr id="3" name="Picture 2">
+            <a:extLst>
+              <a:ext uri="{FF2B5EF4-FFF2-40B4-BE49-F238E27FC236}">
+                <a16:creationId xmlns:a16="http://schemas.microsoft.com/office/drawing/2014/main" id="{E2603624-CF95-650A-1903-AC599B21960E}"/>
+              </a:ext>
+            </a:extLst>
+          </p:cNvPr>
+          <p:cNvPicPr>
+            <a:picLocks noChangeAspect="1"/>
+          </p:cNvPicPr>
+          <p:nvPr/>
+        </p:nvPicPr>
+        <p:blipFill>
+          <a:blip r:embed="rId2"/>
+          <a:stretch>
+            <a:fillRect/>
+          </a:stretch>
+        </p:blipFill>
+        <p:spPr>
+          <a:xfrm>
+            <a:off x="787643" y="826513"/>
+            <a:ext cx="1736615" cy="1861167"/>
+          </a:xfrm>
+          <a:prstGeom prst="rect">
+            <a:avLst/>
+          </a:prstGeom>
+        </p:spPr>
+      </p:pic>
+      <mc:AlternateContent xmlns:mc="http://schemas.openxmlformats.org/markup-compatibility/2006">
+        <mc:Choice xmlns:a14="http://schemas.microsoft.com/office/drawing/2010/main" Requires="a14">
+          <p:sp>
+            <p:nvSpPr>
+              <p:cNvPr id="4" name="TextBox 3">
+                <a:extLst>
+                  <a:ext uri="{FF2B5EF4-FFF2-40B4-BE49-F238E27FC236}">
+                    <a16:creationId xmlns:a16="http://schemas.microsoft.com/office/drawing/2014/main" id="{568DD65E-68CB-E84C-805F-5CB5D979ABDF}"/>
+                  </a:ext>
+                </a:extLst>
+              </p:cNvPr>
+              <p:cNvSpPr txBox="1"/>
+              <p:nvPr/>
+            </p:nvSpPr>
+            <p:spPr>
+              <a:xfrm>
+                <a:off x="569677" y="1151230"/>
+                <a:ext cx="257295" cy="369332"/>
+              </a:xfrm>
+              <a:prstGeom prst="rect">
+                <a:avLst/>
+              </a:prstGeom>
+              <a:noFill/>
+            </p:spPr>
+            <p:txBody>
+              <a:bodyPr wrap="square">
+                <a:spAutoFit/>
+              </a:bodyPr>
+              <a:lstStyle/>
+              <a:p>
+                <a:pPr/>
+                <a14:m>
+                  <m:oMathPara xmlns:m="http://schemas.openxmlformats.org/officeDocument/2006/math">
+                    <m:oMathParaPr>
+                      <m:jc m:val="centerGroup"/>
+                    </m:oMathParaPr>
+                    <m:oMath xmlns:m="http://schemas.openxmlformats.org/officeDocument/2006/math">
+                      <m:sSub>
+                        <m:sSubPr>
+                          <m:ctrlPr>
+                            <a:rPr lang="en-US" b="1" i="1" smtClean="0">
+                              <a:solidFill>
+                                <a:srgbClr val="836967"/>
+                              </a:solidFill>
+                              <a:latin typeface="Cambria Math" panose="02040503050406030204" pitchFamily="18" charset="0"/>
+                            </a:rPr>
+                          </m:ctrlPr>
+                        </m:sSubPr>
+                        <m:e>
+                          <m:r>
+                            <a:rPr lang="en-US" b="1" i="1">
+                              <a:latin typeface="Cambria Math" panose="02040503050406030204" pitchFamily="18" charset="0"/>
+                            </a:rPr>
+                            <m:t>𝒙</m:t>
+                          </m:r>
+                        </m:e>
+                        <m:sub>
+                          <m:r>
+                            <a:rPr lang="en-US" b="1" i="1" smtClean="0">
+                              <a:latin typeface="Cambria Math" panose="02040503050406030204" pitchFamily="18" charset="0"/>
+                            </a:rPr>
+                            <m:t>𝟐</m:t>
+                          </m:r>
+                        </m:sub>
+                      </m:sSub>
+                    </m:oMath>
+                  </m:oMathPara>
+                </a14:m>
+                <a:endParaRPr lang="en-US" sz="2000" b="1" i="1" dirty="0"/>
+              </a:p>
+            </p:txBody>
+          </p:sp>
+        </mc:Choice>
+        <mc:Fallback>
+          <p:sp>
+            <p:nvSpPr>
+              <p:cNvPr id="4" name="TextBox 3">
+                <a:extLst>
+                  <a:ext uri="{FF2B5EF4-FFF2-40B4-BE49-F238E27FC236}">
+                    <a16:creationId xmlns:a16="http://schemas.microsoft.com/office/drawing/2014/main" id="{568DD65E-68CB-E84C-805F-5CB5D979ABDF}"/>
+                  </a:ext>
+                </a:extLst>
+              </p:cNvPr>
+              <p:cNvSpPr txBox="1">
+                <a:spLocks noRot="1" noChangeAspect="1" noMove="1" noResize="1" noEditPoints="1" noAdjustHandles="1" noChangeArrowheads="1" noChangeShapeType="1" noTextEdit="1"/>
+              </p:cNvSpPr>
+              <p:nvPr/>
+            </p:nvSpPr>
+            <p:spPr>
+              <a:xfrm>
+                <a:off x="569677" y="1151230"/>
+                <a:ext cx="257295" cy="369332"/>
+              </a:xfrm>
+              <a:prstGeom prst="rect">
+                <a:avLst/>
+              </a:prstGeom>
+              <a:blipFill>
+                <a:blip r:embed="rId3"/>
+                <a:stretch>
+                  <a:fillRect r="-48837" b="-1667"/>
+                </a:stretch>
+              </a:blipFill>
+            </p:spPr>
+            <p:txBody>
+              <a:bodyPr/>
+              <a:lstStyle/>
+              <a:p>
+                <a:r>
+                  <a:rPr lang="en-US">
+                    <a:noFill/>
+                  </a:rPr>
+                  <a:t> </a:t>
+                </a:r>
+              </a:p>
+            </p:txBody>
+          </p:sp>
+        </mc:Fallback>
+      </mc:AlternateContent>
+      <mc:AlternateContent xmlns:mc="http://schemas.openxmlformats.org/markup-compatibility/2006">
+        <mc:Choice xmlns:a14="http://schemas.microsoft.com/office/drawing/2010/main" Requires="a14">
+          <p:sp>
+            <p:nvSpPr>
+              <p:cNvPr id="5" name="TextBox 4">
+                <a:extLst>
+                  <a:ext uri="{FF2B5EF4-FFF2-40B4-BE49-F238E27FC236}">
+                    <a16:creationId xmlns:a16="http://schemas.microsoft.com/office/drawing/2014/main" id="{BF797B01-3FA0-36C0-475C-782D1B1BD05A}"/>
+                  </a:ext>
+                </a:extLst>
+              </p:cNvPr>
+              <p:cNvSpPr txBox="1"/>
+              <p:nvPr/>
+            </p:nvSpPr>
+            <p:spPr>
+              <a:xfrm>
+                <a:off x="1437502" y="2530870"/>
+                <a:ext cx="436895" cy="369332"/>
+              </a:xfrm>
+              <a:prstGeom prst="rect">
+                <a:avLst/>
+              </a:prstGeom>
+              <a:noFill/>
+            </p:spPr>
+            <p:txBody>
+              <a:bodyPr wrap="square">
+                <a:spAutoFit/>
+              </a:bodyPr>
+              <a:lstStyle/>
+              <a:p>
+                <a:pPr/>
+                <a14:m>
+                  <m:oMathPara xmlns:m="http://schemas.openxmlformats.org/officeDocument/2006/math">
+                    <m:oMathParaPr>
+                      <m:jc m:val="centerGroup"/>
+                    </m:oMathParaPr>
+                    <m:oMath xmlns:m="http://schemas.openxmlformats.org/officeDocument/2006/math">
+                      <m:sSub>
+                        <m:sSubPr>
+                          <m:ctrlPr>
+                            <a:rPr lang="en-US" b="1" i="1" smtClean="0">
+                              <a:solidFill>
+                                <a:srgbClr val="836967"/>
+                              </a:solidFill>
+                              <a:latin typeface="Cambria Math" panose="02040503050406030204" pitchFamily="18" charset="0"/>
+                            </a:rPr>
+                          </m:ctrlPr>
+                        </m:sSubPr>
+                        <m:e>
+                          <m:r>
+                            <a:rPr lang="en-US" b="1" i="1">
+                              <a:latin typeface="Cambria Math" panose="02040503050406030204" pitchFamily="18" charset="0"/>
+                            </a:rPr>
+                            <m:t>𝒙</m:t>
+                          </m:r>
+                        </m:e>
+                        <m:sub>
+                          <m:r>
+                            <a:rPr lang="en-US" b="1" i="1" smtClean="0">
+                              <a:latin typeface="Cambria Math" panose="02040503050406030204" pitchFamily="18" charset="0"/>
+                            </a:rPr>
+                            <m:t>𝟑</m:t>
+                          </m:r>
+                        </m:sub>
+                      </m:sSub>
+                    </m:oMath>
+                  </m:oMathPara>
+                </a14:m>
+                <a:endParaRPr lang="en-US" sz="2000" b="1" i="1" dirty="0"/>
+              </a:p>
+            </p:txBody>
+          </p:sp>
+        </mc:Choice>
+        <mc:Fallback>
+          <p:sp>
+            <p:nvSpPr>
+              <p:cNvPr id="5" name="TextBox 4">
+                <a:extLst>
+                  <a:ext uri="{FF2B5EF4-FFF2-40B4-BE49-F238E27FC236}">
+                    <a16:creationId xmlns:a16="http://schemas.microsoft.com/office/drawing/2014/main" id="{BF797B01-3FA0-36C0-475C-782D1B1BD05A}"/>
+                  </a:ext>
+                </a:extLst>
+              </p:cNvPr>
+              <p:cNvSpPr txBox="1">
+                <a:spLocks noRot="1" noChangeAspect="1" noMove="1" noResize="1" noEditPoints="1" noAdjustHandles="1" noChangeArrowheads="1" noChangeShapeType="1" noTextEdit="1"/>
+              </p:cNvSpPr>
+              <p:nvPr/>
+            </p:nvSpPr>
+            <p:spPr>
+              <a:xfrm>
+                <a:off x="1437502" y="2530870"/>
+                <a:ext cx="436895" cy="369332"/>
+              </a:xfrm>
+              <a:prstGeom prst="rect">
+                <a:avLst/>
+              </a:prstGeom>
+              <a:blipFill>
+                <a:blip r:embed="rId4"/>
+                <a:stretch>
+                  <a:fillRect b="-1639"/>
+                </a:stretch>
+              </a:blipFill>
+            </p:spPr>
+            <p:txBody>
+              <a:bodyPr/>
+              <a:lstStyle/>
+              <a:p>
+                <a:r>
+                  <a:rPr lang="en-US">
+                    <a:noFill/>
+                  </a:rPr>
+                  <a:t> </a:t>
+                </a:r>
+              </a:p>
+            </p:txBody>
+          </p:sp>
+        </mc:Fallback>
+      </mc:AlternateContent>
+      <mc:AlternateContent xmlns:mc="http://schemas.openxmlformats.org/markup-compatibility/2006">
+        <mc:Choice xmlns:a14="http://schemas.microsoft.com/office/drawing/2010/main" Requires="a14">
+          <p:sp>
+            <p:nvSpPr>
+              <p:cNvPr id="6" name="TextBox 5">
+                <a:extLst>
+                  <a:ext uri="{FF2B5EF4-FFF2-40B4-BE49-F238E27FC236}">
+                    <a16:creationId xmlns:a16="http://schemas.microsoft.com/office/drawing/2014/main" id="{354C3928-9CCE-6F54-EE2F-5E149A8B7808}"/>
+                  </a:ext>
+                </a:extLst>
+              </p:cNvPr>
+              <p:cNvSpPr txBox="1"/>
+              <p:nvPr/>
+            </p:nvSpPr>
+            <p:spPr>
+              <a:xfrm>
+                <a:off x="2087363" y="1107377"/>
+                <a:ext cx="436895" cy="369332"/>
+              </a:xfrm>
+              <a:prstGeom prst="rect">
+                <a:avLst/>
+              </a:prstGeom>
+              <a:noFill/>
+            </p:spPr>
+            <p:txBody>
+              <a:bodyPr wrap="square">
+                <a:spAutoFit/>
+              </a:bodyPr>
+              <a:lstStyle/>
+              <a:p>
+                <a:pPr/>
+                <a14:m>
+                  <m:oMathPara xmlns:m="http://schemas.openxmlformats.org/officeDocument/2006/math">
+                    <m:oMathParaPr>
+                      <m:jc m:val="centerGroup"/>
+                    </m:oMathParaPr>
+                    <m:oMath xmlns:m="http://schemas.openxmlformats.org/officeDocument/2006/math">
+                      <m:sSub>
+                        <m:sSubPr>
+                          <m:ctrlPr>
+                            <a:rPr lang="en-US" b="1" i="1" smtClean="0">
+                              <a:solidFill>
+                                <a:srgbClr val="836967"/>
+                              </a:solidFill>
+                              <a:latin typeface="Cambria Math" panose="02040503050406030204" pitchFamily="18" charset="0"/>
+                            </a:rPr>
+                          </m:ctrlPr>
+                        </m:sSubPr>
+                        <m:e>
+                          <m:r>
+                            <a:rPr lang="en-US" b="1" i="1">
+                              <a:latin typeface="Cambria Math" panose="02040503050406030204" pitchFamily="18" charset="0"/>
+                            </a:rPr>
+                            <m:t>𝒙</m:t>
+                          </m:r>
+                        </m:e>
+                        <m:sub>
+                          <m:r>
+                            <a:rPr lang="en-US" b="1" i="1" smtClean="0">
+                              <a:latin typeface="Cambria Math" panose="02040503050406030204" pitchFamily="18" charset="0"/>
+                            </a:rPr>
+                            <m:t>𝟒</m:t>
+                          </m:r>
+                        </m:sub>
+                      </m:sSub>
+                    </m:oMath>
+                  </m:oMathPara>
+                </a14:m>
+                <a:endParaRPr lang="en-US" sz="2000" b="1" i="1" dirty="0"/>
+              </a:p>
+            </p:txBody>
+          </p:sp>
+        </mc:Choice>
+        <mc:Fallback>
+          <p:sp>
+            <p:nvSpPr>
+              <p:cNvPr id="6" name="TextBox 5">
+                <a:extLst>
+                  <a:ext uri="{FF2B5EF4-FFF2-40B4-BE49-F238E27FC236}">
+                    <a16:creationId xmlns:a16="http://schemas.microsoft.com/office/drawing/2014/main" id="{354C3928-9CCE-6F54-EE2F-5E149A8B7808}"/>
+                  </a:ext>
+                </a:extLst>
+              </p:cNvPr>
+              <p:cNvSpPr txBox="1">
+                <a:spLocks noRot="1" noChangeAspect="1" noMove="1" noResize="1" noEditPoints="1" noAdjustHandles="1" noChangeArrowheads="1" noChangeShapeType="1" noTextEdit="1"/>
+              </p:cNvSpPr>
+              <p:nvPr/>
+            </p:nvSpPr>
+            <p:spPr>
+              <a:xfrm>
+                <a:off x="2087363" y="1107377"/>
+                <a:ext cx="436895" cy="369332"/>
+              </a:xfrm>
+              <a:prstGeom prst="rect">
+                <a:avLst/>
+              </a:prstGeom>
+              <a:blipFill>
+                <a:blip r:embed="rId5"/>
+                <a:stretch>
+                  <a:fillRect b="-1667"/>
+                </a:stretch>
+              </a:blipFill>
+            </p:spPr>
+            <p:txBody>
+              <a:bodyPr/>
+              <a:lstStyle/>
+              <a:p>
+                <a:r>
+                  <a:rPr lang="en-US">
+                    <a:noFill/>
+                  </a:rPr>
+                  <a:t> </a:t>
+                </a:r>
+              </a:p>
+            </p:txBody>
+          </p:sp>
+        </mc:Fallback>
+      </mc:AlternateContent>
+      <mc:AlternateContent xmlns:mc="http://schemas.openxmlformats.org/markup-compatibility/2006">
+        <mc:Choice xmlns:a14="http://schemas.microsoft.com/office/drawing/2010/main" Requires="a14">
+          <p:sp>
+            <p:nvSpPr>
+              <p:cNvPr id="7" name="TextBox 6">
+                <a:extLst>
+                  <a:ext uri="{FF2B5EF4-FFF2-40B4-BE49-F238E27FC236}">
+                    <a16:creationId xmlns:a16="http://schemas.microsoft.com/office/drawing/2014/main" id="{06F3B3DE-ABCF-C57B-D6B7-8ABBFFA9FBCE}"/>
+                  </a:ext>
+                </a:extLst>
+              </p:cNvPr>
+              <p:cNvSpPr txBox="1"/>
+              <p:nvPr/>
+            </p:nvSpPr>
+            <p:spPr>
+              <a:xfrm>
+                <a:off x="1566150" y="457181"/>
+                <a:ext cx="436895" cy="369332"/>
+              </a:xfrm>
+              <a:prstGeom prst="rect">
+                <a:avLst/>
+              </a:prstGeom>
+              <a:noFill/>
+            </p:spPr>
+            <p:txBody>
+              <a:bodyPr wrap="square">
+                <a:spAutoFit/>
+              </a:bodyPr>
+              <a:lstStyle/>
+              <a:p>
+                <a:pPr/>
+                <a14:m>
+                  <m:oMathPara xmlns:m="http://schemas.openxmlformats.org/officeDocument/2006/math">
+                    <m:oMathParaPr>
+                      <m:jc m:val="centerGroup"/>
+                    </m:oMathParaPr>
+                    <m:oMath xmlns:m="http://schemas.openxmlformats.org/officeDocument/2006/math">
+                      <m:sSub>
+                        <m:sSubPr>
+                          <m:ctrlPr>
+                            <a:rPr lang="en-US" b="1" i="1" smtClean="0">
+                              <a:solidFill>
+                                <a:srgbClr val="836967"/>
+                              </a:solidFill>
+                              <a:latin typeface="Cambria Math" panose="02040503050406030204" pitchFamily="18" charset="0"/>
+                            </a:rPr>
+                          </m:ctrlPr>
+                        </m:sSubPr>
+                        <m:e>
+                          <m:r>
+                            <a:rPr lang="en-US" b="1" i="1">
+                              <a:latin typeface="Cambria Math" panose="02040503050406030204" pitchFamily="18" charset="0"/>
+                            </a:rPr>
+                            <m:t>𝒙</m:t>
+                          </m:r>
+                        </m:e>
+                        <m:sub>
+                          <m:r>
+                            <a:rPr lang="en-US" b="1" i="1" smtClean="0">
+                              <a:latin typeface="Cambria Math" panose="02040503050406030204" pitchFamily="18" charset="0"/>
+                            </a:rPr>
+                            <m:t>𝟏</m:t>
+                          </m:r>
+                        </m:sub>
+                      </m:sSub>
+                    </m:oMath>
+                  </m:oMathPara>
+                </a14:m>
+                <a:endParaRPr lang="en-US" sz="2000" b="1" i="1" dirty="0"/>
+              </a:p>
+            </p:txBody>
+          </p:sp>
+        </mc:Choice>
+        <mc:Fallback>
+          <p:sp>
+            <p:nvSpPr>
+              <p:cNvPr id="7" name="TextBox 6">
+                <a:extLst>
+                  <a:ext uri="{FF2B5EF4-FFF2-40B4-BE49-F238E27FC236}">
+                    <a16:creationId xmlns:a16="http://schemas.microsoft.com/office/drawing/2014/main" id="{06F3B3DE-ABCF-C57B-D6B7-8ABBFFA9FBCE}"/>
+                  </a:ext>
+                </a:extLst>
+              </p:cNvPr>
+              <p:cNvSpPr txBox="1">
+                <a:spLocks noRot="1" noChangeAspect="1" noMove="1" noResize="1" noEditPoints="1" noAdjustHandles="1" noChangeArrowheads="1" noChangeShapeType="1" noTextEdit="1"/>
+              </p:cNvSpPr>
+              <p:nvPr/>
+            </p:nvSpPr>
+            <p:spPr>
+              <a:xfrm>
+                <a:off x="1566150" y="457181"/>
+                <a:ext cx="436895" cy="369332"/>
+              </a:xfrm>
+              <a:prstGeom prst="rect">
+                <a:avLst/>
+              </a:prstGeom>
+              <a:blipFill>
+                <a:blip r:embed="rId6"/>
+                <a:stretch>
+                  <a:fillRect/>
+                </a:stretch>
+              </a:blipFill>
+            </p:spPr>
+            <p:txBody>
+              <a:bodyPr/>
+              <a:lstStyle/>
+              <a:p>
+                <a:r>
+                  <a:rPr lang="en-US">
+                    <a:noFill/>
+                  </a:rPr>
+                  <a:t> </a:t>
+                </a:r>
+              </a:p>
+            </p:txBody>
+          </p:sp>
+        </mc:Fallback>
+      </mc:AlternateContent>
+      <p:pic>
+        <p:nvPicPr>
+          <p:cNvPr id="9" name="Picture 8">
+            <a:extLst>
+              <a:ext uri="{FF2B5EF4-FFF2-40B4-BE49-F238E27FC236}">
+                <a16:creationId xmlns:a16="http://schemas.microsoft.com/office/drawing/2014/main" id="{B2846E41-BCE0-B229-CA40-A7B596BCBBA7}"/>
+              </a:ext>
+            </a:extLst>
+          </p:cNvPr>
+          <p:cNvPicPr>
+            <a:picLocks noChangeAspect="1"/>
+          </p:cNvPicPr>
+          <p:nvPr/>
+        </p:nvPicPr>
+        <p:blipFill>
+          <a:blip r:embed="rId7"/>
+          <a:stretch>
+            <a:fillRect/>
+          </a:stretch>
+        </p:blipFill>
+        <p:spPr>
+          <a:xfrm>
+            <a:off x="3777435" y="818303"/>
+            <a:ext cx="1736615" cy="1859069"/>
+          </a:xfrm>
+          <a:prstGeom prst="rect">
+            <a:avLst/>
+          </a:prstGeom>
+        </p:spPr>
+      </p:pic>
+      <p:sp>
+        <p:nvSpPr>
+          <p:cNvPr id="10" name="TextBox 9">
+            <a:extLst>
+              <a:ext uri="{FF2B5EF4-FFF2-40B4-BE49-F238E27FC236}">
+                <a16:creationId xmlns:a16="http://schemas.microsoft.com/office/drawing/2014/main" id="{F8C5E037-0652-042F-F686-AA286BA77653}"/>
+              </a:ext>
+            </a:extLst>
+          </p:cNvPr>
+          <p:cNvSpPr txBox="1"/>
+          <p:nvPr/>
+        </p:nvSpPr>
+        <p:spPr>
+          <a:xfrm>
+            <a:off x="668594" y="2900202"/>
+            <a:ext cx="1736615" cy="369332"/>
+          </a:xfrm>
+          <a:prstGeom prst="rect">
+            <a:avLst/>
+          </a:prstGeom>
+          <a:noFill/>
+        </p:spPr>
+        <p:txBody>
+          <a:bodyPr wrap="square" rtlCol="0">
+            <a:spAutoFit/>
+          </a:bodyPr>
+          <a:lstStyle/>
+          <a:p>
+            <a:r>
+              <a:rPr lang="en-US" dirty="0"/>
+              <a:t>Graph G</a:t>
+            </a:r>
+          </a:p>
+        </p:txBody>
+      </p:sp>
+      <p:sp>
+        <p:nvSpPr>
+          <p:cNvPr id="11" name="TextBox 10">
+            <a:extLst>
+              <a:ext uri="{FF2B5EF4-FFF2-40B4-BE49-F238E27FC236}">
+                <a16:creationId xmlns:a16="http://schemas.microsoft.com/office/drawing/2014/main" id="{A5EF1E4E-4466-98F1-8925-C7D280A66A92}"/>
+              </a:ext>
+            </a:extLst>
+          </p:cNvPr>
+          <p:cNvSpPr txBox="1"/>
+          <p:nvPr/>
+        </p:nvSpPr>
+        <p:spPr>
+          <a:xfrm>
+            <a:off x="3777435" y="2900201"/>
+            <a:ext cx="3141405" cy="369332"/>
+          </a:xfrm>
+          <a:prstGeom prst="rect">
+            <a:avLst/>
+          </a:prstGeom>
+          <a:noFill/>
+        </p:spPr>
+        <p:txBody>
+          <a:bodyPr wrap="square" rtlCol="0">
+            <a:spAutoFit/>
+          </a:bodyPr>
+          <a:lstStyle/>
+          <a:p>
+            <a:r>
+              <a:rPr lang="en-US" dirty="0"/>
+              <a:t>Adjacency matric for graph G</a:t>
+            </a:r>
+          </a:p>
+        </p:txBody>
+      </p:sp>
+    </p:spTree>
+    <p:extLst>
+      <p:ext uri="{BB962C8B-B14F-4D97-AF65-F5344CB8AC3E}">
+        <p14:creationId xmlns:p14="http://schemas.microsoft.com/office/powerpoint/2010/main" val="3008078961"/>
+      </p:ext>
+    </p:extLst>
+  </p:cSld>
+  <p:clrMapOvr>
+    <a:masterClrMapping/>
+  </p:clrMapOvr>
 </p:sld>
 </file>
 
@@ -29418,6 +36499,15 @@
 </file>
 
 <file path=customXml/item2.xml><?xml version="1.0" encoding="utf-8"?>
+<p:properties xmlns:p="http://schemas.microsoft.com/office/2006/metadata/properties" xmlns:xsi="http://www.w3.org/2001/XMLSchema-instance" xmlns:pc="http://schemas.microsoft.com/office/infopath/2007/PartnerControls">
+  <documentManagement>
+    <Status xmlns="71af3243-3dd4-4a8d-8c0d-dd76da1f02a5">Not started</Status>
+    <MediaServiceKeyPoints xmlns="71af3243-3dd4-4a8d-8c0d-dd76da1f02a5" xsi:nil="true"/>
+  </documentManagement>
+</p:properties>
+</file>
+
+<file path=customXml/item3.xml><?xml version="1.0" encoding="utf-8"?>
 <ct:contentTypeSchema xmlns:ct="http://schemas.microsoft.com/office/2006/metadata/contentType" xmlns:ma="http://schemas.microsoft.com/office/2006/metadata/properties/metaAttributes" ct:_="" ma:_="" ma:contentTypeName="Document" ma:contentTypeID="0x01010079F111ED35F8CC479449609E8A0923A6" ma:contentTypeVersion="12" ma:contentTypeDescription="Create a new document." ma:contentTypeScope="" ma:versionID="a410dd7f93c95333ffa1b60ed6adedd1">
   <xsd:schema xmlns:xsd="http://www.w3.org/2001/XMLSchema" xmlns:xs="http://www.w3.org/2001/XMLSchema" xmlns:p="http://schemas.microsoft.com/office/2006/metadata/properties" xmlns:ns2="71af3243-3dd4-4a8d-8c0d-dd76da1f02a5" xmlns:ns3="16c05727-aa75-4e4a-9b5f-8a80a1165891" targetNamespace="http://schemas.microsoft.com/office/2006/metadata/properties" ma:root="true" ma:fieldsID="a936d9baba76aa3866493feff160faab" ns2:_="" ns3:_="">
     <xsd:import namespace="71af3243-3dd4-4a8d-8c0d-dd76da1f02a5"/>
@@ -29638,15 +36728,6 @@
 </ct:contentTypeSchema>
 </file>
 
-<file path=customXml/item3.xml><?xml version="1.0" encoding="utf-8"?>
-<p:properties xmlns:p="http://schemas.microsoft.com/office/2006/metadata/properties" xmlns:xsi="http://www.w3.org/2001/XMLSchema-instance" xmlns:pc="http://schemas.microsoft.com/office/infopath/2007/PartnerControls">
-  <documentManagement>
-    <Status xmlns="71af3243-3dd4-4a8d-8c0d-dd76da1f02a5">Not started</Status>
-    <MediaServiceKeyPoints xmlns="71af3243-3dd4-4a8d-8c0d-dd76da1f02a5" xsi:nil="true"/>
-  </documentManagement>
-</p:properties>
-</file>
-
 <file path=customXml/itemProps1.xml><?xml version="1.0" encoding="utf-8"?>
 <ds:datastoreItem xmlns:ds="http://schemas.openxmlformats.org/officeDocument/2006/customXml" ds:itemID="{31F006B4-A9E1-4F39-85C8-FB836F919348}">
   <ds:schemaRefs>
@@ -29656,6 +36737,16 @@
 </file>
 
 <file path=customXml/itemProps2.xml><?xml version="1.0" encoding="utf-8"?>
+<ds:datastoreItem xmlns:ds="http://schemas.openxmlformats.org/officeDocument/2006/customXml" ds:itemID="{8F3CD65D-61A5-43C9-A837-6EC73C7DA8AB}">
+  <ds:schemaRefs>
+    <ds:schemaRef ds:uri="http://schemas.microsoft.com/office/2006/metadata/properties"/>
+    <ds:schemaRef ds:uri="http://schemas.microsoft.com/office/infopath/2007/PartnerControls"/>
+    <ds:schemaRef ds:uri="71af3243-3dd4-4a8d-8c0d-dd76da1f02a5"/>
+  </ds:schemaRefs>
+</ds:datastoreItem>
+</file>
+
+<file path=customXml/itemProps3.xml><?xml version="1.0" encoding="utf-8"?>
 <ds:datastoreItem xmlns:ds="http://schemas.openxmlformats.org/officeDocument/2006/customXml" ds:itemID="{16377351-63A1-4C2E-8C9A-66CDD70F16AC}">
   <ds:schemaRefs>
     <ds:schemaRef ds:uri="http://schemas.microsoft.com/office/2006/metadata/contentType"/>
@@ -29672,14 +36763,4 @@
     <ds:schemaRef ds:uri="http://schemas.microsoft.com/internal/obd"/>
   </ds:schemaRefs>
 </ds:datastoreItem>
-</file>
-
-<file path=customXml/itemProps3.xml><?xml version="1.0" encoding="utf-8"?>
-<ds:datastoreItem xmlns:ds="http://schemas.openxmlformats.org/officeDocument/2006/customXml" ds:itemID="{8F3CD65D-61A5-43C9-A837-6EC73C7DA8AB}">
-  <ds:schemaRefs>
-    <ds:schemaRef ds:uri="http://schemas.microsoft.com/office/2006/metadata/properties"/>
-    <ds:schemaRef ds:uri="http://schemas.microsoft.com/office/infopath/2007/PartnerControls"/>
-    <ds:schemaRef ds:uri="71af3243-3dd4-4a8d-8c0d-dd76da1f02a5"/>
-  </ds:schemaRefs>
-</ds:datastoreItem>
 </file>